--- a/28_Refs.pptx
+++ b/28_Refs.pptx
@@ -5,28 +5,31 @@
     <p:sldMasterId id="2147483648" r:id="rId1"/>
   </p:sldMasterIdLst>
   <p:notesMasterIdLst>
-    <p:notesMasterId r:id="rId21"/>
+    <p:notesMasterId r:id="rId24"/>
   </p:notesMasterIdLst>
   <p:sldIdLst>
     <p:sldId id="256" r:id="rId2"/>
     <p:sldId id="263" r:id="rId3"/>
-    <p:sldId id="264" r:id="rId4"/>
-    <p:sldId id="265" r:id="rId5"/>
+    <p:sldId id="281" r:id="rId4"/>
+    <p:sldId id="264" r:id="rId5"/>
     <p:sldId id="266" r:id="rId6"/>
-    <p:sldId id="268" r:id="rId7"/>
-    <p:sldId id="267" r:id="rId8"/>
-    <p:sldId id="269" r:id="rId9"/>
-    <p:sldId id="272" r:id="rId10"/>
-    <p:sldId id="270" r:id="rId11"/>
-    <p:sldId id="271" r:id="rId12"/>
-    <p:sldId id="273" r:id="rId13"/>
-    <p:sldId id="274" r:id="rId14"/>
-    <p:sldId id="275" r:id="rId15"/>
-    <p:sldId id="277" r:id="rId16"/>
-    <p:sldId id="276" r:id="rId17"/>
-    <p:sldId id="278" r:id="rId18"/>
-    <p:sldId id="279" r:id="rId19"/>
-    <p:sldId id="259" r:id="rId20"/>
+    <p:sldId id="280" r:id="rId7"/>
+    <p:sldId id="282" r:id="rId8"/>
+    <p:sldId id="268" r:id="rId9"/>
+    <p:sldId id="284" r:id="rId10"/>
+    <p:sldId id="283" r:id="rId11"/>
+    <p:sldId id="285" r:id="rId12"/>
+    <p:sldId id="286" r:id="rId13"/>
+    <p:sldId id="287" r:id="rId14"/>
+    <p:sldId id="289" r:id="rId15"/>
+    <p:sldId id="288" r:id="rId16"/>
+    <p:sldId id="290" r:id="rId17"/>
+    <p:sldId id="291" r:id="rId18"/>
+    <p:sldId id="293" r:id="rId19"/>
+    <p:sldId id="276" r:id="rId20"/>
+    <p:sldId id="278" r:id="rId21"/>
+    <p:sldId id="279" r:id="rId22"/>
+    <p:sldId id="259" r:id="rId23"/>
   </p:sldIdLst>
   <p:sldSz cx="9144000" cy="6858000" type="screen4x3"/>
   <p:notesSz cx="6858000" cy="9144000"/>
@@ -227,7 +230,7 @@
             <a:fld id="{6837EDA8-41C8-4B24-A206-13C08A65A6D7}" type="datetimeFigureOut">
               <a:rPr lang="zh-TW" altLang="en-US" smtClean="0"/>
               <a:pPr/>
-              <a:t>2019/3/11</a:t>
+              <a:t>2020/5/26</a:t>
             </a:fld>
             <a:endParaRPr lang="zh-TW" altLang="en-US"/>
           </a:p>
@@ -680,7 +683,7 @@
             <a:fld id="{8B85509C-BD4F-47BF-9B1E-FC2E949B3621}" type="datetime1">
               <a:rPr lang="zh-TW" altLang="en-US" smtClean="0"/>
               <a:pPr/>
-              <a:t>2019/3/11</a:t>
+              <a:t>2020/5/26</a:t>
             </a:fld>
             <a:endParaRPr lang="zh-TW" altLang="en-US"/>
           </a:p>
@@ -853,7 +856,7 @@
             <a:fld id="{42251B24-F787-4C15-8A0F-7AEC20C70069}" type="datetime1">
               <a:rPr lang="zh-TW" altLang="en-US" smtClean="0"/>
               <a:pPr/>
-              <a:t>2019/3/11</a:t>
+              <a:t>2020/5/26</a:t>
             </a:fld>
             <a:endParaRPr lang="zh-TW" altLang="en-US"/>
           </a:p>
@@ -1028,7 +1031,7 @@
             <a:fld id="{9CA0D33C-CE2B-45F1-B8D4-FFD1F131F331}" type="datetime1">
               <a:rPr lang="zh-TW" altLang="en-US" smtClean="0"/>
               <a:pPr/>
-              <a:t>2019/3/11</a:t>
+              <a:t>2020/5/26</a:t>
             </a:fld>
             <a:endParaRPr lang="zh-TW" altLang="en-US"/>
           </a:p>
@@ -1193,7 +1196,7 @@
             <a:fld id="{50B99440-D9EF-40CC-9B52-F6428D9B2C76}" type="datetime1">
               <a:rPr lang="zh-TW" altLang="en-US" smtClean="0"/>
               <a:pPr/>
-              <a:t>2019/3/11</a:t>
+              <a:t>2020/5/26</a:t>
             </a:fld>
             <a:endParaRPr lang="zh-TW" altLang="en-US"/>
           </a:p>
@@ -1435,7 +1438,7 @@
             <a:fld id="{0871BF52-5C6C-4959-8E27-CECB68D39FE4}" type="datetime1">
               <a:rPr lang="zh-TW" altLang="en-US" smtClean="0"/>
               <a:pPr/>
-              <a:t>2019/3/11</a:t>
+              <a:t>2020/5/26</a:t>
             </a:fld>
             <a:endParaRPr lang="zh-TW" altLang="en-US"/>
           </a:p>
@@ -1717,7 +1720,7 @@
             <a:fld id="{DF863F05-2DD9-4EB1-A827-12FD992DE9DC}" type="datetime1">
               <a:rPr lang="zh-TW" altLang="en-US" smtClean="0"/>
               <a:pPr/>
-              <a:t>2019/3/11</a:t>
+              <a:t>2020/5/26</a:t>
             </a:fld>
             <a:endParaRPr lang="zh-TW" altLang="en-US"/>
           </a:p>
@@ -2133,7 +2136,7 @@
             <a:fld id="{6339AF51-4491-4873-A096-75DB6CE47516}" type="datetime1">
               <a:rPr lang="zh-TW" altLang="en-US" smtClean="0"/>
               <a:pPr/>
-              <a:t>2019/3/11</a:t>
+              <a:t>2020/5/26</a:t>
             </a:fld>
             <a:endParaRPr lang="zh-TW" altLang="en-US"/>
           </a:p>
@@ -2247,7 +2250,7 @@
             <a:fld id="{EE4AD9C8-8B9E-40FF-ABE2-858AC2057BBB}" type="datetime1">
               <a:rPr lang="zh-TW" altLang="en-US" smtClean="0"/>
               <a:pPr/>
-              <a:t>2019/3/11</a:t>
+              <a:t>2020/5/26</a:t>
             </a:fld>
             <a:endParaRPr lang="zh-TW" altLang="en-US"/>
           </a:p>
@@ -2339,7 +2342,7 @@
             <a:fld id="{B4784999-BBBE-4BE4-A8D0-877E7D1D66CC}" type="datetime1">
               <a:rPr lang="zh-TW" altLang="en-US" smtClean="0"/>
               <a:pPr/>
-              <a:t>2019/3/11</a:t>
+              <a:t>2020/5/26</a:t>
             </a:fld>
             <a:endParaRPr lang="zh-TW" altLang="en-US"/>
           </a:p>
@@ -2611,7 +2614,7 @@
             <a:fld id="{E88D17E6-02BD-4944-B9FE-7BFCCBF83D48}" type="datetime1">
               <a:rPr lang="zh-TW" altLang="en-US" smtClean="0"/>
               <a:pPr/>
-              <a:t>2019/3/11</a:t>
+              <a:t>2020/5/26</a:t>
             </a:fld>
             <a:endParaRPr lang="zh-TW" altLang="en-US"/>
           </a:p>
@@ -2860,7 +2863,7 @@
             <a:fld id="{3C13E23D-1FEF-4D78-A3A3-3D6F2BB31954}" type="datetime1">
               <a:rPr lang="zh-TW" altLang="en-US" smtClean="0"/>
               <a:pPr/>
-              <a:t>2019/3/11</a:t>
+              <a:t>2020/5/26</a:t>
             </a:fld>
             <a:endParaRPr lang="zh-TW" altLang="en-US"/>
           </a:p>
@@ -3068,7 +3071,7 @@
             <a:fld id="{06197F35-AD6F-4594-8B50-334492D2E7E8}" type="datetime1">
               <a:rPr lang="zh-TW" altLang="en-US" smtClean="0"/>
               <a:pPr/>
-              <a:t>2019/3/11</a:t>
+              <a:t>2020/5/26</a:t>
             </a:fld>
             <a:endParaRPr lang="zh-TW" altLang="en-US"/>
           </a:p>
@@ -3529,7 +3532,7 @@
             <a:fld id="{C389EDC9-19E3-47AC-9C57-C6A24DEA81AD}" type="datetime1">
               <a:rPr lang="zh-TW" altLang="en-US" smtClean="0"/>
               <a:pPr/>
-              <a:t>2019/3/11</a:t>
+              <a:t>2020/5/26</a:t>
             </a:fld>
             <a:endParaRPr lang="zh-TW" altLang="en-US"/>
           </a:p>
@@ -3671,7 +3674,7 @@
                   <a:srgbClr val="FFFF00"/>
                 </a:solidFill>
               </a:rPr>
-              <a:t>28 Refs</a:t>
+              <a:t>28.3 First Step</a:t>
             </a:r>
             <a:endParaRPr lang="zh-TW" altLang="en-US" b="1" dirty="0">
               <a:solidFill>
@@ -3694,7 +3697,7 @@
         <p:spPr>
           <a:xfrm>
             <a:off x="467544" y="1340768"/>
-            <a:ext cx="8352928" cy="1224136"/>
+            <a:ext cx="3379542" cy="5015582"/>
           </a:xfrm>
           <a:ln>
             <a:solidFill>
@@ -3719,33 +3722,15 @@
             <a:r>
               <a:rPr lang="en-US" altLang="zh-TW" sz="1600" b="1" dirty="0">
                 <a:solidFill>
-                  <a:schemeClr val="tx1"/>
+                  <a:srgbClr val="C00000"/>
                 </a:solidFill>
                 <a:latin typeface="+mj-lt"/>
               </a:rPr>
-              <a:t>We create a property </a:t>
-            </a:r>
-            <a:r>
-              <a:rPr lang="en-US" altLang="zh-TW" sz="1600" b="1" dirty="0" err="1">
-                <a:solidFill>
-                  <a:schemeClr val="tx1"/>
-                </a:solidFill>
-                <a:latin typeface="+mj-lt"/>
-              </a:rPr>
-              <a:t>this.inputRef</a:t>
-            </a:r>
-            <a:r>
-              <a:rPr lang="en-US" altLang="zh-TW" sz="1600" b="1" dirty="0">
-                <a:solidFill>
-                  <a:schemeClr val="tx1"/>
-                </a:solidFill>
-                <a:latin typeface="+mj-lt"/>
-              </a:rPr>
-              <a:t>.</a:t>
-            </a:r>
-          </a:p>
-          <a:p>
-            <a:pPr marL="342900" indent="-342900" algn="l">
+              <a:t>First step: Create Input Ref</a:t>
+            </a:r>
+          </a:p>
+          <a:p>
+            <a:pPr marL="800100" lvl="1" indent="-342900" algn="l">
               <a:buClr>
                 <a:srgbClr val="0070C0"/>
               </a:buClr>
@@ -3754,53 +3739,35 @@
               <a:buChar char="u"/>
             </a:pPr>
             <a:r>
-              <a:rPr lang="en-US" altLang="zh-TW" sz="1600" b="1" dirty="0">
+              <a:rPr lang="en-US" altLang="zh-TW" sz="1800" dirty="0">
                 <a:solidFill>
                   <a:schemeClr val="tx1"/>
                 </a:solidFill>
                 <a:latin typeface="+mj-lt"/>
               </a:rPr>
-              <a:t>We assign </a:t>
-            </a:r>
-            <a:r>
-              <a:rPr lang="en-US" altLang="zh-TW" sz="1600" b="1" dirty="0" err="1">
+              <a:t>Create a refs using </a:t>
+            </a:r>
+            <a:r>
+              <a:rPr lang="en-US" altLang="zh-TW" sz="1800" dirty="0" err="1">
                 <a:solidFill>
                   <a:schemeClr val="tx1"/>
                 </a:solidFill>
                 <a:latin typeface="+mj-lt"/>
               </a:rPr>
-              <a:t>this.inputRef</a:t>
-            </a:r>
-            <a:r>
-              <a:rPr lang="en-US" altLang="zh-TW" sz="1600" b="1" dirty="0">
+              <a:t>React.createRef</a:t>
+            </a:r>
+            <a:r>
+              <a:rPr lang="en-US" altLang="zh-TW" sz="1800" dirty="0">
                 <a:solidFill>
                   <a:schemeClr val="tx1"/>
                 </a:solidFill>
                 <a:latin typeface="+mj-lt"/>
               </a:rPr>
-              <a:t> = </a:t>
-            </a:r>
-            <a:r>
-              <a:rPr lang="en-US" altLang="zh-TW" sz="1600" b="1" dirty="0" err="1">
-                <a:solidFill>
-                  <a:schemeClr val="tx1"/>
-                </a:solidFill>
-                <a:latin typeface="+mj-lt"/>
-              </a:rPr>
-              <a:t>CreateRef</a:t>
-            </a:r>
-            <a:r>
-              <a:rPr lang="en-US" altLang="zh-TW" sz="1600" b="1" dirty="0">
-                <a:solidFill>
-                  <a:schemeClr val="tx1"/>
-                </a:solidFill>
-                <a:latin typeface="+mj-lt"/>
-              </a:rPr>
-              <a:t> ();</a:t>
-            </a:r>
-          </a:p>
-          <a:p>
-            <a:pPr marL="342900" indent="-342900" algn="l">
+              <a:t>() method.</a:t>
+            </a:r>
+          </a:p>
+          <a:p>
+            <a:pPr marL="800100" lvl="1" indent="-342900" algn="l">
               <a:buClr>
                 <a:srgbClr val="0070C0"/>
               </a:buClr>
@@ -3809,17 +3776,35 @@
               <a:buChar char="u"/>
             </a:pPr>
             <a:r>
-              <a:rPr lang="en-US" altLang="zh-TW" sz="1600" b="1" dirty="0">
+              <a:rPr lang="en-US" altLang="zh-TW" sz="1800" dirty="0">
                 <a:solidFill>
                   <a:schemeClr val="tx1"/>
                 </a:solidFill>
                 <a:latin typeface="+mj-lt"/>
               </a:rPr>
-              <a:t>It is common to create refs in the constructor so that they can be referenced throughout the component.</a:t>
-            </a:r>
-          </a:p>
-          <a:p>
-            <a:pPr marL="342900" indent="-342900" algn="l">
+              <a:t>In Refs.Demo.js, type ‘</a:t>
+            </a:r>
+            <a:r>
+              <a:rPr lang="en-US" altLang="zh-TW" sz="1800" dirty="0" err="1">
+                <a:solidFill>
+                  <a:schemeClr val="tx1"/>
+                </a:solidFill>
+                <a:latin typeface="+mj-lt"/>
+              </a:rPr>
+              <a:t>rcons</a:t>
+            </a:r>
+            <a:r>
+              <a:rPr lang="en-US" altLang="zh-TW" sz="1800" dirty="0">
+                <a:solidFill>
+                  <a:schemeClr val="tx1"/>
+                </a:solidFill>
+                <a:latin typeface="+mj-lt"/>
+              </a:rPr>
+              <a:t>’ (React Constructor).</a:t>
+            </a:r>
+          </a:p>
+          <a:p>
+            <a:pPr marL="800100" lvl="1" indent="-342900" algn="l">
               <a:buClr>
                 <a:srgbClr val="0070C0"/>
               </a:buClr>
@@ -3827,15 +3812,18 @@
               <a:buFont typeface="Wingdings" pitchFamily="2" charset="2"/>
               <a:buChar char="u"/>
             </a:pPr>
-            <a:endParaRPr lang="en-US" altLang="zh-TW" sz="1600" b="1" dirty="0">
-              <a:solidFill>
-                <a:schemeClr val="tx1"/>
-              </a:solidFill>
-              <a:latin typeface="+mj-lt"/>
-            </a:endParaRPr>
-          </a:p>
-          <a:p>
-            <a:pPr marL="342900" indent="-342900" algn="l">
+            <a:r>
+              <a:rPr lang="en-US" altLang="zh-TW" sz="1800" dirty="0">
+                <a:solidFill>
+                  <a:schemeClr val="tx1"/>
+                </a:solidFill>
+                <a:latin typeface="+mj-lt"/>
+              </a:rPr>
+              <a:t>Within the constructor, we create the new property, </a:t>
+            </a:r>
+          </a:p>
+          <a:p>
+            <a:pPr marL="800100" lvl="1" indent="-342900" algn="l">
               <a:buClr>
                 <a:srgbClr val="0070C0"/>
               </a:buClr>
@@ -3843,12 +3831,70 @@
               <a:buFont typeface="Wingdings" pitchFamily="2" charset="2"/>
               <a:buChar char="u"/>
             </a:pPr>
-            <a:endParaRPr lang="en-US" altLang="zh-TW" sz="1600" b="1" dirty="0">
-              <a:solidFill>
-                <a:schemeClr val="tx1"/>
-              </a:solidFill>
-              <a:latin typeface="+mj-lt"/>
-            </a:endParaRPr>
+            <a:r>
+              <a:rPr lang="en-US" altLang="zh-TW" sz="1800" dirty="0">
+                <a:solidFill>
+                  <a:schemeClr val="tx1"/>
+                </a:solidFill>
+                <a:latin typeface="+mj-lt"/>
+              </a:rPr>
+              <a:t>&gt; </a:t>
+            </a:r>
+            <a:r>
+              <a:rPr lang="en-US" altLang="zh-TW" sz="1800" dirty="0" err="1">
+                <a:solidFill>
+                  <a:schemeClr val="tx1"/>
+                </a:solidFill>
+                <a:latin typeface="+mj-lt"/>
+              </a:rPr>
+              <a:t>this.inputRef</a:t>
+            </a:r>
+            <a:r>
+              <a:rPr lang="en-US" altLang="zh-TW" sz="1800" dirty="0">
+                <a:solidFill>
+                  <a:schemeClr val="tx1"/>
+                </a:solidFill>
+                <a:latin typeface="+mj-lt"/>
+              </a:rPr>
+              <a:t> = </a:t>
+            </a:r>
+            <a:r>
+              <a:rPr lang="en-US" altLang="zh-TW" sz="1800" dirty="0" err="1">
+                <a:solidFill>
+                  <a:schemeClr val="tx1"/>
+                </a:solidFill>
+                <a:latin typeface="+mj-lt"/>
+              </a:rPr>
+              <a:t>React,createRef</a:t>
+            </a:r>
+            <a:r>
+              <a:rPr lang="en-US" altLang="zh-TW" sz="1800" dirty="0">
+                <a:solidFill>
+                  <a:schemeClr val="tx1"/>
+                </a:solidFill>
+                <a:latin typeface="+mj-lt"/>
+              </a:rPr>
+              <a:t>();</a:t>
+            </a:r>
+          </a:p>
+          <a:p>
+            <a:pPr marL="800100" lvl="1" indent="-342900" algn="l">
+              <a:buClr>
+                <a:srgbClr val="0070C0"/>
+              </a:buClr>
+              <a:buSzPct val="80000"/>
+              <a:buFont typeface="Wingdings" pitchFamily="2" charset="2"/>
+              <a:buChar char="u"/>
+            </a:pPr>
+            <a:r>
+              <a:rPr lang="en-US" altLang="zh-TW" sz="1800" dirty="0">
+                <a:solidFill>
+                  <a:schemeClr val="tx1"/>
+                </a:solidFill>
+                <a:latin typeface="+mj-lt"/>
+              </a:rPr>
+              <a:t>It is common to create reference in the constructor so that they cane be reference throughout the component.</a:t>
+            </a:r>
           </a:p>
         </p:txBody>
       </p:sp>
@@ -3903,7 +3949,7 @@
           <a:p>
             <a:r>
               <a:rPr lang="en-US" altLang="zh-TW" sz="1600" b="1" i="1" dirty="0"/>
-              <a:t>https://www.youtube.com/watch?v=FXa9mMTKOu8&amp;index=28&amp;list=PLC3y8-rFHvwgg3vaYJgHGnModB54rxOk3</a:t>
+              <a:t>https://www.youtube.com/watch?v=FXa9mMTKOu8&amp;list=PLC3y8-rFHvwgg3vaYJgHGnModB54rxOk3&amp;index=28</a:t>
             </a:r>
           </a:p>
         </p:txBody>
@@ -3931,7 +3977,7 @@
             <a:fld id="{A4F910E6-8D00-4BAF-8C48-9688E0B449D3}" type="datetime1">
               <a:rPr lang="zh-TW" altLang="en-US" smtClean="0"/>
               <a:pPr/>
-              <a:t>2019/3/11</a:t>
+              <a:t>2020/5/26</a:t>
             </a:fld>
             <a:endParaRPr lang="zh-TW" altLang="en-US"/>
           </a:p>
@@ -3971,7 +4017,7 @@
           <p:cNvPr id="7" name="Picture 6">
             <a:extLst>
               <a:ext uri="{FF2B5EF4-FFF2-40B4-BE49-F238E27FC236}">
-                <a16:creationId xmlns:a16="http://schemas.microsoft.com/office/drawing/2014/main" id="{45FDDE1D-F8D6-4BAB-B892-10EB97E609AF}"/>
+                <a16:creationId xmlns:a16="http://schemas.microsoft.com/office/drawing/2014/main" id="{3AED2DCC-A03F-4626-9606-6E6F7A4023D0}"/>
               </a:ext>
             </a:extLst>
           </p:cNvPr>
@@ -3988,8 +4034,8 @@
         </p:blipFill>
         <p:spPr>
           <a:xfrm>
-            <a:off x="2051720" y="2742352"/>
-            <a:ext cx="4267200" cy="3905250"/>
+            <a:off x="3923928" y="1318781"/>
+            <a:ext cx="4974806" cy="4882108"/>
           </a:xfrm>
           <a:prstGeom prst="rect">
             <a:avLst/>
@@ -4003,10 +4049,10 @@
       </p:pic>
       <p:sp>
         <p:nvSpPr>
-          <p:cNvPr id="9" name="Rectangle 8">
+          <p:cNvPr id="8" name="Rectangle 7">
             <a:extLst>
               <a:ext uri="{FF2B5EF4-FFF2-40B4-BE49-F238E27FC236}">
-                <a16:creationId xmlns:a16="http://schemas.microsoft.com/office/drawing/2014/main" id="{4103CE5A-BD54-4457-AF72-5BEBBD740294}"/>
+                <a16:creationId xmlns:a16="http://schemas.microsoft.com/office/drawing/2014/main" id="{1DA56649-33B2-49FD-B694-8AC2D349A854}"/>
               </a:ext>
             </a:extLst>
           </p:cNvPr>
@@ -4015,8 +4061,8 @@
         </p:nvSpPr>
         <p:spPr>
           <a:xfrm>
-            <a:off x="3131840" y="4011688"/>
-            <a:ext cx="2736304" cy="425424"/>
+            <a:off x="4572000" y="2204864"/>
+            <a:ext cx="2808312" cy="792088"/>
           </a:xfrm>
           <a:prstGeom prst="rect">
             <a:avLst/>
@@ -4056,7 +4102,7 @@
     </p:spTree>
     <p:extLst>
       <p:ext uri="{BB962C8B-B14F-4D97-AF65-F5344CB8AC3E}">
-        <p14:creationId xmlns:p14="http://schemas.microsoft.com/office/powerpoint/2010/main" val="4252172897"/>
+        <p14:creationId xmlns:p14="http://schemas.microsoft.com/office/powerpoint/2010/main" val="2090595349"/>
       </p:ext>
     </p:extLst>
   </p:cSld>
@@ -4083,41 +4129,157 @@
           <a:chExt cx="0" cy="0"/>
         </a:xfrm>
       </p:grpSpPr>
+      <p:sp>
+        <p:nvSpPr>
+          <p:cNvPr id="2" name="標題 1"/>
+          <p:cNvSpPr>
+            <a:spLocks noGrp="1"/>
+          </p:cNvSpPr>
+          <p:nvPr>
+            <p:ph type="ctrTitle"/>
+          </p:nvPr>
+        </p:nvSpPr>
+        <p:spPr>
+          <a:xfrm>
+            <a:off x="0" y="2130425"/>
+            <a:ext cx="9144000" cy="1470025"/>
+          </a:xfrm>
+          <a:solidFill>
+            <a:srgbClr val="00B0F0"/>
+          </a:solidFill>
+        </p:spPr>
+        <p:txBody>
+          <a:bodyPr>
+            <a:normAutofit/>
+          </a:bodyPr>
+          <a:lstStyle/>
+          <a:p>
+            <a:r>
+              <a:rPr lang="en-US" altLang="zh-TW" sz="4800" b="1" dirty="0">
+                <a:solidFill>
+                  <a:srgbClr val="FFFF00"/>
+                </a:solidFill>
+              </a:rPr>
+              <a:t>28.4 Second Step</a:t>
+            </a:r>
+            <a:endParaRPr lang="zh-TW" altLang="en-US" sz="4800" b="1" dirty="0">
+              <a:solidFill>
+                <a:srgbClr val="FFFF00"/>
+              </a:solidFill>
+            </a:endParaRPr>
+          </a:p>
+        </p:txBody>
+      </p:sp>
+      <p:sp>
+        <p:nvSpPr>
+          <p:cNvPr id="5" name="日期版面配置區 4"/>
+          <p:cNvSpPr>
+            <a:spLocks noGrp="1"/>
+          </p:cNvSpPr>
+          <p:nvPr>
+            <p:ph type="dt" sz="half" idx="10"/>
+          </p:nvPr>
+        </p:nvSpPr>
+        <p:spPr/>
+        <p:txBody>
+          <a:bodyPr/>
+          <a:lstStyle/>
+          <a:p>
+            <a:fld id="{C389EDC9-19E3-47AC-9C57-C6A24DEA81AD}" type="datetime1">
+              <a:rPr lang="zh-TW" altLang="en-US" smtClean="0"/>
+              <a:pPr/>
+              <a:t>2020/5/26</a:t>
+            </a:fld>
+            <a:endParaRPr lang="zh-TW" altLang="en-US"/>
+          </a:p>
+        </p:txBody>
+      </p:sp>
+      <p:sp>
+        <p:nvSpPr>
+          <p:cNvPr id="6" name="投影片編號版面配置區 5"/>
+          <p:cNvSpPr>
+            <a:spLocks noGrp="1"/>
+          </p:cNvSpPr>
+          <p:nvPr>
+            <p:ph type="sldNum" sz="quarter" idx="12"/>
+          </p:nvPr>
+        </p:nvSpPr>
+        <p:spPr/>
+        <p:txBody>
+          <a:bodyPr/>
+          <a:lstStyle/>
+          <a:p>
+            <a:fld id="{E4D7E63D-91F2-4366-A2C4-1B00C9E2590E}" type="slidenum">
+              <a:rPr lang="zh-TW" altLang="en-US" smtClean="0"/>
+              <a:pPr/>
+              <a:t>11</a:t>
+            </a:fld>
+            <a:endParaRPr lang="zh-TW" altLang="en-US"/>
+          </a:p>
+        </p:txBody>
+      </p:sp>
       <p:pic>
         <p:nvPicPr>
-          <p:cNvPr id="12" name="Picture 11">
-            <a:extLst>
-              <a:ext uri="{FF2B5EF4-FFF2-40B4-BE49-F238E27FC236}">
-                <a16:creationId xmlns:a16="http://schemas.microsoft.com/office/drawing/2014/main" id="{59AA2FBF-7D71-4139-BA6B-06CCDF0E6242}"/>
-              </a:ext>
-            </a:extLst>
-          </p:cNvPr>
+          <p:cNvPr id="2050" name="Picture 2"/>
           <p:cNvPicPr>
-            <a:picLocks noChangeAspect="1"/>
+            <a:picLocks noChangeAspect="1" noChangeArrowheads="1"/>
           </p:cNvPicPr>
           <p:nvPr/>
         </p:nvPicPr>
         <p:blipFill>
-          <a:blip r:embed="rId2"/>
+          <a:blip r:embed="rId2" cstate="print"/>
+          <a:srcRect/>
           <a:stretch>
             <a:fillRect/>
           </a:stretch>
         </p:blipFill>
-        <p:spPr>
-          <a:xfrm>
-            <a:off x="2550453" y="3166942"/>
-            <a:ext cx="4105275" cy="3638550"/>
+        <p:spPr bwMode="auto">
+          <a:xfrm>
+            <a:off x="4283968" y="3717032"/>
+            <a:ext cx="713805" cy="644588"/>
           </a:xfrm>
           <a:prstGeom prst="rect">
             <a:avLst/>
           </a:prstGeom>
-          <a:ln>
-            <a:solidFill>
-              <a:srgbClr val="C00000"/>
-            </a:solidFill>
+          <a:noFill/>
+          <a:ln w="9525">
+            <a:noFill/>
+            <a:miter lim="800000"/>
+            <a:headEnd/>
+            <a:tailEnd/>
           </a:ln>
         </p:spPr>
       </p:pic>
+    </p:spTree>
+    <p:extLst>
+      <p:ext uri="{BB962C8B-B14F-4D97-AF65-F5344CB8AC3E}">
+        <p14:creationId xmlns:p14="http://schemas.microsoft.com/office/powerpoint/2010/main" val="2677846340"/>
+      </p:ext>
+    </p:extLst>
+  </p:cSld>
+  <p:clrMapOvr>
+    <a:masterClrMapping/>
+  </p:clrMapOvr>
+</p:sld>
+</file>
+
+<file path=ppt/slides/slide12.xml><?xml version="1.0" encoding="utf-8"?>
+<p:sld xmlns:a="http://schemas.openxmlformats.org/drawingml/2006/main" xmlns:r="http://schemas.openxmlformats.org/officeDocument/2006/relationships" xmlns:p="http://schemas.openxmlformats.org/presentationml/2006/main">
+  <p:cSld>
+    <p:spTree>
+      <p:nvGrpSpPr>
+        <p:cNvPr id="1" name=""/>
+        <p:cNvGrpSpPr/>
+        <p:nvPr/>
+      </p:nvGrpSpPr>
+      <p:grpSpPr>
+        <a:xfrm>
+          <a:off x="0" y="0"/>
+          <a:ext cx="0" cy="0"/>
+          <a:chOff x="0" y="0"/>
+          <a:chExt cx="0" cy="0"/>
+        </a:xfrm>
+      </p:grpSpPr>
       <p:sp>
         <p:nvSpPr>
           <p:cNvPr id="2" name="標題 1"/>
@@ -4173,7 +4335,7 @@
                   <a:srgbClr val="FFFF00"/>
                 </a:solidFill>
               </a:rPr>
-              <a:t>28 Refs</a:t>
+              <a:t>28.4 Second Step</a:t>
             </a:r>
             <a:endParaRPr lang="zh-TW" altLang="en-US" b="1" dirty="0">
               <a:solidFill>
@@ -4196,7 +4358,7 @@
         <p:spPr>
           <a:xfrm>
             <a:off x="467544" y="1340768"/>
-            <a:ext cx="8352928" cy="1584176"/>
+            <a:ext cx="3379542" cy="3888432"/>
           </a:xfrm>
           <a:ln>
             <a:solidFill>
@@ -4221,15 +4383,15 @@
             <a:r>
               <a:rPr lang="en-US" altLang="zh-TW" sz="1600" b="1" dirty="0">
                 <a:solidFill>
-                  <a:schemeClr val="tx1"/>
+                  <a:srgbClr val="C00000"/>
                 </a:solidFill>
                 <a:latin typeface="+mj-lt"/>
               </a:rPr>
-              <a:t>The Second Step is to attach this ref to our input element in the render method.</a:t>
-            </a:r>
-          </a:p>
-          <a:p>
-            <a:pPr marL="342900" indent="-342900" algn="l">
+              <a:t>Second step: Attach Input Ref</a:t>
+            </a:r>
+          </a:p>
+          <a:p>
+            <a:pPr marL="800100" lvl="1" indent="-342900" algn="l">
               <a:buClr>
                 <a:srgbClr val="0070C0"/>
               </a:buClr>
@@ -4238,17 +4400,35 @@
               <a:buChar char="u"/>
             </a:pPr>
             <a:r>
-              <a:rPr lang="en-US" altLang="zh-TW" sz="1600" b="1" dirty="0">
+              <a:rPr lang="en-US" altLang="zh-TW" sz="1800" dirty="0">
                 <a:solidFill>
                   <a:schemeClr val="tx1"/>
                 </a:solidFill>
                 <a:latin typeface="+mj-lt"/>
               </a:rPr>
-              <a:t>To attach ref, we make use the of the reserved of attribute.</a:t>
-            </a:r>
-          </a:p>
-          <a:p>
-            <a:pPr marL="342900" indent="-342900" algn="l">
+              <a:t>Attach </a:t>
+            </a:r>
+            <a:r>
+              <a:rPr lang="en-US" altLang="zh-TW" sz="1800" dirty="0" err="1">
+                <a:solidFill>
+                  <a:schemeClr val="tx1"/>
+                </a:solidFill>
+                <a:latin typeface="+mj-lt"/>
+              </a:rPr>
+              <a:t>this.inputRef</a:t>
+            </a:r>
+            <a:r>
+              <a:rPr lang="en-US" altLang="zh-TW" sz="1800" dirty="0">
+                <a:solidFill>
+                  <a:schemeClr val="tx1"/>
+                </a:solidFill>
+                <a:latin typeface="+mj-lt"/>
+              </a:rPr>
+              <a:t> to our input element in the render method.</a:t>
+            </a:r>
+          </a:p>
+          <a:p>
+            <a:pPr marL="800100" lvl="1" indent="-342900" algn="l">
               <a:buClr>
                 <a:srgbClr val="0070C0"/>
               </a:buClr>
@@ -4257,35 +4437,17 @@
               <a:buChar char="u"/>
             </a:pPr>
             <a:r>
-              <a:rPr lang="en-US" altLang="zh-TW" sz="1600" b="1" dirty="0">
+              <a:rPr lang="en-US" altLang="zh-TW" sz="1800" dirty="0">
                 <a:solidFill>
                   <a:schemeClr val="tx1"/>
                 </a:solidFill>
                 <a:latin typeface="+mj-lt"/>
               </a:rPr>
-              <a:t>So in the input element, ref is equal to within the curly braces the ref we have created which is </a:t>
-            </a:r>
-            <a:r>
-              <a:rPr lang="en-US" altLang="zh-TW" sz="1600" b="1" dirty="0" err="1">
-                <a:solidFill>
-                  <a:schemeClr val="tx1"/>
-                </a:solidFill>
-                <a:latin typeface="+mj-lt"/>
-              </a:rPr>
-              <a:t>this.inputRef</a:t>
-            </a:r>
-            <a:r>
-              <a:rPr lang="en-US" altLang="zh-TW" sz="1600" b="1" dirty="0">
-                <a:solidFill>
-                  <a:schemeClr val="tx1"/>
-                </a:solidFill>
-                <a:latin typeface="+mj-lt"/>
-              </a:rPr>
-              <a:t>.</a:t>
-            </a:r>
-          </a:p>
-          <a:p>
-            <a:pPr marL="342900" indent="-342900" algn="l">
+              <a:t>To attach a ref, we make use of the reserved ref attribute.</a:t>
+            </a:r>
+          </a:p>
+          <a:p>
+            <a:pPr marL="800100" lvl="1" indent="-342900" algn="l">
               <a:buClr>
                 <a:srgbClr val="0070C0"/>
               </a:buClr>
@@ -4294,17 +4456,35 @@
               <a:buChar char="u"/>
             </a:pPr>
             <a:r>
-              <a:rPr lang="en-US" altLang="zh-TW" sz="1600" b="1" dirty="0">
+              <a:rPr lang="en-US" altLang="zh-TW" sz="1800" dirty="0">
                 <a:solidFill>
                   <a:schemeClr val="tx1"/>
                 </a:solidFill>
                 <a:latin typeface="+mj-lt"/>
               </a:rPr>
-              <a:t>Now, we have the reference to the input element.</a:t>
-            </a:r>
-          </a:p>
-          <a:p>
-            <a:pPr marL="342900" indent="-342900" algn="l">
+              <a:t>So on the input element, ref = { </a:t>
+            </a:r>
+            <a:r>
+              <a:rPr lang="en-US" altLang="zh-TW" sz="1800" dirty="0" err="1">
+                <a:solidFill>
+                  <a:schemeClr val="tx1"/>
+                </a:solidFill>
+                <a:latin typeface="+mj-lt"/>
+              </a:rPr>
+              <a:t>this.inputRef</a:t>
+            </a:r>
+            <a:r>
+              <a:rPr lang="en-US" altLang="zh-TW" sz="1800" dirty="0">
+                <a:solidFill>
+                  <a:schemeClr val="tx1"/>
+                </a:solidFill>
+                <a:latin typeface="+mj-lt"/>
+              </a:rPr>
+              <a:t> }</a:t>
+            </a:r>
+          </a:p>
+          <a:p>
+            <a:pPr marL="800100" lvl="1" indent="-342900" algn="l">
               <a:buClr>
                 <a:srgbClr val="0070C0"/>
               </a:buClr>
@@ -4312,15 +4492,36 @@
               <a:buFont typeface="Wingdings" pitchFamily="2" charset="2"/>
               <a:buChar char="u"/>
             </a:pPr>
-            <a:endParaRPr lang="en-US" altLang="zh-TW" sz="1600" b="1" dirty="0">
-              <a:solidFill>
-                <a:schemeClr val="tx1"/>
-              </a:solidFill>
-              <a:latin typeface="+mj-lt"/>
-            </a:endParaRPr>
-          </a:p>
-          <a:p>
-            <a:pPr marL="342900" indent="-342900" algn="l">
+            <a:r>
+              <a:rPr lang="en-US" altLang="zh-TW" sz="1800" dirty="0">
+                <a:solidFill>
+                  <a:schemeClr val="tx1"/>
+                </a:solidFill>
+                <a:latin typeface="+mj-lt"/>
+              </a:rPr>
+              <a:t>The </a:t>
+            </a:r>
+            <a:r>
+              <a:rPr lang="en-US" altLang="zh-TW" sz="1800" dirty="0" err="1">
+                <a:solidFill>
+                  <a:schemeClr val="tx1"/>
+                </a:solidFill>
+                <a:latin typeface="+mj-lt"/>
+              </a:rPr>
+              <a:t>this.inputRef</a:t>
+            </a:r>
+            <a:r>
+              <a:rPr lang="en-US" altLang="zh-TW" sz="1800" dirty="0">
+                <a:solidFill>
+                  <a:schemeClr val="tx1"/>
+                </a:solidFill>
+                <a:latin typeface="+mj-lt"/>
+              </a:rPr>
+              <a:t> is we just created.</a:t>
+            </a:r>
+          </a:p>
+          <a:p>
+            <a:pPr marL="800100" lvl="1" indent="-342900" algn="l">
               <a:buClr>
                 <a:srgbClr val="0070C0"/>
               </a:buClr>
@@ -4328,12 +4529,15 @@
               <a:buFont typeface="Wingdings" pitchFamily="2" charset="2"/>
               <a:buChar char="u"/>
             </a:pPr>
-            <a:endParaRPr lang="en-US" altLang="zh-TW" sz="1600" b="1" dirty="0">
-              <a:solidFill>
-                <a:schemeClr val="tx1"/>
-              </a:solidFill>
-              <a:latin typeface="+mj-lt"/>
-            </a:endParaRPr>
+            <a:r>
+              <a:rPr lang="en-US" altLang="zh-TW" sz="1800" dirty="0">
+                <a:solidFill>
+                  <a:schemeClr val="tx1"/>
+                </a:solidFill>
+                <a:latin typeface="+mj-lt"/>
+              </a:rPr>
+              <a:t>We now have a reference to the input element.</a:t>
+            </a:r>
           </a:p>
         </p:txBody>
       </p:sp>
@@ -4388,7 +4592,7 @@
           <a:p>
             <a:r>
               <a:rPr lang="en-US" altLang="zh-TW" sz="1600" b="1" i="1" dirty="0"/>
-              <a:t>https://www.youtube.com/watch?v=FXa9mMTKOu8&amp;index=28&amp;list=PLC3y8-rFHvwgg3vaYJgHGnModB54rxOk3</a:t>
+              <a:t>https://www.youtube.com/watch?v=FXa9mMTKOu8&amp;list=PLC3y8-rFHvwgg3vaYJgHGnModB54rxOk3&amp;index=28</a:t>
             </a:r>
           </a:p>
         </p:txBody>
@@ -4416,7 +4620,7 @@
             <a:fld id="{A4F910E6-8D00-4BAF-8C48-9688E0B449D3}" type="datetime1">
               <a:rPr lang="zh-TW" altLang="en-US" smtClean="0"/>
               <a:pPr/>
-              <a:t>2019/3/11</a:t>
+              <a:t>2020/5/26</a:t>
             </a:fld>
             <a:endParaRPr lang="zh-TW" altLang="en-US"/>
           </a:p>
@@ -4445,18 +4649,53 @@
             <a:fld id="{E4D7E63D-91F2-4366-A2C4-1B00C9E2590E}" type="slidenum">
               <a:rPr lang="zh-TW" altLang="en-US" smtClean="0"/>
               <a:pPr/>
-              <a:t>11</a:t>
+              <a:t>12</a:t>
             </a:fld>
             <a:endParaRPr lang="zh-TW" altLang="en-US"/>
           </a:p>
         </p:txBody>
       </p:sp>
-      <p:sp>
-        <p:nvSpPr>
-          <p:cNvPr id="9" name="Rectangle 8">
+      <p:pic>
+        <p:nvPicPr>
+          <p:cNvPr id="7" name="Picture 6">
             <a:extLst>
               <a:ext uri="{FF2B5EF4-FFF2-40B4-BE49-F238E27FC236}">
-                <a16:creationId xmlns:a16="http://schemas.microsoft.com/office/drawing/2014/main" id="{9C1169EE-6BEC-4B5E-9D86-8EA3F01574BF}"/>
+                <a16:creationId xmlns:a16="http://schemas.microsoft.com/office/drawing/2014/main" id="{3AED2DCC-A03F-4626-9606-6E6F7A4023D0}"/>
+              </a:ext>
+            </a:extLst>
+          </p:cNvPr>
+          <p:cNvPicPr>
+            <a:picLocks noChangeAspect="1"/>
+          </p:cNvPicPr>
+          <p:nvPr/>
+        </p:nvPicPr>
+        <p:blipFill>
+          <a:blip r:embed="rId2"/>
+          <a:stretch>
+            <a:fillRect/>
+          </a:stretch>
+        </p:blipFill>
+        <p:spPr>
+          <a:xfrm>
+            <a:off x="3923928" y="1318781"/>
+            <a:ext cx="4974806" cy="4882108"/>
+          </a:xfrm>
+          <a:prstGeom prst="rect">
+            <a:avLst/>
+          </a:prstGeom>
+          <a:ln>
+            <a:solidFill>
+              <a:srgbClr val="C00000"/>
+            </a:solidFill>
+          </a:ln>
+        </p:spPr>
+      </p:pic>
+      <p:sp>
+        <p:nvSpPr>
+          <p:cNvPr id="8" name="Rectangle 7">
+            <a:extLst>
+              <a:ext uri="{FF2B5EF4-FFF2-40B4-BE49-F238E27FC236}">
+                <a16:creationId xmlns:a16="http://schemas.microsoft.com/office/drawing/2014/main" id="{1DA56649-33B2-49FD-B694-8AC2D349A854}"/>
               </a:ext>
             </a:extLst>
           </p:cNvPr>
@@ -4465,8 +4704,8 @@
         </p:nvSpPr>
         <p:spPr>
           <a:xfrm>
-            <a:off x="3563888" y="4103613"/>
-            <a:ext cx="2592288" cy="537034"/>
+            <a:off x="4811688" y="4653136"/>
+            <a:ext cx="4008784" cy="360040"/>
           </a:xfrm>
           <a:prstGeom prst="rect">
             <a:avLst/>
@@ -4506,7 +4745,7 @@
     </p:spTree>
     <p:extLst>
       <p:ext uri="{BB962C8B-B14F-4D97-AF65-F5344CB8AC3E}">
-        <p14:creationId xmlns:p14="http://schemas.microsoft.com/office/powerpoint/2010/main" val="151030759"/>
+        <p14:creationId xmlns:p14="http://schemas.microsoft.com/office/powerpoint/2010/main" val="3573152136"/>
       </p:ext>
     </p:extLst>
   </p:cSld>
@@ -4516,7 +4755,7 @@
 </p:sld>
 </file>
 
-<file path=ppt/slides/slide12.xml><?xml version="1.0" encoding="utf-8"?>
+<file path=ppt/slides/slide13.xml><?xml version="1.0" encoding="utf-8"?>
 <p:sld xmlns:a="http://schemas.openxmlformats.org/drawingml/2006/main" xmlns:r="http://schemas.openxmlformats.org/officeDocument/2006/relationships" xmlns:p="http://schemas.openxmlformats.org/presentationml/2006/main">
   <p:cSld>
     <p:spTree>
@@ -4533,41 +4772,157 @@
           <a:chExt cx="0" cy="0"/>
         </a:xfrm>
       </p:grpSpPr>
+      <p:sp>
+        <p:nvSpPr>
+          <p:cNvPr id="2" name="標題 1"/>
+          <p:cNvSpPr>
+            <a:spLocks noGrp="1"/>
+          </p:cNvSpPr>
+          <p:nvPr>
+            <p:ph type="ctrTitle"/>
+          </p:nvPr>
+        </p:nvSpPr>
+        <p:spPr>
+          <a:xfrm>
+            <a:off x="0" y="2130425"/>
+            <a:ext cx="9144000" cy="1470025"/>
+          </a:xfrm>
+          <a:solidFill>
+            <a:srgbClr val="00B0F0"/>
+          </a:solidFill>
+        </p:spPr>
+        <p:txBody>
+          <a:bodyPr>
+            <a:normAutofit/>
+          </a:bodyPr>
+          <a:lstStyle/>
+          <a:p>
+            <a:r>
+              <a:rPr lang="en-US" altLang="zh-TW" sz="4800" b="1" dirty="0">
+                <a:solidFill>
+                  <a:srgbClr val="FFFF00"/>
+                </a:solidFill>
+              </a:rPr>
+              <a:t>28.5 Third Step: 1) Focus</a:t>
+            </a:r>
+            <a:endParaRPr lang="zh-TW" altLang="en-US" sz="4800" b="1" dirty="0">
+              <a:solidFill>
+                <a:srgbClr val="FFFF00"/>
+              </a:solidFill>
+            </a:endParaRPr>
+          </a:p>
+        </p:txBody>
+      </p:sp>
+      <p:sp>
+        <p:nvSpPr>
+          <p:cNvPr id="5" name="日期版面配置區 4"/>
+          <p:cNvSpPr>
+            <a:spLocks noGrp="1"/>
+          </p:cNvSpPr>
+          <p:nvPr>
+            <p:ph type="dt" sz="half" idx="10"/>
+          </p:nvPr>
+        </p:nvSpPr>
+        <p:spPr/>
+        <p:txBody>
+          <a:bodyPr/>
+          <a:lstStyle/>
+          <a:p>
+            <a:fld id="{C389EDC9-19E3-47AC-9C57-C6A24DEA81AD}" type="datetime1">
+              <a:rPr lang="zh-TW" altLang="en-US" smtClean="0"/>
+              <a:pPr/>
+              <a:t>2020/5/26</a:t>
+            </a:fld>
+            <a:endParaRPr lang="zh-TW" altLang="en-US"/>
+          </a:p>
+        </p:txBody>
+      </p:sp>
+      <p:sp>
+        <p:nvSpPr>
+          <p:cNvPr id="6" name="投影片編號版面配置區 5"/>
+          <p:cNvSpPr>
+            <a:spLocks noGrp="1"/>
+          </p:cNvSpPr>
+          <p:nvPr>
+            <p:ph type="sldNum" sz="quarter" idx="12"/>
+          </p:nvPr>
+        </p:nvSpPr>
+        <p:spPr/>
+        <p:txBody>
+          <a:bodyPr/>
+          <a:lstStyle/>
+          <a:p>
+            <a:fld id="{E4D7E63D-91F2-4366-A2C4-1B00C9E2590E}" type="slidenum">
+              <a:rPr lang="zh-TW" altLang="en-US" smtClean="0"/>
+              <a:pPr/>
+              <a:t>13</a:t>
+            </a:fld>
+            <a:endParaRPr lang="zh-TW" altLang="en-US"/>
+          </a:p>
+        </p:txBody>
+      </p:sp>
       <p:pic>
         <p:nvPicPr>
-          <p:cNvPr id="18" name="Picture 17">
-            <a:extLst>
-              <a:ext uri="{FF2B5EF4-FFF2-40B4-BE49-F238E27FC236}">
-                <a16:creationId xmlns:a16="http://schemas.microsoft.com/office/drawing/2014/main" id="{73FA6F04-7A85-4EBE-9104-0D5EFD2F6F1F}"/>
-              </a:ext>
-            </a:extLst>
-          </p:cNvPr>
+          <p:cNvPr id="2050" name="Picture 2"/>
           <p:cNvPicPr>
-            <a:picLocks noChangeAspect="1"/>
+            <a:picLocks noChangeAspect="1" noChangeArrowheads="1"/>
           </p:cNvPicPr>
           <p:nvPr/>
         </p:nvPicPr>
         <p:blipFill>
-          <a:blip r:embed="rId2"/>
+          <a:blip r:embed="rId2" cstate="print"/>
+          <a:srcRect/>
           <a:stretch>
             <a:fillRect/>
           </a:stretch>
         </p:blipFill>
-        <p:spPr>
-          <a:xfrm>
-            <a:off x="1691680" y="2971970"/>
-            <a:ext cx="5991225" cy="3790950"/>
+        <p:spPr bwMode="auto">
+          <a:xfrm>
+            <a:off x="4283968" y="3717032"/>
+            <a:ext cx="713805" cy="644588"/>
           </a:xfrm>
           <a:prstGeom prst="rect">
             <a:avLst/>
           </a:prstGeom>
-          <a:ln>
-            <a:solidFill>
-              <a:srgbClr val="C00000"/>
-            </a:solidFill>
+          <a:noFill/>
+          <a:ln w="9525">
+            <a:noFill/>
+            <a:miter lim="800000"/>
+            <a:headEnd/>
+            <a:tailEnd/>
           </a:ln>
         </p:spPr>
       </p:pic>
+    </p:spTree>
+    <p:extLst>
+      <p:ext uri="{BB962C8B-B14F-4D97-AF65-F5344CB8AC3E}">
+        <p14:creationId xmlns:p14="http://schemas.microsoft.com/office/powerpoint/2010/main" val="4050336667"/>
+      </p:ext>
+    </p:extLst>
+  </p:cSld>
+  <p:clrMapOvr>
+    <a:masterClrMapping/>
+  </p:clrMapOvr>
+</p:sld>
+</file>
+
+<file path=ppt/slides/slide14.xml><?xml version="1.0" encoding="utf-8"?>
+<p:sld xmlns:a="http://schemas.openxmlformats.org/drawingml/2006/main" xmlns:r="http://schemas.openxmlformats.org/officeDocument/2006/relationships" xmlns:p="http://schemas.openxmlformats.org/presentationml/2006/main">
+  <p:cSld>
+    <p:spTree>
+      <p:nvGrpSpPr>
+        <p:cNvPr id="1" name=""/>
+        <p:cNvGrpSpPr/>
+        <p:nvPr/>
+      </p:nvGrpSpPr>
+      <p:grpSpPr>
+        <a:xfrm>
+          <a:off x="0" y="0"/>
+          <a:ext cx="0" cy="0"/>
+          <a:chOff x="0" y="0"/>
+          <a:chExt cx="0" cy="0"/>
+        </a:xfrm>
+      </p:grpSpPr>
       <p:sp>
         <p:nvSpPr>
           <p:cNvPr id="2" name="標題 1"/>
@@ -4623,7 +4978,7 @@
                   <a:srgbClr val="FFFF00"/>
                 </a:solidFill>
               </a:rPr>
-              <a:t>28 Refs</a:t>
+              <a:t>28.5 Third Step: 1) Focus</a:t>
             </a:r>
             <a:endParaRPr lang="zh-TW" altLang="en-US" b="1" dirty="0">
               <a:solidFill>
@@ -4645,8 +5000,8 @@
         </p:nvSpPr>
         <p:spPr>
           <a:xfrm>
-            <a:off x="467544" y="1340768"/>
-            <a:ext cx="8352928" cy="1584176"/>
+            <a:off x="457200" y="1318985"/>
+            <a:ext cx="3600400" cy="3622184"/>
           </a:xfrm>
           <a:ln>
             <a:solidFill>
@@ -4671,15 +5026,15 @@
             <a:r>
               <a:rPr lang="en-US" altLang="zh-TW" sz="1600" b="1" dirty="0">
                 <a:solidFill>
-                  <a:schemeClr val="tx1"/>
+                  <a:srgbClr val="C00000"/>
                 </a:solidFill>
                 <a:latin typeface="+mj-lt"/>
               </a:rPr>
-              <a:t>The Second Step is to attach this ref to our input element in the render method.</a:t>
-            </a:r>
-          </a:p>
-          <a:p>
-            <a:pPr marL="342900" indent="-342900" algn="l">
+              <a:t>Third step: 1) Call the focus method on input Element</a:t>
+            </a:r>
+          </a:p>
+          <a:p>
+            <a:pPr marL="800100" lvl="1" indent="-342900" algn="l">
               <a:buClr>
                 <a:srgbClr val="0070C0"/>
               </a:buClr>
@@ -4688,17 +5043,35 @@
               <a:buChar char="u"/>
             </a:pPr>
             <a:r>
-              <a:rPr lang="en-US" altLang="zh-TW" sz="1600" b="1" dirty="0">
+              <a:rPr lang="en-US" altLang="zh-TW" sz="1800" dirty="0">
                 <a:solidFill>
                   <a:schemeClr val="tx1"/>
                 </a:solidFill>
                 <a:latin typeface="+mj-lt"/>
               </a:rPr>
-              <a:t>To attach ref, we make use the of the reserved of attribute.</a:t>
-            </a:r>
-          </a:p>
-          <a:p>
-            <a:pPr marL="342900" indent="-342900" algn="l">
+              <a:t>Let’s find out what exactly does the property </a:t>
+            </a:r>
+            <a:r>
+              <a:rPr lang="en-US" altLang="zh-TW" sz="1800" dirty="0" err="1">
+                <a:solidFill>
+                  <a:schemeClr val="tx1"/>
+                </a:solidFill>
+                <a:latin typeface="+mj-lt"/>
+              </a:rPr>
+              <a:t>this.inputRef</a:t>
+            </a:r>
+            <a:r>
+              <a:rPr lang="en-US" altLang="zh-TW" sz="1800" dirty="0">
+                <a:solidFill>
+                  <a:schemeClr val="tx1"/>
+                </a:solidFill>
+                <a:latin typeface="+mj-lt"/>
+              </a:rPr>
+              <a:t> hold after the reference is created.</a:t>
+            </a:r>
+          </a:p>
+          <a:p>
+            <a:pPr marL="800100" lvl="1" indent="-342900" algn="l">
               <a:buClr>
                 <a:srgbClr val="0070C0"/>
               </a:buClr>
@@ -4707,35 +5080,35 @@
               <a:buChar char="u"/>
             </a:pPr>
             <a:r>
-              <a:rPr lang="en-US" altLang="zh-TW" sz="1600" b="1" dirty="0">
+              <a:rPr lang="en-US" altLang="zh-TW" sz="1800" dirty="0">
                 <a:solidFill>
                   <a:schemeClr val="tx1"/>
                 </a:solidFill>
                 <a:latin typeface="+mj-lt"/>
               </a:rPr>
-              <a:t>So in the input element, ref is equal to within the curly braces the ref we have created which is </a:t>
-            </a:r>
-            <a:r>
-              <a:rPr lang="en-US" altLang="zh-TW" sz="1600" b="1" dirty="0" err="1">
+              <a:t>We add </a:t>
+            </a:r>
+            <a:r>
+              <a:rPr lang="en-US" altLang="zh-TW" sz="1800" dirty="0" err="1">
                 <a:solidFill>
                   <a:schemeClr val="tx1"/>
                 </a:solidFill>
                 <a:latin typeface="+mj-lt"/>
               </a:rPr>
-              <a:t>this.inputRef</a:t>
-            </a:r>
-            <a:r>
-              <a:rPr lang="en-US" altLang="zh-TW" sz="1600" b="1" dirty="0">
+              <a:t>componentDidMount</a:t>
+            </a:r>
+            <a:r>
+              <a:rPr lang="en-US" altLang="zh-TW" sz="1800" dirty="0">
                 <a:solidFill>
                   <a:schemeClr val="tx1"/>
                 </a:solidFill>
                 <a:latin typeface="+mj-lt"/>
               </a:rPr>
-              <a:t>.</a:t>
-            </a:r>
-          </a:p>
-          <a:p>
-            <a:pPr marL="342900" indent="-342900" algn="l">
+              <a:t>()</a:t>
+            </a:r>
+          </a:p>
+          <a:p>
+            <a:pPr marL="800100" lvl="1" indent="-342900" algn="l">
               <a:buClr>
                 <a:srgbClr val="0070C0"/>
               </a:buClr>
@@ -4744,46 +5117,32 @@
               <a:buChar char="u"/>
             </a:pPr>
             <a:r>
-              <a:rPr lang="en-US" altLang="zh-TW" sz="1600" b="1" dirty="0">
+              <a:rPr lang="en-US" altLang="zh-TW" sz="1800" dirty="0">
                 <a:solidFill>
                   <a:schemeClr val="tx1"/>
                 </a:solidFill>
                 <a:latin typeface="+mj-lt"/>
               </a:rPr>
-              <a:t>Now, we have the reference to the input element.</a:t>
-            </a:r>
-          </a:p>
-          <a:p>
-            <a:pPr marL="342900" indent="-342900" algn="l">
-              <a:buClr>
-                <a:srgbClr val="0070C0"/>
-              </a:buClr>
-              <a:buSzPct val="80000"/>
-              <a:buFont typeface="Wingdings" pitchFamily="2" charset="2"/>
-              <a:buChar char="u"/>
-            </a:pPr>
-            <a:endParaRPr lang="en-US" altLang="zh-TW" sz="1600" b="1" dirty="0">
-              <a:solidFill>
-                <a:schemeClr val="tx1"/>
-              </a:solidFill>
-              <a:latin typeface="+mj-lt"/>
-            </a:endParaRPr>
-          </a:p>
-          <a:p>
-            <a:pPr marL="342900" indent="-342900" algn="l">
-              <a:buClr>
-                <a:srgbClr val="0070C0"/>
-              </a:buClr>
-              <a:buSzPct val="80000"/>
-              <a:buFont typeface="Wingdings" pitchFamily="2" charset="2"/>
-              <a:buChar char="u"/>
-            </a:pPr>
-            <a:endParaRPr lang="en-US" altLang="zh-TW" sz="1600" b="1" dirty="0">
-              <a:solidFill>
-                <a:schemeClr val="tx1"/>
-              </a:solidFill>
-              <a:latin typeface="+mj-lt"/>
-            </a:endParaRPr>
+              <a:t>Lifecycle hood and within the hood, we simply log to the console.log (</a:t>
+            </a:r>
+            <a:r>
+              <a:rPr lang="en-US" altLang="zh-TW" sz="1800" dirty="0" err="1">
+                <a:solidFill>
+                  <a:schemeClr val="tx1"/>
+                </a:solidFill>
+                <a:latin typeface="+mj-lt"/>
+              </a:rPr>
+              <a:t>this.inputRef</a:t>
+            </a:r>
+            <a:r>
+              <a:rPr lang="en-US" altLang="zh-TW" sz="1800" dirty="0">
+                <a:solidFill>
+                  <a:schemeClr val="tx1"/>
+                </a:solidFill>
+                <a:latin typeface="+mj-lt"/>
+              </a:rPr>
+              <a:t>).</a:t>
+            </a:r>
           </a:p>
         </p:txBody>
       </p:sp>
@@ -4838,7 +5197,7 @@
           <a:p>
             <a:r>
               <a:rPr lang="en-US" altLang="zh-TW" sz="1600" b="1" i="1" dirty="0"/>
-              <a:t>https://www.youtube.com/watch?v=FXa9mMTKOu8&amp;index=28&amp;list=PLC3y8-rFHvwgg3vaYJgHGnModB54rxOk3</a:t>
+              <a:t>https://www.youtube.com/watch?v=FXa9mMTKOu8&amp;list=PLC3y8-rFHvwgg3vaYJgHGnModB54rxOk3&amp;index=28</a:t>
             </a:r>
           </a:p>
         </p:txBody>
@@ -4866,7 +5225,7 @@
             <a:fld id="{A4F910E6-8D00-4BAF-8C48-9688E0B449D3}" type="datetime1">
               <a:rPr lang="zh-TW" altLang="en-US" smtClean="0"/>
               <a:pPr/>
-              <a:t>2019/3/11</a:t>
+              <a:t>2020/5/26</a:t>
             </a:fld>
             <a:endParaRPr lang="zh-TW" altLang="en-US"/>
           </a:p>
@@ -4895,18 +5254,53 @@
             <a:fld id="{E4D7E63D-91F2-4366-A2C4-1B00C9E2590E}" type="slidenum">
               <a:rPr lang="zh-TW" altLang="en-US" smtClean="0"/>
               <a:pPr/>
-              <a:t>12</a:t>
+              <a:t>14</a:t>
             </a:fld>
             <a:endParaRPr lang="zh-TW" altLang="en-US"/>
           </a:p>
         </p:txBody>
       </p:sp>
-      <p:sp>
-        <p:nvSpPr>
-          <p:cNvPr id="8" name="Rectangle 7">
+      <p:pic>
+        <p:nvPicPr>
+          <p:cNvPr id="7" name="Picture 6">
             <a:extLst>
               <a:ext uri="{FF2B5EF4-FFF2-40B4-BE49-F238E27FC236}">
-                <a16:creationId xmlns:a16="http://schemas.microsoft.com/office/drawing/2014/main" id="{E6ED06B8-AF52-4FD0-9C99-CF5B718FF683}"/>
+                <a16:creationId xmlns:a16="http://schemas.microsoft.com/office/drawing/2014/main" id="{3AED2DCC-A03F-4626-9606-6E6F7A4023D0}"/>
+              </a:ext>
+            </a:extLst>
+          </p:cNvPr>
+          <p:cNvPicPr>
+            <a:picLocks noChangeAspect="1"/>
+          </p:cNvPicPr>
+          <p:nvPr/>
+        </p:nvPicPr>
+        <p:blipFill>
+          <a:blip r:embed="rId2"/>
+          <a:stretch>
+            <a:fillRect/>
+          </a:stretch>
+        </p:blipFill>
+        <p:spPr>
+          <a:xfrm>
+            <a:off x="4169194" y="1318781"/>
+            <a:ext cx="4727035" cy="4638954"/>
+          </a:xfrm>
+          <a:prstGeom prst="rect">
+            <a:avLst/>
+          </a:prstGeom>
+          <a:ln>
+            <a:solidFill>
+              <a:srgbClr val="C00000"/>
+            </a:solidFill>
+          </a:ln>
+        </p:spPr>
+      </p:pic>
+      <p:sp>
+        <p:nvSpPr>
+          <p:cNvPr id="9" name="Rectangle 8">
+            <a:extLst>
+              <a:ext uri="{FF2B5EF4-FFF2-40B4-BE49-F238E27FC236}">
+                <a16:creationId xmlns:a16="http://schemas.microsoft.com/office/drawing/2014/main" id="{B91E3721-5A13-4E8D-A16B-F5981D667D90}"/>
               </a:ext>
             </a:extLst>
           </p:cNvPr>
@@ -4915,8 +5309,8 @@
         </p:nvSpPr>
         <p:spPr>
           <a:xfrm>
-            <a:off x="2939480" y="5139618"/>
-            <a:ext cx="4680520" cy="404246"/>
+            <a:off x="4860032" y="2852936"/>
+            <a:ext cx="2160240" cy="720080"/>
           </a:xfrm>
           <a:prstGeom prst="rect">
             <a:avLst/>
@@ -4953,108 +5347,10 @@
           </a:p>
         </p:txBody>
       </p:sp>
-      <p:sp>
-        <p:nvSpPr>
-          <p:cNvPr id="9" name="Rectangle 8">
-            <a:extLst>
-              <a:ext uri="{FF2B5EF4-FFF2-40B4-BE49-F238E27FC236}">
-                <a16:creationId xmlns:a16="http://schemas.microsoft.com/office/drawing/2014/main" id="{9C1169EE-6BEC-4B5E-9D86-8EA3F01574BF}"/>
-              </a:ext>
-            </a:extLst>
-          </p:cNvPr>
-          <p:cNvSpPr/>
-          <p:nvPr/>
-        </p:nvSpPr>
-        <p:spPr>
-          <a:xfrm>
-            <a:off x="2744588" y="3920564"/>
-            <a:ext cx="2592288" cy="404245"/>
-          </a:xfrm>
-          <a:prstGeom prst="rect">
-            <a:avLst/>
-          </a:prstGeom>
-          <a:noFill/>
-          <a:ln>
-            <a:solidFill>
-              <a:srgbClr val="C00000"/>
-            </a:solidFill>
-          </a:ln>
-        </p:spPr>
-        <p:style>
-          <a:lnRef idx="2">
-            <a:schemeClr val="accent1">
-              <a:shade val="50000"/>
-            </a:schemeClr>
-          </a:lnRef>
-          <a:fillRef idx="1">
-            <a:schemeClr val="accent1"/>
-          </a:fillRef>
-          <a:effectRef idx="0">
-            <a:schemeClr val="accent1"/>
-          </a:effectRef>
-          <a:fontRef idx="minor">
-            <a:schemeClr val="lt1"/>
-          </a:fontRef>
-        </p:style>
-        <p:txBody>
-          <a:bodyPr rtlCol="0" anchor="ctr"/>
-          <a:lstStyle/>
-          <a:p>
-            <a:pPr algn="ctr"/>
-            <a:endParaRPr lang="en-US"/>
-          </a:p>
-        </p:txBody>
-      </p:sp>
-      <p:cxnSp>
-        <p:nvCxnSpPr>
-          <p:cNvPr id="11" name="Straight Arrow Connector 10">
-            <a:extLst>
-              <a:ext uri="{FF2B5EF4-FFF2-40B4-BE49-F238E27FC236}">
-                <a16:creationId xmlns:a16="http://schemas.microsoft.com/office/drawing/2014/main" id="{2E9B1D7B-C928-4423-A7A2-823EAFF1703D}"/>
-              </a:ext>
-            </a:extLst>
-          </p:cNvPr>
-          <p:cNvCxnSpPr>
-            <a:cxnSpLocks/>
-            <a:stCxn id="9" idx="2"/>
-            <a:endCxn id="8" idx="0"/>
-          </p:cNvCxnSpPr>
-          <p:nvPr/>
-        </p:nvCxnSpPr>
-        <p:spPr>
-          <a:xfrm>
-            <a:off x="4040732" y="4324809"/>
-            <a:ext cx="1239008" cy="814809"/>
-          </a:xfrm>
-          <a:prstGeom prst="straightConnector1">
-            <a:avLst/>
-          </a:prstGeom>
-          <a:ln>
-            <a:solidFill>
-              <a:srgbClr val="C00000"/>
-            </a:solidFill>
-            <a:tailEnd type="triangle"/>
-          </a:ln>
-        </p:spPr>
-        <p:style>
-          <a:lnRef idx="1">
-            <a:schemeClr val="accent1"/>
-          </a:lnRef>
-          <a:fillRef idx="0">
-            <a:schemeClr val="accent1"/>
-          </a:fillRef>
-          <a:effectRef idx="0">
-            <a:schemeClr val="accent1"/>
-          </a:effectRef>
-          <a:fontRef idx="minor">
-            <a:schemeClr val="tx1"/>
-          </a:fontRef>
-        </p:style>
-      </p:cxnSp>
     </p:spTree>
     <p:extLst>
       <p:ext uri="{BB962C8B-B14F-4D97-AF65-F5344CB8AC3E}">
-        <p14:creationId xmlns:p14="http://schemas.microsoft.com/office/powerpoint/2010/main" val="3015421200"/>
+        <p14:creationId xmlns:p14="http://schemas.microsoft.com/office/powerpoint/2010/main" val="1169747802"/>
       </p:ext>
     </p:extLst>
   </p:cSld>
@@ -5064,7 +5360,7 @@
 </p:sld>
 </file>
 
-<file path=ppt/slides/slide13.xml><?xml version="1.0" encoding="utf-8"?>
+<file path=ppt/slides/slide15.xml><?xml version="1.0" encoding="utf-8"?>
 <p:sld xmlns:a="http://schemas.openxmlformats.org/drawingml/2006/main" xmlns:r="http://schemas.openxmlformats.org/officeDocument/2006/relationships" xmlns:p="http://schemas.openxmlformats.org/presentationml/2006/main">
   <p:cSld>
     <p:spTree>
@@ -5081,41 +5377,6 @@
           <a:chExt cx="0" cy="0"/>
         </a:xfrm>
       </p:grpSpPr>
-      <p:pic>
-        <p:nvPicPr>
-          <p:cNvPr id="16" name="Picture 15">
-            <a:extLst>
-              <a:ext uri="{FF2B5EF4-FFF2-40B4-BE49-F238E27FC236}">
-                <a16:creationId xmlns:a16="http://schemas.microsoft.com/office/drawing/2014/main" id="{0A258DB7-8A20-4507-9039-C2B3457ADBB7}"/>
-              </a:ext>
-            </a:extLst>
-          </p:cNvPr>
-          <p:cNvPicPr>
-            <a:picLocks noChangeAspect="1"/>
-          </p:cNvPicPr>
-          <p:nvPr/>
-        </p:nvPicPr>
-        <p:blipFill>
-          <a:blip r:embed="rId2"/>
-          <a:stretch>
-            <a:fillRect/>
-          </a:stretch>
-        </p:blipFill>
-        <p:spPr>
-          <a:xfrm>
-            <a:off x="1939094" y="2778582"/>
-            <a:ext cx="5409828" cy="3564022"/>
-          </a:xfrm>
-          <a:prstGeom prst="rect">
-            <a:avLst/>
-          </a:prstGeom>
-          <a:ln>
-            <a:solidFill>
-              <a:srgbClr val="C00000"/>
-            </a:solidFill>
-          </a:ln>
-        </p:spPr>
-      </p:pic>
       <p:sp>
         <p:nvSpPr>
           <p:cNvPr id="2" name="標題 1"/>
@@ -5171,7 +5432,7 @@
                   <a:srgbClr val="FFFF00"/>
                 </a:solidFill>
               </a:rPr>
-              <a:t>28 Refs</a:t>
+              <a:t>28.5 Third Step: 1) Focus</a:t>
             </a:r>
             <a:endParaRPr lang="zh-TW" altLang="en-US" b="1" dirty="0">
               <a:solidFill>
@@ -5193,8 +5454,8 @@
         </p:nvSpPr>
         <p:spPr>
           <a:xfrm>
-            <a:off x="467544" y="1340768"/>
-            <a:ext cx="8352928" cy="1368152"/>
+            <a:off x="457200" y="1318985"/>
+            <a:ext cx="8229600" cy="1169730"/>
           </a:xfrm>
           <a:ln>
             <a:solidFill>
@@ -5219,11 +5480,11 @@
             <a:r>
               <a:rPr lang="en-US" altLang="zh-TW" sz="1600" b="1" dirty="0">
                 <a:solidFill>
-                  <a:schemeClr val="tx1"/>
+                  <a:srgbClr val="C00000"/>
                 </a:solidFill>
                 <a:latin typeface="+mj-lt"/>
               </a:rPr>
-              <a:t>The Third Step (and the Final Step), is to call the focus method on this input element.</a:t>
+              <a:t>Third step: 1) Call the focus method on input Element</a:t>
             </a:r>
           </a:p>
           <a:p>
@@ -5236,31 +5497,13 @@
               <a:buChar char="u"/>
             </a:pPr>
             <a:r>
-              <a:rPr lang="en-US" altLang="zh-TW" sz="1600" b="1" dirty="0">
+              <a:rPr lang="en-US" altLang="zh-TW" sz="1600" dirty="0">
                 <a:solidFill>
                   <a:schemeClr val="tx1"/>
                 </a:solidFill>
                 <a:latin typeface="+mj-lt"/>
               </a:rPr>
-              <a:t>But First, let’s find out what exactly does the property </a:t>
-            </a:r>
-            <a:r>
-              <a:rPr lang="en-US" altLang="zh-TW" sz="1600" b="1" dirty="0" err="1">
-                <a:solidFill>
-                  <a:schemeClr val="tx1"/>
-                </a:solidFill>
-                <a:latin typeface="+mj-lt"/>
-              </a:rPr>
-              <a:t>this.inputRef</a:t>
-            </a:r>
-            <a:r>
-              <a:rPr lang="en-US" altLang="zh-TW" sz="1600" b="1" dirty="0">
-                <a:solidFill>
-                  <a:schemeClr val="tx1"/>
-                </a:solidFill>
-                <a:latin typeface="+mj-lt"/>
-              </a:rPr>
-              <a:t> hold after a reference is created.</a:t>
+              <a:t>Open the browser and Fn+F12 to open the console.</a:t>
             </a:r>
           </a:p>
           <a:p>
@@ -5273,100 +5516,14 @@
               <a:buChar char="u"/>
             </a:pPr>
             <a:r>
-              <a:rPr lang="en-US" altLang="zh-TW" sz="1600" b="1" dirty="0">
+              <a:rPr lang="en-US" altLang="zh-TW" sz="1600" dirty="0">
                 <a:solidFill>
                   <a:schemeClr val="tx1"/>
                 </a:solidFill>
                 <a:latin typeface="+mj-lt"/>
               </a:rPr>
-              <a:t>We are going to add the </a:t>
-            </a:r>
-            <a:r>
-              <a:rPr lang="en-US" altLang="zh-TW" sz="1600" b="1" dirty="0" err="1">
-                <a:solidFill>
-                  <a:schemeClr val="tx1"/>
-                </a:solidFill>
-                <a:latin typeface="+mj-lt"/>
-              </a:rPr>
-              <a:t>componentDidMount</a:t>
-            </a:r>
-            <a:r>
-              <a:rPr lang="en-US" altLang="zh-TW" sz="1600" b="1" dirty="0">
-                <a:solidFill>
-                  <a:schemeClr val="tx1"/>
-                </a:solidFill>
-                <a:latin typeface="+mj-lt"/>
-              </a:rPr>
-              <a:t> </a:t>
-            </a:r>
-            <a:r>
-              <a:rPr lang="en-US" altLang="zh-TW" sz="1600" b="1" dirty="0" err="1">
-                <a:solidFill>
-                  <a:schemeClr val="tx1"/>
-                </a:solidFill>
-                <a:latin typeface="+mj-lt"/>
-              </a:rPr>
-              <a:t>LifeCycle</a:t>
-            </a:r>
-            <a:r>
-              <a:rPr lang="en-US" altLang="zh-TW" sz="1600" b="1" dirty="0">
-                <a:solidFill>
-                  <a:schemeClr val="tx1"/>
-                </a:solidFill>
-                <a:latin typeface="+mj-lt"/>
-              </a:rPr>
-              <a:t> hook. Within the hook, we will simple console.log (</a:t>
-            </a:r>
-            <a:r>
-              <a:rPr lang="en-US" altLang="zh-TW" sz="1600" b="1" dirty="0" err="1">
-                <a:solidFill>
-                  <a:schemeClr val="tx1"/>
-                </a:solidFill>
-                <a:latin typeface="+mj-lt"/>
-              </a:rPr>
-              <a:t>this.inputRef</a:t>
-            </a:r>
-            <a:r>
-              <a:rPr lang="en-US" altLang="zh-TW" sz="1600" b="1" dirty="0">
-                <a:solidFill>
-                  <a:schemeClr val="tx1"/>
-                </a:solidFill>
-                <a:latin typeface="+mj-lt"/>
-              </a:rPr>
-              <a:t>).</a:t>
-            </a:r>
-          </a:p>
-          <a:p>
-            <a:pPr marL="342900" indent="-342900" algn="l">
-              <a:buClr>
-                <a:srgbClr val="0070C0"/>
-              </a:buClr>
-              <a:buSzPct val="80000"/>
-              <a:buFont typeface="Wingdings" pitchFamily="2" charset="2"/>
-              <a:buChar char="u"/>
-            </a:pPr>
-            <a:endParaRPr lang="en-US" altLang="zh-TW" sz="1600" b="1" dirty="0">
-              <a:solidFill>
-                <a:schemeClr val="tx1"/>
-              </a:solidFill>
-              <a:latin typeface="+mj-lt"/>
-            </a:endParaRPr>
-          </a:p>
-          <a:p>
-            <a:pPr marL="342900" indent="-342900" algn="l">
-              <a:buClr>
-                <a:srgbClr val="0070C0"/>
-              </a:buClr>
-              <a:buSzPct val="80000"/>
-              <a:buFont typeface="Wingdings" pitchFamily="2" charset="2"/>
-              <a:buChar char="u"/>
-            </a:pPr>
-            <a:endParaRPr lang="en-US" altLang="zh-TW" sz="1600" b="1" dirty="0">
-              <a:solidFill>
-                <a:schemeClr val="tx1"/>
-              </a:solidFill>
-              <a:latin typeface="+mj-lt"/>
-            </a:endParaRPr>
+              <a:t>We can see the Object is display. If we expand the Object, we can see a property called “current” of type “input”.</a:t>
+            </a:r>
           </a:p>
         </p:txBody>
       </p:sp>
@@ -5421,7 +5578,7 @@
           <a:p>
             <a:r>
               <a:rPr lang="en-US" altLang="zh-TW" sz="1600" b="1" i="1" dirty="0"/>
-              <a:t>https://www.youtube.com/watch?v=FXa9mMTKOu8&amp;index=28&amp;list=PLC3y8-rFHvwgg3vaYJgHGnModB54rxOk3</a:t>
+              <a:t>https://www.youtube.com/watch?v=FXa9mMTKOu8&amp;list=PLC3y8-rFHvwgg3vaYJgHGnModB54rxOk3&amp;index=28</a:t>
             </a:r>
           </a:p>
         </p:txBody>
@@ -5449,7 +5606,7 @@
             <a:fld id="{A4F910E6-8D00-4BAF-8C48-9688E0B449D3}" type="datetime1">
               <a:rPr lang="zh-TW" altLang="en-US" smtClean="0"/>
               <a:pPr/>
-              <a:t>2019/3/11</a:t>
+              <a:t>2020/5/26</a:t>
             </a:fld>
             <a:endParaRPr lang="zh-TW" altLang="en-US"/>
           </a:p>
@@ -5478,18 +5635,53 @@
             <a:fld id="{E4D7E63D-91F2-4366-A2C4-1B00C9E2590E}" type="slidenum">
               <a:rPr lang="zh-TW" altLang="en-US" smtClean="0"/>
               <a:pPr/>
-              <a:t>13</a:t>
+              <a:t>15</a:t>
             </a:fld>
             <a:endParaRPr lang="zh-TW" altLang="en-US"/>
           </a:p>
         </p:txBody>
       </p:sp>
-      <p:sp>
-        <p:nvSpPr>
-          <p:cNvPr id="9" name="Rectangle 8">
+      <p:pic>
+        <p:nvPicPr>
+          <p:cNvPr id="10" name="Picture 9">
             <a:extLst>
               <a:ext uri="{FF2B5EF4-FFF2-40B4-BE49-F238E27FC236}">
-                <a16:creationId xmlns:a16="http://schemas.microsoft.com/office/drawing/2014/main" id="{9C1169EE-6BEC-4B5E-9D86-8EA3F01574BF}"/>
+                <a16:creationId xmlns:a16="http://schemas.microsoft.com/office/drawing/2014/main" id="{C7F1BE33-C9F7-4C0E-96A3-616F9C93EE54}"/>
+              </a:ext>
+            </a:extLst>
+          </p:cNvPr>
+          <p:cNvPicPr>
+            <a:picLocks noChangeAspect="1"/>
+          </p:cNvPicPr>
+          <p:nvPr/>
+        </p:nvPicPr>
+        <p:blipFill>
+          <a:blip r:embed="rId2"/>
+          <a:stretch>
+            <a:fillRect/>
+          </a:stretch>
+        </p:blipFill>
+        <p:spPr>
+          <a:xfrm>
+            <a:off x="494606" y="2641502"/>
+            <a:ext cx="7092280" cy="2161334"/>
+          </a:xfrm>
+          <a:prstGeom prst="rect">
+            <a:avLst/>
+          </a:prstGeom>
+          <a:ln>
+            <a:solidFill>
+              <a:srgbClr val="C00000"/>
+            </a:solidFill>
+          </a:ln>
+        </p:spPr>
+      </p:pic>
+      <p:sp>
+        <p:nvSpPr>
+          <p:cNvPr id="11" name="Rectangle 10">
+            <a:extLst>
+              <a:ext uri="{FF2B5EF4-FFF2-40B4-BE49-F238E27FC236}">
+                <a16:creationId xmlns:a16="http://schemas.microsoft.com/office/drawing/2014/main" id="{5EEE5F3C-D6E8-447F-815C-7936D6A84FF7}"/>
               </a:ext>
             </a:extLst>
           </p:cNvPr>
@@ -5498,8 +5690,8 @@
         </p:nvSpPr>
         <p:spPr>
           <a:xfrm>
-            <a:off x="2771800" y="4077072"/>
-            <a:ext cx="2592288" cy="632030"/>
+            <a:off x="2915816" y="4514006"/>
+            <a:ext cx="720080" cy="216024"/>
           </a:xfrm>
           <a:prstGeom prst="rect">
             <a:avLst/>
@@ -5536,10 +5728,336 @@
           </a:p>
         </p:txBody>
       </p:sp>
+      <p:pic>
+        <p:nvPicPr>
+          <p:cNvPr id="12" name="Picture 11">
+            <a:extLst>
+              <a:ext uri="{FF2B5EF4-FFF2-40B4-BE49-F238E27FC236}">
+                <a16:creationId xmlns:a16="http://schemas.microsoft.com/office/drawing/2014/main" id="{918A3533-1E74-4F6E-803E-63DBF3A4D279}"/>
+              </a:ext>
+            </a:extLst>
+          </p:cNvPr>
+          <p:cNvPicPr>
+            <a:picLocks noChangeAspect="1"/>
+          </p:cNvPicPr>
+          <p:nvPr/>
+        </p:nvPicPr>
+        <p:blipFill>
+          <a:blip r:embed="rId3"/>
+          <a:stretch>
+            <a:fillRect/>
+          </a:stretch>
+        </p:blipFill>
+        <p:spPr>
+          <a:xfrm>
+            <a:off x="6660232" y="2486077"/>
+            <a:ext cx="1654695" cy="4271882"/>
+          </a:xfrm>
+          <a:prstGeom prst="rect">
+            <a:avLst/>
+          </a:prstGeom>
+          <a:ln>
+            <a:solidFill>
+              <a:srgbClr val="C00000"/>
+            </a:solidFill>
+          </a:ln>
+        </p:spPr>
+      </p:pic>
+      <p:cxnSp>
+        <p:nvCxnSpPr>
+          <p:cNvPr id="14" name="Straight Arrow Connector 13">
+            <a:extLst>
+              <a:ext uri="{FF2B5EF4-FFF2-40B4-BE49-F238E27FC236}">
+                <a16:creationId xmlns:a16="http://schemas.microsoft.com/office/drawing/2014/main" id="{36CA130D-C2F0-4842-9E05-DA3CCC0C6B49}"/>
+              </a:ext>
+            </a:extLst>
+          </p:cNvPr>
+          <p:cNvCxnSpPr>
+            <a:cxnSpLocks/>
+            <a:stCxn id="11" idx="3"/>
+            <a:endCxn id="12" idx="1"/>
+          </p:cNvCxnSpPr>
+          <p:nvPr/>
+        </p:nvCxnSpPr>
+        <p:spPr>
+          <a:xfrm>
+            <a:off x="3635896" y="4622018"/>
+            <a:ext cx="3024336" cy="0"/>
+          </a:xfrm>
+          <a:prstGeom prst="straightConnector1">
+            <a:avLst/>
+          </a:prstGeom>
+          <a:ln>
+            <a:solidFill>
+              <a:srgbClr val="C00000"/>
+            </a:solidFill>
+            <a:tailEnd type="triangle"/>
+          </a:ln>
+        </p:spPr>
+        <p:style>
+          <a:lnRef idx="1">
+            <a:schemeClr val="accent1"/>
+          </a:lnRef>
+          <a:fillRef idx="0">
+            <a:schemeClr val="accent1"/>
+          </a:fillRef>
+          <a:effectRef idx="0">
+            <a:schemeClr val="accent1"/>
+          </a:effectRef>
+          <a:fontRef idx="minor">
+            <a:schemeClr val="tx1"/>
+          </a:fontRef>
+        </p:style>
+      </p:cxnSp>
+      <p:sp>
+        <p:nvSpPr>
+          <p:cNvPr id="20" name="副標題 2">
+            <a:extLst>
+              <a:ext uri="{FF2B5EF4-FFF2-40B4-BE49-F238E27FC236}">
+                <a16:creationId xmlns:a16="http://schemas.microsoft.com/office/drawing/2014/main" id="{0C28D13F-4596-409B-A01C-E53FF08623B6}"/>
+              </a:ext>
+            </a:extLst>
+          </p:cNvPr>
+          <p:cNvSpPr txBox="1">
+            <a:spLocks/>
+          </p:cNvSpPr>
+          <p:nvPr/>
+        </p:nvSpPr>
+        <p:spPr>
+          <a:xfrm>
+            <a:off x="494606" y="4872323"/>
+            <a:ext cx="6058594" cy="932942"/>
+          </a:xfrm>
+          <a:prstGeom prst="rect">
+            <a:avLst/>
+          </a:prstGeom>
+          <a:ln>
+            <a:solidFill>
+              <a:srgbClr val="C00000"/>
+            </a:solidFill>
+          </a:ln>
+        </p:spPr>
+        <p:txBody>
+          <a:bodyPr vert="horz" lIns="91440" tIns="45720" rIns="91440" bIns="45720" rtlCol="0">
+            <a:noAutofit/>
+          </a:bodyPr>
+          <a:lstStyle>
+            <a:lvl1pPr marL="0" indent="0" algn="ctr" defTabSz="914400" rtl="0" eaLnBrk="1" latinLnBrk="0" hangingPunct="1">
+              <a:spcBef>
+                <a:spcPct val="20000"/>
+              </a:spcBef>
+              <a:buFont typeface="Arial" pitchFamily="34" charset="0"/>
+              <a:buNone/>
+              <a:defRPr sz="3200" kern="1200">
+                <a:solidFill>
+                  <a:schemeClr val="tx1">
+                    <a:tint val="75000"/>
+                  </a:schemeClr>
+                </a:solidFill>
+                <a:latin typeface="+mn-lt"/>
+                <a:ea typeface="+mn-ea"/>
+                <a:cs typeface="+mn-cs"/>
+              </a:defRPr>
+            </a:lvl1pPr>
+            <a:lvl2pPr marL="457200" indent="0" algn="ctr" defTabSz="914400" rtl="0" eaLnBrk="1" latinLnBrk="0" hangingPunct="1">
+              <a:spcBef>
+                <a:spcPct val="20000"/>
+              </a:spcBef>
+              <a:buFont typeface="Arial" pitchFamily="34" charset="0"/>
+              <a:buNone/>
+              <a:defRPr sz="2800" kern="1200">
+                <a:solidFill>
+                  <a:schemeClr val="tx1">
+                    <a:tint val="75000"/>
+                  </a:schemeClr>
+                </a:solidFill>
+                <a:latin typeface="+mn-lt"/>
+                <a:ea typeface="+mn-ea"/>
+                <a:cs typeface="+mn-cs"/>
+              </a:defRPr>
+            </a:lvl2pPr>
+            <a:lvl3pPr marL="914400" indent="0" algn="ctr" defTabSz="914400" rtl="0" eaLnBrk="1" latinLnBrk="0" hangingPunct="1">
+              <a:spcBef>
+                <a:spcPct val="20000"/>
+              </a:spcBef>
+              <a:buFont typeface="Arial" pitchFamily="34" charset="0"/>
+              <a:buNone/>
+              <a:defRPr sz="2400" kern="1200">
+                <a:solidFill>
+                  <a:schemeClr val="tx1">
+                    <a:tint val="75000"/>
+                  </a:schemeClr>
+                </a:solidFill>
+                <a:latin typeface="+mn-lt"/>
+                <a:ea typeface="+mn-ea"/>
+                <a:cs typeface="+mn-cs"/>
+              </a:defRPr>
+            </a:lvl3pPr>
+            <a:lvl4pPr marL="1371600" indent="0" algn="ctr" defTabSz="914400" rtl="0" eaLnBrk="1" latinLnBrk="0" hangingPunct="1">
+              <a:spcBef>
+                <a:spcPct val="20000"/>
+              </a:spcBef>
+              <a:buFont typeface="Arial" pitchFamily="34" charset="0"/>
+              <a:buNone/>
+              <a:defRPr sz="2000" kern="1200">
+                <a:solidFill>
+                  <a:schemeClr val="tx1">
+                    <a:tint val="75000"/>
+                  </a:schemeClr>
+                </a:solidFill>
+                <a:latin typeface="+mn-lt"/>
+                <a:ea typeface="+mn-ea"/>
+                <a:cs typeface="+mn-cs"/>
+              </a:defRPr>
+            </a:lvl4pPr>
+            <a:lvl5pPr marL="1828800" indent="0" algn="ctr" defTabSz="914400" rtl="0" eaLnBrk="1" latinLnBrk="0" hangingPunct="1">
+              <a:spcBef>
+                <a:spcPct val="20000"/>
+              </a:spcBef>
+              <a:buFont typeface="Arial" pitchFamily="34" charset="0"/>
+              <a:buNone/>
+              <a:defRPr sz="2000" kern="1200">
+                <a:solidFill>
+                  <a:schemeClr val="tx1">
+                    <a:tint val="75000"/>
+                  </a:schemeClr>
+                </a:solidFill>
+                <a:latin typeface="+mn-lt"/>
+                <a:ea typeface="+mn-ea"/>
+                <a:cs typeface="+mn-cs"/>
+              </a:defRPr>
+            </a:lvl5pPr>
+            <a:lvl6pPr marL="2286000" indent="0" algn="ctr" defTabSz="914400" rtl="0" eaLnBrk="1" latinLnBrk="0" hangingPunct="1">
+              <a:spcBef>
+                <a:spcPct val="20000"/>
+              </a:spcBef>
+              <a:buFont typeface="Arial" pitchFamily="34" charset="0"/>
+              <a:buNone/>
+              <a:defRPr sz="2000" kern="1200">
+                <a:solidFill>
+                  <a:schemeClr val="tx1">
+                    <a:tint val="75000"/>
+                  </a:schemeClr>
+                </a:solidFill>
+                <a:latin typeface="+mn-lt"/>
+                <a:ea typeface="+mn-ea"/>
+                <a:cs typeface="+mn-cs"/>
+              </a:defRPr>
+            </a:lvl6pPr>
+            <a:lvl7pPr marL="2743200" indent="0" algn="ctr" defTabSz="914400" rtl="0" eaLnBrk="1" latinLnBrk="0" hangingPunct="1">
+              <a:spcBef>
+                <a:spcPct val="20000"/>
+              </a:spcBef>
+              <a:buFont typeface="Arial" pitchFamily="34" charset="0"/>
+              <a:buNone/>
+              <a:defRPr sz="2000" kern="1200">
+                <a:solidFill>
+                  <a:schemeClr val="tx1">
+                    <a:tint val="75000"/>
+                  </a:schemeClr>
+                </a:solidFill>
+                <a:latin typeface="+mn-lt"/>
+                <a:ea typeface="+mn-ea"/>
+                <a:cs typeface="+mn-cs"/>
+              </a:defRPr>
+            </a:lvl7pPr>
+            <a:lvl8pPr marL="3200400" indent="0" algn="ctr" defTabSz="914400" rtl="0" eaLnBrk="1" latinLnBrk="0" hangingPunct="1">
+              <a:spcBef>
+                <a:spcPct val="20000"/>
+              </a:spcBef>
+              <a:buFont typeface="Arial" pitchFamily="34" charset="0"/>
+              <a:buNone/>
+              <a:defRPr sz="2000" kern="1200">
+                <a:solidFill>
+                  <a:schemeClr val="tx1">
+                    <a:tint val="75000"/>
+                  </a:schemeClr>
+                </a:solidFill>
+                <a:latin typeface="+mn-lt"/>
+                <a:ea typeface="+mn-ea"/>
+                <a:cs typeface="+mn-cs"/>
+              </a:defRPr>
+            </a:lvl8pPr>
+            <a:lvl9pPr marL="3657600" indent="0" algn="ctr" defTabSz="914400" rtl="0" eaLnBrk="1" latinLnBrk="0" hangingPunct="1">
+              <a:spcBef>
+                <a:spcPct val="20000"/>
+              </a:spcBef>
+              <a:buFont typeface="Arial" pitchFamily="34" charset="0"/>
+              <a:buNone/>
+              <a:defRPr sz="2000" kern="1200">
+                <a:solidFill>
+                  <a:schemeClr val="tx1">
+                    <a:tint val="75000"/>
+                  </a:schemeClr>
+                </a:solidFill>
+                <a:latin typeface="+mn-lt"/>
+                <a:ea typeface="+mn-ea"/>
+                <a:cs typeface="+mn-cs"/>
+              </a:defRPr>
+            </a:lvl9pPr>
+          </a:lstStyle>
+          <a:p>
+            <a:pPr marL="342900" indent="-342900" algn="l">
+              <a:buClr>
+                <a:srgbClr val="0070C0"/>
+              </a:buClr>
+              <a:buSzPct val="80000"/>
+              <a:buFont typeface="Wingdings" pitchFamily="2" charset="2"/>
+              <a:buChar char="u"/>
+            </a:pPr>
+            <a:r>
+              <a:rPr lang="en-US" altLang="zh-TW" sz="1600" dirty="0">
+                <a:solidFill>
+                  <a:schemeClr val="tx1"/>
+                </a:solidFill>
+                <a:latin typeface="+mj-lt"/>
+              </a:rPr>
+              <a:t>This current property point the actual DOM node.</a:t>
+            </a:r>
+          </a:p>
+          <a:p>
+            <a:pPr marL="342900" indent="-342900" algn="l">
+              <a:buClr>
+                <a:srgbClr val="0070C0"/>
+              </a:buClr>
+              <a:buSzPct val="80000"/>
+              <a:buFont typeface="Wingdings" pitchFamily="2" charset="2"/>
+              <a:buChar char="u"/>
+            </a:pPr>
+            <a:r>
+              <a:rPr lang="en-US" altLang="zh-TW" sz="1600" dirty="0">
+                <a:solidFill>
+                  <a:schemeClr val="tx1"/>
+                </a:solidFill>
+                <a:latin typeface="+mj-lt"/>
+              </a:rPr>
+              <a:t>To focus on the input element in </a:t>
+            </a:r>
+            <a:r>
+              <a:rPr lang="en-US" altLang="zh-TW" sz="1600" dirty="0" err="1">
+                <a:solidFill>
+                  <a:schemeClr val="tx1"/>
+                </a:solidFill>
+                <a:latin typeface="+mj-lt"/>
+              </a:rPr>
+              <a:t>componentDidMount</a:t>
+            </a:r>
+            <a:r>
+              <a:rPr lang="en-US" altLang="zh-TW" sz="1600" dirty="0">
+                <a:solidFill>
+                  <a:schemeClr val="tx1"/>
+                </a:solidFill>
+                <a:latin typeface="+mj-lt"/>
+              </a:rPr>
+              <a:t>(), we simply call the focus method on the current property.</a:t>
+            </a:r>
+          </a:p>
+        </p:txBody>
+      </p:sp>
     </p:spTree>
     <p:extLst>
       <p:ext uri="{BB962C8B-B14F-4D97-AF65-F5344CB8AC3E}">
-        <p14:creationId xmlns:p14="http://schemas.microsoft.com/office/powerpoint/2010/main" val="2712823295"/>
+        <p14:creationId xmlns:p14="http://schemas.microsoft.com/office/powerpoint/2010/main" val="827588671"/>
       </p:ext>
     </p:extLst>
   </p:cSld>
@@ -5549,7 +6067,7 @@
 </p:sld>
 </file>
 
-<file path=ppt/slides/slide14.xml><?xml version="1.0" encoding="utf-8"?>
+<file path=ppt/slides/slide16.xml><?xml version="1.0" encoding="utf-8"?>
 <p:sld xmlns:a="http://schemas.openxmlformats.org/drawingml/2006/main" xmlns:r="http://schemas.openxmlformats.org/officeDocument/2006/relationships" xmlns:p="http://schemas.openxmlformats.org/presentationml/2006/main">
   <p:cSld>
     <p:spTree>
@@ -5621,7 +6139,7 @@
                   <a:srgbClr val="FFFF00"/>
                 </a:solidFill>
               </a:rPr>
-              <a:t>28 Refs</a:t>
+              <a:t>28.5 Third Step: 1) Focus</a:t>
             </a:r>
             <a:endParaRPr lang="zh-TW" altLang="en-US" b="1" dirty="0">
               <a:solidFill>
@@ -5643,8 +6161,8 @@
         </p:nvSpPr>
         <p:spPr>
           <a:xfrm>
-            <a:off x="467544" y="1340768"/>
-            <a:ext cx="8352928" cy="1080120"/>
+            <a:off x="457200" y="1318985"/>
+            <a:ext cx="3600400" cy="885879"/>
           </a:xfrm>
           <a:ln>
             <a:solidFill>
@@ -5667,13 +6185,31 @@
               <a:buChar char="u"/>
             </a:pPr>
             <a:r>
-              <a:rPr lang="en-US" altLang="zh-TW" sz="1600" b="1" dirty="0">
+              <a:rPr lang="en-US" altLang="zh-TW" sz="1600" dirty="0">
                 <a:solidFill>
                   <a:schemeClr val="tx1"/>
                 </a:solidFill>
                 <a:latin typeface="+mj-lt"/>
               </a:rPr>
-              <a:t>Refresh browser.</a:t>
+              <a:t>Back in </a:t>
+            </a:r>
+            <a:r>
+              <a:rPr lang="en-US" altLang="zh-TW" sz="1600" dirty="0" err="1">
+                <a:solidFill>
+                  <a:schemeClr val="tx1"/>
+                </a:solidFill>
+                <a:latin typeface="+mj-lt"/>
+              </a:rPr>
+              <a:t>componentDidMount</a:t>
+            </a:r>
+            <a:r>
+              <a:rPr lang="en-US" altLang="zh-TW" sz="1600" dirty="0">
+                <a:solidFill>
+                  <a:schemeClr val="tx1"/>
+                </a:solidFill>
+                <a:latin typeface="+mj-lt"/>
+              </a:rPr>
+              <a:t>(), add the following code:</a:t>
             </a:r>
           </a:p>
           <a:p>
@@ -5686,31 +6222,22 @@
               <a:buChar char="u"/>
             </a:pPr>
             <a:r>
-              <a:rPr lang="en-US" altLang="zh-TW" sz="1600" b="1" dirty="0">
-                <a:solidFill>
-                  <a:schemeClr val="tx1"/>
+              <a:rPr lang="en-US" altLang="zh-TW" sz="1600" b="1" dirty="0" err="1">
+                <a:solidFill>
+                  <a:srgbClr val="C00000"/>
                 </a:solidFill>
                 <a:latin typeface="+mj-lt"/>
               </a:rPr>
-              <a:t>Check with property called current of type input and this current property point to actual  DOM node. So the focus on the input element in </a:t>
-            </a:r>
-            <a:r>
-              <a:rPr lang="en-US" altLang="zh-TW" sz="1600" b="1" dirty="0" err="1">
-                <a:solidFill>
-                  <a:schemeClr val="tx1"/>
+              <a:t>this.inputRef.current.focus</a:t>
+            </a:r>
+            <a:r>
+              <a:rPr lang="en-US" altLang="zh-TW" sz="1600" b="1" dirty="0">
+                <a:solidFill>
+                  <a:srgbClr val="C00000"/>
                 </a:solidFill>
                 <a:latin typeface="+mj-lt"/>
               </a:rPr>
-              <a:t>componentDidMount</a:t>
-            </a:r>
-            <a:r>
-              <a:rPr lang="en-US" altLang="zh-TW" sz="1600" b="1" dirty="0">
-                <a:solidFill>
-                  <a:schemeClr val="tx1"/>
-                </a:solidFill>
-                <a:latin typeface="+mj-lt"/>
-              </a:rPr>
-              <a:t>, we  simple call the focus method on the current property.</a:t>
+              <a:t>(). </a:t>
             </a:r>
           </a:p>
           <a:p>
@@ -5722,23 +6249,7 @@
               <a:buFont typeface="Wingdings" pitchFamily="2" charset="2"/>
               <a:buChar char="u"/>
             </a:pPr>
-            <a:endParaRPr lang="en-US" altLang="zh-TW" sz="1600" b="1" dirty="0">
-              <a:solidFill>
-                <a:schemeClr val="tx1"/>
-              </a:solidFill>
-              <a:latin typeface="+mj-lt"/>
-            </a:endParaRPr>
-          </a:p>
-          <a:p>
-            <a:pPr marL="342900" indent="-342900" algn="l">
-              <a:buClr>
-                <a:srgbClr val="0070C0"/>
-              </a:buClr>
-              <a:buSzPct val="80000"/>
-              <a:buFont typeface="Wingdings" pitchFamily="2" charset="2"/>
-              <a:buChar char="u"/>
-            </a:pPr>
-            <a:endParaRPr lang="en-US" altLang="zh-TW" sz="1600" b="1" dirty="0">
+            <a:endParaRPr lang="en-US" altLang="zh-TW" sz="1800" dirty="0">
               <a:solidFill>
                 <a:schemeClr val="tx1"/>
               </a:solidFill>
@@ -5798,7 +6309,7 @@
           <a:p>
             <a:r>
               <a:rPr lang="en-US" altLang="zh-TW" sz="1600" b="1" i="1" dirty="0"/>
-              <a:t>https://www.youtube.com/watch?v=FXa9mMTKOu8&amp;index=28&amp;list=PLC3y8-rFHvwgg3vaYJgHGnModB54rxOk3</a:t>
+              <a:t>https://www.youtube.com/watch?v=FXa9mMTKOu8&amp;list=PLC3y8-rFHvwgg3vaYJgHGnModB54rxOk3&amp;index=28</a:t>
             </a:r>
           </a:p>
         </p:txBody>
@@ -5826,7 +6337,7 @@
             <a:fld id="{A4F910E6-8D00-4BAF-8C48-9688E0B449D3}" type="datetime1">
               <a:rPr lang="zh-TW" altLang="en-US" smtClean="0"/>
               <a:pPr/>
-              <a:t>2019/3/11</a:t>
+              <a:t>2020/5/26</a:t>
             </a:fld>
             <a:endParaRPr lang="zh-TW" altLang="en-US"/>
           </a:p>
@@ -5855,7 +6366,7 @@
             <a:fld id="{E4D7E63D-91F2-4366-A2C4-1B00C9E2590E}" type="slidenum">
               <a:rPr lang="zh-TW" altLang="en-US" smtClean="0"/>
               <a:pPr/>
-              <a:t>14</a:t>
+              <a:t>16</a:t>
             </a:fld>
             <a:endParaRPr lang="zh-TW" altLang="en-US"/>
           </a:p>
@@ -5863,10 +6374,10 @@
       </p:sp>
       <p:pic>
         <p:nvPicPr>
-          <p:cNvPr id="8" name="Picture 7">
+          <p:cNvPr id="7" name="Picture 6">
             <a:extLst>
               <a:ext uri="{FF2B5EF4-FFF2-40B4-BE49-F238E27FC236}">
-                <a16:creationId xmlns:a16="http://schemas.microsoft.com/office/drawing/2014/main" id="{A47FDDBB-A0AA-48FD-94F9-2381A3E01500}"/>
+                <a16:creationId xmlns:a16="http://schemas.microsoft.com/office/drawing/2014/main" id="{3AED2DCC-A03F-4626-9606-6E6F7A4023D0}"/>
               </a:ext>
             </a:extLst>
           </p:cNvPr>
@@ -5883,8 +6394,8 @@
         </p:blipFill>
         <p:spPr>
           <a:xfrm>
-            <a:off x="2148525" y="2566346"/>
-            <a:ext cx="4846949" cy="3366168"/>
+            <a:off x="4169194" y="1318781"/>
+            <a:ext cx="4727035" cy="4638954"/>
           </a:xfrm>
           <a:prstGeom prst="rect">
             <a:avLst/>
@@ -5898,10 +6409,10 @@
       </p:pic>
       <p:sp>
         <p:nvSpPr>
-          <p:cNvPr id="10" name="Rectangle 9">
+          <p:cNvPr id="9" name="Rectangle 8">
             <a:extLst>
               <a:ext uri="{FF2B5EF4-FFF2-40B4-BE49-F238E27FC236}">
-                <a16:creationId xmlns:a16="http://schemas.microsoft.com/office/drawing/2014/main" id="{3F2F65B7-88D7-4991-B123-D85F7821526A}"/>
+                <a16:creationId xmlns:a16="http://schemas.microsoft.com/office/drawing/2014/main" id="{B91E3721-5A13-4E8D-A16B-F5981D667D90}"/>
               </a:ext>
             </a:extLst>
           </p:cNvPr>
@@ -5910,8 +6421,8 @@
         </p:nvSpPr>
         <p:spPr>
           <a:xfrm>
-            <a:off x="5529697" y="4413577"/>
-            <a:ext cx="1440160" cy="673049"/>
+            <a:off x="4860032" y="2852936"/>
+            <a:ext cx="2160240" cy="720080"/>
           </a:xfrm>
           <a:prstGeom prst="rect">
             <a:avLst/>
@@ -5948,62 +6459,45 @@
           </a:p>
         </p:txBody>
       </p:sp>
-      <p:sp>
-        <p:nvSpPr>
-          <p:cNvPr id="11" name="Rectangle 10">
+      <p:pic>
+        <p:nvPicPr>
+          <p:cNvPr id="10" name="Picture 9">
             <a:extLst>
               <a:ext uri="{FF2B5EF4-FFF2-40B4-BE49-F238E27FC236}">
-                <a16:creationId xmlns:a16="http://schemas.microsoft.com/office/drawing/2014/main" id="{E4DADDEE-F263-49DC-989B-6D0491713A0D}"/>
+                <a16:creationId xmlns:a16="http://schemas.microsoft.com/office/drawing/2014/main" id="{45C6F40F-2263-4544-AB30-3EEC12A5D7EC}"/>
               </a:ext>
             </a:extLst>
           </p:cNvPr>
-          <p:cNvSpPr/>
+          <p:cNvPicPr>
+            <a:picLocks noChangeAspect="1"/>
+          </p:cNvPicPr>
           <p:nvPr/>
-        </p:nvSpPr>
-        <p:spPr>
-          <a:xfrm>
-            <a:off x="5451407" y="3260730"/>
-            <a:ext cx="936104" cy="245948"/>
+        </p:nvPicPr>
+        <p:blipFill>
+          <a:blip r:embed="rId3"/>
+          <a:stretch>
+            <a:fillRect/>
+          </a:stretch>
+        </p:blipFill>
+        <p:spPr>
+          <a:xfrm>
+            <a:off x="7241534" y="1675711"/>
+            <a:ext cx="1654695" cy="4271882"/>
           </a:xfrm>
           <a:prstGeom prst="rect">
             <a:avLst/>
           </a:prstGeom>
-          <a:noFill/>
           <a:ln>
             <a:solidFill>
               <a:srgbClr val="C00000"/>
             </a:solidFill>
           </a:ln>
         </p:spPr>
-        <p:style>
-          <a:lnRef idx="2">
-            <a:schemeClr val="accent1">
-              <a:shade val="50000"/>
-            </a:schemeClr>
-          </a:lnRef>
-          <a:fillRef idx="1">
-            <a:schemeClr val="accent1"/>
-          </a:fillRef>
-          <a:effectRef idx="0">
-            <a:schemeClr val="accent1"/>
-          </a:effectRef>
-          <a:fontRef idx="minor">
-            <a:schemeClr val="lt1"/>
-          </a:fontRef>
-        </p:style>
-        <p:txBody>
-          <a:bodyPr rtlCol="0" anchor="ctr"/>
-          <a:lstStyle/>
-          <a:p>
-            <a:pPr algn="ctr"/>
-            <a:endParaRPr lang="en-US"/>
-          </a:p>
-        </p:txBody>
-      </p:sp>
+      </p:pic>
     </p:spTree>
     <p:extLst>
       <p:ext uri="{BB962C8B-B14F-4D97-AF65-F5344CB8AC3E}">
-        <p14:creationId xmlns:p14="http://schemas.microsoft.com/office/powerpoint/2010/main" val="3173457180"/>
+        <p14:creationId xmlns:p14="http://schemas.microsoft.com/office/powerpoint/2010/main" val="2486601803"/>
       </p:ext>
     </p:extLst>
   </p:cSld>
@@ -6013,7 +6507,7 @@
 </p:sld>
 </file>
 
-<file path=ppt/slides/slide15.xml><?xml version="1.0" encoding="utf-8"?>
+<file path=ppt/slides/slide17.xml><?xml version="1.0" encoding="utf-8"?>
 <p:sld xmlns:a="http://schemas.openxmlformats.org/drawingml/2006/main" xmlns:r="http://schemas.openxmlformats.org/officeDocument/2006/relationships" xmlns:p="http://schemas.openxmlformats.org/presentationml/2006/main">
   <p:cSld>
     <p:spTree>
@@ -6035,7 +6529,7 @@
           <p:cNvPr id="9" name="Picture 8">
             <a:extLst>
               <a:ext uri="{FF2B5EF4-FFF2-40B4-BE49-F238E27FC236}">
-                <a16:creationId xmlns:a16="http://schemas.microsoft.com/office/drawing/2014/main" id="{99BF8D68-BA96-4DA1-B3B1-8C19B4477D6F}"/>
+                <a16:creationId xmlns:a16="http://schemas.microsoft.com/office/drawing/2014/main" id="{F7E91FE1-FD85-4EB0-A1D3-98764DD2E799}"/>
               </a:ext>
             </a:extLst>
           </p:cNvPr>
@@ -6052,43 +6546,8 @@
         </p:blipFill>
         <p:spPr>
           <a:xfrm>
-            <a:off x="755576" y="2974012"/>
-            <a:ext cx="3749600" cy="2717101"/>
-          </a:xfrm>
-          <a:prstGeom prst="rect">
-            <a:avLst/>
-          </a:prstGeom>
-          <a:ln>
-            <a:solidFill>
-              <a:srgbClr val="C00000"/>
-            </a:solidFill>
-          </a:ln>
-        </p:spPr>
-      </p:pic>
-      <p:pic>
-        <p:nvPicPr>
-          <p:cNvPr id="7" name="Picture 6">
-            <a:extLst>
-              <a:ext uri="{FF2B5EF4-FFF2-40B4-BE49-F238E27FC236}">
-                <a16:creationId xmlns:a16="http://schemas.microsoft.com/office/drawing/2014/main" id="{D30EE6A5-788C-4995-83F1-107949FBCA3A}"/>
-              </a:ext>
-            </a:extLst>
-          </p:cNvPr>
-          <p:cNvPicPr>
-            <a:picLocks noChangeAspect="1"/>
-          </p:cNvPicPr>
-          <p:nvPr/>
-        </p:nvPicPr>
-        <p:blipFill>
-          <a:blip r:embed="rId3"/>
-          <a:stretch>
-            <a:fillRect/>
-          </a:stretch>
-        </p:blipFill>
-        <p:spPr>
-          <a:xfrm>
-            <a:off x="3779912" y="3432575"/>
-            <a:ext cx="4529014" cy="924199"/>
+            <a:off x="532022" y="3248781"/>
+            <a:ext cx="3149674" cy="1583538"/>
           </a:xfrm>
           <a:prstGeom prst="rect">
             <a:avLst/>
@@ -6155,7 +6614,7 @@
                   <a:srgbClr val="FFFF00"/>
                 </a:solidFill>
               </a:rPr>
-              <a:t>28 Refs</a:t>
+              <a:t>28.5 Third Step: 1) Focus</a:t>
             </a:r>
             <a:endParaRPr lang="zh-TW" altLang="en-US" b="1" dirty="0">
               <a:solidFill>
@@ -6177,8 +6636,8 @@
         </p:nvSpPr>
         <p:spPr>
           <a:xfrm>
-            <a:off x="467544" y="1340767"/>
-            <a:ext cx="8352928" cy="1230049"/>
+            <a:off x="457200" y="1318985"/>
+            <a:ext cx="8229600" cy="669855"/>
           </a:xfrm>
           <a:ln>
             <a:solidFill>
@@ -6201,31 +6660,31 @@
               <a:buChar char="u"/>
             </a:pPr>
             <a:r>
-              <a:rPr lang="en-US" altLang="zh-TW" sz="1600" b="1" dirty="0">
+              <a:rPr lang="en-US" altLang="zh-TW" sz="1600" dirty="0">
                 <a:solidFill>
                   <a:schemeClr val="tx1"/>
                 </a:solidFill>
                 <a:latin typeface="+mj-lt"/>
               </a:rPr>
-              <a:t>Go back to the </a:t>
-            </a:r>
-            <a:r>
-              <a:rPr lang="en-US" altLang="zh-TW" sz="1600" b="1" dirty="0" err="1">
+              <a:t>&gt; </a:t>
+            </a:r>
+            <a:r>
+              <a:rPr lang="en-US" altLang="zh-TW" sz="1600" dirty="0" err="1">
                 <a:solidFill>
                   <a:schemeClr val="tx1"/>
                 </a:solidFill>
                 <a:latin typeface="+mj-lt"/>
               </a:rPr>
-              <a:t>componentDidMount</a:t>
-            </a:r>
-            <a:r>
-              <a:rPr lang="en-US" altLang="zh-TW" sz="1600" b="1" dirty="0">
+              <a:t>npm</a:t>
+            </a:r>
+            <a:r>
+              <a:rPr lang="en-US" altLang="zh-TW" sz="1600" dirty="0">
                 <a:solidFill>
                   <a:schemeClr val="tx1"/>
                 </a:solidFill>
                 <a:latin typeface="+mj-lt"/>
               </a:rPr>
-              <a:t>().</a:t>
+              <a:t> start</a:t>
             </a:r>
           </a:p>
           <a:p>
@@ -6238,86 +6697,14 @@
               <a:buChar char="u"/>
             </a:pPr>
             <a:r>
-              <a:rPr lang="en-US" altLang="zh-TW" sz="1600" b="1" dirty="0">
+              <a:rPr lang="en-US" altLang="zh-TW" sz="1600" dirty="0">
                 <a:solidFill>
                   <a:schemeClr val="tx1"/>
                 </a:solidFill>
                 <a:latin typeface="+mj-lt"/>
               </a:rPr>
-              <a:t>Add call </a:t>
-            </a:r>
-            <a:r>
-              <a:rPr lang="en-US" altLang="zh-TW" sz="1600" b="1" dirty="0" err="1">
-                <a:solidFill>
-                  <a:schemeClr val="tx1"/>
-                </a:solidFill>
-                <a:latin typeface="+mj-lt"/>
-              </a:rPr>
-              <a:t>this.inputRef.current.focus</a:t>
-            </a:r>
-            <a:r>
-              <a:rPr lang="en-US" altLang="zh-TW" sz="1600" b="1" dirty="0">
-                <a:solidFill>
-                  <a:schemeClr val="tx1"/>
-                </a:solidFill>
-                <a:latin typeface="+mj-lt"/>
-              </a:rPr>
-              <a:t>().</a:t>
-            </a:r>
-          </a:p>
-          <a:p>
-            <a:pPr marL="342900" indent="-342900" algn="l">
-              <a:buClr>
-                <a:srgbClr val="0070C0"/>
-              </a:buClr>
-              <a:buSzPct val="80000"/>
-              <a:buFont typeface="Wingdings" pitchFamily="2" charset="2"/>
-              <a:buChar char="u"/>
-            </a:pPr>
-            <a:r>
-              <a:rPr lang="en-US" altLang="zh-TW" sz="1600" b="1" dirty="0">
-                <a:solidFill>
-                  <a:schemeClr val="tx1"/>
-                </a:solidFill>
-                <a:latin typeface="+mj-lt"/>
-              </a:rPr>
-              <a:t>Refresh the browser.</a:t>
-            </a:r>
-          </a:p>
-          <a:p>
-            <a:pPr marL="342900" indent="-342900" algn="l">
-              <a:buClr>
-                <a:srgbClr val="0070C0"/>
-              </a:buClr>
-              <a:buSzPct val="80000"/>
-              <a:buFont typeface="Wingdings" pitchFamily="2" charset="2"/>
-              <a:buChar char="u"/>
-            </a:pPr>
-            <a:r>
-              <a:rPr lang="en-US" altLang="zh-TW" sz="1600" b="1" dirty="0">
-                <a:solidFill>
-                  <a:schemeClr val="tx1"/>
-                </a:solidFill>
-                <a:latin typeface="+mj-lt"/>
-              </a:rPr>
-              <a:t>You can see the input element has the focus.</a:t>
-            </a:r>
-          </a:p>
-          <a:p>
-            <a:pPr marL="342900" indent="-342900" algn="l">
-              <a:buClr>
-                <a:srgbClr val="0070C0"/>
-              </a:buClr>
-              <a:buSzPct val="80000"/>
-              <a:buFont typeface="Wingdings" pitchFamily="2" charset="2"/>
-              <a:buChar char="u"/>
-            </a:pPr>
-            <a:endParaRPr lang="en-US" altLang="zh-TW" sz="1600" b="1" dirty="0">
-              <a:solidFill>
-                <a:schemeClr val="tx1"/>
-              </a:solidFill>
-              <a:latin typeface="+mj-lt"/>
-            </a:endParaRPr>
+              <a:t>Refresh the browser again. The focus is displayed.</a:t>
+            </a:r>
           </a:p>
         </p:txBody>
       </p:sp>
@@ -6372,7 +6759,7 @@
           <a:p>
             <a:r>
               <a:rPr lang="en-US" altLang="zh-TW" sz="1600" b="1" i="1" dirty="0"/>
-              <a:t>https://www.youtube.com/watch?v=FXa9mMTKOu8&amp;index=28&amp;list=PLC3y8-rFHvwgg3vaYJgHGnModB54rxOk3</a:t>
+              <a:t>https://www.youtube.com/watch?v=FXa9mMTKOu8&amp;list=PLC3y8-rFHvwgg3vaYJgHGnModB54rxOk3&amp;index=28</a:t>
             </a:r>
           </a:p>
         </p:txBody>
@@ -6400,7 +6787,7 @@
             <a:fld id="{A4F910E6-8D00-4BAF-8C48-9688E0B449D3}" type="datetime1">
               <a:rPr lang="zh-TW" altLang="en-US" smtClean="0"/>
               <a:pPr/>
-              <a:t>2019/3/11</a:t>
+              <a:t>2020/5/26</a:t>
             </a:fld>
             <a:endParaRPr lang="zh-TW" altLang="en-US"/>
           </a:p>
@@ -6429,7 +6816,7 @@
             <a:fld id="{E4D7E63D-91F2-4366-A2C4-1B00C9E2590E}" type="slidenum">
               <a:rPr lang="zh-TW" altLang="en-US" smtClean="0"/>
               <a:pPr/>
-              <a:t>15</a:t>
+              <a:t>17</a:t>
             </a:fld>
             <a:endParaRPr lang="zh-TW" altLang="en-US"/>
           </a:p>
@@ -6440,7 +6827,7 @@
           <p:cNvPr id="11" name="Rectangle 10">
             <a:extLst>
               <a:ext uri="{FF2B5EF4-FFF2-40B4-BE49-F238E27FC236}">
-                <a16:creationId xmlns:a16="http://schemas.microsoft.com/office/drawing/2014/main" id="{E4DADDEE-F263-49DC-989B-6D0491713A0D}"/>
+                <a16:creationId xmlns:a16="http://schemas.microsoft.com/office/drawing/2014/main" id="{5EEE5F3C-D6E8-447F-815C-7936D6A84FF7}"/>
               </a:ext>
             </a:extLst>
           </p:cNvPr>
@@ -6449,8 +6836,8 @@
         </p:nvSpPr>
         <p:spPr>
           <a:xfrm>
-            <a:off x="1492590" y="4025206"/>
-            <a:ext cx="1495234" cy="211518"/>
+            <a:off x="1024930" y="4081260"/>
+            <a:ext cx="1800200" cy="493892"/>
           </a:xfrm>
           <a:prstGeom prst="rect">
             <a:avLst/>
@@ -6487,12 +6874,47 @@
           </a:p>
         </p:txBody>
       </p:sp>
-      <p:sp>
-        <p:nvSpPr>
-          <p:cNvPr id="12" name="Rectangle 11">
+      <p:pic>
+        <p:nvPicPr>
+          <p:cNvPr id="8" name="Picture 7">
             <a:extLst>
               <a:ext uri="{FF2B5EF4-FFF2-40B4-BE49-F238E27FC236}">
-                <a16:creationId xmlns:a16="http://schemas.microsoft.com/office/drawing/2014/main" id="{766F5D45-B35B-4984-83CD-45D239827906}"/>
+                <a16:creationId xmlns:a16="http://schemas.microsoft.com/office/drawing/2014/main" id="{5B0D9A41-121D-422B-9AF5-01F650B6F286}"/>
+              </a:ext>
+            </a:extLst>
+          </p:cNvPr>
+          <p:cNvPicPr>
+            <a:picLocks noChangeAspect="1"/>
+          </p:cNvPicPr>
+          <p:nvPr/>
+        </p:nvPicPr>
+        <p:blipFill>
+          <a:blip r:embed="rId3"/>
+          <a:stretch>
+            <a:fillRect/>
+          </a:stretch>
+        </p:blipFill>
+        <p:spPr>
+          <a:xfrm>
+            <a:off x="4788024" y="3212976"/>
+            <a:ext cx="3381375" cy="1381125"/>
+          </a:xfrm>
+          <a:prstGeom prst="rect">
+            <a:avLst/>
+          </a:prstGeom>
+          <a:ln>
+            <a:solidFill>
+              <a:srgbClr val="C00000"/>
+            </a:solidFill>
+          </a:ln>
+        </p:spPr>
+      </p:pic>
+      <p:sp>
+        <p:nvSpPr>
+          <p:cNvPr id="16" name="Rectangle 15">
+            <a:extLst>
+              <a:ext uri="{FF2B5EF4-FFF2-40B4-BE49-F238E27FC236}">
+                <a16:creationId xmlns:a16="http://schemas.microsoft.com/office/drawing/2014/main" id="{EBCCC55D-3C9E-423F-8CE6-D805970A9D74}"/>
               </a:ext>
             </a:extLst>
           </p:cNvPr>
@@ -6501,8 +6923,8 @@
         </p:nvSpPr>
         <p:spPr>
           <a:xfrm>
-            <a:off x="4932040" y="3885696"/>
-            <a:ext cx="1206046" cy="351028"/>
+            <a:off x="5292080" y="4105192"/>
+            <a:ext cx="1800200" cy="493892"/>
           </a:xfrm>
           <a:prstGeom prst="rect">
             <a:avLst/>
@@ -6541,24 +6963,24 @@
       </p:sp>
       <p:cxnSp>
         <p:nvCxnSpPr>
-          <p:cNvPr id="14" name="Straight Arrow Connector 13">
+          <p:cNvPr id="18" name="Straight Arrow Connector 17">
             <a:extLst>
               <a:ext uri="{FF2B5EF4-FFF2-40B4-BE49-F238E27FC236}">
-                <a16:creationId xmlns:a16="http://schemas.microsoft.com/office/drawing/2014/main" id="{F3A233CE-20E0-4D73-8121-38CD409B51A1}"/>
+                <a16:creationId xmlns:a16="http://schemas.microsoft.com/office/drawing/2014/main" id="{A7C8C651-2B32-4AE7-ADE1-BDB973EF42C9}"/>
               </a:ext>
             </a:extLst>
           </p:cNvPr>
           <p:cNvCxnSpPr>
             <a:cxnSpLocks/>
             <a:stCxn id="11" idx="3"/>
-            <a:endCxn id="12" idx="1"/>
+            <a:endCxn id="16" idx="1"/>
           </p:cNvCxnSpPr>
           <p:nvPr/>
         </p:nvCxnSpPr>
         <p:spPr>
-          <a:xfrm flipV="1">
-            <a:off x="2987824" y="4061210"/>
-            <a:ext cx="1944216" cy="69755"/>
+          <a:xfrm>
+            <a:off x="2825130" y="4328206"/>
+            <a:ext cx="2466950" cy="23932"/>
           </a:xfrm>
           <a:prstGeom prst="straightConnector1">
             <a:avLst/>
@@ -6585,10 +7007,80 @@
           </a:fontRef>
         </p:style>
       </p:cxnSp>
+      <p:pic>
+        <p:nvPicPr>
+          <p:cNvPr id="21" name="Picture 20">
+            <a:extLst>
+              <a:ext uri="{FF2B5EF4-FFF2-40B4-BE49-F238E27FC236}">
+                <a16:creationId xmlns:a16="http://schemas.microsoft.com/office/drawing/2014/main" id="{D205E047-94BE-4513-B8F2-06053A9516D8}"/>
+              </a:ext>
+            </a:extLst>
+          </p:cNvPr>
+          <p:cNvPicPr>
+            <a:picLocks noChangeAspect="1"/>
+          </p:cNvPicPr>
+          <p:nvPr/>
+        </p:nvPicPr>
+        <p:blipFill>
+          <a:blip r:embed="rId4"/>
+          <a:stretch>
+            <a:fillRect/>
+          </a:stretch>
+        </p:blipFill>
+        <p:spPr>
+          <a:xfrm>
+            <a:off x="457200" y="2079679"/>
+            <a:ext cx="3190013" cy="824573"/>
+          </a:xfrm>
+          <a:prstGeom prst="rect">
+            <a:avLst/>
+          </a:prstGeom>
+          <a:ln>
+            <a:solidFill>
+              <a:srgbClr val="C00000"/>
+            </a:solidFill>
+          </a:ln>
+        </p:spPr>
+      </p:pic>
+      <p:pic>
+        <p:nvPicPr>
+          <p:cNvPr id="22" name="Picture 21">
+            <a:extLst>
+              <a:ext uri="{FF2B5EF4-FFF2-40B4-BE49-F238E27FC236}">
+                <a16:creationId xmlns:a16="http://schemas.microsoft.com/office/drawing/2014/main" id="{63641E26-F861-4DFF-9703-1DA165F5FB02}"/>
+              </a:ext>
+            </a:extLst>
+          </p:cNvPr>
+          <p:cNvPicPr>
+            <a:picLocks noChangeAspect="1"/>
+          </p:cNvPicPr>
+          <p:nvPr/>
+        </p:nvPicPr>
+        <p:blipFill>
+          <a:blip r:embed="rId5"/>
+          <a:stretch>
+            <a:fillRect/>
+          </a:stretch>
+        </p:blipFill>
+        <p:spPr>
+          <a:xfrm>
+            <a:off x="4753541" y="2034612"/>
+            <a:ext cx="2609850" cy="981075"/>
+          </a:xfrm>
+          <a:prstGeom prst="rect">
+            <a:avLst/>
+          </a:prstGeom>
+          <a:ln>
+            <a:solidFill>
+              <a:srgbClr val="C00000"/>
+            </a:solidFill>
+          </a:ln>
+        </p:spPr>
+      </p:pic>
     </p:spTree>
     <p:extLst>
       <p:ext uri="{BB962C8B-B14F-4D97-AF65-F5344CB8AC3E}">
-        <p14:creationId xmlns:p14="http://schemas.microsoft.com/office/powerpoint/2010/main" val="1259105061"/>
+        <p14:creationId xmlns:p14="http://schemas.microsoft.com/office/powerpoint/2010/main" val="4021819350"/>
       </p:ext>
     </p:extLst>
   </p:cSld>
@@ -6598,7 +7090,158 @@
 </p:sld>
 </file>
 
-<file path=ppt/slides/slide16.xml><?xml version="1.0" encoding="utf-8"?>
+<file path=ppt/slides/slide18.xml><?xml version="1.0" encoding="utf-8"?>
+<p:sld xmlns:a="http://schemas.openxmlformats.org/drawingml/2006/main" xmlns:r="http://schemas.openxmlformats.org/officeDocument/2006/relationships" xmlns:p="http://schemas.openxmlformats.org/presentationml/2006/main">
+  <p:cSld>
+    <p:spTree>
+      <p:nvGrpSpPr>
+        <p:cNvPr id="1" name=""/>
+        <p:cNvGrpSpPr/>
+        <p:nvPr/>
+      </p:nvGrpSpPr>
+      <p:grpSpPr>
+        <a:xfrm>
+          <a:off x="0" y="0"/>
+          <a:ext cx="0" cy="0"/>
+          <a:chOff x="0" y="0"/>
+          <a:chExt cx="0" cy="0"/>
+        </a:xfrm>
+      </p:grpSpPr>
+      <p:sp>
+        <p:nvSpPr>
+          <p:cNvPr id="2" name="標題 1"/>
+          <p:cNvSpPr>
+            <a:spLocks noGrp="1"/>
+          </p:cNvSpPr>
+          <p:nvPr>
+            <p:ph type="ctrTitle"/>
+          </p:nvPr>
+        </p:nvSpPr>
+        <p:spPr>
+          <a:xfrm>
+            <a:off x="0" y="2130425"/>
+            <a:ext cx="9144000" cy="1470025"/>
+          </a:xfrm>
+          <a:solidFill>
+            <a:srgbClr val="00B0F0"/>
+          </a:solidFill>
+        </p:spPr>
+        <p:txBody>
+          <a:bodyPr>
+            <a:normAutofit fontScale="90000"/>
+          </a:bodyPr>
+          <a:lstStyle/>
+          <a:p>
+            <a:r>
+              <a:rPr lang="en-US" altLang="zh-TW" sz="4800" b="1" dirty="0">
+                <a:solidFill>
+                  <a:srgbClr val="FFFF00"/>
+                </a:solidFill>
+              </a:rPr>
+              <a:t>28.6 Third Step: 2) Fetch Input Value</a:t>
+            </a:r>
+            <a:endParaRPr lang="zh-TW" altLang="en-US" sz="4800" b="1" dirty="0">
+              <a:solidFill>
+                <a:srgbClr val="FFFF00"/>
+              </a:solidFill>
+            </a:endParaRPr>
+          </a:p>
+        </p:txBody>
+      </p:sp>
+      <p:sp>
+        <p:nvSpPr>
+          <p:cNvPr id="5" name="日期版面配置區 4"/>
+          <p:cNvSpPr>
+            <a:spLocks noGrp="1"/>
+          </p:cNvSpPr>
+          <p:nvPr>
+            <p:ph type="dt" sz="half" idx="10"/>
+          </p:nvPr>
+        </p:nvSpPr>
+        <p:spPr/>
+        <p:txBody>
+          <a:bodyPr/>
+          <a:lstStyle/>
+          <a:p>
+            <a:fld id="{C389EDC9-19E3-47AC-9C57-C6A24DEA81AD}" type="datetime1">
+              <a:rPr lang="zh-TW" altLang="en-US" smtClean="0"/>
+              <a:pPr/>
+              <a:t>2020/5/26</a:t>
+            </a:fld>
+            <a:endParaRPr lang="zh-TW" altLang="en-US"/>
+          </a:p>
+        </p:txBody>
+      </p:sp>
+      <p:sp>
+        <p:nvSpPr>
+          <p:cNvPr id="6" name="投影片編號版面配置區 5"/>
+          <p:cNvSpPr>
+            <a:spLocks noGrp="1"/>
+          </p:cNvSpPr>
+          <p:nvPr>
+            <p:ph type="sldNum" sz="quarter" idx="12"/>
+          </p:nvPr>
+        </p:nvSpPr>
+        <p:spPr/>
+        <p:txBody>
+          <a:bodyPr/>
+          <a:lstStyle/>
+          <a:p>
+            <a:fld id="{E4D7E63D-91F2-4366-A2C4-1B00C9E2590E}" type="slidenum">
+              <a:rPr lang="zh-TW" altLang="en-US" smtClean="0"/>
+              <a:pPr/>
+              <a:t>18</a:t>
+            </a:fld>
+            <a:endParaRPr lang="zh-TW" altLang="en-US"/>
+          </a:p>
+        </p:txBody>
+      </p:sp>
+      <p:pic>
+        <p:nvPicPr>
+          <p:cNvPr id="2050" name="Picture 2"/>
+          <p:cNvPicPr>
+            <a:picLocks noChangeAspect="1" noChangeArrowheads="1"/>
+          </p:cNvPicPr>
+          <p:nvPr/>
+        </p:nvPicPr>
+        <p:blipFill>
+          <a:blip r:embed="rId2" cstate="print"/>
+          <a:srcRect/>
+          <a:stretch>
+            <a:fillRect/>
+          </a:stretch>
+        </p:blipFill>
+        <p:spPr bwMode="auto">
+          <a:xfrm>
+            <a:off x="4283968" y="3717032"/>
+            <a:ext cx="713805" cy="644588"/>
+          </a:xfrm>
+          <a:prstGeom prst="rect">
+            <a:avLst/>
+          </a:prstGeom>
+          <a:noFill/>
+          <a:ln w="9525">
+            <a:noFill/>
+            <a:miter lim="800000"/>
+            <a:headEnd/>
+            <a:tailEnd/>
+          </a:ln>
+        </p:spPr>
+      </p:pic>
+    </p:spTree>
+    <p:extLst>
+      <p:ext uri="{BB962C8B-B14F-4D97-AF65-F5344CB8AC3E}">
+        <p14:creationId xmlns:p14="http://schemas.microsoft.com/office/powerpoint/2010/main" val="1003679064"/>
+      </p:ext>
+    </p:extLst>
+  </p:cSld>
+  <p:clrMapOvr>
+    <a:masterClrMapping/>
+  </p:clrMapOvr>
+</p:sld>
+</file>
+
+<file path=ppt/slides/slide19.xml><?xml version="1.0" encoding="utf-8"?>
 <p:sld xmlns:a="http://schemas.openxmlformats.org/drawingml/2006/main" xmlns:r="http://schemas.openxmlformats.org/officeDocument/2006/relationships" xmlns:p="http://schemas.openxmlformats.org/presentationml/2006/main">
   <p:cSld>
     <p:spTree>
@@ -6670,7 +7313,7 @@
                   <a:srgbClr val="FFFF00"/>
                 </a:solidFill>
               </a:rPr>
-              <a:t>28 Refs</a:t>
+              <a:t>28.6 Third Step: 2) Fetch Input Value</a:t>
             </a:r>
             <a:endParaRPr lang="zh-TW" altLang="en-US" b="1" dirty="0">
               <a:solidFill>
@@ -6693,7 +7336,7 @@
         <p:spPr>
           <a:xfrm>
             <a:off x="467544" y="1340767"/>
-            <a:ext cx="8352928" cy="1230049"/>
+            <a:ext cx="8352928" cy="1676588"/>
           </a:xfrm>
           <a:ln>
             <a:solidFill>
@@ -6722,7 +7365,7 @@
                 </a:solidFill>
                 <a:latin typeface="+mj-lt"/>
               </a:rPr>
-              <a:t>This is the refs used in the input field.</a:t>
+              <a:t>The second part of Step 3: </a:t>
             </a:r>
           </a:p>
           <a:p>
@@ -6735,13 +7378,13 @@
               <a:buChar char="u"/>
             </a:pPr>
             <a:r>
-              <a:rPr lang="en-US" altLang="zh-TW" sz="1600" b="1" dirty="0">
+              <a:rPr lang="en-US" altLang="zh-TW" sz="1600" dirty="0">
                 <a:solidFill>
                   <a:schemeClr val="tx1"/>
                 </a:solidFill>
                 <a:latin typeface="+mj-lt"/>
               </a:rPr>
-              <a:t>The second use of refs is to fetch the input value.</a:t>
+              <a:t>This is the refs used in the input field.</a:t>
             </a:r>
           </a:p>
           <a:p>
@@ -6754,13 +7397,13 @@
               <a:buChar char="u"/>
             </a:pPr>
             <a:r>
-              <a:rPr lang="en-US" altLang="zh-TW" sz="1600" b="1" dirty="0">
+              <a:rPr lang="en-US" altLang="zh-TW" sz="1600" dirty="0">
                 <a:solidFill>
                   <a:schemeClr val="tx1"/>
                 </a:solidFill>
                 <a:latin typeface="+mj-lt"/>
               </a:rPr>
-              <a:t>Go back the input text and create a button with a text click and a click event handler on click.</a:t>
+              <a:t>The refs is to fetch the input value.</a:t>
             </a:r>
           </a:p>
           <a:p>
@@ -6773,7 +7416,44 @@
               <a:buChar char="u"/>
             </a:pPr>
             <a:r>
-              <a:rPr lang="en-US" altLang="zh-TW" sz="1600" b="1" dirty="0">
+              <a:rPr lang="en-US" altLang="zh-TW" sz="1600" dirty="0">
+                <a:solidFill>
+                  <a:schemeClr val="tx1"/>
+                </a:solidFill>
+                <a:latin typeface="+mj-lt"/>
+              </a:rPr>
+              <a:t>Go back the input text and create a button with a text click and a click event handler with arrow </a:t>
+            </a:r>
+            <a:r>
+              <a:rPr lang="en-US" altLang="zh-TW" sz="1600" dirty="0" err="1">
+                <a:solidFill>
+                  <a:schemeClr val="tx1"/>
+                </a:solidFill>
+                <a:latin typeface="+mj-lt"/>
+              </a:rPr>
+              <a:t>funciton</a:t>
+            </a:r>
+            <a:r>
+              <a:rPr lang="en-US" altLang="zh-TW" sz="1600" dirty="0">
+                <a:solidFill>
+                  <a:schemeClr val="tx1"/>
+                </a:solidFill>
+                <a:latin typeface="+mj-lt"/>
+              </a:rPr>
+              <a:t> on click.</a:t>
+            </a:r>
+          </a:p>
+          <a:p>
+            <a:pPr marL="342900" indent="-342900" algn="l">
+              <a:buClr>
+                <a:srgbClr val="0070C0"/>
+              </a:buClr>
+              <a:buSzPct val="80000"/>
+              <a:buFont typeface="Wingdings" pitchFamily="2" charset="2"/>
+              <a:buChar char="u"/>
+            </a:pPr>
+            <a:r>
+              <a:rPr lang="en-US" altLang="zh-TW" sz="1600" dirty="0">
                 <a:solidFill>
                   <a:schemeClr val="tx1"/>
                 </a:solidFill>
@@ -6782,7 +7462,7 @@
               <a:t>It is equal to </a:t>
             </a:r>
             <a:r>
-              <a:rPr lang="en-US" altLang="zh-TW" sz="1600" b="1" dirty="0" err="1">
+              <a:rPr lang="en-US" altLang="zh-TW" sz="1600" dirty="0" err="1">
                 <a:solidFill>
                   <a:schemeClr val="tx1"/>
                 </a:solidFill>
@@ -6791,7 +7471,7 @@
               <a:t>this.clickhandler</a:t>
             </a:r>
             <a:r>
-              <a:rPr lang="en-US" altLang="zh-TW" sz="1600" b="1" dirty="0">
+              <a:rPr lang="en-US" altLang="zh-TW" sz="1600" dirty="0">
                 <a:solidFill>
                   <a:schemeClr val="tx1"/>
                 </a:solidFill>
@@ -6853,7 +7533,7 @@
           <a:p>
             <a:r>
               <a:rPr lang="en-US" altLang="zh-TW" sz="1600" b="1" i="1" dirty="0"/>
-              <a:t>https://www.youtube.com/watch?v=FXa9mMTKOu8&amp;index=28&amp;list=PLC3y8-rFHvwgg3vaYJgHGnModB54rxOk3</a:t>
+              <a:t>https://www.youtube.com/watch?v=FXa9mMTKOu8&amp;list=PLC3y8-rFHvwgg3vaYJgHGnModB54rxOk3&amp;index=28</a:t>
             </a:r>
           </a:p>
         </p:txBody>
@@ -6881,7 +7561,7 @@
             <a:fld id="{A4F910E6-8D00-4BAF-8C48-9688E0B449D3}" type="datetime1">
               <a:rPr lang="zh-TW" altLang="en-US" smtClean="0"/>
               <a:pPr/>
-              <a:t>2019/3/11</a:t>
+              <a:t>2020/5/26</a:t>
             </a:fld>
             <a:endParaRPr lang="zh-TW" altLang="en-US"/>
           </a:p>
@@ -6910,7 +7590,7 @@
             <a:fld id="{E4D7E63D-91F2-4366-A2C4-1B00C9E2590E}" type="slidenum">
               <a:rPr lang="zh-TW" altLang="en-US" smtClean="0"/>
               <a:pPr/>
-              <a:t>16</a:t>
+              <a:t>19</a:t>
             </a:fld>
             <a:endParaRPr lang="zh-TW" altLang="en-US"/>
           </a:p>
@@ -6938,7 +7618,7 @@
         </p:blipFill>
         <p:spPr>
           <a:xfrm>
-            <a:off x="1979712" y="2705785"/>
+            <a:off x="2590800" y="3145244"/>
             <a:ext cx="4078080" cy="3607036"/>
           </a:xfrm>
           <a:prstGeom prst="rect">
@@ -6965,7 +7645,7 @@
         </p:nvSpPr>
         <p:spPr>
           <a:xfrm>
-            <a:off x="2699792" y="3789040"/>
+            <a:off x="3310880" y="4228499"/>
             <a:ext cx="1800200" cy="279020"/>
           </a:xfrm>
           <a:prstGeom prst="rect">
@@ -7017,8 +7697,8 @@
         </p:nvSpPr>
         <p:spPr>
           <a:xfrm>
-            <a:off x="2843808" y="5247733"/>
-            <a:ext cx="2952328" cy="279020"/>
+            <a:off x="3310880" y="5687192"/>
+            <a:ext cx="3096344" cy="411276"/>
           </a:xfrm>
           <a:prstGeom prst="rect">
             <a:avLst/>
@@ -7069,7 +7749,7 @@
         </p:nvSpPr>
         <p:spPr>
           <a:xfrm>
-            <a:off x="2542588" y="4313866"/>
+            <a:off x="3153676" y="4753325"/>
             <a:ext cx="2952328" cy="411277"/>
           </a:xfrm>
           <a:prstGeom prst="rect">
@@ -7120,7 +7800,7 @@
 </p:sld>
 </file>
 
-<file path=ppt/slides/slide17.xml><?xml version="1.0" encoding="utf-8"?>
+<file path=ppt/slides/slide2.xml><?xml version="1.0" encoding="utf-8"?>
 <p:sld xmlns:a="http://schemas.openxmlformats.org/drawingml/2006/main" xmlns:r="http://schemas.openxmlformats.org/officeDocument/2006/relationships" xmlns:p="http://schemas.openxmlformats.org/presentationml/2006/main">
   <p:cSld>
     <p:spTree>
@@ -7214,8 +7894,8 @@
         </p:nvSpPr>
         <p:spPr>
           <a:xfrm>
-            <a:off x="467544" y="1340767"/>
-            <a:ext cx="8352928" cy="720081"/>
+            <a:off x="467544" y="1340768"/>
+            <a:ext cx="8352928" cy="2448272"/>
           </a:xfrm>
           <a:ln>
             <a:solidFill>
@@ -7244,7 +7924,7 @@
                 </a:solidFill>
                 <a:latin typeface="+mj-lt"/>
               </a:rPr>
-              <a:t>Refresh the browser</a:t>
+              <a:t>This section discussed the concepts of Refs in React.</a:t>
             </a:r>
           </a:p>
           <a:p>
@@ -7257,13 +7937,108 @@
               <a:buChar char="u"/>
             </a:pPr>
             <a:r>
-              <a:rPr lang="en-US" altLang="zh-TW" sz="1600" b="1" dirty="0">
+              <a:rPr lang="en-US" altLang="zh-TW" sz="1600" dirty="0">
                 <a:solidFill>
                   <a:schemeClr val="tx1"/>
                 </a:solidFill>
                 <a:latin typeface="+mj-lt"/>
               </a:rPr>
-              <a:t>Enter text and click OK.</a:t>
+              <a:t>Refs make it possible to access the DOM node directly within React.</a:t>
+            </a:r>
+          </a:p>
+          <a:p>
+            <a:pPr marL="342900" indent="-342900" algn="l">
+              <a:buClr>
+                <a:srgbClr val="0070C0"/>
+              </a:buClr>
+              <a:buSzPct val="80000"/>
+              <a:buFont typeface="Wingdings" pitchFamily="2" charset="2"/>
+              <a:buChar char="u"/>
+            </a:pPr>
+            <a:r>
+              <a:rPr lang="en-US" altLang="zh-TW" sz="1600" dirty="0">
+                <a:solidFill>
+                  <a:schemeClr val="tx1"/>
+                </a:solidFill>
+                <a:latin typeface="+mj-lt"/>
+              </a:rPr>
+              <a:t>For our understanding, we take a look at one of common use cases which is focusing a text input.</a:t>
+            </a:r>
+          </a:p>
+          <a:p>
+            <a:pPr marL="342900" indent="-342900" algn="l">
+              <a:buClr>
+                <a:srgbClr val="0070C0"/>
+              </a:buClr>
+              <a:buSzPct val="80000"/>
+              <a:buFont typeface="Wingdings" pitchFamily="2" charset="2"/>
+              <a:buChar char="u"/>
+            </a:pPr>
+            <a:r>
+              <a:rPr lang="en-US" altLang="zh-TW" sz="1600" dirty="0">
+                <a:solidFill>
+                  <a:schemeClr val="tx1"/>
+                </a:solidFill>
+                <a:latin typeface="+mj-lt"/>
+              </a:rPr>
+              <a:t>For example, we have a login form. </a:t>
+            </a:r>
+          </a:p>
+          <a:p>
+            <a:pPr marL="342900" indent="-342900" algn="l">
+              <a:buClr>
+                <a:srgbClr val="0070C0"/>
+              </a:buClr>
+              <a:buSzPct val="80000"/>
+              <a:buFont typeface="Wingdings" pitchFamily="2" charset="2"/>
+              <a:buChar char="u"/>
+            </a:pPr>
+            <a:r>
+              <a:rPr lang="en-US" altLang="zh-TW" sz="1600" dirty="0">
+                <a:solidFill>
+                  <a:schemeClr val="tx1"/>
+                </a:solidFill>
+                <a:latin typeface="+mj-lt"/>
+              </a:rPr>
+              <a:t>As soon as the page is loaded. </a:t>
+            </a:r>
+          </a:p>
+          <a:p>
+            <a:pPr marL="342900" indent="-342900" algn="l">
+              <a:buClr>
+                <a:srgbClr val="0070C0"/>
+              </a:buClr>
+              <a:buSzPct val="80000"/>
+              <a:buFont typeface="Wingdings" pitchFamily="2" charset="2"/>
+              <a:buChar char="u"/>
+            </a:pPr>
+            <a:r>
+              <a:rPr lang="en-US" altLang="zh-TW" sz="1600" dirty="0">
+                <a:solidFill>
+                  <a:schemeClr val="tx1"/>
+                </a:solidFill>
+                <a:latin typeface="+mj-lt"/>
+              </a:rPr>
+              <a:t>Let’s say, by default, we want the user name input field to be focused.</a:t>
+            </a:r>
+          </a:p>
+          <a:p>
+            <a:pPr marL="342900" indent="-342900" algn="l">
+              <a:buClr>
+                <a:srgbClr val="0070C0"/>
+              </a:buClr>
+              <a:buSzPct val="80000"/>
+              <a:buFont typeface="Wingdings" pitchFamily="2" charset="2"/>
+              <a:buChar char="u"/>
+            </a:pPr>
+            <a:r>
+              <a:rPr lang="en-US" altLang="zh-TW" sz="1600" dirty="0">
+                <a:solidFill>
+                  <a:schemeClr val="tx1"/>
+                </a:solidFill>
+                <a:latin typeface="+mj-lt"/>
+              </a:rPr>
+              <a:t>Let’s see how to achieve that with refs.</a:t>
             </a:r>
           </a:p>
         </p:txBody>
@@ -7319,7 +8094,7 @@
           <a:p>
             <a:r>
               <a:rPr lang="en-US" altLang="zh-TW" sz="1600" b="1" i="1" dirty="0"/>
-              <a:t>https://www.youtube.com/watch?v=FXa9mMTKOu8&amp;index=28&amp;list=PLC3y8-rFHvwgg3vaYJgHGnModB54rxOk3</a:t>
+              <a:t>https://www.youtube.com/watch?v=FXa9mMTKOu8&amp;list=PLC3y8-rFHvwgg3vaYJgHGnModB54rxOk3&amp;index=28</a:t>
             </a:r>
           </a:p>
         </p:txBody>
@@ -7347,7 +8122,7 @@
             <a:fld id="{A4F910E6-8D00-4BAF-8C48-9688E0B449D3}" type="datetime1">
               <a:rPr lang="zh-TW" altLang="en-US" smtClean="0"/>
               <a:pPr/>
-              <a:t>2019/3/11</a:t>
+              <a:t>2020/5/26</a:t>
             </a:fld>
             <a:endParaRPr lang="zh-TW" altLang="en-US"/>
           </a:p>
@@ -7376,237 +8151,13 @@
             <a:fld id="{E4D7E63D-91F2-4366-A2C4-1B00C9E2590E}" type="slidenum">
               <a:rPr lang="zh-TW" altLang="en-US" smtClean="0"/>
               <a:pPr/>
-              <a:t>17</a:t>
+              <a:t>2</a:t>
             </a:fld>
             <a:endParaRPr lang="zh-TW" altLang="en-US"/>
           </a:p>
         </p:txBody>
       </p:sp>
-      <p:pic>
-        <p:nvPicPr>
-          <p:cNvPr id="7" name="Picture 6">
-            <a:extLst>
-              <a:ext uri="{FF2B5EF4-FFF2-40B4-BE49-F238E27FC236}">
-                <a16:creationId xmlns:a16="http://schemas.microsoft.com/office/drawing/2014/main" id="{841042BD-F4DF-405C-BCD9-B1E8C824F224}"/>
-              </a:ext>
-            </a:extLst>
-          </p:cNvPr>
-          <p:cNvPicPr>
-            <a:picLocks noChangeAspect="1"/>
-          </p:cNvPicPr>
-          <p:nvPr/>
-        </p:nvPicPr>
-        <p:blipFill>
-          <a:blip r:embed="rId2"/>
-          <a:stretch>
-            <a:fillRect/>
-          </a:stretch>
-        </p:blipFill>
-        <p:spPr>
-          <a:xfrm>
-            <a:off x="1133872" y="3689350"/>
-            <a:ext cx="6876256" cy="1615228"/>
-          </a:xfrm>
-          <a:prstGeom prst="rect">
-            <a:avLst/>
-          </a:prstGeom>
-          <a:ln>
-            <a:solidFill>
-              <a:srgbClr val="C00000"/>
-            </a:solidFill>
-          </a:ln>
-        </p:spPr>
-      </p:pic>
-      <p:pic>
-        <p:nvPicPr>
-          <p:cNvPr id="8" name="Picture 7">
-            <a:extLst>
-              <a:ext uri="{FF2B5EF4-FFF2-40B4-BE49-F238E27FC236}">
-                <a16:creationId xmlns:a16="http://schemas.microsoft.com/office/drawing/2014/main" id="{B39473B0-DD87-4C20-9DF5-706AF964F3D1}"/>
-              </a:ext>
-            </a:extLst>
-          </p:cNvPr>
-          <p:cNvPicPr>
-            <a:picLocks noChangeAspect="1"/>
-          </p:cNvPicPr>
-          <p:nvPr/>
-        </p:nvPicPr>
-        <p:blipFill>
-          <a:blip r:embed="rId3"/>
-          <a:stretch>
-            <a:fillRect/>
-          </a:stretch>
-        </p:blipFill>
-        <p:spPr>
-          <a:xfrm>
-            <a:off x="1133872" y="2208349"/>
-            <a:ext cx="5019675" cy="1333500"/>
-          </a:xfrm>
-          <a:prstGeom prst="rect">
-            <a:avLst/>
-          </a:prstGeom>
-          <a:ln>
-            <a:solidFill>
-              <a:srgbClr val="C00000"/>
-            </a:solidFill>
-          </a:ln>
-        </p:spPr>
-      </p:pic>
-      <p:sp>
-        <p:nvSpPr>
-          <p:cNvPr id="9" name="Rectangle 8">
-            <a:extLst>
-              <a:ext uri="{FF2B5EF4-FFF2-40B4-BE49-F238E27FC236}">
-                <a16:creationId xmlns:a16="http://schemas.microsoft.com/office/drawing/2014/main" id="{9E37650A-CEC1-47F0-B657-9DFACBD7A82B}"/>
-              </a:ext>
-            </a:extLst>
-          </p:cNvPr>
-          <p:cNvSpPr/>
-          <p:nvPr/>
-        </p:nvSpPr>
-        <p:spPr>
-          <a:xfrm>
-            <a:off x="5364088" y="3212976"/>
-            <a:ext cx="576064" cy="328873"/>
-          </a:xfrm>
-          <a:prstGeom prst="rect">
-            <a:avLst/>
-          </a:prstGeom>
-          <a:noFill/>
-          <a:ln>
-            <a:solidFill>
-              <a:srgbClr val="C00000"/>
-            </a:solidFill>
-          </a:ln>
-        </p:spPr>
-        <p:style>
-          <a:lnRef idx="2">
-            <a:schemeClr val="accent1">
-              <a:shade val="50000"/>
-            </a:schemeClr>
-          </a:lnRef>
-          <a:fillRef idx="1">
-            <a:schemeClr val="accent1"/>
-          </a:fillRef>
-          <a:effectRef idx="0">
-            <a:schemeClr val="accent1"/>
-          </a:effectRef>
-          <a:fontRef idx="minor">
-            <a:schemeClr val="lt1"/>
-          </a:fontRef>
-        </p:style>
-        <p:txBody>
-          <a:bodyPr rtlCol="0" anchor="ctr"/>
-          <a:lstStyle/>
-          <a:p>
-            <a:pPr algn="ctr"/>
-            <a:endParaRPr lang="en-US"/>
-          </a:p>
-        </p:txBody>
-      </p:sp>
-      <p:sp>
-        <p:nvSpPr>
-          <p:cNvPr id="14" name="Rectangle 13">
-            <a:extLst>
-              <a:ext uri="{FF2B5EF4-FFF2-40B4-BE49-F238E27FC236}">
-                <a16:creationId xmlns:a16="http://schemas.microsoft.com/office/drawing/2014/main" id="{38E05EF8-1EBD-4E12-A33E-DC97E7502734}"/>
-              </a:ext>
-            </a:extLst>
-          </p:cNvPr>
-          <p:cNvSpPr/>
-          <p:nvPr/>
-        </p:nvSpPr>
-        <p:spPr>
-          <a:xfrm>
-            <a:off x="4511402" y="4581128"/>
-            <a:ext cx="576064" cy="328873"/>
-          </a:xfrm>
-          <a:prstGeom prst="rect">
-            <a:avLst/>
-          </a:prstGeom>
-          <a:noFill/>
-          <a:ln>
-            <a:solidFill>
-              <a:srgbClr val="C00000"/>
-            </a:solidFill>
-          </a:ln>
-        </p:spPr>
-        <p:style>
-          <a:lnRef idx="2">
-            <a:schemeClr val="accent1">
-              <a:shade val="50000"/>
-            </a:schemeClr>
-          </a:lnRef>
-          <a:fillRef idx="1">
-            <a:schemeClr val="accent1"/>
-          </a:fillRef>
-          <a:effectRef idx="0">
-            <a:schemeClr val="accent1"/>
-          </a:effectRef>
-          <a:fontRef idx="minor">
-            <a:schemeClr val="lt1"/>
-          </a:fontRef>
-        </p:style>
-        <p:txBody>
-          <a:bodyPr rtlCol="0" anchor="ctr"/>
-          <a:lstStyle/>
-          <a:p>
-            <a:pPr algn="ctr"/>
-            <a:endParaRPr lang="en-US"/>
-          </a:p>
-        </p:txBody>
-      </p:sp>
-      <p:cxnSp>
-        <p:nvCxnSpPr>
-          <p:cNvPr id="11" name="Straight Arrow Connector 10">
-            <a:extLst>
-              <a:ext uri="{FF2B5EF4-FFF2-40B4-BE49-F238E27FC236}">
-                <a16:creationId xmlns:a16="http://schemas.microsoft.com/office/drawing/2014/main" id="{961D844D-4522-4FEF-87E5-932C60E17D3D}"/>
-              </a:ext>
-            </a:extLst>
-          </p:cNvPr>
-          <p:cNvCxnSpPr>
-            <a:stCxn id="9" idx="2"/>
-            <a:endCxn id="14" idx="0"/>
-          </p:cNvCxnSpPr>
-          <p:nvPr/>
-        </p:nvCxnSpPr>
-        <p:spPr>
-          <a:xfrm flipH="1">
-            <a:off x="4799434" y="3541849"/>
-            <a:ext cx="852686" cy="1039279"/>
-          </a:xfrm>
-          <a:prstGeom prst="straightConnector1">
-            <a:avLst/>
-          </a:prstGeom>
-          <a:ln>
-            <a:solidFill>
-              <a:srgbClr val="C00000"/>
-            </a:solidFill>
-            <a:tailEnd type="triangle"/>
-          </a:ln>
-        </p:spPr>
-        <p:style>
-          <a:lnRef idx="1">
-            <a:schemeClr val="accent1"/>
-          </a:lnRef>
-          <a:fillRef idx="0">
-            <a:schemeClr val="accent1"/>
-          </a:fillRef>
-          <a:effectRef idx="0">
-            <a:schemeClr val="accent1"/>
-          </a:effectRef>
-          <a:fontRef idx="minor">
-            <a:schemeClr val="tx1"/>
-          </a:fontRef>
-        </p:style>
-      </p:cxnSp>
     </p:spTree>
-    <p:extLst>
-      <p:ext uri="{BB962C8B-B14F-4D97-AF65-F5344CB8AC3E}">
-        <p14:creationId xmlns:p14="http://schemas.microsoft.com/office/powerpoint/2010/main" val="1587641259"/>
-      </p:ext>
-    </p:extLst>
   </p:cSld>
   <p:clrMapOvr>
     <a:masterClrMapping/>
@@ -7614,7 +8165,7 @@
 </p:sld>
 </file>
 
-<file path=ppt/slides/slide18.xml><?xml version="1.0" encoding="utf-8"?>
+<file path=ppt/slides/slide20.xml><?xml version="1.0" encoding="utf-8"?>
 <p:sld xmlns:a="http://schemas.openxmlformats.org/drawingml/2006/main" xmlns:r="http://schemas.openxmlformats.org/officeDocument/2006/relationships" xmlns:p="http://schemas.openxmlformats.org/presentationml/2006/main">
   <p:cSld>
     <p:spTree>
@@ -7686,7 +8237,7 @@
                   <a:srgbClr val="FFFF00"/>
                 </a:solidFill>
               </a:rPr>
-              <a:t>28 Refs</a:t>
+              <a:t>28.6 Third Step: 2) Fetch Input Value</a:t>
             </a:r>
             <a:endParaRPr lang="zh-TW" altLang="en-US" b="1" dirty="0">
               <a:solidFill>
@@ -7738,25 +8289,7 @@
                 </a:solidFill>
                 <a:latin typeface="+mj-lt"/>
               </a:rPr>
-              <a:t>This is to use </a:t>
-            </a:r>
-            <a:r>
-              <a:rPr lang="en-US" altLang="zh-TW" sz="1600" b="1" dirty="0" err="1">
-                <a:solidFill>
-                  <a:schemeClr val="tx1"/>
-                </a:solidFill>
-                <a:latin typeface="+mj-lt"/>
-              </a:rPr>
-              <a:t>createRef</a:t>
-            </a:r>
-            <a:r>
-              <a:rPr lang="en-US" altLang="zh-TW" sz="1600" b="1" dirty="0">
-                <a:solidFill>
-                  <a:schemeClr val="tx1"/>
-                </a:solidFill>
-                <a:latin typeface="+mj-lt"/>
-              </a:rPr>
-              <a:t> () to create Refs.</a:t>
+              <a:t>Refresh the browser</a:t>
             </a:r>
           </a:p>
           <a:p>
@@ -7769,29 +8302,14 @@
               <a:buChar char="u"/>
             </a:pPr>
             <a:r>
-              <a:rPr lang="en-US" altLang="zh-TW" sz="1600" b="1" dirty="0">
+              <a:rPr lang="en-US" altLang="zh-TW" sz="1600" dirty="0">
                 <a:solidFill>
                   <a:schemeClr val="tx1"/>
                 </a:solidFill>
                 <a:latin typeface="+mj-lt"/>
               </a:rPr>
-              <a:t>React also support  the second way to set refs which is called </a:t>
-            </a:r>
-            <a:r>
-              <a:rPr lang="en-US" altLang="zh-TW" sz="1600" b="1">
-                <a:solidFill>
-                  <a:schemeClr val="tx1"/>
-                </a:solidFill>
-                <a:latin typeface="+mj-lt"/>
-              </a:rPr>
-              <a:t>the callback refs.</a:t>
-            </a:r>
-            <a:endParaRPr lang="en-US" altLang="zh-TW" sz="1600" b="1" dirty="0">
-              <a:solidFill>
-                <a:schemeClr val="tx1"/>
-              </a:solidFill>
-              <a:latin typeface="+mj-lt"/>
-            </a:endParaRPr>
+              <a:t>Enter text and click OK.</a:t>
+            </a:r>
           </a:p>
         </p:txBody>
       </p:sp>
@@ -7846,7 +8364,7 @@
           <a:p>
             <a:r>
               <a:rPr lang="en-US" altLang="zh-TW" sz="1600" b="1" i="1" dirty="0"/>
-              <a:t>https://www.youtube.com/watch?v=FXa9mMTKOu8&amp;index=28&amp;list=PLC3y8-rFHvwgg3vaYJgHGnModB54rxOk3</a:t>
+              <a:t>https://www.youtube.com/watch?v=FXa9mMTKOu8&amp;list=PLC3y8-rFHvwgg3vaYJgHGnModB54rxOk3&amp;index=28</a:t>
             </a:r>
           </a:p>
         </p:txBody>
@@ -7874,7 +8392,7 @@
             <a:fld id="{A4F910E6-8D00-4BAF-8C48-9688E0B449D3}" type="datetime1">
               <a:rPr lang="zh-TW" altLang="en-US" smtClean="0"/>
               <a:pPr/>
-              <a:t>2019/3/11</a:t>
+              <a:t>2020/5/26</a:t>
             </a:fld>
             <a:endParaRPr lang="zh-TW" altLang="en-US"/>
           </a:p>
@@ -7903,16 +8421,235 @@
             <a:fld id="{E4D7E63D-91F2-4366-A2C4-1B00C9E2590E}" type="slidenum">
               <a:rPr lang="zh-TW" altLang="en-US" smtClean="0"/>
               <a:pPr/>
-              <a:t>18</a:t>
+              <a:t>20</a:t>
             </a:fld>
             <a:endParaRPr lang="zh-TW" altLang="en-US"/>
           </a:p>
         </p:txBody>
       </p:sp>
+      <p:pic>
+        <p:nvPicPr>
+          <p:cNvPr id="7" name="Picture 6">
+            <a:extLst>
+              <a:ext uri="{FF2B5EF4-FFF2-40B4-BE49-F238E27FC236}">
+                <a16:creationId xmlns:a16="http://schemas.microsoft.com/office/drawing/2014/main" id="{841042BD-F4DF-405C-BCD9-B1E8C824F224}"/>
+              </a:ext>
+            </a:extLst>
+          </p:cNvPr>
+          <p:cNvPicPr>
+            <a:picLocks noChangeAspect="1"/>
+          </p:cNvPicPr>
+          <p:nvPr/>
+        </p:nvPicPr>
+        <p:blipFill>
+          <a:blip r:embed="rId2"/>
+          <a:stretch>
+            <a:fillRect/>
+          </a:stretch>
+        </p:blipFill>
+        <p:spPr>
+          <a:xfrm>
+            <a:off x="1133872" y="3689350"/>
+            <a:ext cx="6876256" cy="1615228"/>
+          </a:xfrm>
+          <a:prstGeom prst="rect">
+            <a:avLst/>
+          </a:prstGeom>
+          <a:ln>
+            <a:solidFill>
+              <a:srgbClr val="C00000"/>
+            </a:solidFill>
+          </a:ln>
+        </p:spPr>
+      </p:pic>
+      <p:pic>
+        <p:nvPicPr>
+          <p:cNvPr id="8" name="Picture 7">
+            <a:extLst>
+              <a:ext uri="{FF2B5EF4-FFF2-40B4-BE49-F238E27FC236}">
+                <a16:creationId xmlns:a16="http://schemas.microsoft.com/office/drawing/2014/main" id="{B39473B0-DD87-4C20-9DF5-706AF964F3D1}"/>
+              </a:ext>
+            </a:extLst>
+          </p:cNvPr>
+          <p:cNvPicPr>
+            <a:picLocks noChangeAspect="1"/>
+          </p:cNvPicPr>
+          <p:nvPr/>
+        </p:nvPicPr>
+        <p:blipFill>
+          <a:blip r:embed="rId3"/>
+          <a:stretch>
+            <a:fillRect/>
+          </a:stretch>
+        </p:blipFill>
+        <p:spPr>
+          <a:xfrm>
+            <a:off x="1133872" y="2208349"/>
+            <a:ext cx="5019675" cy="1333500"/>
+          </a:xfrm>
+          <a:prstGeom prst="rect">
+            <a:avLst/>
+          </a:prstGeom>
+          <a:ln>
+            <a:solidFill>
+              <a:srgbClr val="C00000"/>
+            </a:solidFill>
+          </a:ln>
+        </p:spPr>
+      </p:pic>
+      <p:sp>
+        <p:nvSpPr>
+          <p:cNvPr id="9" name="Rectangle 8">
+            <a:extLst>
+              <a:ext uri="{FF2B5EF4-FFF2-40B4-BE49-F238E27FC236}">
+                <a16:creationId xmlns:a16="http://schemas.microsoft.com/office/drawing/2014/main" id="{9E37650A-CEC1-47F0-B657-9DFACBD7A82B}"/>
+              </a:ext>
+            </a:extLst>
+          </p:cNvPr>
+          <p:cNvSpPr/>
+          <p:nvPr/>
+        </p:nvSpPr>
+        <p:spPr>
+          <a:xfrm>
+            <a:off x="5364088" y="3212976"/>
+            <a:ext cx="576064" cy="328873"/>
+          </a:xfrm>
+          <a:prstGeom prst="rect">
+            <a:avLst/>
+          </a:prstGeom>
+          <a:noFill/>
+          <a:ln>
+            <a:solidFill>
+              <a:srgbClr val="C00000"/>
+            </a:solidFill>
+          </a:ln>
+        </p:spPr>
+        <p:style>
+          <a:lnRef idx="2">
+            <a:schemeClr val="accent1">
+              <a:shade val="50000"/>
+            </a:schemeClr>
+          </a:lnRef>
+          <a:fillRef idx="1">
+            <a:schemeClr val="accent1"/>
+          </a:fillRef>
+          <a:effectRef idx="0">
+            <a:schemeClr val="accent1"/>
+          </a:effectRef>
+          <a:fontRef idx="minor">
+            <a:schemeClr val="lt1"/>
+          </a:fontRef>
+        </p:style>
+        <p:txBody>
+          <a:bodyPr rtlCol="0" anchor="ctr"/>
+          <a:lstStyle/>
+          <a:p>
+            <a:pPr algn="ctr"/>
+            <a:endParaRPr lang="en-US"/>
+          </a:p>
+        </p:txBody>
+      </p:sp>
+      <p:sp>
+        <p:nvSpPr>
+          <p:cNvPr id="14" name="Rectangle 13">
+            <a:extLst>
+              <a:ext uri="{FF2B5EF4-FFF2-40B4-BE49-F238E27FC236}">
+                <a16:creationId xmlns:a16="http://schemas.microsoft.com/office/drawing/2014/main" id="{38E05EF8-1EBD-4E12-A33E-DC97E7502734}"/>
+              </a:ext>
+            </a:extLst>
+          </p:cNvPr>
+          <p:cNvSpPr/>
+          <p:nvPr/>
+        </p:nvSpPr>
+        <p:spPr>
+          <a:xfrm>
+            <a:off x="4511402" y="4581128"/>
+            <a:ext cx="576064" cy="328873"/>
+          </a:xfrm>
+          <a:prstGeom prst="rect">
+            <a:avLst/>
+          </a:prstGeom>
+          <a:noFill/>
+          <a:ln>
+            <a:solidFill>
+              <a:srgbClr val="C00000"/>
+            </a:solidFill>
+          </a:ln>
+        </p:spPr>
+        <p:style>
+          <a:lnRef idx="2">
+            <a:schemeClr val="accent1">
+              <a:shade val="50000"/>
+            </a:schemeClr>
+          </a:lnRef>
+          <a:fillRef idx="1">
+            <a:schemeClr val="accent1"/>
+          </a:fillRef>
+          <a:effectRef idx="0">
+            <a:schemeClr val="accent1"/>
+          </a:effectRef>
+          <a:fontRef idx="minor">
+            <a:schemeClr val="lt1"/>
+          </a:fontRef>
+        </p:style>
+        <p:txBody>
+          <a:bodyPr rtlCol="0" anchor="ctr"/>
+          <a:lstStyle/>
+          <a:p>
+            <a:pPr algn="ctr"/>
+            <a:endParaRPr lang="en-US"/>
+          </a:p>
+        </p:txBody>
+      </p:sp>
+      <p:cxnSp>
+        <p:nvCxnSpPr>
+          <p:cNvPr id="11" name="Straight Arrow Connector 10">
+            <a:extLst>
+              <a:ext uri="{FF2B5EF4-FFF2-40B4-BE49-F238E27FC236}">
+                <a16:creationId xmlns:a16="http://schemas.microsoft.com/office/drawing/2014/main" id="{961D844D-4522-4FEF-87E5-932C60E17D3D}"/>
+              </a:ext>
+            </a:extLst>
+          </p:cNvPr>
+          <p:cNvCxnSpPr>
+            <a:stCxn id="9" idx="2"/>
+            <a:endCxn id="14" idx="0"/>
+          </p:cNvCxnSpPr>
+          <p:nvPr/>
+        </p:nvCxnSpPr>
+        <p:spPr>
+          <a:xfrm flipH="1">
+            <a:off x="4799434" y="3541849"/>
+            <a:ext cx="852686" cy="1039279"/>
+          </a:xfrm>
+          <a:prstGeom prst="straightConnector1">
+            <a:avLst/>
+          </a:prstGeom>
+          <a:ln>
+            <a:solidFill>
+              <a:srgbClr val="C00000"/>
+            </a:solidFill>
+            <a:tailEnd type="triangle"/>
+          </a:ln>
+        </p:spPr>
+        <p:style>
+          <a:lnRef idx="1">
+            <a:schemeClr val="accent1"/>
+          </a:lnRef>
+          <a:fillRef idx="0">
+            <a:schemeClr val="accent1"/>
+          </a:fillRef>
+          <a:effectRef idx="0">
+            <a:schemeClr val="accent1"/>
+          </a:effectRef>
+          <a:fontRef idx="minor">
+            <a:schemeClr val="tx1"/>
+          </a:fontRef>
+        </p:style>
+      </p:cxnSp>
     </p:spTree>
     <p:extLst>
       <p:ext uri="{BB962C8B-B14F-4D97-AF65-F5344CB8AC3E}">
-        <p14:creationId xmlns:p14="http://schemas.microsoft.com/office/powerpoint/2010/main" val="2029823315"/>
+        <p14:creationId xmlns:p14="http://schemas.microsoft.com/office/powerpoint/2010/main" val="1587641259"/>
       </p:ext>
     </p:extLst>
   </p:cSld>
@@ -7922,144 +8659,7 @@
 </p:sld>
 </file>
 
-<file path=ppt/slides/slide19.xml><?xml version="1.0" encoding="utf-8"?>
-<p:sld xmlns:a="http://schemas.openxmlformats.org/drawingml/2006/main" xmlns:r="http://schemas.openxmlformats.org/officeDocument/2006/relationships" xmlns:p="http://schemas.openxmlformats.org/presentationml/2006/main">
-  <p:cSld>
-    <p:spTree>
-      <p:nvGrpSpPr>
-        <p:cNvPr id="1" name=""/>
-        <p:cNvGrpSpPr/>
-        <p:nvPr/>
-      </p:nvGrpSpPr>
-      <p:grpSpPr>
-        <a:xfrm>
-          <a:off x="0" y="0"/>
-          <a:ext cx="0" cy="0"/>
-          <a:chOff x="0" y="0"/>
-          <a:chExt cx="0" cy="0"/>
-        </a:xfrm>
-      </p:grpSpPr>
-      <p:sp>
-        <p:nvSpPr>
-          <p:cNvPr id="2" name="標題 1"/>
-          <p:cNvSpPr>
-            <a:spLocks noGrp="1"/>
-          </p:cNvSpPr>
-          <p:nvPr>
-            <p:ph type="ctrTitle"/>
-          </p:nvPr>
-        </p:nvSpPr>
-        <p:spPr>
-          <a:xfrm>
-            <a:off x="0" y="2130425"/>
-            <a:ext cx="9144000" cy="1470025"/>
-          </a:xfrm>
-          <a:gradFill flip="none" rotWithShape="1">
-            <a:gsLst>
-              <a:gs pos="0">
-                <a:srgbClr val="00B0F0">
-                  <a:shade val="30000"/>
-                  <a:satMod val="115000"/>
-                </a:srgbClr>
-              </a:gs>
-              <a:gs pos="50000">
-                <a:srgbClr val="00B0F0">
-                  <a:shade val="67500"/>
-                  <a:satMod val="115000"/>
-                </a:srgbClr>
-              </a:gs>
-              <a:gs pos="100000">
-                <a:srgbClr val="00B0F0">
-                  <a:shade val="100000"/>
-                  <a:satMod val="115000"/>
-                </a:srgbClr>
-              </a:gs>
-            </a:gsLst>
-            <a:path path="circle">
-              <a:fillToRect t="100000" r="100000"/>
-            </a:path>
-            <a:tileRect l="-100000" b="-100000"/>
-          </a:gradFill>
-        </p:spPr>
-        <p:txBody>
-          <a:bodyPr>
-            <a:normAutofit/>
-          </a:bodyPr>
-          <a:lstStyle/>
-          <a:p>
-            <a:r>
-              <a:rPr lang="en-US" altLang="zh-TW" sz="6000" b="1" dirty="0">
-                <a:solidFill>
-                  <a:srgbClr val="FFFF00"/>
-                </a:solidFill>
-              </a:rPr>
-              <a:t>End of Chapter</a:t>
-            </a:r>
-            <a:endParaRPr lang="zh-TW" altLang="en-US" sz="6000" b="1" dirty="0">
-              <a:solidFill>
-                <a:srgbClr val="FFFF00"/>
-              </a:solidFill>
-            </a:endParaRPr>
-          </a:p>
-        </p:txBody>
-      </p:sp>
-      <p:sp>
-        <p:nvSpPr>
-          <p:cNvPr id="5" name="日期版面配置區 4"/>
-          <p:cNvSpPr>
-            <a:spLocks noGrp="1"/>
-          </p:cNvSpPr>
-          <p:nvPr>
-            <p:ph type="dt" sz="half" idx="10"/>
-          </p:nvPr>
-        </p:nvSpPr>
-        <p:spPr/>
-        <p:txBody>
-          <a:bodyPr/>
-          <a:lstStyle/>
-          <a:p>
-            <a:fld id="{4E46BE27-E923-4EC2-B046-3272AE2A3E5C}" type="datetime1">
-              <a:rPr lang="zh-TW" altLang="en-US" smtClean="0"/>
-              <a:pPr/>
-              <a:t>2019/3/11</a:t>
-            </a:fld>
-            <a:endParaRPr lang="zh-TW" altLang="en-US"/>
-          </a:p>
-        </p:txBody>
-      </p:sp>
-      <p:sp>
-        <p:nvSpPr>
-          <p:cNvPr id="6" name="投影片編號版面配置區 5"/>
-          <p:cNvSpPr>
-            <a:spLocks noGrp="1"/>
-          </p:cNvSpPr>
-          <p:nvPr>
-            <p:ph type="sldNum" sz="quarter" idx="12"/>
-          </p:nvPr>
-        </p:nvSpPr>
-        <p:spPr/>
-        <p:txBody>
-          <a:bodyPr/>
-          <a:lstStyle/>
-          <a:p>
-            <a:fld id="{E4D7E63D-91F2-4366-A2C4-1B00C9E2590E}" type="slidenum">
-              <a:rPr lang="zh-TW" altLang="en-US" smtClean="0"/>
-              <a:pPr/>
-              <a:t>19</a:t>
-            </a:fld>
-            <a:endParaRPr lang="zh-TW" altLang="en-US"/>
-          </a:p>
-        </p:txBody>
-      </p:sp>
-    </p:spTree>
-  </p:cSld>
-  <p:clrMapOvr>
-    <a:masterClrMapping/>
-  </p:clrMapOvr>
-</p:sld>
-</file>
-
-<file path=ppt/slides/slide2.xml><?xml version="1.0" encoding="utf-8"?>
+<file path=ppt/slides/slide21.xml><?xml version="1.0" encoding="utf-8"?>
 <p:sld xmlns:a="http://schemas.openxmlformats.org/drawingml/2006/main" xmlns:r="http://schemas.openxmlformats.org/officeDocument/2006/relationships" xmlns:p="http://schemas.openxmlformats.org/presentationml/2006/main">
   <p:cSld>
     <p:spTree>
@@ -8126,12 +8726,12 @@
           <a:p>
             <a:pPr algn="l"/>
             <a:r>
-              <a:rPr lang="en-US" altLang="zh-TW" b="1" dirty="0">
+              <a:rPr lang="en-US" altLang="zh-TW" b="1">
                 <a:solidFill>
                   <a:srgbClr val="FFFF00"/>
                 </a:solidFill>
               </a:rPr>
-              <a:t>28 Refs</a:t>
+              <a:t>28.6 Third Step: 2) Fetch Input Value</a:t>
             </a:r>
             <a:endParaRPr lang="zh-TW" altLang="en-US" b="1" dirty="0">
               <a:solidFill>
@@ -8153,8 +8753,8 @@
         </p:nvSpPr>
         <p:spPr>
           <a:xfrm>
-            <a:off x="467544" y="1340768"/>
-            <a:ext cx="8352928" cy="1737242"/>
+            <a:off x="467544" y="1340767"/>
+            <a:ext cx="8352928" cy="720081"/>
           </a:xfrm>
           <a:ln>
             <a:solidFill>
@@ -8177,13 +8777,31 @@
               <a:buChar char="u"/>
             </a:pPr>
             <a:r>
-              <a:rPr lang="en-US" altLang="zh-TW" sz="1600" b="1" dirty="0">
+              <a:rPr lang="en-US" altLang="zh-TW" sz="1600" dirty="0">
                 <a:solidFill>
                   <a:schemeClr val="tx1"/>
                 </a:solidFill>
                 <a:latin typeface="+mj-lt"/>
               </a:rPr>
-              <a:t>This section discussed the concepts of Refs in React.</a:t>
+              <a:t>This is to use </a:t>
+            </a:r>
+            <a:r>
+              <a:rPr lang="en-US" altLang="zh-TW" sz="1600" dirty="0" err="1">
+                <a:solidFill>
+                  <a:schemeClr val="tx1"/>
+                </a:solidFill>
+                <a:latin typeface="+mj-lt"/>
+              </a:rPr>
+              <a:t>createRef</a:t>
+            </a:r>
+            <a:r>
+              <a:rPr lang="en-US" altLang="zh-TW" sz="1600" dirty="0">
+                <a:solidFill>
+                  <a:schemeClr val="tx1"/>
+                </a:solidFill>
+                <a:latin typeface="+mj-lt"/>
+              </a:rPr>
+              <a:t> () to create Refs.</a:t>
             </a:r>
           </a:p>
           <a:p>
@@ -8196,71 +8814,29 @@
               <a:buChar char="u"/>
             </a:pPr>
             <a:r>
-              <a:rPr lang="en-US" altLang="zh-TW" sz="1600" b="1" dirty="0">
+              <a:rPr lang="en-US" altLang="zh-TW" sz="1600" dirty="0">
                 <a:solidFill>
                   <a:schemeClr val="tx1"/>
                 </a:solidFill>
                 <a:latin typeface="+mj-lt"/>
               </a:rPr>
-              <a:t>Refs make it possible to access the DOM node directly with React.</a:t>
-            </a:r>
-          </a:p>
-          <a:p>
-            <a:pPr marL="342900" indent="-342900" algn="l">
-              <a:buClr>
-                <a:srgbClr val="0070C0"/>
-              </a:buClr>
-              <a:buSzPct val="80000"/>
-              <a:buFont typeface="Wingdings" pitchFamily="2" charset="2"/>
-              <a:buChar char="u"/>
-            </a:pPr>
-            <a:r>
-              <a:rPr lang="en-US" altLang="zh-TW" sz="1600" b="1" dirty="0">
+              <a:t>React also support  the second way to set refs which is called </a:t>
+            </a:r>
+            <a:r>
+              <a:rPr lang="en-US" altLang="zh-TW" sz="1600">
                 <a:solidFill>
                   <a:schemeClr val="tx1"/>
                 </a:solidFill>
                 <a:latin typeface="+mj-lt"/>
               </a:rPr>
-              <a:t>For understanding, we take a look at one of common use cases which is focusing a text input.</a:t>
-            </a:r>
-          </a:p>
-          <a:p>
-            <a:pPr marL="342900" indent="-342900" algn="l">
-              <a:buClr>
-                <a:srgbClr val="0070C0"/>
-              </a:buClr>
-              <a:buSzPct val="80000"/>
-              <a:buFont typeface="Wingdings" pitchFamily="2" charset="2"/>
-              <a:buChar char="u"/>
-            </a:pPr>
-            <a:r>
-              <a:rPr lang="en-US" altLang="zh-TW" sz="1600" b="1" dirty="0">
-                <a:solidFill>
-                  <a:schemeClr val="tx1"/>
-                </a:solidFill>
-                <a:latin typeface="+mj-lt"/>
-              </a:rPr>
-              <a:t>For example, we have a login form. As soon as the page is loaded. Let’s say, by default, we want the user name input field to be focused.</a:t>
-            </a:r>
-          </a:p>
-          <a:p>
-            <a:pPr marL="342900" indent="-342900" algn="l">
-              <a:buClr>
-                <a:srgbClr val="0070C0"/>
-              </a:buClr>
-              <a:buSzPct val="80000"/>
-              <a:buFont typeface="Wingdings" pitchFamily="2" charset="2"/>
-              <a:buChar char="u"/>
-            </a:pPr>
-            <a:r>
-              <a:rPr lang="en-US" altLang="zh-TW" sz="1600" b="1" dirty="0">
-                <a:solidFill>
-                  <a:schemeClr val="tx1"/>
-                </a:solidFill>
-                <a:latin typeface="+mj-lt"/>
-              </a:rPr>
-              <a:t>Let’s see how to achieve that with refs.</a:t>
-            </a:r>
+              <a:t>the callback refs.</a:t>
+            </a:r>
+            <a:endParaRPr lang="en-US" altLang="zh-TW" sz="1600" dirty="0">
+              <a:solidFill>
+                <a:schemeClr val="tx1"/>
+              </a:solidFill>
+              <a:latin typeface="+mj-lt"/>
+            </a:endParaRPr>
           </a:p>
         </p:txBody>
       </p:sp>
@@ -8315,7 +8891,7 @@
           <a:p>
             <a:r>
               <a:rPr lang="en-US" altLang="zh-TW" sz="1600" b="1" i="1" dirty="0"/>
-              <a:t>https://www.youtube.com/watch?v=FXa9mMTKOu8&amp;index=28&amp;list=PLC3y8-rFHvwgg3vaYJgHGnModB54rxOk3</a:t>
+              <a:t>https://www.youtube.com/watch?v=FXa9mMTKOu8&amp;list=PLC3y8-rFHvwgg3vaYJgHGnModB54rxOk3&amp;index=28</a:t>
             </a:r>
           </a:p>
         </p:txBody>
@@ -8343,7 +8919,7 @@
             <a:fld id="{A4F910E6-8D00-4BAF-8C48-9688E0B449D3}" type="datetime1">
               <a:rPr lang="zh-TW" altLang="en-US" smtClean="0"/>
               <a:pPr/>
-              <a:t>2019/3/11</a:t>
+              <a:t>2020/5/26</a:t>
             </a:fld>
             <a:endParaRPr lang="zh-TW" altLang="en-US"/>
           </a:p>
@@ -8372,7 +8948,149 @@
             <a:fld id="{E4D7E63D-91F2-4366-A2C4-1B00C9E2590E}" type="slidenum">
               <a:rPr lang="zh-TW" altLang="en-US" smtClean="0"/>
               <a:pPr/>
-              <a:t>2</a:t>
+              <a:t>21</a:t>
+            </a:fld>
+            <a:endParaRPr lang="zh-TW" altLang="en-US"/>
+          </a:p>
+        </p:txBody>
+      </p:sp>
+    </p:spTree>
+    <p:extLst>
+      <p:ext uri="{BB962C8B-B14F-4D97-AF65-F5344CB8AC3E}">
+        <p14:creationId xmlns:p14="http://schemas.microsoft.com/office/powerpoint/2010/main" val="2029823315"/>
+      </p:ext>
+    </p:extLst>
+  </p:cSld>
+  <p:clrMapOvr>
+    <a:masterClrMapping/>
+  </p:clrMapOvr>
+</p:sld>
+</file>
+
+<file path=ppt/slides/slide22.xml><?xml version="1.0" encoding="utf-8"?>
+<p:sld xmlns:a="http://schemas.openxmlformats.org/drawingml/2006/main" xmlns:r="http://schemas.openxmlformats.org/officeDocument/2006/relationships" xmlns:p="http://schemas.openxmlformats.org/presentationml/2006/main">
+  <p:cSld>
+    <p:spTree>
+      <p:nvGrpSpPr>
+        <p:cNvPr id="1" name=""/>
+        <p:cNvGrpSpPr/>
+        <p:nvPr/>
+      </p:nvGrpSpPr>
+      <p:grpSpPr>
+        <a:xfrm>
+          <a:off x="0" y="0"/>
+          <a:ext cx="0" cy="0"/>
+          <a:chOff x="0" y="0"/>
+          <a:chExt cx="0" cy="0"/>
+        </a:xfrm>
+      </p:grpSpPr>
+      <p:sp>
+        <p:nvSpPr>
+          <p:cNvPr id="2" name="標題 1"/>
+          <p:cNvSpPr>
+            <a:spLocks noGrp="1"/>
+          </p:cNvSpPr>
+          <p:nvPr>
+            <p:ph type="ctrTitle"/>
+          </p:nvPr>
+        </p:nvSpPr>
+        <p:spPr>
+          <a:xfrm>
+            <a:off x="0" y="2130425"/>
+            <a:ext cx="9144000" cy="1470025"/>
+          </a:xfrm>
+          <a:gradFill flip="none" rotWithShape="1">
+            <a:gsLst>
+              <a:gs pos="0">
+                <a:srgbClr val="00B0F0">
+                  <a:shade val="30000"/>
+                  <a:satMod val="115000"/>
+                </a:srgbClr>
+              </a:gs>
+              <a:gs pos="50000">
+                <a:srgbClr val="00B0F0">
+                  <a:shade val="67500"/>
+                  <a:satMod val="115000"/>
+                </a:srgbClr>
+              </a:gs>
+              <a:gs pos="100000">
+                <a:srgbClr val="00B0F0">
+                  <a:shade val="100000"/>
+                  <a:satMod val="115000"/>
+                </a:srgbClr>
+              </a:gs>
+            </a:gsLst>
+            <a:path path="circle">
+              <a:fillToRect t="100000" r="100000"/>
+            </a:path>
+            <a:tileRect l="-100000" b="-100000"/>
+          </a:gradFill>
+        </p:spPr>
+        <p:txBody>
+          <a:bodyPr>
+            <a:normAutofit/>
+          </a:bodyPr>
+          <a:lstStyle/>
+          <a:p>
+            <a:r>
+              <a:rPr lang="en-US" altLang="zh-TW" sz="6000" b="1" dirty="0">
+                <a:solidFill>
+                  <a:srgbClr val="FFFF00"/>
+                </a:solidFill>
+              </a:rPr>
+              <a:t>End of Chapter</a:t>
+            </a:r>
+            <a:endParaRPr lang="zh-TW" altLang="en-US" sz="6000" b="1" dirty="0">
+              <a:solidFill>
+                <a:srgbClr val="FFFF00"/>
+              </a:solidFill>
+            </a:endParaRPr>
+          </a:p>
+        </p:txBody>
+      </p:sp>
+      <p:sp>
+        <p:nvSpPr>
+          <p:cNvPr id="5" name="日期版面配置區 4"/>
+          <p:cNvSpPr>
+            <a:spLocks noGrp="1"/>
+          </p:cNvSpPr>
+          <p:nvPr>
+            <p:ph type="dt" sz="half" idx="10"/>
+          </p:nvPr>
+        </p:nvSpPr>
+        <p:spPr/>
+        <p:txBody>
+          <a:bodyPr/>
+          <a:lstStyle/>
+          <a:p>
+            <a:fld id="{4E46BE27-E923-4EC2-B046-3272AE2A3E5C}" type="datetime1">
+              <a:rPr lang="zh-TW" altLang="en-US" smtClean="0"/>
+              <a:pPr/>
+              <a:t>2020/5/26</a:t>
+            </a:fld>
+            <a:endParaRPr lang="zh-TW" altLang="en-US"/>
+          </a:p>
+        </p:txBody>
+      </p:sp>
+      <p:sp>
+        <p:nvSpPr>
+          <p:cNvPr id="6" name="投影片編號版面配置區 5"/>
+          <p:cNvSpPr>
+            <a:spLocks noGrp="1"/>
+          </p:cNvSpPr>
+          <p:nvPr>
+            <p:ph type="sldNum" sz="quarter" idx="12"/>
+          </p:nvPr>
+        </p:nvSpPr>
+        <p:spPr/>
+        <p:txBody>
+          <a:bodyPr/>
+          <a:lstStyle/>
+          <a:p>
+            <a:fld id="{E4D7E63D-91F2-4366-A2C4-1B00C9E2590E}" type="slidenum">
+              <a:rPr lang="zh-TW" altLang="en-US" smtClean="0"/>
+              <a:pPr/>
+              <a:t>22</a:t>
             </a:fld>
             <a:endParaRPr lang="zh-TW" altLang="en-US"/>
           </a:p>
@@ -8387,6 +9105,187 @@
 </file>
 
 <file path=ppt/slides/slide3.xml><?xml version="1.0" encoding="utf-8"?>
+<p:sld xmlns:a="http://schemas.openxmlformats.org/drawingml/2006/main" xmlns:r="http://schemas.openxmlformats.org/officeDocument/2006/relationships" xmlns:p="http://schemas.openxmlformats.org/presentationml/2006/main">
+  <p:cSld>
+    <p:spTree>
+      <p:nvGrpSpPr>
+        <p:cNvPr id="1" name=""/>
+        <p:cNvGrpSpPr/>
+        <p:nvPr/>
+      </p:nvGrpSpPr>
+      <p:grpSpPr>
+        <a:xfrm>
+          <a:off x="0" y="0"/>
+          <a:ext cx="0" cy="0"/>
+          <a:chOff x="0" y="0"/>
+          <a:chExt cx="0" cy="0"/>
+        </a:xfrm>
+      </p:grpSpPr>
+      <p:sp>
+        <p:nvSpPr>
+          <p:cNvPr id="2" name="標題 1"/>
+          <p:cNvSpPr>
+            <a:spLocks noGrp="1"/>
+          </p:cNvSpPr>
+          <p:nvPr>
+            <p:ph type="ctrTitle"/>
+          </p:nvPr>
+        </p:nvSpPr>
+        <p:spPr>
+          <a:xfrm>
+            <a:off x="0" y="2130425"/>
+            <a:ext cx="9144000" cy="1470025"/>
+          </a:xfrm>
+          <a:solidFill>
+            <a:srgbClr val="00B0F0"/>
+          </a:solidFill>
+        </p:spPr>
+        <p:txBody>
+          <a:bodyPr>
+            <a:normAutofit/>
+          </a:bodyPr>
+          <a:lstStyle/>
+          <a:p>
+            <a:r>
+              <a:rPr lang="en-US" altLang="zh-TW" sz="4800" b="1" dirty="0">
+                <a:solidFill>
+                  <a:srgbClr val="FFFF00"/>
+                </a:solidFill>
+              </a:rPr>
+              <a:t>28.1 Add Input Text Field</a:t>
+            </a:r>
+            <a:endParaRPr lang="zh-TW" altLang="en-US" sz="4800" b="1" dirty="0">
+              <a:solidFill>
+                <a:srgbClr val="FFFF00"/>
+              </a:solidFill>
+            </a:endParaRPr>
+          </a:p>
+        </p:txBody>
+      </p:sp>
+      <p:sp>
+        <p:nvSpPr>
+          <p:cNvPr id="3" name="副標題 2"/>
+          <p:cNvSpPr>
+            <a:spLocks noGrp="1"/>
+          </p:cNvSpPr>
+          <p:nvPr>
+            <p:ph type="subTitle" idx="1"/>
+          </p:nvPr>
+        </p:nvSpPr>
+        <p:spPr>
+          <a:xfrm>
+            <a:off x="1259632" y="4581128"/>
+            <a:ext cx="6400800" cy="694928"/>
+          </a:xfrm>
+        </p:spPr>
+        <p:txBody>
+          <a:bodyPr>
+            <a:normAutofit/>
+          </a:bodyPr>
+          <a:lstStyle/>
+          <a:p>
+            <a:r>
+              <a:rPr lang="en-US" altLang="zh-TW" dirty="0"/>
+              <a:t>Peter H. Chen</a:t>
+            </a:r>
+            <a:endParaRPr lang="zh-TW" altLang="en-US" dirty="0"/>
+          </a:p>
+        </p:txBody>
+      </p:sp>
+      <p:sp>
+        <p:nvSpPr>
+          <p:cNvPr id="5" name="日期版面配置區 4"/>
+          <p:cNvSpPr>
+            <a:spLocks noGrp="1"/>
+          </p:cNvSpPr>
+          <p:nvPr>
+            <p:ph type="dt" sz="half" idx="10"/>
+          </p:nvPr>
+        </p:nvSpPr>
+        <p:spPr/>
+        <p:txBody>
+          <a:bodyPr/>
+          <a:lstStyle/>
+          <a:p>
+            <a:fld id="{C389EDC9-19E3-47AC-9C57-C6A24DEA81AD}" type="datetime1">
+              <a:rPr lang="zh-TW" altLang="en-US" smtClean="0"/>
+              <a:pPr/>
+              <a:t>2020/5/26</a:t>
+            </a:fld>
+            <a:endParaRPr lang="zh-TW" altLang="en-US"/>
+          </a:p>
+        </p:txBody>
+      </p:sp>
+      <p:sp>
+        <p:nvSpPr>
+          <p:cNvPr id="6" name="投影片編號版面配置區 5"/>
+          <p:cNvSpPr>
+            <a:spLocks noGrp="1"/>
+          </p:cNvSpPr>
+          <p:nvPr>
+            <p:ph type="sldNum" sz="quarter" idx="12"/>
+          </p:nvPr>
+        </p:nvSpPr>
+        <p:spPr/>
+        <p:txBody>
+          <a:bodyPr/>
+          <a:lstStyle/>
+          <a:p>
+            <a:fld id="{E4D7E63D-91F2-4366-A2C4-1B00C9E2590E}" type="slidenum">
+              <a:rPr lang="zh-TW" altLang="en-US" smtClean="0"/>
+              <a:pPr/>
+              <a:t>3</a:t>
+            </a:fld>
+            <a:endParaRPr lang="zh-TW" altLang="en-US"/>
+          </a:p>
+        </p:txBody>
+      </p:sp>
+      <p:pic>
+        <p:nvPicPr>
+          <p:cNvPr id="2050" name="Picture 2"/>
+          <p:cNvPicPr>
+            <a:picLocks noChangeAspect="1" noChangeArrowheads="1"/>
+          </p:cNvPicPr>
+          <p:nvPr/>
+        </p:nvPicPr>
+        <p:blipFill>
+          <a:blip r:embed="rId2" cstate="print"/>
+          <a:srcRect/>
+          <a:stretch>
+            <a:fillRect/>
+          </a:stretch>
+        </p:blipFill>
+        <p:spPr bwMode="auto">
+          <a:xfrm>
+            <a:off x="4283968" y="3717032"/>
+            <a:ext cx="713805" cy="644588"/>
+          </a:xfrm>
+          <a:prstGeom prst="rect">
+            <a:avLst/>
+          </a:prstGeom>
+          <a:noFill/>
+          <a:ln w="9525">
+            <a:noFill/>
+            <a:miter lim="800000"/>
+            <a:headEnd/>
+            <a:tailEnd/>
+          </a:ln>
+        </p:spPr>
+      </p:pic>
+    </p:spTree>
+    <p:extLst>
+      <p:ext uri="{BB962C8B-B14F-4D97-AF65-F5344CB8AC3E}">
+        <p14:creationId xmlns:p14="http://schemas.microsoft.com/office/powerpoint/2010/main" val="247372158"/>
+      </p:ext>
+    </p:extLst>
+  </p:cSld>
+  <p:clrMapOvr>
+    <a:masterClrMapping/>
+  </p:clrMapOvr>
+</p:sld>
+</file>
+
+<file path=ppt/slides/slide4.xml><?xml version="1.0" encoding="utf-8"?>
 <p:sld xmlns:a="http://schemas.openxmlformats.org/drawingml/2006/main" xmlns:r="http://schemas.openxmlformats.org/officeDocument/2006/relationships" xmlns:p="http://schemas.openxmlformats.org/presentationml/2006/main">
   <p:cSld>
     <p:spTree>
@@ -8458,7 +9357,7 @@
                   <a:srgbClr val="FFFF00"/>
                 </a:solidFill>
               </a:rPr>
-              <a:t>28 Refs</a:t>
+              <a:t>28.1 Add Input Text Field</a:t>
             </a:r>
             <a:endParaRPr lang="zh-TW" altLang="en-US" b="1" dirty="0">
               <a:solidFill>
@@ -8481,7 +9380,7 @@
         <p:spPr>
           <a:xfrm>
             <a:off x="467544" y="1340768"/>
-            <a:ext cx="8352928" cy="398616"/>
+            <a:ext cx="8352928" cy="648072"/>
           </a:xfrm>
           <a:ln>
             <a:solidFill>
@@ -8504,13 +9403,47 @@
               <a:buChar char="u"/>
             </a:pPr>
             <a:r>
-              <a:rPr lang="en-US" altLang="zh-TW" sz="1600" b="1" dirty="0">
+              <a:rPr lang="en-US" altLang="zh-TW" sz="1600" dirty="0">
                 <a:solidFill>
                   <a:schemeClr val="tx1"/>
                 </a:solidFill>
                 <a:latin typeface="+mj-lt"/>
               </a:rPr>
-              <a:t>We create a new file called Components/RefsDemo.js</a:t>
+              <a:t>We create a new file called Components/RefsDemo.js.</a:t>
+            </a:r>
+          </a:p>
+          <a:p>
+            <a:pPr marL="342900" indent="-342900" algn="l">
+              <a:buClr>
+                <a:srgbClr val="0070C0"/>
+              </a:buClr>
+              <a:buSzPct val="80000"/>
+              <a:buFont typeface="Wingdings" pitchFamily="2" charset="2"/>
+              <a:buChar char="u"/>
+            </a:pPr>
+            <a:r>
+              <a:rPr lang="en-US" altLang="zh-TW" sz="1600" dirty="0">
+                <a:solidFill>
+                  <a:schemeClr val="tx1"/>
+                </a:solidFill>
+              </a:rPr>
+              <a:t>Within the RefsDemo.js, type </a:t>
+            </a:r>
+            <a:r>
+              <a:rPr lang="en-US" altLang="zh-TW" sz="1600" dirty="0" err="1">
+                <a:solidFill>
+                  <a:schemeClr val="tx1"/>
+                </a:solidFill>
+              </a:rPr>
+              <a:t>rce</a:t>
+            </a:r>
+            <a:r>
+              <a:rPr lang="en-US" altLang="zh-TW" sz="1600" dirty="0">
+                <a:solidFill>
+                  <a:schemeClr val="tx1"/>
+                </a:solidFill>
+              </a:rPr>
+              <a:t> (React Create component with ES7)</a:t>
             </a:r>
           </a:p>
         </p:txBody>
@@ -8566,7 +9499,7 @@
           <a:p>
             <a:r>
               <a:rPr lang="en-US" altLang="zh-TW" sz="1600" b="1" i="1" dirty="0"/>
-              <a:t>https://www.youtube.com/watch?v=FXa9mMTKOu8&amp;index=28&amp;list=PLC3y8-rFHvwgg3vaYJgHGnModB54rxOk3</a:t>
+              <a:t>https://www.youtube.com/watch?v=FXa9mMTKOu8&amp;list=PLC3y8-rFHvwgg3vaYJgHGnModB54rxOk3&amp;index=28</a:t>
             </a:r>
           </a:p>
         </p:txBody>
@@ -8594,7 +9527,7 @@
             <a:fld id="{A4F910E6-8D00-4BAF-8C48-9688E0B449D3}" type="datetime1">
               <a:rPr lang="zh-TW" altLang="en-US" smtClean="0"/>
               <a:pPr/>
-              <a:t>2019/3/11</a:t>
+              <a:t>2020/5/26</a:t>
             </a:fld>
             <a:endParaRPr lang="zh-TW" altLang="en-US"/>
           </a:p>
@@ -8623,7 +9556,7 @@
             <a:fld id="{E4D7E63D-91F2-4366-A2C4-1B00C9E2590E}" type="slidenum">
               <a:rPr lang="zh-TW" altLang="en-US" smtClean="0"/>
               <a:pPr/>
-              <a:t>3</a:t>
+              <a:t>4</a:t>
             </a:fld>
             <a:endParaRPr lang="zh-TW" altLang="en-US"/>
           </a:p>
@@ -8631,10 +9564,10 @@
       </p:sp>
       <p:pic>
         <p:nvPicPr>
-          <p:cNvPr id="7" name="Picture 6">
+          <p:cNvPr id="10" name="Picture 9">
             <a:extLst>
               <a:ext uri="{FF2B5EF4-FFF2-40B4-BE49-F238E27FC236}">
-                <a16:creationId xmlns:a16="http://schemas.microsoft.com/office/drawing/2014/main" id="{73FF9620-82C6-4437-929D-60CF0A53E6D6}"/>
+                <a16:creationId xmlns:a16="http://schemas.microsoft.com/office/drawing/2014/main" id="{007D138B-D8F0-4E1F-9235-E42CF8F70715}"/>
               </a:ext>
             </a:extLst>
           </p:cNvPr>
@@ -8651,8 +9584,8 @@
         </p:blipFill>
         <p:spPr>
           <a:xfrm>
-            <a:off x="2691409" y="1916832"/>
-            <a:ext cx="3838575" cy="3381375"/>
+            <a:off x="2195736" y="2138905"/>
+            <a:ext cx="3800475" cy="3057525"/>
           </a:xfrm>
           <a:prstGeom prst="rect">
             <a:avLst/>
@@ -8677,7 +9610,7 @@
 </p:sld>
 </file>
 
-<file path=ppt/slides/slide4.xml><?xml version="1.0" encoding="utf-8"?>
+<file path=ppt/slides/slide5.xml><?xml version="1.0" encoding="utf-8"?>
 <p:sld xmlns:a="http://schemas.openxmlformats.org/drawingml/2006/main" xmlns:r="http://schemas.openxmlformats.org/officeDocument/2006/relationships" xmlns:p="http://schemas.openxmlformats.org/presentationml/2006/main">
   <p:cSld>
     <p:spTree>
@@ -8749,7 +9682,7 @@
                   <a:srgbClr val="FFFF00"/>
                 </a:solidFill>
               </a:rPr>
-              <a:t>28 Refs</a:t>
+              <a:t>28.1 Add Input Text Field</a:t>
             </a:r>
             <a:endParaRPr lang="zh-TW" altLang="en-US" b="1" dirty="0">
               <a:solidFill>
@@ -8772,7 +9705,7 @@
         <p:spPr>
           <a:xfrm>
             <a:off x="467544" y="1340768"/>
-            <a:ext cx="8352928" cy="398616"/>
+            <a:ext cx="8352928" cy="360040"/>
           </a:xfrm>
           <a:ln>
             <a:solidFill>
@@ -8795,31 +9728,13 @@
               <a:buChar char="u"/>
             </a:pPr>
             <a:r>
-              <a:rPr lang="en-US" altLang="zh-TW" sz="1600" b="1" dirty="0">
+              <a:rPr lang="en-US" altLang="zh-TW" sz="1600" dirty="0">
                 <a:solidFill>
                   <a:schemeClr val="tx1"/>
                 </a:solidFill>
                 <a:latin typeface="+mj-lt"/>
               </a:rPr>
-              <a:t>Within the RefsDemo.js, use </a:t>
-            </a:r>
-            <a:r>
-              <a:rPr lang="en-US" altLang="zh-TW" sz="1600" b="1" dirty="0" err="1">
-                <a:solidFill>
-                  <a:schemeClr val="tx1"/>
-                </a:solidFill>
-                <a:latin typeface="+mj-lt"/>
-              </a:rPr>
-              <a:t>rce</a:t>
-            </a:r>
-            <a:r>
-              <a:rPr lang="en-US" altLang="zh-TW" sz="1600" b="1" dirty="0">
-                <a:solidFill>
-                  <a:schemeClr val="tx1"/>
-                </a:solidFill>
-                <a:latin typeface="+mj-lt"/>
-              </a:rPr>
-              <a:t> (React Create component with ES7)</a:t>
+              <a:t>In the JAX, we add the input element and remove ‘export”</a:t>
             </a:r>
           </a:p>
         </p:txBody>
@@ -8874,9 +9789,12 @@
           <a:lstStyle/>
           <a:p>
             <a:r>
-              <a:rPr lang="en-US" altLang="zh-TW" sz="1600" b="1" i="1" dirty="0"/>
-              <a:t>https://www.youtube.com/watch?v=FXa9mMTKOu8&amp;index=28&amp;list=PLC3y8-rFHvwgg3vaYJgHGnModB54rxOk3</a:t>
-            </a:r>
+              <a:rPr lang="en-US" sz="1600" dirty="0">
+                <a:hlinkClick r:id="rId2"/>
+              </a:rPr>
+              <a:t>https://www.youtube.com/watch?v=FXa9mMTKOu8&amp;list=PLC3y8-rFHvwgg3vaYJgHGnModB54rxOk3&amp;index=28</a:t>
+            </a:r>
+            <a:endParaRPr lang="en-US" altLang="zh-TW" sz="1600" b="1" i="1" dirty="0"/>
           </a:p>
         </p:txBody>
       </p:sp>
@@ -8903,484 +9821,7 @@
             <a:fld id="{A4F910E6-8D00-4BAF-8C48-9688E0B449D3}" type="datetime1">
               <a:rPr lang="zh-TW" altLang="en-US" smtClean="0"/>
               <a:pPr/>
-              <a:t>2019/3/11</a:t>
-            </a:fld>
-            <a:endParaRPr lang="zh-TW" altLang="en-US"/>
-          </a:p>
-        </p:txBody>
-      </p:sp>
-      <p:sp>
-        <p:nvSpPr>
-          <p:cNvPr id="6" name="投影片編號版面配置區 5"/>
-          <p:cNvSpPr>
-            <a:spLocks noGrp="1"/>
-          </p:cNvSpPr>
-          <p:nvPr>
-            <p:ph type="sldNum" sz="quarter" idx="12"/>
-          </p:nvPr>
-        </p:nvSpPr>
-        <p:spPr>
-          <a:xfrm>
-            <a:off x="6553200" y="6356350"/>
-            <a:ext cx="2133600" cy="404246"/>
-          </a:xfrm>
-        </p:spPr>
-        <p:txBody>
-          <a:bodyPr/>
-          <a:lstStyle/>
-          <a:p>
-            <a:fld id="{E4D7E63D-91F2-4366-A2C4-1B00C9E2590E}" type="slidenum">
-              <a:rPr lang="zh-TW" altLang="en-US" smtClean="0"/>
-              <a:pPr/>
-              <a:t>4</a:t>
-            </a:fld>
-            <a:endParaRPr lang="zh-TW" altLang="en-US"/>
-          </a:p>
-        </p:txBody>
-      </p:sp>
-      <p:pic>
-        <p:nvPicPr>
-          <p:cNvPr id="8" name="Picture 7">
-            <a:extLst>
-              <a:ext uri="{FF2B5EF4-FFF2-40B4-BE49-F238E27FC236}">
-                <a16:creationId xmlns:a16="http://schemas.microsoft.com/office/drawing/2014/main" id="{F1A72F74-EBAA-4F29-B909-DFCC8A8608D8}"/>
-              </a:ext>
-            </a:extLst>
-          </p:cNvPr>
-          <p:cNvPicPr>
-            <a:picLocks noChangeAspect="1"/>
-          </p:cNvPicPr>
-          <p:nvPr/>
-        </p:nvPicPr>
-        <p:blipFill>
-          <a:blip r:embed="rId2"/>
-          <a:stretch>
-            <a:fillRect/>
-          </a:stretch>
-        </p:blipFill>
-        <p:spPr>
-          <a:xfrm>
-            <a:off x="683569" y="2076450"/>
-            <a:ext cx="3524474" cy="1928614"/>
-          </a:xfrm>
-          <a:prstGeom prst="rect">
-            <a:avLst/>
-          </a:prstGeom>
-          <a:ln>
-            <a:solidFill>
-              <a:srgbClr val="C00000"/>
-            </a:solidFill>
-          </a:ln>
-        </p:spPr>
-      </p:pic>
-      <p:pic>
-        <p:nvPicPr>
-          <p:cNvPr id="9" name="Picture 8">
-            <a:extLst>
-              <a:ext uri="{FF2B5EF4-FFF2-40B4-BE49-F238E27FC236}">
-                <a16:creationId xmlns:a16="http://schemas.microsoft.com/office/drawing/2014/main" id="{ECE0DE1F-73AB-4DE0-84DB-927724DEEB0A}"/>
-              </a:ext>
-            </a:extLst>
-          </p:cNvPr>
-          <p:cNvPicPr>
-            <a:picLocks noChangeAspect="1"/>
-          </p:cNvPicPr>
-          <p:nvPr/>
-        </p:nvPicPr>
-        <p:blipFill>
-          <a:blip r:embed="rId3"/>
-          <a:stretch>
-            <a:fillRect/>
-          </a:stretch>
-        </p:blipFill>
-        <p:spPr>
-          <a:xfrm>
-            <a:off x="4958862" y="2061092"/>
-            <a:ext cx="3800475" cy="3057525"/>
-          </a:xfrm>
-          <a:prstGeom prst="rect">
-            <a:avLst/>
-          </a:prstGeom>
-          <a:ln>
-            <a:solidFill>
-              <a:srgbClr val="C00000"/>
-            </a:solidFill>
-          </a:ln>
-        </p:spPr>
-      </p:pic>
-      <p:cxnSp>
-        <p:nvCxnSpPr>
-          <p:cNvPr id="11" name="Straight Arrow Connector 10">
-            <a:extLst>
-              <a:ext uri="{FF2B5EF4-FFF2-40B4-BE49-F238E27FC236}">
-                <a16:creationId xmlns:a16="http://schemas.microsoft.com/office/drawing/2014/main" id="{D1EDDFA6-1A2D-45EE-B4FA-0CCE7E1037F7}"/>
-              </a:ext>
-            </a:extLst>
-          </p:cNvPr>
-          <p:cNvCxnSpPr>
-            <a:cxnSpLocks/>
-            <a:stCxn id="12" idx="3"/>
-            <a:endCxn id="9" idx="1"/>
-          </p:cNvCxnSpPr>
-          <p:nvPr/>
-        </p:nvCxnSpPr>
-        <p:spPr>
-          <a:xfrm>
-            <a:off x="1547664" y="2384884"/>
-            <a:ext cx="3411198" cy="1204971"/>
-          </a:xfrm>
-          <a:prstGeom prst="straightConnector1">
-            <a:avLst/>
-          </a:prstGeom>
-          <a:ln>
-            <a:solidFill>
-              <a:srgbClr val="C00000"/>
-            </a:solidFill>
-            <a:tailEnd type="triangle"/>
-          </a:ln>
-        </p:spPr>
-        <p:style>
-          <a:lnRef idx="1">
-            <a:schemeClr val="accent1"/>
-          </a:lnRef>
-          <a:fillRef idx="0">
-            <a:schemeClr val="accent1"/>
-          </a:fillRef>
-          <a:effectRef idx="0">
-            <a:schemeClr val="accent1"/>
-          </a:effectRef>
-          <a:fontRef idx="minor">
-            <a:schemeClr val="tx1"/>
-          </a:fontRef>
-        </p:style>
-      </p:cxnSp>
-      <p:sp>
-        <p:nvSpPr>
-          <p:cNvPr id="12" name="Rectangle 11">
-            <a:extLst>
-              <a:ext uri="{FF2B5EF4-FFF2-40B4-BE49-F238E27FC236}">
-                <a16:creationId xmlns:a16="http://schemas.microsoft.com/office/drawing/2014/main" id="{818AEA15-90E5-4EFF-BA31-7F6C85281A70}"/>
-              </a:ext>
-            </a:extLst>
-          </p:cNvPr>
-          <p:cNvSpPr/>
-          <p:nvPr/>
-        </p:nvSpPr>
-        <p:spPr>
-          <a:xfrm>
-            <a:off x="1043608" y="2276872"/>
-            <a:ext cx="504056" cy="216024"/>
-          </a:xfrm>
-          <a:prstGeom prst="rect">
-            <a:avLst/>
-          </a:prstGeom>
-          <a:noFill/>
-          <a:ln>
-            <a:solidFill>
-              <a:srgbClr val="C00000"/>
-            </a:solidFill>
-          </a:ln>
-        </p:spPr>
-        <p:style>
-          <a:lnRef idx="2">
-            <a:schemeClr val="accent1">
-              <a:shade val="50000"/>
-            </a:schemeClr>
-          </a:lnRef>
-          <a:fillRef idx="1">
-            <a:schemeClr val="accent1"/>
-          </a:fillRef>
-          <a:effectRef idx="0">
-            <a:schemeClr val="accent1"/>
-          </a:effectRef>
-          <a:fontRef idx="minor">
-            <a:schemeClr val="lt1"/>
-          </a:fontRef>
-        </p:style>
-        <p:txBody>
-          <a:bodyPr rtlCol="0" anchor="ctr"/>
-          <a:lstStyle/>
-          <a:p>
-            <a:pPr algn="ctr"/>
-            <a:endParaRPr lang="en-US"/>
-          </a:p>
-        </p:txBody>
-      </p:sp>
-    </p:spTree>
-    <p:extLst>
-      <p:ext uri="{BB962C8B-B14F-4D97-AF65-F5344CB8AC3E}">
-        <p14:creationId xmlns:p14="http://schemas.microsoft.com/office/powerpoint/2010/main" val="2280181970"/>
-      </p:ext>
-    </p:extLst>
-  </p:cSld>
-  <p:clrMapOvr>
-    <a:masterClrMapping/>
-  </p:clrMapOvr>
-</p:sld>
-</file>
-
-<file path=ppt/slides/slide5.xml><?xml version="1.0" encoding="utf-8"?>
-<p:sld xmlns:a="http://schemas.openxmlformats.org/drawingml/2006/main" xmlns:r="http://schemas.openxmlformats.org/officeDocument/2006/relationships" xmlns:p="http://schemas.openxmlformats.org/presentationml/2006/main">
-  <p:cSld>
-    <p:spTree>
-      <p:nvGrpSpPr>
-        <p:cNvPr id="1" name=""/>
-        <p:cNvGrpSpPr/>
-        <p:nvPr/>
-      </p:nvGrpSpPr>
-      <p:grpSpPr>
-        <a:xfrm>
-          <a:off x="0" y="0"/>
-          <a:ext cx="0" cy="0"/>
-          <a:chOff x="0" y="0"/>
-          <a:chExt cx="0" cy="0"/>
-        </a:xfrm>
-      </p:grpSpPr>
-      <p:sp>
-        <p:nvSpPr>
-          <p:cNvPr id="2" name="標題 1"/>
-          <p:cNvSpPr>
-            <a:spLocks noGrp="1"/>
-          </p:cNvSpPr>
-          <p:nvPr>
-            <p:ph type="ctrTitle"/>
-          </p:nvPr>
-        </p:nvSpPr>
-        <p:spPr>
-          <a:xfrm>
-            <a:off x="0" y="1"/>
-            <a:ext cx="9144000" cy="764704"/>
-          </a:xfrm>
-          <a:gradFill flip="none" rotWithShape="1">
-            <a:gsLst>
-              <a:gs pos="0">
-                <a:srgbClr val="C00000">
-                  <a:shade val="30000"/>
-                  <a:satMod val="115000"/>
-                </a:srgbClr>
-              </a:gs>
-              <a:gs pos="50000">
-                <a:srgbClr val="C00000">
-                  <a:shade val="67500"/>
-                  <a:satMod val="115000"/>
-                </a:srgbClr>
-              </a:gs>
-              <a:gs pos="100000">
-                <a:srgbClr val="C00000">
-                  <a:shade val="100000"/>
-                  <a:satMod val="115000"/>
-                </a:srgbClr>
-              </a:gs>
-            </a:gsLst>
-            <a:path path="circle">
-              <a:fillToRect t="100000" r="100000"/>
-            </a:path>
-            <a:tileRect l="-100000" b="-100000"/>
-          </a:gradFill>
-        </p:spPr>
-        <p:txBody>
-          <a:bodyPr>
-            <a:normAutofit/>
-          </a:bodyPr>
-          <a:lstStyle/>
-          <a:p>
-            <a:pPr algn="l"/>
-            <a:r>
-              <a:rPr lang="en-US" altLang="zh-TW" b="1" dirty="0">
-                <a:solidFill>
-                  <a:srgbClr val="FFFF00"/>
-                </a:solidFill>
-              </a:rPr>
-              <a:t>28 Refs</a:t>
-            </a:r>
-            <a:endParaRPr lang="zh-TW" altLang="en-US" b="1" dirty="0">
-              <a:solidFill>
-                <a:srgbClr val="FFFF00"/>
-              </a:solidFill>
-            </a:endParaRPr>
-          </a:p>
-        </p:txBody>
-      </p:sp>
-      <p:sp>
-        <p:nvSpPr>
-          <p:cNvPr id="3" name="副標題 2"/>
-          <p:cNvSpPr>
-            <a:spLocks noGrp="1"/>
-          </p:cNvSpPr>
-          <p:nvPr>
-            <p:ph type="subTitle" idx="1"/>
-          </p:nvPr>
-        </p:nvSpPr>
-        <p:spPr>
-          <a:xfrm>
-            <a:off x="467544" y="1340768"/>
-            <a:ext cx="8352928" cy="648072"/>
-          </a:xfrm>
-          <a:ln>
-            <a:solidFill>
-              <a:srgbClr val="C00000"/>
-            </a:solidFill>
-          </a:ln>
-        </p:spPr>
-        <p:txBody>
-          <a:bodyPr>
-            <a:noAutofit/>
-          </a:bodyPr>
-          <a:lstStyle/>
-          <a:p>
-            <a:pPr marL="342900" indent="-342900" algn="l">
-              <a:buClr>
-                <a:srgbClr val="0070C0"/>
-              </a:buClr>
-              <a:buSzPct val="80000"/>
-              <a:buFont typeface="Wingdings" pitchFamily="2" charset="2"/>
-              <a:buChar char="u"/>
-            </a:pPr>
-            <a:r>
-              <a:rPr lang="en-US" altLang="zh-TW" sz="1600" b="1" dirty="0">
-                <a:solidFill>
-                  <a:schemeClr val="tx1"/>
-                </a:solidFill>
-                <a:latin typeface="+mj-lt"/>
-              </a:rPr>
-              <a:t>We are going to add the input element.</a:t>
-            </a:r>
-          </a:p>
-          <a:p>
-            <a:pPr marL="342900" indent="-342900" algn="l">
-              <a:buClr>
-                <a:srgbClr val="0070C0"/>
-              </a:buClr>
-              <a:buSzPct val="80000"/>
-              <a:buFont typeface="Wingdings" pitchFamily="2" charset="2"/>
-              <a:buChar char="u"/>
-            </a:pPr>
-            <a:r>
-              <a:rPr lang="en-US" altLang="zh-TW" sz="1600" b="1" dirty="0">
-                <a:solidFill>
-                  <a:schemeClr val="tx1"/>
-                </a:solidFill>
-                <a:latin typeface="+mj-lt"/>
-              </a:rPr>
-              <a:t>Remove the export of the component and export default Module </a:t>
-            </a:r>
-            <a:r>
-              <a:rPr lang="en-US" altLang="zh-TW" sz="1600" b="1" dirty="0" err="1">
-                <a:solidFill>
-                  <a:schemeClr val="tx1"/>
-                </a:solidFill>
-                <a:latin typeface="+mj-lt"/>
-              </a:rPr>
-              <a:t>RefsDemo</a:t>
-            </a:r>
-            <a:r>
-              <a:rPr lang="en-US" altLang="zh-TW" sz="1600" b="1" dirty="0">
-                <a:solidFill>
-                  <a:schemeClr val="tx1"/>
-                </a:solidFill>
-                <a:latin typeface="+mj-lt"/>
-              </a:rPr>
-              <a:t>.</a:t>
-            </a:r>
-          </a:p>
-          <a:p>
-            <a:pPr marL="342900" indent="-342900" algn="l">
-              <a:buClr>
-                <a:srgbClr val="0070C0"/>
-              </a:buClr>
-              <a:buSzPct val="80000"/>
-              <a:buFont typeface="Wingdings" pitchFamily="2" charset="2"/>
-              <a:buChar char="u"/>
-            </a:pPr>
-            <a:endParaRPr lang="en-US" altLang="zh-TW" sz="1600" b="1" dirty="0">
-              <a:solidFill>
-                <a:schemeClr val="tx1"/>
-              </a:solidFill>
-              <a:latin typeface="+mj-lt"/>
-            </a:endParaRPr>
-          </a:p>
-        </p:txBody>
-      </p:sp>
-      <p:sp>
-        <p:nvSpPr>
-          <p:cNvPr id="4" name="標題 1"/>
-          <p:cNvSpPr txBox="1">
-            <a:spLocks/>
-          </p:cNvSpPr>
-          <p:nvPr/>
-        </p:nvSpPr>
-        <p:spPr>
-          <a:xfrm>
-            <a:off x="0" y="764704"/>
-            <a:ext cx="9144000" cy="398616"/>
-          </a:xfrm>
-          <a:prstGeom prst="rect">
-            <a:avLst/>
-          </a:prstGeom>
-          <a:gradFill flip="none" rotWithShape="1">
-            <a:gsLst>
-              <a:gs pos="0">
-                <a:srgbClr val="00B0F0">
-                  <a:shade val="30000"/>
-                  <a:satMod val="115000"/>
-                </a:srgbClr>
-              </a:gs>
-              <a:gs pos="50000">
-                <a:srgbClr val="00B0F0">
-                  <a:shade val="67500"/>
-                  <a:satMod val="115000"/>
-                </a:srgbClr>
-              </a:gs>
-              <a:gs pos="100000">
-                <a:srgbClr val="00B0F0">
-                  <a:shade val="100000"/>
-                  <a:satMod val="115000"/>
-                </a:srgbClr>
-              </a:gs>
-            </a:gsLst>
-            <a:path path="circle">
-              <a:fillToRect t="100000" r="100000"/>
-            </a:path>
-            <a:tileRect l="-100000" b="-100000"/>
-          </a:gradFill>
-        </p:spPr>
-        <p:txBody>
-          <a:bodyPr vert="horz" lIns="91440" tIns="45720" rIns="91440" bIns="45720" rtlCol="0" anchor="ctr">
-            <a:normAutofit fontScale="92500"/>
-          </a:bodyPr>
-          <a:lstStyle/>
-          <a:p>
-            <a:r>
-              <a:rPr lang="en-US" altLang="zh-TW" sz="1600" b="1" i="1" dirty="0"/>
-              <a:t>https://www.youtube.com/watch?v=FXa9mMTKOu8&amp;index=28&amp;list=PLC3y8-rFHvwgg3vaYJgHGnModB54rxOk3</a:t>
-            </a:r>
-          </a:p>
-        </p:txBody>
-      </p:sp>
-      <p:sp>
-        <p:nvSpPr>
-          <p:cNvPr id="5" name="日期版面配置區 4"/>
-          <p:cNvSpPr>
-            <a:spLocks noGrp="1"/>
-          </p:cNvSpPr>
-          <p:nvPr>
-            <p:ph type="dt" sz="half" idx="10"/>
-          </p:nvPr>
-        </p:nvSpPr>
-        <p:spPr>
-          <a:xfrm>
-            <a:off x="457200" y="6356350"/>
-            <a:ext cx="2133600" cy="404246"/>
-          </a:xfrm>
-        </p:spPr>
-        <p:txBody>
-          <a:bodyPr/>
-          <a:lstStyle/>
-          <a:p>
-            <a:fld id="{A4F910E6-8D00-4BAF-8C48-9688E0B449D3}" type="datetime1">
-              <a:rPr lang="zh-TW" altLang="en-US" smtClean="0"/>
-              <a:pPr/>
-              <a:t>2019/3/11</a:t>
+              <a:t>2020/5/26</a:t>
             </a:fld>
             <a:endParaRPr lang="zh-TW" altLang="en-US"/>
           </a:p>
@@ -9430,14 +9871,14 @@
           <p:nvPr/>
         </p:nvPicPr>
         <p:blipFill>
-          <a:blip r:embed="rId2"/>
+          <a:blip r:embed="rId3"/>
           <a:stretch>
             <a:fillRect/>
           </a:stretch>
         </p:blipFill>
         <p:spPr>
           <a:xfrm>
-            <a:off x="800100" y="2193118"/>
+            <a:off x="2267744" y="1899960"/>
             <a:ext cx="3771900" cy="2743200"/>
           </a:xfrm>
           <a:prstGeom prst="rect">
@@ -9535,7 +9976,7 @@
                   <a:srgbClr val="FFFF00"/>
                 </a:solidFill>
               </a:rPr>
-              <a:t>28 Refs</a:t>
+              <a:t>28.1 Add Input Text Field</a:t>
             </a:r>
             <a:endParaRPr lang="zh-TW" altLang="en-US" b="1" dirty="0">
               <a:solidFill>
@@ -9558,7 +9999,7 @@
         <p:spPr>
           <a:xfrm>
             <a:off x="467544" y="1340768"/>
-            <a:ext cx="8352928" cy="398616"/>
+            <a:ext cx="8352928" cy="864096"/>
           </a:xfrm>
           <a:ln>
             <a:solidFill>
@@ -9581,31 +10022,31 @@
               <a:buChar char="u"/>
             </a:pPr>
             <a:r>
-              <a:rPr lang="en-US" altLang="zh-TW" sz="1600" b="1" dirty="0">
+              <a:rPr lang="en-US" altLang="zh-TW" sz="1600" dirty="0">
                 <a:solidFill>
                   <a:schemeClr val="tx1"/>
                 </a:solidFill>
                 <a:latin typeface="+mj-lt"/>
               </a:rPr>
-              <a:t>Then import the component </a:t>
-            </a:r>
-            <a:r>
-              <a:rPr lang="en-US" altLang="zh-TW" sz="1600" b="1" dirty="0" err="1">
+              <a:t>Install the </a:t>
+            </a:r>
+            <a:r>
+              <a:rPr lang="en-US" altLang="zh-TW" sz="1600" dirty="0" err="1">
                 <a:solidFill>
                   <a:schemeClr val="tx1"/>
                 </a:solidFill>
                 <a:latin typeface="+mj-lt"/>
               </a:rPr>
-              <a:t>RefsDemo</a:t>
-            </a:r>
-            <a:r>
-              <a:rPr lang="en-US" altLang="zh-TW" sz="1600" b="1" dirty="0">
+              <a:t>node_modules</a:t>
+            </a:r>
+            <a:r>
+              <a:rPr lang="en-US" altLang="zh-TW" sz="1600" dirty="0">
                 <a:solidFill>
                   <a:schemeClr val="tx1"/>
                 </a:solidFill>
                 <a:latin typeface="+mj-lt"/>
               </a:rPr>
-              <a:t> at App Component.</a:t>
+              <a:t>:</a:t>
             </a:r>
           </a:p>
           <a:p>
@@ -9617,7 +10058,63 @@
               <a:buFont typeface="Wingdings" pitchFamily="2" charset="2"/>
               <a:buChar char="u"/>
             </a:pPr>
-            <a:endParaRPr lang="en-US" altLang="zh-TW" sz="1600" b="1" dirty="0">
+            <a:r>
+              <a:rPr lang="en-US" altLang="zh-TW" sz="1600" dirty="0">
+                <a:solidFill>
+                  <a:schemeClr val="tx1"/>
+                </a:solidFill>
+                <a:latin typeface="+mj-lt"/>
+              </a:rPr>
+              <a:t>&gt; </a:t>
+            </a:r>
+            <a:r>
+              <a:rPr lang="en-US" altLang="zh-TW" sz="1600" dirty="0" err="1">
+                <a:solidFill>
+                  <a:schemeClr val="tx1"/>
+                </a:solidFill>
+                <a:latin typeface="+mj-lt"/>
+              </a:rPr>
+              <a:t>npm</a:t>
+            </a:r>
+            <a:r>
+              <a:rPr lang="en-US" altLang="zh-TW" sz="1600" dirty="0">
+                <a:solidFill>
+                  <a:schemeClr val="tx1"/>
+                </a:solidFill>
+                <a:latin typeface="+mj-lt"/>
+              </a:rPr>
+              <a:t> install</a:t>
+            </a:r>
+          </a:p>
+          <a:p>
+            <a:pPr marL="342900" indent="-342900" algn="l">
+              <a:buClr>
+                <a:srgbClr val="0070C0"/>
+              </a:buClr>
+              <a:buSzPct val="80000"/>
+              <a:buFont typeface="Wingdings" pitchFamily="2" charset="2"/>
+              <a:buChar char="u"/>
+            </a:pPr>
+            <a:r>
+              <a:rPr lang="en-US" altLang="zh-TW" sz="1600" dirty="0">
+                <a:solidFill>
+                  <a:schemeClr val="tx1"/>
+                </a:solidFill>
+                <a:latin typeface="+mj-lt"/>
+              </a:rPr>
+              <a:t>Take a loot at the browser.</a:t>
+            </a:r>
+          </a:p>
+          <a:p>
+            <a:pPr marL="342900" indent="-342900" algn="l">
+              <a:buClr>
+                <a:srgbClr val="0070C0"/>
+              </a:buClr>
+              <a:buSzPct val="80000"/>
+              <a:buFont typeface="Wingdings" pitchFamily="2" charset="2"/>
+              <a:buChar char="u"/>
+            </a:pPr>
+            <a:endParaRPr lang="en-US" altLang="zh-TW" sz="1600" dirty="0">
               <a:solidFill>
                 <a:schemeClr val="tx1"/>
               </a:solidFill>
@@ -9677,7 +10174,7 @@
           <a:p>
             <a:r>
               <a:rPr lang="en-US" altLang="zh-TW" sz="1600" b="1" i="1" dirty="0"/>
-              <a:t>https://www.youtube.com/watch?v=FXa9mMTKOu8&amp;index=28&amp;list=PLC3y8-rFHvwgg3vaYJgHGnModB54rxOk3</a:t>
+              <a:t>https://www.youtube.com/watch?v=FXa9mMTKOu8&amp;list=PLC3y8-rFHvwgg3vaYJgHGnModB54rxOk3&amp;index=28</a:t>
             </a:r>
           </a:p>
         </p:txBody>
@@ -9705,7 +10202,7 @@
             <a:fld id="{A4F910E6-8D00-4BAF-8C48-9688E0B449D3}" type="datetime1">
               <a:rPr lang="zh-TW" altLang="en-US" smtClean="0"/>
               <a:pPr/>
-              <a:t>2019/3/11</a:t>
+              <a:t>2020/5/26</a:t>
             </a:fld>
             <a:endParaRPr lang="zh-TW" altLang="en-US"/>
           </a:p>
@@ -9742,10 +10239,10 @@
       </p:sp>
       <p:pic>
         <p:nvPicPr>
-          <p:cNvPr id="13" name="Picture 12">
+          <p:cNvPr id="7" name="Picture 6">
             <a:extLst>
               <a:ext uri="{FF2B5EF4-FFF2-40B4-BE49-F238E27FC236}">
-                <a16:creationId xmlns:a16="http://schemas.microsoft.com/office/drawing/2014/main" id="{A5FB2959-FE67-4F5E-9F5D-71AA73154D60}"/>
+                <a16:creationId xmlns:a16="http://schemas.microsoft.com/office/drawing/2014/main" id="{FC73A007-C1F4-4069-93BE-09EAC29E1CD3}"/>
               </a:ext>
             </a:extLst>
           </p:cNvPr>
@@ -9762,8 +10259,8 @@
         </p:blipFill>
         <p:spPr>
           <a:xfrm>
-            <a:off x="1763688" y="1843087"/>
-            <a:ext cx="4248150" cy="3171825"/>
+            <a:off x="2051720" y="2382312"/>
+            <a:ext cx="4772025" cy="1400175"/>
           </a:xfrm>
           <a:prstGeom prst="rect">
             <a:avLst/>
@@ -9778,7 +10275,7 @@
     </p:spTree>
     <p:extLst>
       <p:ext uri="{BB962C8B-B14F-4D97-AF65-F5344CB8AC3E}">
-        <p14:creationId xmlns:p14="http://schemas.microsoft.com/office/powerpoint/2010/main" val="2874762469"/>
+        <p14:creationId xmlns:p14="http://schemas.microsoft.com/office/powerpoint/2010/main" val="2997349064"/>
       </p:ext>
     </p:extLst>
   </p:cSld>
@@ -9817,6 +10314,157 @@
         </p:nvSpPr>
         <p:spPr>
           <a:xfrm>
+            <a:off x="0" y="2130425"/>
+            <a:ext cx="9144000" cy="1470025"/>
+          </a:xfrm>
+          <a:solidFill>
+            <a:srgbClr val="00B0F0"/>
+          </a:solidFill>
+        </p:spPr>
+        <p:txBody>
+          <a:bodyPr>
+            <a:normAutofit/>
+          </a:bodyPr>
+          <a:lstStyle/>
+          <a:p>
+            <a:r>
+              <a:rPr lang="en-US" altLang="zh-TW" sz="4800" b="1" dirty="0">
+                <a:solidFill>
+                  <a:srgbClr val="FFFF00"/>
+                </a:solidFill>
+              </a:rPr>
+              <a:t>28.2 Focus Input Text Field</a:t>
+            </a:r>
+            <a:endParaRPr lang="zh-TW" altLang="en-US" sz="4800" b="1" dirty="0">
+              <a:solidFill>
+                <a:srgbClr val="FFFF00"/>
+              </a:solidFill>
+            </a:endParaRPr>
+          </a:p>
+        </p:txBody>
+      </p:sp>
+      <p:sp>
+        <p:nvSpPr>
+          <p:cNvPr id="5" name="日期版面配置區 4"/>
+          <p:cNvSpPr>
+            <a:spLocks noGrp="1"/>
+          </p:cNvSpPr>
+          <p:nvPr>
+            <p:ph type="dt" sz="half" idx="10"/>
+          </p:nvPr>
+        </p:nvSpPr>
+        <p:spPr/>
+        <p:txBody>
+          <a:bodyPr/>
+          <a:lstStyle/>
+          <a:p>
+            <a:fld id="{C389EDC9-19E3-47AC-9C57-C6A24DEA81AD}" type="datetime1">
+              <a:rPr lang="zh-TW" altLang="en-US" smtClean="0"/>
+              <a:pPr/>
+              <a:t>2020/5/26</a:t>
+            </a:fld>
+            <a:endParaRPr lang="zh-TW" altLang="en-US"/>
+          </a:p>
+        </p:txBody>
+      </p:sp>
+      <p:sp>
+        <p:nvSpPr>
+          <p:cNvPr id="6" name="投影片編號版面配置區 5"/>
+          <p:cNvSpPr>
+            <a:spLocks noGrp="1"/>
+          </p:cNvSpPr>
+          <p:nvPr>
+            <p:ph type="sldNum" sz="quarter" idx="12"/>
+          </p:nvPr>
+        </p:nvSpPr>
+        <p:spPr/>
+        <p:txBody>
+          <a:bodyPr/>
+          <a:lstStyle/>
+          <a:p>
+            <a:fld id="{E4D7E63D-91F2-4366-A2C4-1B00C9E2590E}" type="slidenum">
+              <a:rPr lang="zh-TW" altLang="en-US" smtClean="0"/>
+              <a:pPr/>
+              <a:t>7</a:t>
+            </a:fld>
+            <a:endParaRPr lang="zh-TW" altLang="en-US"/>
+          </a:p>
+        </p:txBody>
+      </p:sp>
+      <p:pic>
+        <p:nvPicPr>
+          <p:cNvPr id="2050" name="Picture 2"/>
+          <p:cNvPicPr>
+            <a:picLocks noChangeAspect="1" noChangeArrowheads="1"/>
+          </p:cNvPicPr>
+          <p:nvPr/>
+        </p:nvPicPr>
+        <p:blipFill>
+          <a:blip r:embed="rId2" cstate="print"/>
+          <a:srcRect/>
+          <a:stretch>
+            <a:fillRect/>
+          </a:stretch>
+        </p:blipFill>
+        <p:spPr bwMode="auto">
+          <a:xfrm>
+            <a:off x="4283968" y="3717032"/>
+            <a:ext cx="713805" cy="644588"/>
+          </a:xfrm>
+          <a:prstGeom prst="rect">
+            <a:avLst/>
+          </a:prstGeom>
+          <a:noFill/>
+          <a:ln w="9525">
+            <a:noFill/>
+            <a:miter lim="800000"/>
+            <a:headEnd/>
+            <a:tailEnd/>
+          </a:ln>
+        </p:spPr>
+      </p:pic>
+    </p:spTree>
+    <p:extLst>
+      <p:ext uri="{BB962C8B-B14F-4D97-AF65-F5344CB8AC3E}">
+        <p14:creationId xmlns:p14="http://schemas.microsoft.com/office/powerpoint/2010/main" val="2622943343"/>
+      </p:ext>
+    </p:extLst>
+  </p:cSld>
+  <p:clrMapOvr>
+    <a:masterClrMapping/>
+  </p:clrMapOvr>
+</p:sld>
+</file>
+
+<file path=ppt/slides/slide8.xml><?xml version="1.0" encoding="utf-8"?>
+<p:sld xmlns:a="http://schemas.openxmlformats.org/drawingml/2006/main" xmlns:r="http://schemas.openxmlformats.org/officeDocument/2006/relationships" xmlns:p="http://schemas.openxmlformats.org/presentationml/2006/main">
+  <p:cSld>
+    <p:spTree>
+      <p:nvGrpSpPr>
+        <p:cNvPr id="1" name=""/>
+        <p:cNvGrpSpPr/>
+        <p:nvPr/>
+      </p:nvGrpSpPr>
+      <p:grpSpPr>
+        <a:xfrm>
+          <a:off x="0" y="0"/>
+          <a:ext cx="0" cy="0"/>
+          <a:chOff x="0" y="0"/>
+          <a:chExt cx="0" cy="0"/>
+        </a:xfrm>
+      </p:grpSpPr>
+      <p:sp>
+        <p:nvSpPr>
+          <p:cNvPr id="2" name="標題 1"/>
+          <p:cNvSpPr>
+            <a:spLocks noGrp="1"/>
+          </p:cNvSpPr>
+          <p:nvPr>
+            <p:ph type="ctrTitle"/>
+          </p:nvPr>
+        </p:nvSpPr>
+        <p:spPr>
+          <a:xfrm>
             <a:off x="0" y="1"/>
             <a:ext cx="9144000" cy="764704"/>
           </a:xfrm>
@@ -9860,7 +10508,7 @@
                   <a:srgbClr val="FFFF00"/>
                 </a:solidFill>
               </a:rPr>
-              <a:t>28 Refs</a:t>
+              <a:t>28.2 Focus Input Text Field</a:t>
             </a:r>
             <a:endParaRPr lang="zh-TW" altLang="en-US" b="1" dirty="0">
               <a:solidFill>
@@ -9883,7 +10531,7 @@
         <p:spPr>
           <a:xfrm>
             <a:off x="467544" y="1340768"/>
-            <a:ext cx="8352928" cy="648072"/>
+            <a:ext cx="8219256" cy="648072"/>
           </a:xfrm>
           <a:ln>
             <a:solidFill>
@@ -9906,31 +10554,13 @@
               <a:buChar char="u"/>
             </a:pPr>
             <a:r>
-              <a:rPr lang="en-US" altLang="zh-TW" sz="1600" b="1" dirty="0">
+              <a:rPr lang="en-US" altLang="zh-TW" sz="1600" dirty="0">
                 <a:solidFill>
                   <a:schemeClr val="tx1"/>
                 </a:solidFill>
                 <a:latin typeface="+mj-lt"/>
               </a:rPr>
-              <a:t>&gt; </a:t>
-            </a:r>
-            <a:r>
-              <a:rPr lang="en-US" altLang="zh-TW" sz="1600" b="1" dirty="0" err="1">
-                <a:solidFill>
-                  <a:schemeClr val="tx1"/>
-                </a:solidFill>
-                <a:latin typeface="+mj-lt"/>
-              </a:rPr>
-              <a:t>npm</a:t>
-            </a:r>
-            <a:r>
-              <a:rPr lang="en-US" altLang="zh-TW" sz="1600" b="1" dirty="0">
-                <a:solidFill>
-                  <a:schemeClr val="tx1"/>
-                </a:solidFill>
-                <a:latin typeface="+mj-lt"/>
-              </a:rPr>
-              <a:t> start</a:t>
+              <a:t>As soon as the page is loaded, we want the input text field to be focused.</a:t>
             </a:r>
           </a:p>
           <a:p>
@@ -9943,30 +10573,14 @@
               <a:buChar char="u"/>
             </a:pPr>
             <a:r>
-              <a:rPr lang="en-US" altLang="zh-TW" sz="1600" b="1" dirty="0">
+              <a:rPr lang="en-US" altLang="zh-TW" sz="1600" dirty="0">
                 <a:solidFill>
                   <a:schemeClr val="tx1"/>
                 </a:solidFill>
                 <a:latin typeface="+mj-lt"/>
               </a:rPr>
-              <a:t>Refresh browser. We have the input text field display.</a:t>
-            </a:r>
-          </a:p>
-          <a:p>
-            <a:pPr marL="342900" indent="-342900" algn="l">
-              <a:buClr>
-                <a:srgbClr val="0070C0"/>
-              </a:buClr>
-              <a:buSzPct val="80000"/>
-              <a:buFont typeface="Wingdings" pitchFamily="2" charset="2"/>
-              <a:buChar char="u"/>
-            </a:pPr>
-            <a:endParaRPr lang="en-US" altLang="zh-TW" sz="1600" b="1" dirty="0">
-              <a:solidFill>
-                <a:schemeClr val="tx1"/>
-              </a:solidFill>
-              <a:latin typeface="+mj-lt"/>
-            </a:endParaRPr>
+              <a:t>Using refs, we can do this in three input steps.</a:t>
+            </a:r>
           </a:p>
         </p:txBody>
       </p:sp>
@@ -10021,7 +10635,7 @@
           <a:p>
             <a:r>
               <a:rPr lang="en-US" altLang="zh-TW" sz="1600" b="1" i="1" dirty="0"/>
-              <a:t>https://www.youtube.com/watch?v=FXa9mMTKOu8&amp;index=28&amp;list=PLC3y8-rFHvwgg3vaYJgHGnModB54rxOk3</a:t>
+              <a:t>https://www.youtube.com/watch?v=FXa9mMTKOu8&amp;list=PLC3y8-rFHvwgg3vaYJgHGnModB54rxOk3&amp;index=28</a:t>
             </a:r>
           </a:p>
         </p:txBody>
@@ -10049,317 +10663,7 @@
             <a:fld id="{A4F910E6-8D00-4BAF-8C48-9688E0B449D3}" type="datetime1">
               <a:rPr lang="zh-TW" altLang="en-US" smtClean="0"/>
               <a:pPr/>
-              <a:t>2019/3/11</a:t>
-            </a:fld>
-            <a:endParaRPr lang="zh-TW" altLang="en-US"/>
-          </a:p>
-        </p:txBody>
-      </p:sp>
-      <p:sp>
-        <p:nvSpPr>
-          <p:cNvPr id="6" name="投影片編號版面配置區 5"/>
-          <p:cNvSpPr>
-            <a:spLocks noGrp="1"/>
-          </p:cNvSpPr>
-          <p:nvPr>
-            <p:ph type="sldNum" sz="quarter" idx="12"/>
-          </p:nvPr>
-        </p:nvSpPr>
-        <p:spPr>
-          <a:xfrm>
-            <a:off x="6553200" y="6356350"/>
-            <a:ext cx="2133600" cy="404246"/>
-          </a:xfrm>
-        </p:spPr>
-        <p:txBody>
-          <a:bodyPr/>
-          <a:lstStyle/>
-          <a:p>
-            <a:fld id="{E4D7E63D-91F2-4366-A2C4-1B00C9E2590E}" type="slidenum">
-              <a:rPr lang="zh-TW" altLang="en-US" smtClean="0"/>
-              <a:pPr/>
-              <a:t>7</a:t>
-            </a:fld>
-            <a:endParaRPr lang="zh-TW" altLang="en-US"/>
-          </a:p>
-        </p:txBody>
-      </p:sp>
-      <p:pic>
-        <p:nvPicPr>
-          <p:cNvPr id="7" name="Picture 6">
-            <a:extLst>
-              <a:ext uri="{FF2B5EF4-FFF2-40B4-BE49-F238E27FC236}">
-                <a16:creationId xmlns:a16="http://schemas.microsoft.com/office/drawing/2014/main" id="{06E3FF9F-C653-4365-8B2B-66207128F72B}"/>
-              </a:ext>
-            </a:extLst>
-          </p:cNvPr>
-          <p:cNvPicPr>
-            <a:picLocks noChangeAspect="1"/>
-          </p:cNvPicPr>
-          <p:nvPr/>
-        </p:nvPicPr>
-        <p:blipFill>
-          <a:blip r:embed="rId2"/>
-          <a:stretch>
-            <a:fillRect/>
-          </a:stretch>
-        </p:blipFill>
-        <p:spPr>
-          <a:xfrm>
-            <a:off x="1043608" y="2422575"/>
-            <a:ext cx="4714875" cy="1752600"/>
-          </a:xfrm>
-          <a:prstGeom prst="rect">
-            <a:avLst/>
-          </a:prstGeom>
-          <a:ln>
-            <a:solidFill>
-              <a:srgbClr val="C00000"/>
-            </a:solidFill>
-          </a:ln>
-        </p:spPr>
-      </p:pic>
-    </p:spTree>
-    <p:extLst>
-      <p:ext uri="{BB962C8B-B14F-4D97-AF65-F5344CB8AC3E}">
-        <p14:creationId xmlns:p14="http://schemas.microsoft.com/office/powerpoint/2010/main" val="3770183338"/>
-      </p:ext>
-    </p:extLst>
-  </p:cSld>
-  <p:clrMapOvr>
-    <a:masterClrMapping/>
-  </p:clrMapOvr>
-</p:sld>
-</file>
-
-<file path=ppt/slides/slide8.xml><?xml version="1.0" encoding="utf-8"?>
-<p:sld xmlns:a="http://schemas.openxmlformats.org/drawingml/2006/main" xmlns:r="http://schemas.openxmlformats.org/officeDocument/2006/relationships" xmlns:p="http://schemas.openxmlformats.org/presentationml/2006/main">
-  <p:cSld>
-    <p:spTree>
-      <p:nvGrpSpPr>
-        <p:cNvPr id="1" name=""/>
-        <p:cNvGrpSpPr/>
-        <p:nvPr/>
-      </p:nvGrpSpPr>
-      <p:grpSpPr>
-        <a:xfrm>
-          <a:off x="0" y="0"/>
-          <a:ext cx="0" cy="0"/>
-          <a:chOff x="0" y="0"/>
-          <a:chExt cx="0" cy="0"/>
-        </a:xfrm>
-      </p:grpSpPr>
-      <p:sp>
-        <p:nvSpPr>
-          <p:cNvPr id="2" name="標題 1"/>
-          <p:cNvSpPr>
-            <a:spLocks noGrp="1"/>
-          </p:cNvSpPr>
-          <p:nvPr>
-            <p:ph type="ctrTitle"/>
-          </p:nvPr>
-        </p:nvSpPr>
-        <p:spPr>
-          <a:xfrm>
-            <a:off x="0" y="1"/>
-            <a:ext cx="9144000" cy="764704"/>
-          </a:xfrm>
-          <a:gradFill flip="none" rotWithShape="1">
-            <a:gsLst>
-              <a:gs pos="0">
-                <a:srgbClr val="C00000">
-                  <a:shade val="30000"/>
-                  <a:satMod val="115000"/>
-                </a:srgbClr>
-              </a:gs>
-              <a:gs pos="50000">
-                <a:srgbClr val="C00000">
-                  <a:shade val="67500"/>
-                  <a:satMod val="115000"/>
-                </a:srgbClr>
-              </a:gs>
-              <a:gs pos="100000">
-                <a:srgbClr val="C00000">
-                  <a:shade val="100000"/>
-                  <a:satMod val="115000"/>
-                </a:srgbClr>
-              </a:gs>
-            </a:gsLst>
-            <a:path path="circle">
-              <a:fillToRect t="100000" r="100000"/>
-            </a:path>
-            <a:tileRect l="-100000" b="-100000"/>
-          </a:gradFill>
-        </p:spPr>
-        <p:txBody>
-          <a:bodyPr>
-            <a:normAutofit/>
-          </a:bodyPr>
-          <a:lstStyle/>
-          <a:p>
-            <a:pPr algn="l"/>
-            <a:r>
-              <a:rPr lang="en-US" altLang="zh-TW" b="1" dirty="0">
-                <a:solidFill>
-                  <a:srgbClr val="FFFF00"/>
-                </a:solidFill>
-              </a:rPr>
-              <a:t>28 Refs</a:t>
-            </a:r>
-            <a:endParaRPr lang="zh-TW" altLang="en-US" b="1" dirty="0">
-              <a:solidFill>
-                <a:srgbClr val="FFFF00"/>
-              </a:solidFill>
-            </a:endParaRPr>
-          </a:p>
-        </p:txBody>
-      </p:sp>
-      <p:sp>
-        <p:nvSpPr>
-          <p:cNvPr id="3" name="副標題 2"/>
-          <p:cNvSpPr>
-            <a:spLocks noGrp="1"/>
-          </p:cNvSpPr>
-          <p:nvPr>
-            <p:ph type="subTitle" idx="1"/>
-          </p:nvPr>
-        </p:nvSpPr>
-        <p:spPr>
-          <a:xfrm>
-            <a:off x="467544" y="1340768"/>
-            <a:ext cx="8352928" cy="720080"/>
-          </a:xfrm>
-          <a:ln>
-            <a:solidFill>
-              <a:srgbClr val="C00000"/>
-            </a:solidFill>
-          </a:ln>
-        </p:spPr>
-        <p:txBody>
-          <a:bodyPr>
-            <a:noAutofit/>
-          </a:bodyPr>
-          <a:lstStyle/>
-          <a:p>
-            <a:pPr marL="342900" indent="-342900" algn="l">
-              <a:buClr>
-                <a:srgbClr val="0070C0"/>
-              </a:buClr>
-              <a:buSzPct val="80000"/>
-              <a:buFont typeface="Wingdings" pitchFamily="2" charset="2"/>
-              <a:buChar char="u"/>
-            </a:pPr>
-            <a:r>
-              <a:rPr lang="en-US" altLang="zh-TW" sz="1600" b="1" dirty="0">
-                <a:solidFill>
-                  <a:schemeClr val="tx1"/>
-                </a:solidFill>
-                <a:latin typeface="+mj-lt"/>
-              </a:rPr>
-              <a:t>We want to achieve this input text field be focused as soon as the input test field is displayed.</a:t>
-            </a:r>
-          </a:p>
-          <a:p>
-            <a:pPr marL="342900" indent="-342900" algn="l">
-              <a:buClr>
-                <a:srgbClr val="0070C0"/>
-              </a:buClr>
-              <a:buSzPct val="80000"/>
-              <a:buFont typeface="Wingdings" pitchFamily="2" charset="2"/>
-              <a:buChar char="u"/>
-            </a:pPr>
-            <a:r>
-              <a:rPr lang="en-US" altLang="zh-TW" sz="1600" b="1" dirty="0">
-                <a:solidFill>
-                  <a:schemeClr val="tx1"/>
-                </a:solidFill>
-                <a:latin typeface="+mj-lt"/>
-              </a:rPr>
-              <a:t>Using Refs, we can do this in three simple steps.</a:t>
-            </a:r>
-          </a:p>
-        </p:txBody>
-      </p:sp>
-      <p:sp>
-        <p:nvSpPr>
-          <p:cNvPr id="4" name="標題 1"/>
-          <p:cNvSpPr txBox="1">
-            <a:spLocks/>
-          </p:cNvSpPr>
-          <p:nvPr/>
-        </p:nvSpPr>
-        <p:spPr>
-          <a:xfrm>
-            <a:off x="0" y="764704"/>
-            <a:ext cx="9144000" cy="398616"/>
-          </a:xfrm>
-          <a:prstGeom prst="rect">
-            <a:avLst/>
-          </a:prstGeom>
-          <a:gradFill flip="none" rotWithShape="1">
-            <a:gsLst>
-              <a:gs pos="0">
-                <a:srgbClr val="00B0F0">
-                  <a:shade val="30000"/>
-                  <a:satMod val="115000"/>
-                </a:srgbClr>
-              </a:gs>
-              <a:gs pos="50000">
-                <a:srgbClr val="00B0F0">
-                  <a:shade val="67500"/>
-                  <a:satMod val="115000"/>
-                </a:srgbClr>
-              </a:gs>
-              <a:gs pos="100000">
-                <a:srgbClr val="00B0F0">
-                  <a:shade val="100000"/>
-                  <a:satMod val="115000"/>
-                </a:srgbClr>
-              </a:gs>
-            </a:gsLst>
-            <a:path path="circle">
-              <a:fillToRect t="100000" r="100000"/>
-            </a:path>
-            <a:tileRect l="-100000" b="-100000"/>
-          </a:gradFill>
-        </p:spPr>
-        <p:txBody>
-          <a:bodyPr vert="horz" lIns="91440" tIns="45720" rIns="91440" bIns="45720" rtlCol="0" anchor="ctr">
-            <a:normAutofit fontScale="92500"/>
-          </a:bodyPr>
-          <a:lstStyle/>
-          <a:p>
-            <a:r>
-              <a:rPr lang="en-US" altLang="zh-TW" sz="1600" b="1" i="1" dirty="0"/>
-              <a:t>https://www.youtube.com/watch?v=FXa9mMTKOu8&amp;index=28&amp;list=PLC3y8-rFHvwgg3vaYJgHGnModB54rxOk3</a:t>
-            </a:r>
-          </a:p>
-        </p:txBody>
-      </p:sp>
-      <p:sp>
-        <p:nvSpPr>
-          <p:cNvPr id="5" name="日期版面配置區 4"/>
-          <p:cNvSpPr>
-            <a:spLocks noGrp="1"/>
-          </p:cNvSpPr>
-          <p:nvPr>
-            <p:ph type="dt" sz="half" idx="10"/>
-          </p:nvPr>
-        </p:nvSpPr>
-        <p:spPr>
-          <a:xfrm>
-            <a:off x="457200" y="6356350"/>
-            <a:ext cx="2133600" cy="404246"/>
-          </a:xfrm>
-        </p:spPr>
-        <p:txBody>
-          <a:bodyPr/>
-          <a:lstStyle/>
-          <a:p>
-            <a:fld id="{A4F910E6-8D00-4BAF-8C48-9688E0B449D3}" type="datetime1">
-              <a:rPr lang="zh-TW" altLang="en-US" smtClean="0"/>
-              <a:pPr/>
-              <a:t>2019/3/11</a:t>
+              <a:t>2020/5/26</a:t>
             </a:fld>
             <a:endParaRPr lang="zh-TW" altLang="en-US"/>
           </a:p>
@@ -10397,7 +10701,7 @@
     </p:spTree>
     <p:extLst>
       <p:ext uri="{BB962C8B-B14F-4D97-AF65-F5344CB8AC3E}">
-        <p14:creationId xmlns:p14="http://schemas.microsoft.com/office/powerpoint/2010/main" val="1634187465"/>
+        <p14:creationId xmlns:p14="http://schemas.microsoft.com/office/powerpoint/2010/main" val="2874762469"/>
       </p:ext>
     </p:extLst>
   </p:cSld>
@@ -10436,35 +10740,12 @@
         </p:nvSpPr>
         <p:spPr>
           <a:xfrm>
-            <a:off x="0" y="1"/>
-            <a:ext cx="9144000" cy="764704"/>
-          </a:xfrm>
-          <a:gradFill flip="none" rotWithShape="1">
-            <a:gsLst>
-              <a:gs pos="0">
-                <a:srgbClr val="C00000">
-                  <a:shade val="30000"/>
-                  <a:satMod val="115000"/>
-                </a:srgbClr>
-              </a:gs>
-              <a:gs pos="50000">
-                <a:srgbClr val="C00000">
-                  <a:shade val="67500"/>
-                  <a:satMod val="115000"/>
-                </a:srgbClr>
-              </a:gs>
-              <a:gs pos="100000">
-                <a:srgbClr val="C00000">
-                  <a:shade val="100000"/>
-                  <a:satMod val="115000"/>
-                </a:srgbClr>
-              </a:gs>
-            </a:gsLst>
-            <a:path path="circle">
-              <a:fillToRect t="100000" r="100000"/>
-            </a:path>
-            <a:tileRect l="-100000" b="-100000"/>
-          </a:gradFill>
+            <a:off x="0" y="2130425"/>
+            <a:ext cx="9144000" cy="1470025"/>
+          </a:xfrm>
+          <a:solidFill>
+            <a:srgbClr val="00B0F0"/>
+          </a:solidFill>
         </p:spPr>
         <p:txBody>
           <a:bodyPr>
@@ -10472,16 +10753,15 @@
           </a:bodyPr>
           <a:lstStyle/>
           <a:p>
-            <a:pPr algn="l"/>
-            <a:r>
-              <a:rPr lang="en-US" altLang="zh-TW" b="1" dirty="0">
+            <a:r>
+              <a:rPr lang="en-US" altLang="zh-TW" sz="4800" b="1" dirty="0">
                 <a:solidFill>
                   <a:srgbClr val="FFFF00"/>
                 </a:solidFill>
               </a:rPr>
-              <a:t>28 Refs</a:t>
-            </a:r>
-            <a:endParaRPr lang="zh-TW" altLang="en-US" b="1" dirty="0">
+              <a:t>28.3 First Step</a:t>
+            </a:r>
+            <a:endParaRPr lang="zh-TW" altLang="en-US" sz="4800" b="1" dirty="0">
               <a:solidFill>
                 <a:srgbClr val="FFFF00"/>
               </a:solidFill>
@@ -10491,162 +10771,6 @@
       </p:sp>
       <p:sp>
         <p:nvSpPr>
-          <p:cNvPr id="3" name="副標題 2"/>
-          <p:cNvSpPr>
-            <a:spLocks noGrp="1"/>
-          </p:cNvSpPr>
-          <p:nvPr>
-            <p:ph type="subTitle" idx="1"/>
-          </p:nvPr>
-        </p:nvSpPr>
-        <p:spPr>
-          <a:xfrm>
-            <a:off x="467544" y="1340768"/>
-            <a:ext cx="8352928" cy="686154"/>
-          </a:xfrm>
-          <a:ln>
-            <a:solidFill>
-              <a:srgbClr val="C00000"/>
-            </a:solidFill>
-          </a:ln>
-        </p:spPr>
-        <p:txBody>
-          <a:bodyPr>
-            <a:noAutofit/>
-          </a:bodyPr>
-          <a:lstStyle/>
-          <a:p>
-            <a:pPr marL="342900" indent="-342900" algn="l">
-              <a:buClr>
-                <a:srgbClr val="0070C0"/>
-              </a:buClr>
-              <a:buSzPct val="80000"/>
-              <a:buFont typeface="Wingdings" pitchFamily="2" charset="2"/>
-              <a:buChar char="u"/>
-            </a:pPr>
-            <a:r>
-              <a:rPr lang="en-US" altLang="zh-TW" sz="1600" b="1" dirty="0">
-                <a:solidFill>
-                  <a:schemeClr val="tx1"/>
-                </a:solidFill>
-                <a:latin typeface="+mj-lt"/>
-              </a:rPr>
-              <a:t>The First Step is to create a refs. We do that using create ref method.</a:t>
-            </a:r>
-          </a:p>
-          <a:p>
-            <a:pPr marL="342900" indent="-342900" algn="l">
-              <a:buClr>
-                <a:srgbClr val="0070C0"/>
-              </a:buClr>
-              <a:buSzPct val="80000"/>
-              <a:buFont typeface="Wingdings" pitchFamily="2" charset="2"/>
-              <a:buChar char="u"/>
-            </a:pPr>
-            <a:r>
-              <a:rPr lang="en-US" altLang="zh-TW" sz="1600" b="1" dirty="0">
-                <a:solidFill>
-                  <a:schemeClr val="tx1"/>
-                </a:solidFill>
-                <a:latin typeface="+mj-lt"/>
-              </a:rPr>
-              <a:t>Create a constructor by “</a:t>
-            </a:r>
-            <a:r>
-              <a:rPr lang="en-US" altLang="zh-TW" sz="1600" b="1" dirty="0" err="1">
-                <a:solidFill>
-                  <a:schemeClr val="tx1"/>
-                </a:solidFill>
-                <a:latin typeface="+mj-lt"/>
-              </a:rPr>
-              <a:t>rcons</a:t>
-            </a:r>
-            <a:r>
-              <a:rPr lang="en-US" altLang="zh-TW" sz="1600" b="1" dirty="0">
-                <a:solidFill>
-                  <a:schemeClr val="tx1"/>
-                </a:solidFill>
-                <a:latin typeface="+mj-lt"/>
-              </a:rPr>
-              <a:t>” (React Constructor)</a:t>
-            </a:r>
-          </a:p>
-          <a:p>
-            <a:pPr marL="342900" indent="-342900" algn="l">
-              <a:buClr>
-                <a:srgbClr val="0070C0"/>
-              </a:buClr>
-              <a:buSzPct val="80000"/>
-              <a:buFont typeface="Wingdings" pitchFamily="2" charset="2"/>
-              <a:buChar char="u"/>
-            </a:pPr>
-            <a:endParaRPr lang="en-US" altLang="zh-TW" sz="1600" b="1" dirty="0">
-              <a:solidFill>
-                <a:schemeClr val="tx1"/>
-              </a:solidFill>
-              <a:latin typeface="+mj-lt"/>
-            </a:endParaRPr>
-          </a:p>
-        </p:txBody>
-      </p:sp>
-      <p:sp>
-        <p:nvSpPr>
-          <p:cNvPr id="4" name="標題 1"/>
-          <p:cNvSpPr txBox="1">
-            <a:spLocks/>
-          </p:cNvSpPr>
-          <p:nvPr/>
-        </p:nvSpPr>
-        <p:spPr>
-          <a:xfrm>
-            <a:off x="0" y="764704"/>
-            <a:ext cx="9144000" cy="398616"/>
-          </a:xfrm>
-          <a:prstGeom prst="rect">
-            <a:avLst/>
-          </a:prstGeom>
-          <a:gradFill flip="none" rotWithShape="1">
-            <a:gsLst>
-              <a:gs pos="0">
-                <a:srgbClr val="00B0F0">
-                  <a:shade val="30000"/>
-                  <a:satMod val="115000"/>
-                </a:srgbClr>
-              </a:gs>
-              <a:gs pos="50000">
-                <a:srgbClr val="00B0F0">
-                  <a:shade val="67500"/>
-                  <a:satMod val="115000"/>
-                </a:srgbClr>
-              </a:gs>
-              <a:gs pos="100000">
-                <a:srgbClr val="00B0F0">
-                  <a:shade val="100000"/>
-                  <a:satMod val="115000"/>
-                </a:srgbClr>
-              </a:gs>
-            </a:gsLst>
-            <a:path path="circle">
-              <a:fillToRect t="100000" r="100000"/>
-            </a:path>
-            <a:tileRect l="-100000" b="-100000"/>
-          </a:gradFill>
-        </p:spPr>
-        <p:txBody>
-          <a:bodyPr vert="horz" lIns="91440" tIns="45720" rIns="91440" bIns="45720" rtlCol="0" anchor="ctr">
-            <a:normAutofit fontScale="92500"/>
-          </a:bodyPr>
-          <a:lstStyle/>
-          <a:p>
-            <a:r>
-              <a:rPr lang="en-US" altLang="zh-TW" sz="1600" b="1" i="1" dirty="0"/>
-              <a:t>https://www.youtube.com/watch?v=FXa9mMTKOu8&amp;index=28&amp;list=PLC3y8-rFHvwgg3vaYJgHGnModB54rxOk3</a:t>
-            </a:r>
-          </a:p>
-        </p:txBody>
-      </p:sp>
-      <p:sp>
-        <p:nvSpPr>
           <p:cNvPr id="5" name="日期版面配置區 4"/>
           <p:cNvSpPr>
             <a:spLocks noGrp="1"/>
@@ -10655,20 +10779,15 @@
             <p:ph type="dt" sz="half" idx="10"/>
           </p:nvPr>
         </p:nvSpPr>
-        <p:spPr>
-          <a:xfrm>
-            <a:off x="457200" y="6356350"/>
-            <a:ext cx="2133600" cy="404246"/>
-          </a:xfrm>
-        </p:spPr>
+        <p:spPr/>
         <p:txBody>
           <a:bodyPr/>
           <a:lstStyle/>
           <a:p>
-            <a:fld id="{A4F910E6-8D00-4BAF-8C48-9688E0B449D3}" type="datetime1">
+            <a:fld id="{C389EDC9-19E3-47AC-9C57-C6A24DEA81AD}" type="datetime1">
               <a:rPr lang="zh-TW" altLang="en-US" smtClean="0"/>
               <a:pPr/>
-              <a:t>2019/3/11</a:t>
+              <a:t>2020/5/26</a:t>
             </a:fld>
             <a:endParaRPr lang="zh-TW" altLang="en-US"/>
           </a:p>
@@ -10684,12 +10803,7 @@
             <p:ph type="sldNum" sz="quarter" idx="12"/>
           </p:nvPr>
         </p:nvSpPr>
-        <p:spPr>
-          <a:xfrm>
-            <a:off x="6553200" y="6356350"/>
-            <a:ext cx="2133600" cy="404246"/>
-          </a:xfrm>
-        </p:spPr>
+        <p:spPr/>
         <p:txBody>
           <a:bodyPr/>
           <a:lstStyle/>
@@ -10705,227 +10819,40 @@
       </p:sp>
       <p:pic>
         <p:nvPicPr>
-          <p:cNvPr id="8" name="Picture 7">
-            <a:extLst>
-              <a:ext uri="{FF2B5EF4-FFF2-40B4-BE49-F238E27FC236}">
-                <a16:creationId xmlns:a16="http://schemas.microsoft.com/office/drawing/2014/main" id="{5B8864E9-185F-499D-A457-15BA241A54D5}"/>
-              </a:ext>
-            </a:extLst>
-          </p:cNvPr>
+          <p:cNvPr id="2050" name="Picture 2"/>
           <p:cNvPicPr>
-            <a:picLocks noChangeAspect="1"/>
+            <a:picLocks noChangeAspect="1" noChangeArrowheads="1"/>
           </p:cNvPicPr>
           <p:nvPr/>
         </p:nvPicPr>
         <p:blipFill>
-          <a:blip r:embed="rId2"/>
+          <a:blip r:embed="rId2" cstate="print"/>
+          <a:srcRect/>
           <a:stretch>
             <a:fillRect/>
           </a:stretch>
         </p:blipFill>
-        <p:spPr>
-          <a:xfrm>
-            <a:off x="545379" y="2173004"/>
-            <a:ext cx="3681429" cy="1983305"/>
-          </a:xfrm>
-          <a:prstGeom prst="rect">
-            <a:avLst/>
-          </a:prstGeom>
-          <a:ln>
-            <a:solidFill>
-              <a:srgbClr val="C00000"/>
-            </a:solidFill>
-          </a:ln>
-        </p:spPr>
-      </p:pic>
-      <p:pic>
-        <p:nvPicPr>
-          <p:cNvPr id="9" name="Picture 8">
-            <a:extLst>
-              <a:ext uri="{FF2B5EF4-FFF2-40B4-BE49-F238E27FC236}">
-                <a16:creationId xmlns:a16="http://schemas.microsoft.com/office/drawing/2014/main" id="{8A651D32-2129-488E-8114-98BB99B70D2E}"/>
-              </a:ext>
-            </a:extLst>
-          </p:cNvPr>
-          <p:cNvPicPr>
-            <a:picLocks noChangeAspect="1"/>
-          </p:cNvPicPr>
-          <p:nvPr/>
-        </p:nvPicPr>
-        <p:blipFill>
-          <a:blip r:embed="rId3"/>
-          <a:stretch>
-            <a:fillRect/>
-          </a:stretch>
-        </p:blipFill>
-        <p:spPr>
-          <a:xfrm>
-            <a:off x="4572000" y="2204370"/>
-            <a:ext cx="3681429" cy="3636313"/>
-          </a:xfrm>
-          <a:prstGeom prst="rect">
-            <a:avLst/>
-          </a:prstGeom>
-          <a:ln>
-            <a:solidFill>
-              <a:srgbClr val="C00000"/>
-            </a:solidFill>
-          </a:ln>
-        </p:spPr>
-      </p:pic>
-      <p:sp>
-        <p:nvSpPr>
-          <p:cNvPr id="10" name="Rectangle 9">
-            <a:extLst>
-              <a:ext uri="{FF2B5EF4-FFF2-40B4-BE49-F238E27FC236}">
-                <a16:creationId xmlns:a16="http://schemas.microsoft.com/office/drawing/2014/main" id="{1DBEE32B-D088-4D21-AF1E-CDB807E5084B}"/>
-              </a:ext>
-            </a:extLst>
-          </p:cNvPr>
-          <p:cNvSpPr/>
-          <p:nvPr/>
-        </p:nvSpPr>
-        <p:spPr>
-          <a:xfrm>
-            <a:off x="977427" y="2754231"/>
-            <a:ext cx="720080" cy="144016"/>
+        <p:spPr bwMode="auto">
+          <a:xfrm>
+            <a:off x="4283968" y="3717032"/>
+            <a:ext cx="713805" cy="644588"/>
           </a:xfrm>
           <a:prstGeom prst="rect">
             <a:avLst/>
           </a:prstGeom>
           <a:noFill/>
-          <a:ln>
-            <a:solidFill>
-              <a:srgbClr val="C00000"/>
-            </a:solidFill>
+          <a:ln w="9525">
+            <a:noFill/>
+            <a:miter lim="800000"/>
+            <a:headEnd/>
+            <a:tailEnd/>
           </a:ln>
         </p:spPr>
-        <p:style>
-          <a:lnRef idx="2">
-            <a:schemeClr val="accent1">
-              <a:shade val="50000"/>
-            </a:schemeClr>
-          </a:lnRef>
-          <a:fillRef idx="1">
-            <a:schemeClr val="accent1"/>
-          </a:fillRef>
-          <a:effectRef idx="0">
-            <a:schemeClr val="accent1"/>
-          </a:effectRef>
-          <a:fontRef idx="minor">
-            <a:schemeClr val="lt1"/>
-          </a:fontRef>
-        </p:style>
-        <p:txBody>
-          <a:bodyPr rtlCol="0" anchor="ctr"/>
-          <a:lstStyle/>
-          <a:p>
-            <a:pPr algn="ctr"/>
-            <a:endParaRPr lang="en-US"/>
-          </a:p>
-        </p:txBody>
-      </p:sp>
-      <p:sp>
-        <p:nvSpPr>
-          <p:cNvPr id="11" name="Rectangle 10">
-            <a:extLst>
-              <a:ext uri="{FF2B5EF4-FFF2-40B4-BE49-F238E27FC236}">
-                <a16:creationId xmlns:a16="http://schemas.microsoft.com/office/drawing/2014/main" id="{AA45BFBC-F040-4E02-8929-3F47A7B85D1E}"/>
-              </a:ext>
-            </a:extLst>
-          </p:cNvPr>
-          <p:cNvSpPr/>
-          <p:nvPr/>
-        </p:nvSpPr>
-        <p:spPr>
-          <a:xfrm>
-            <a:off x="5369915" y="3148634"/>
-            <a:ext cx="2016224" cy="1105159"/>
-          </a:xfrm>
-          <a:prstGeom prst="rect">
-            <a:avLst/>
-          </a:prstGeom>
-          <a:noFill/>
-          <a:ln>
-            <a:solidFill>
-              <a:srgbClr val="C00000"/>
-            </a:solidFill>
-          </a:ln>
-        </p:spPr>
-        <p:style>
-          <a:lnRef idx="2">
-            <a:schemeClr val="accent1">
-              <a:shade val="50000"/>
-            </a:schemeClr>
-          </a:lnRef>
-          <a:fillRef idx="1">
-            <a:schemeClr val="accent1"/>
-          </a:fillRef>
-          <a:effectRef idx="0">
-            <a:schemeClr val="accent1"/>
-          </a:effectRef>
-          <a:fontRef idx="minor">
-            <a:schemeClr val="lt1"/>
-          </a:fontRef>
-        </p:style>
-        <p:txBody>
-          <a:bodyPr rtlCol="0" anchor="ctr"/>
-          <a:lstStyle/>
-          <a:p>
-            <a:pPr algn="ctr"/>
-            <a:endParaRPr lang="en-US"/>
-          </a:p>
-        </p:txBody>
-      </p:sp>
-      <p:cxnSp>
-        <p:nvCxnSpPr>
-          <p:cNvPr id="13" name="Straight Arrow Connector 12">
-            <a:extLst>
-              <a:ext uri="{FF2B5EF4-FFF2-40B4-BE49-F238E27FC236}">
-                <a16:creationId xmlns:a16="http://schemas.microsoft.com/office/drawing/2014/main" id="{66925EF0-4E40-4FD4-A26E-A1FEAAA0B116}"/>
-              </a:ext>
-            </a:extLst>
-          </p:cNvPr>
-          <p:cNvCxnSpPr>
-            <a:stCxn id="10" idx="3"/>
-            <a:endCxn id="11" idx="1"/>
-          </p:cNvCxnSpPr>
-          <p:nvPr/>
-        </p:nvCxnSpPr>
-        <p:spPr>
-          <a:xfrm>
-            <a:off x="1697507" y="2826239"/>
-            <a:ext cx="3672408" cy="874975"/>
-          </a:xfrm>
-          <a:prstGeom prst="straightConnector1">
-            <a:avLst/>
-          </a:prstGeom>
-          <a:ln>
-            <a:solidFill>
-              <a:srgbClr val="C00000"/>
-            </a:solidFill>
-            <a:tailEnd type="triangle"/>
-          </a:ln>
-        </p:spPr>
-        <p:style>
-          <a:lnRef idx="1">
-            <a:schemeClr val="accent1"/>
-          </a:lnRef>
-          <a:fillRef idx="0">
-            <a:schemeClr val="accent1"/>
-          </a:fillRef>
-          <a:effectRef idx="0">
-            <a:schemeClr val="accent1"/>
-          </a:effectRef>
-          <a:fontRef idx="minor">
-            <a:schemeClr val="tx1"/>
-          </a:fontRef>
-        </p:style>
-      </p:cxnSp>
+      </p:pic>
     </p:spTree>
     <p:extLst>
       <p:ext uri="{BB962C8B-B14F-4D97-AF65-F5344CB8AC3E}">
-        <p14:creationId xmlns:p14="http://schemas.microsoft.com/office/powerpoint/2010/main" val="1097226761"/>
+        <p14:creationId xmlns:p14="http://schemas.microsoft.com/office/powerpoint/2010/main" val="2978574777"/>
       </p:ext>
     </p:extLst>
   </p:cSld>

--- a/28_Refs.pptx
+++ b/28_Refs.pptx
@@ -5,31 +5,30 @@
     <p:sldMasterId id="2147483648" r:id="rId1"/>
   </p:sldMasterIdLst>
   <p:notesMasterIdLst>
-    <p:notesMasterId r:id="rId24"/>
+    <p:notesMasterId r:id="rId23"/>
   </p:notesMasterIdLst>
   <p:sldIdLst>
     <p:sldId id="256" r:id="rId2"/>
     <p:sldId id="263" r:id="rId3"/>
-    <p:sldId id="281" r:id="rId4"/>
-    <p:sldId id="264" r:id="rId5"/>
-    <p:sldId id="266" r:id="rId6"/>
-    <p:sldId id="280" r:id="rId7"/>
-    <p:sldId id="282" r:id="rId8"/>
-    <p:sldId id="268" r:id="rId9"/>
-    <p:sldId id="284" r:id="rId10"/>
-    <p:sldId id="283" r:id="rId11"/>
-    <p:sldId id="285" r:id="rId12"/>
-    <p:sldId id="286" r:id="rId13"/>
-    <p:sldId id="287" r:id="rId14"/>
-    <p:sldId id="289" r:id="rId15"/>
-    <p:sldId id="288" r:id="rId16"/>
-    <p:sldId id="290" r:id="rId17"/>
-    <p:sldId id="291" r:id="rId18"/>
-    <p:sldId id="293" r:id="rId19"/>
-    <p:sldId id="276" r:id="rId20"/>
-    <p:sldId id="278" r:id="rId21"/>
-    <p:sldId id="279" r:id="rId22"/>
-    <p:sldId id="259" r:id="rId23"/>
+    <p:sldId id="264" r:id="rId4"/>
+    <p:sldId id="281" r:id="rId5"/>
+    <p:sldId id="295" r:id="rId6"/>
+    <p:sldId id="296" r:id="rId7"/>
+    <p:sldId id="297" r:id="rId8"/>
+    <p:sldId id="298" r:id="rId9"/>
+    <p:sldId id="294" r:id="rId10"/>
+    <p:sldId id="306" r:id="rId11"/>
+    <p:sldId id="299" r:id="rId12"/>
+    <p:sldId id="307" r:id="rId13"/>
+    <p:sldId id="300" r:id="rId14"/>
+    <p:sldId id="308" r:id="rId15"/>
+    <p:sldId id="301" r:id="rId16"/>
+    <p:sldId id="309" r:id="rId17"/>
+    <p:sldId id="302" r:id="rId18"/>
+    <p:sldId id="303" r:id="rId19"/>
+    <p:sldId id="304" r:id="rId20"/>
+    <p:sldId id="305" r:id="rId21"/>
+    <p:sldId id="259" r:id="rId22"/>
   </p:sldIdLst>
   <p:sldSz cx="9144000" cy="6858000" type="screen4x3"/>
   <p:notesSz cx="6858000" cy="9144000"/>
@@ -230,7 +229,7 @@
             <a:fld id="{6837EDA8-41C8-4B24-A206-13C08A65A6D7}" type="datetimeFigureOut">
               <a:rPr lang="zh-TW" altLang="en-US" smtClean="0"/>
               <a:pPr/>
-              <a:t>2020/5/26</a:t>
+              <a:t>2020/6/29</a:t>
             </a:fld>
             <a:endParaRPr lang="zh-TW" altLang="en-US"/>
           </a:p>
@@ -683,7 +682,7 @@
             <a:fld id="{8B85509C-BD4F-47BF-9B1E-FC2E949B3621}" type="datetime1">
               <a:rPr lang="zh-TW" altLang="en-US" smtClean="0"/>
               <a:pPr/>
-              <a:t>2020/5/26</a:t>
+              <a:t>2020/6/29</a:t>
             </a:fld>
             <a:endParaRPr lang="zh-TW" altLang="en-US"/>
           </a:p>
@@ -856,7 +855,7 @@
             <a:fld id="{42251B24-F787-4C15-8A0F-7AEC20C70069}" type="datetime1">
               <a:rPr lang="zh-TW" altLang="en-US" smtClean="0"/>
               <a:pPr/>
-              <a:t>2020/5/26</a:t>
+              <a:t>2020/6/29</a:t>
             </a:fld>
             <a:endParaRPr lang="zh-TW" altLang="en-US"/>
           </a:p>
@@ -1031,7 +1030,7 @@
             <a:fld id="{9CA0D33C-CE2B-45F1-B8D4-FFD1F131F331}" type="datetime1">
               <a:rPr lang="zh-TW" altLang="en-US" smtClean="0"/>
               <a:pPr/>
-              <a:t>2020/5/26</a:t>
+              <a:t>2020/6/29</a:t>
             </a:fld>
             <a:endParaRPr lang="zh-TW" altLang="en-US"/>
           </a:p>
@@ -1196,7 +1195,7 @@
             <a:fld id="{50B99440-D9EF-40CC-9B52-F6428D9B2C76}" type="datetime1">
               <a:rPr lang="zh-TW" altLang="en-US" smtClean="0"/>
               <a:pPr/>
-              <a:t>2020/5/26</a:t>
+              <a:t>2020/6/29</a:t>
             </a:fld>
             <a:endParaRPr lang="zh-TW" altLang="en-US"/>
           </a:p>
@@ -1438,7 +1437,7 @@
             <a:fld id="{0871BF52-5C6C-4959-8E27-CECB68D39FE4}" type="datetime1">
               <a:rPr lang="zh-TW" altLang="en-US" smtClean="0"/>
               <a:pPr/>
-              <a:t>2020/5/26</a:t>
+              <a:t>2020/6/29</a:t>
             </a:fld>
             <a:endParaRPr lang="zh-TW" altLang="en-US"/>
           </a:p>
@@ -1720,7 +1719,7 @@
             <a:fld id="{DF863F05-2DD9-4EB1-A827-12FD992DE9DC}" type="datetime1">
               <a:rPr lang="zh-TW" altLang="en-US" smtClean="0"/>
               <a:pPr/>
-              <a:t>2020/5/26</a:t>
+              <a:t>2020/6/29</a:t>
             </a:fld>
             <a:endParaRPr lang="zh-TW" altLang="en-US"/>
           </a:p>
@@ -2136,7 +2135,7 @@
             <a:fld id="{6339AF51-4491-4873-A096-75DB6CE47516}" type="datetime1">
               <a:rPr lang="zh-TW" altLang="en-US" smtClean="0"/>
               <a:pPr/>
-              <a:t>2020/5/26</a:t>
+              <a:t>2020/6/29</a:t>
             </a:fld>
             <a:endParaRPr lang="zh-TW" altLang="en-US"/>
           </a:p>
@@ -2250,7 +2249,7 @@
             <a:fld id="{EE4AD9C8-8B9E-40FF-ABE2-858AC2057BBB}" type="datetime1">
               <a:rPr lang="zh-TW" altLang="en-US" smtClean="0"/>
               <a:pPr/>
-              <a:t>2020/5/26</a:t>
+              <a:t>2020/6/29</a:t>
             </a:fld>
             <a:endParaRPr lang="zh-TW" altLang="en-US"/>
           </a:p>
@@ -2342,7 +2341,7 @@
             <a:fld id="{B4784999-BBBE-4BE4-A8D0-877E7D1D66CC}" type="datetime1">
               <a:rPr lang="zh-TW" altLang="en-US" smtClean="0"/>
               <a:pPr/>
-              <a:t>2020/5/26</a:t>
+              <a:t>2020/6/29</a:t>
             </a:fld>
             <a:endParaRPr lang="zh-TW" altLang="en-US"/>
           </a:p>
@@ -2614,7 +2613,7 @@
             <a:fld id="{E88D17E6-02BD-4944-B9FE-7BFCCBF83D48}" type="datetime1">
               <a:rPr lang="zh-TW" altLang="en-US" smtClean="0"/>
               <a:pPr/>
-              <a:t>2020/5/26</a:t>
+              <a:t>2020/6/29</a:t>
             </a:fld>
             <a:endParaRPr lang="zh-TW" altLang="en-US"/>
           </a:p>
@@ -2863,7 +2862,7 @@
             <a:fld id="{3C13E23D-1FEF-4D78-A3A3-3D6F2BB31954}" type="datetime1">
               <a:rPr lang="zh-TW" altLang="en-US" smtClean="0"/>
               <a:pPr/>
-              <a:t>2020/5/26</a:t>
+              <a:t>2020/6/29</a:t>
             </a:fld>
             <a:endParaRPr lang="zh-TW" altLang="en-US"/>
           </a:p>
@@ -3071,7 +3070,7 @@
             <a:fld id="{06197F35-AD6F-4594-8B50-334492D2E7E8}" type="datetime1">
               <a:rPr lang="zh-TW" altLang="en-US" smtClean="0"/>
               <a:pPr/>
-              <a:t>2020/5/26</a:t>
+              <a:t>2020/6/29</a:t>
             </a:fld>
             <a:endParaRPr lang="zh-TW" altLang="en-US"/>
           </a:p>
@@ -3532,7 +3531,7 @@
             <a:fld id="{C389EDC9-19E3-47AC-9C57-C6A24DEA81AD}" type="datetime1">
               <a:rPr lang="zh-TW" altLang="en-US" smtClean="0"/>
               <a:pPr/>
-              <a:t>2020/5/26</a:t>
+              <a:t>2020/6/29</a:t>
             </a:fld>
             <a:endParaRPr lang="zh-TW" altLang="en-US"/>
           </a:p>
@@ -3631,6 +3630,165 @@
         </p:nvSpPr>
         <p:spPr>
           <a:xfrm>
+            <a:off x="0" y="2130425"/>
+            <a:ext cx="9144000" cy="1470025"/>
+          </a:xfrm>
+          <a:solidFill>
+            <a:srgbClr val="00B0F0"/>
+          </a:solidFill>
+        </p:spPr>
+        <p:txBody>
+          <a:bodyPr>
+            <a:normAutofit/>
+          </a:bodyPr>
+          <a:lstStyle/>
+          <a:p>
+            <a:r>
+              <a:rPr lang="en-US" altLang="zh-TW" sz="4800" b="1" dirty="0">
+                <a:solidFill>
+                  <a:srgbClr val="FFFF00"/>
+                </a:solidFill>
+              </a:rPr>
+              <a:t>28.3 Import </a:t>
+            </a:r>
+            <a:r>
+              <a:rPr lang="en-US" altLang="zh-TW" sz="4800" b="1" dirty="0" err="1">
+                <a:solidFill>
+                  <a:srgbClr val="FFFF00"/>
+                </a:solidFill>
+              </a:rPr>
+              <a:t>useRef</a:t>
+            </a:r>
+            <a:endParaRPr lang="zh-TW" altLang="en-US" sz="4800" b="1" dirty="0">
+              <a:solidFill>
+                <a:srgbClr val="FFFF00"/>
+              </a:solidFill>
+            </a:endParaRPr>
+          </a:p>
+        </p:txBody>
+      </p:sp>
+      <p:sp>
+        <p:nvSpPr>
+          <p:cNvPr id="5" name="日期版面配置區 4"/>
+          <p:cNvSpPr>
+            <a:spLocks noGrp="1"/>
+          </p:cNvSpPr>
+          <p:nvPr>
+            <p:ph type="dt" sz="half" idx="10"/>
+          </p:nvPr>
+        </p:nvSpPr>
+        <p:spPr/>
+        <p:txBody>
+          <a:bodyPr/>
+          <a:lstStyle/>
+          <a:p>
+            <a:fld id="{C389EDC9-19E3-47AC-9C57-C6A24DEA81AD}" type="datetime1">
+              <a:rPr lang="zh-TW" altLang="en-US" smtClean="0"/>
+              <a:pPr/>
+              <a:t>2020/6/29</a:t>
+            </a:fld>
+            <a:endParaRPr lang="zh-TW" altLang="en-US"/>
+          </a:p>
+        </p:txBody>
+      </p:sp>
+      <p:sp>
+        <p:nvSpPr>
+          <p:cNvPr id="6" name="投影片編號版面配置區 5"/>
+          <p:cNvSpPr>
+            <a:spLocks noGrp="1"/>
+          </p:cNvSpPr>
+          <p:nvPr>
+            <p:ph type="sldNum" sz="quarter" idx="12"/>
+          </p:nvPr>
+        </p:nvSpPr>
+        <p:spPr/>
+        <p:txBody>
+          <a:bodyPr/>
+          <a:lstStyle/>
+          <a:p>
+            <a:fld id="{E4D7E63D-91F2-4366-A2C4-1B00C9E2590E}" type="slidenum">
+              <a:rPr lang="zh-TW" altLang="en-US" smtClean="0"/>
+              <a:pPr/>
+              <a:t>10</a:t>
+            </a:fld>
+            <a:endParaRPr lang="zh-TW" altLang="en-US"/>
+          </a:p>
+        </p:txBody>
+      </p:sp>
+      <p:pic>
+        <p:nvPicPr>
+          <p:cNvPr id="2050" name="Picture 2"/>
+          <p:cNvPicPr>
+            <a:picLocks noChangeAspect="1" noChangeArrowheads="1"/>
+          </p:cNvPicPr>
+          <p:nvPr/>
+        </p:nvPicPr>
+        <p:blipFill>
+          <a:blip r:embed="rId2" cstate="print"/>
+          <a:srcRect/>
+          <a:stretch>
+            <a:fillRect/>
+          </a:stretch>
+        </p:blipFill>
+        <p:spPr bwMode="auto">
+          <a:xfrm>
+            <a:off x="4283968" y="3717032"/>
+            <a:ext cx="713805" cy="644588"/>
+          </a:xfrm>
+          <a:prstGeom prst="rect">
+            <a:avLst/>
+          </a:prstGeom>
+          <a:noFill/>
+          <a:ln w="9525">
+            <a:noFill/>
+            <a:miter lim="800000"/>
+            <a:headEnd/>
+            <a:tailEnd/>
+          </a:ln>
+        </p:spPr>
+      </p:pic>
+    </p:spTree>
+    <p:extLst>
+      <p:ext uri="{BB962C8B-B14F-4D97-AF65-F5344CB8AC3E}">
+        <p14:creationId xmlns:p14="http://schemas.microsoft.com/office/powerpoint/2010/main" val="73978207"/>
+      </p:ext>
+    </p:extLst>
+  </p:cSld>
+  <p:clrMapOvr>
+    <a:masterClrMapping/>
+  </p:clrMapOvr>
+</p:sld>
+</file>
+
+<file path=ppt/slides/slide11.xml><?xml version="1.0" encoding="utf-8"?>
+<p:sld xmlns:a="http://schemas.openxmlformats.org/drawingml/2006/main" xmlns:r="http://schemas.openxmlformats.org/officeDocument/2006/relationships" xmlns:p="http://schemas.openxmlformats.org/presentationml/2006/main">
+  <p:cSld>
+    <p:spTree>
+      <p:nvGrpSpPr>
+        <p:cNvPr id="1" name=""/>
+        <p:cNvGrpSpPr/>
+        <p:nvPr/>
+      </p:nvGrpSpPr>
+      <p:grpSpPr>
+        <a:xfrm>
+          <a:off x="0" y="0"/>
+          <a:ext cx="0" cy="0"/>
+          <a:chOff x="0" y="0"/>
+          <a:chExt cx="0" cy="0"/>
+        </a:xfrm>
+      </p:grpSpPr>
+      <p:sp>
+        <p:nvSpPr>
+          <p:cNvPr id="2" name="標題 1"/>
+          <p:cNvSpPr>
+            <a:spLocks noGrp="1"/>
+          </p:cNvSpPr>
+          <p:nvPr>
+            <p:ph type="ctrTitle"/>
+          </p:nvPr>
+        </p:nvSpPr>
+        <p:spPr>
+          <a:xfrm>
             <a:off x="0" y="1"/>
             <a:ext cx="9144000" cy="764704"/>
           </a:xfrm>
@@ -3669,12 +3827,20 @@
           <a:p>
             <a:pPr algn="l"/>
             <a:r>
-              <a:rPr lang="en-US" altLang="zh-TW" b="1" dirty="0">
+              <a:rPr lang="en-US" altLang="zh-TW" sz="4400" b="1" dirty="0">
                 <a:solidFill>
                   <a:srgbClr val="FFFF00"/>
                 </a:solidFill>
               </a:rPr>
-              <a:t>28.3 First Step</a:t>
+              <a:t>28.3 Import </a:t>
+            </a:r>
+            <a:r>
+              <a:rPr lang="en-US" altLang="zh-TW" sz="4400" b="1" dirty="0" err="1">
+                <a:solidFill>
+                  <a:srgbClr val="FFFF00"/>
+                </a:solidFill>
+              </a:rPr>
+              <a:t>useRef</a:t>
             </a:r>
             <a:endParaRPr lang="zh-TW" altLang="en-US" b="1" dirty="0">
               <a:solidFill>
@@ -3697,7 +3863,7 @@
         <p:spPr>
           <a:xfrm>
             <a:off x="467544" y="1340768"/>
-            <a:ext cx="3379542" cy="5015582"/>
+            <a:ext cx="8352928" cy="1080120"/>
           </a:xfrm>
           <a:ln>
             <a:solidFill>
@@ -3720,17 +3886,17 @@
               <a:buChar char="u"/>
             </a:pPr>
             <a:r>
-              <a:rPr lang="en-US" altLang="zh-TW" sz="1600" b="1" dirty="0">
-                <a:solidFill>
-                  <a:srgbClr val="C00000"/>
-                </a:solidFill>
-                <a:latin typeface="+mj-lt"/>
-              </a:rPr>
-              <a:t>First step: Create Input Ref</a:t>
-            </a:r>
-          </a:p>
-          <a:p>
-            <a:pPr marL="800100" lvl="1" indent="-342900" algn="l">
+              <a:rPr lang="en-US" altLang="zh-TW" sz="1800" dirty="0">
+                <a:solidFill>
+                  <a:schemeClr val="tx1"/>
+                </a:solidFill>
+                <a:latin typeface="+mj-lt"/>
+              </a:rPr>
+              <a:t>The way to do that is to use the ref hook. </a:t>
+            </a:r>
+          </a:p>
+          <a:p>
+            <a:pPr marL="342900" indent="-342900" algn="l">
               <a:buClr>
                 <a:srgbClr val="0070C0"/>
               </a:buClr>
@@ -3745,29 +3911,11 @@
                 </a:solidFill>
                 <a:latin typeface="+mj-lt"/>
               </a:rPr>
-              <a:t>Create a refs using </a:t>
-            </a:r>
-            <a:r>
-              <a:rPr lang="en-US" altLang="zh-TW" sz="1800" dirty="0" err="1">
-                <a:solidFill>
-                  <a:schemeClr val="tx1"/>
-                </a:solidFill>
-                <a:latin typeface="+mj-lt"/>
-              </a:rPr>
-              <a:t>React.createRef</a:t>
-            </a:r>
-            <a:r>
-              <a:rPr lang="en-US" altLang="zh-TW" sz="1800" dirty="0">
-                <a:solidFill>
-                  <a:schemeClr val="tx1"/>
-                </a:solidFill>
-                <a:latin typeface="+mj-lt"/>
-              </a:rPr>
-              <a:t>() method.</a:t>
-            </a:r>
-          </a:p>
-          <a:p>
-            <a:pPr marL="800100" lvl="1" indent="-342900" algn="l">
+              <a:t>Now, there are three simple steps.</a:t>
+            </a:r>
+          </a:p>
+          <a:p>
+            <a:pPr marL="342900" indent="-342900" algn="l">
               <a:buClr>
                 <a:srgbClr val="0070C0"/>
               </a:buClr>
@@ -3782,7 +3930,7 @@
                 </a:solidFill>
                 <a:latin typeface="+mj-lt"/>
               </a:rPr>
-              <a:t>In Refs.Demo.js, type ‘</a:t>
+              <a:t>First step is to import </a:t>
             </a:r>
             <a:r>
               <a:rPr lang="en-US" altLang="zh-TW" sz="1800" dirty="0" err="1">
@@ -3791,7 +3939,7 @@
                 </a:solidFill>
                 <a:latin typeface="+mj-lt"/>
               </a:rPr>
-              <a:t>rcons</a:t>
+              <a:t>useRef</a:t>
             </a:r>
             <a:r>
               <a:rPr lang="en-US" altLang="zh-TW" sz="1800" dirty="0">
@@ -3800,101 +3948,13 @@
                 </a:solidFill>
                 <a:latin typeface="+mj-lt"/>
               </a:rPr>
-              <a:t>’ (React Constructor).</a:t>
-            </a:r>
-          </a:p>
-          <a:p>
-            <a:pPr marL="800100" lvl="1" indent="-342900" algn="l">
-              <a:buClr>
-                <a:srgbClr val="0070C0"/>
-              </a:buClr>
-              <a:buSzPct val="80000"/>
-              <a:buFont typeface="Wingdings" pitchFamily="2" charset="2"/>
-              <a:buChar char="u"/>
-            </a:pPr>
-            <a:r>
-              <a:rPr lang="en-US" altLang="zh-TW" sz="1800" dirty="0">
-                <a:solidFill>
-                  <a:schemeClr val="tx1"/>
-                </a:solidFill>
-                <a:latin typeface="+mj-lt"/>
-              </a:rPr>
-              <a:t>Within the constructor, we create the new property, </a:t>
-            </a:r>
-          </a:p>
-          <a:p>
-            <a:pPr marL="800100" lvl="1" indent="-342900" algn="l">
-              <a:buClr>
-                <a:srgbClr val="0070C0"/>
-              </a:buClr>
-              <a:buSzPct val="80000"/>
-              <a:buFont typeface="Wingdings" pitchFamily="2" charset="2"/>
-              <a:buChar char="u"/>
-            </a:pPr>
-            <a:r>
-              <a:rPr lang="en-US" altLang="zh-TW" sz="1800" dirty="0">
-                <a:solidFill>
-                  <a:schemeClr val="tx1"/>
-                </a:solidFill>
-                <a:latin typeface="+mj-lt"/>
-              </a:rPr>
-              <a:t>&gt; </a:t>
-            </a:r>
-            <a:r>
-              <a:rPr lang="en-US" altLang="zh-TW" sz="1800" dirty="0" err="1">
-                <a:solidFill>
-                  <a:schemeClr val="tx1"/>
-                </a:solidFill>
-                <a:latin typeface="+mj-lt"/>
-              </a:rPr>
-              <a:t>this.inputRef</a:t>
-            </a:r>
-            <a:r>
-              <a:rPr lang="en-US" altLang="zh-TW" sz="1800" dirty="0">
-                <a:solidFill>
-                  <a:schemeClr val="tx1"/>
-                </a:solidFill>
-                <a:latin typeface="+mj-lt"/>
-              </a:rPr>
-              <a:t> = </a:t>
-            </a:r>
-            <a:r>
-              <a:rPr lang="en-US" altLang="zh-TW" sz="1800" dirty="0" err="1">
-                <a:solidFill>
-                  <a:schemeClr val="tx1"/>
-                </a:solidFill>
-                <a:latin typeface="+mj-lt"/>
-              </a:rPr>
-              <a:t>React,createRef</a:t>
-            </a:r>
-            <a:r>
-              <a:rPr lang="en-US" altLang="zh-TW" sz="1800" dirty="0">
-                <a:solidFill>
-                  <a:schemeClr val="tx1"/>
-                </a:solidFill>
-                <a:latin typeface="+mj-lt"/>
-              </a:rPr>
-              <a:t>();</a:t>
-            </a:r>
-          </a:p>
-          <a:p>
-            <a:pPr marL="800100" lvl="1" indent="-342900" algn="l">
-              <a:buClr>
-                <a:srgbClr val="0070C0"/>
-              </a:buClr>
-              <a:buSzPct val="80000"/>
-              <a:buFont typeface="Wingdings" pitchFamily="2" charset="2"/>
-              <a:buChar char="u"/>
-            </a:pPr>
-            <a:r>
-              <a:rPr lang="en-US" altLang="zh-TW" sz="1800" dirty="0">
-                <a:solidFill>
-                  <a:schemeClr val="tx1"/>
-                </a:solidFill>
-                <a:latin typeface="+mj-lt"/>
-              </a:rPr>
-              <a:t>It is common to create reference in the constructor so that they cane be reference throughout the component.</a:t>
-            </a:r>
+              <a:t>.</a:t>
+            </a:r>
+            <a:endParaRPr lang="en-US" altLang="zh-TW" sz="1800" dirty="0">
+              <a:solidFill>
+                <a:schemeClr val="tx1"/>
+              </a:solidFill>
+            </a:endParaRPr>
           </a:p>
         </p:txBody>
       </p:sp>
@@ -3949,7 +4009,7 @@
           <a:p>
             <a:r>
               <a:rPr lang="en-US" altLang="zh-TW" sz="1600" b="1" i="1" dirty="0"/>
-              <a:t>https://www.youtube.com/watch?v=FXa9mMTKOu8&amp;list=PLC3y8-rFHvwgg3vaYJgHGnModB54rxOk3&amp;index=28</a:t>
+              <a:t>https://www.youtube.com/watch?v=yCS2m01bQ6w&amp;list=PLC3y8-rFHvwgg3vaYJgHGnModB54rxOk3&amp;index=71</a:t>
             </a:r>
           </a:p>
         </p:txBody>
@@ -3977,7 +4037,7 @@
             <a:fld id="{A4F910E6-8D00-4BAF-8C48-9688E0B449D3}" type="datetime1">
               <a:rPr lang="zh-TW" altLang="en-US" smtClean="0"/>
               <a:pPr/>
-              <a:t>2020/5/26</a:t>
+              <a:t>2020/6/29</a:t>
             </a:fld>
             <a:endParaRPr lang="zh-TW" altLang="en-US"/>
           </a:p>
@@ -4006,7 +4066,7 @@
             <a:fld id="{E4D7E63D-91F2-4366-A2C4-1B00C9E2590E}" type="slidenum">
               <a:rPr lang="zh-TW" altLang="en-US" smtClean="0"/>
               <a:pPr/>
-              <a:t>10</a:t>
+              <a:t>11</a:t>
             </a:fld>
             <a:endParaRPr lang="zh-TW" altLang="en-US"/>
           </a:p>
@@ -4014,10 +4074,10 @@
       </p:sp>
       <p:pic>
         <p:nvPicPr>
-          <p:cNvPr id="7" name="Picture 6">
+          <p:cNvPr id="8" name="Picture 7">
             <a:extLst>
               <a:ext uri="{FF2B5EF4-FFF2-40B4-BE49-F238E27FC236}">
-                <a16:creationId xmlns:a16="http://schemas.microsoft.com/office/drawing/2014/main" id="{3AED2DCC-A03F-4626-9606-6E6F7A4023D0}"/>
+                <a16:creationId xmlns:a16="http://schemas.microsoft.com/office/drawing/2014/main" id="{98994C12-921D-4800-B782-CE5820F23A80}"/>
               </a:ext>
             </a:extLst>
           </p:cNvPr>
@@ -4034,8 +4094,8 @@
         </p:blipFill>
         <p:spPr>
           <a:xfrm>
-            <a:off x="3923928" y="1318781"/>
-            <a:ext cx="4974806" cy="4882108"/>
+            <a:off x="1979712" y="2484452"/>
+            <a:ext cx="4267200" cy="3333750"/>
           </a:xfrm>
           <a:prstGeom prst="rect">
             <a:avLst/>
@@ -4047,213 +4107,10 @@
           </a:ln>
         </p:spPr>
       </p:pic>
-      <p:sp>
-        <p:nvSpPr>
-          <p:cNvPr id="8" name="Rectangle 7">
-            <a:extLst>
-              <a:ext uri="{FF2B5EF4-FFF2-40B4-BE49-F238E27FC236}">
-                <a16:creationId xmlns:a16="http://schemas.microsoft.com/office/drawing/2014/main" id="{1DA56649-33B2-49FD-B694-8AC2D349A854}"/>
-              </a:ext>
-            </a:extLst>
-          </p:cNvPr>
-          <p:cNvSpPr/>
-          <p:nvPr/>
-        </p:nvSpPr>
-        <p:spPr>
-          <a:xfrm>
-            <a:off x="4572000" y="2204864"/>
-            <a:ext cx="2808312" cy="792088"/>
-          </a:xfrm>
-          <a:prstGeom prst="rect">
-            <a:avLst/>
-          </a:prstGeom>
-          <a:noFill/>
-          <a:ln>
-            <a:solidFill>
-              <a:srgbClr val="C00000"/>
-            </a:solidFill>
-          </a:ln>
-        </p:spPr>
-        <p:style>
-          <a:lnRef idx="2">
-            <a:schemeClr val="accent1">
-              <a:shade val="50000"/>
-            </a:schemeClr>
-          </a:lnRef>
-          <a:fillRef idx="1">
-            <a:schemeClr val="accent1"/>
-          </a:fillRef>
-          <a:effectRef idx="0">
-            <a:schemeClr val="accent1"/>
-          </a:effectRef>
-          <a:fontRef idx="minor">
-            <a:schemeClr val="lt1"/>
-          </a:fontRef>
-        </p:style>
-        <p:txBody>
-          <a:bodyPr rtlCol="0" anchor="ctr"/>
-          <a:lstStyle/>
-          <a:p>
-            <a:pPr algn="ctr"/>
-            <a:endParaRPr lang="en-US"/>
-          </a:p>
-        </p:txBody>
-      </p:sp>
     </p:spTree>
     <p:extLst>
       <p:ext uri="{BB962C8B-B14F-4D97-AF65-F5344CB8AC3E}">
-        <p14:creationId xmlns:p14="http://schemas.microsoft.com/office/powerpoint/2010/main" val="2090595349"/>
-      </p:ext>
-    </p:extLst>
-  </p:cSld>
-  <p:clrMapOvr>
-    <a:masterClrMapping/>
-  </p:clrMapOvr>
-</p:sld>
-</file>
-
-<file path=ppt/slides/slide11.xml><?xml version="1.0" encoding="utf-8"?>
-<p:sld xmlns:a="http://schemas.openxmlformats.org/drawingml/2006/main" xmlns:r="http://schemas.openxmlformats.org/officeDocument/2006/relationships" xmlns:p="http://schemas.openxmlformats.org/presentationml/2006/main">
-  <p:cSld>
-    <p:spTree>
-      <p:nvGrpSpPr>
-        <p:cNvPr id="1" name=""/>
-        <p:cNvGrpSpPr/>
-        <p:nvPr/>
-      </p:nvGrpSpPr>
-      <p:grpSpPr>
-        <a:xfrm>
-          <a:off x="0" y="0"/>
-          <a:ext cx="0" cy="0"/>
-          <a:chOff x="0" y="0"/>
-          <a:chExt cx="0" cy="0"/>
-        </a:xfrm>
-      </p:grpSpPr>
-      <p:sp>
-        <p:nvSpPr>
-          <p:cNvPr id="2" name="標題 1"/>
-          <p:cNvSpPr>
-            <a:spLocks noGrp="1"/>
-          </p:cNvSpPr>
-          <p:nvPr>
-            <p:ph type="ctrTitle"/>
-          </p:nvPr>
-        </p:nvSpPr>
-        <p:spPr>
-          <a:xfrm>
-            <a:off x="0" y="2130425"/>
-            <a:ext cx="9144000" cy="1470025"/>
-          </a:xfrm>
-          <a:solidFill>
-            <a:srgbClr val="00B0F0"/>
-          </a:solidFill>
-        </p:spPr>
-        <p:txBody>
-          <a:bodyPr>
-            <a:normAutofit/>
-          </a:bodyPr>
-          <a:lstStyle/>
-          <a:p>
-            <a:r>
-              <a:rPr lang="en-US" altLang="zh-TW" sz="4800" b="1" dirty="0">
-                <a:solidFill>
-                  <a:srgbClr val="FFFF00"/>
-                </a:solidFill>
-              </a:rPr>
-              <a:t>28.4 Second Step</a:t>
-            </a:r>
-            <a:endParaRPr lang="zh-TW" altLang="en-US" sz="4800" b="1" dirty="0">
-              <a:solidFill>
-                <a:srgbClr val="FFFF00"/>
-              </a:solidFill>
-            </a:endParaRPr>
-          </a:p>
-        </p:txBody>
-      </p:sp>
-      <p:sp>
-        <p:nvSpPr>
-          <p:cNvPr id="5" name="日期版面配置區 4"/>
-          <p:cNvSpPr>
-            <a:spLocks noGrp="1"/>
-          </p:cNvSpPr>
-          <p:nvPr>
-            <p:ph type="dt" sz="half" idx="10"/>
-          </p:nvPr>
-        </p:nvSpPr>
-        <p:spPr/>
-        <p:txBody>
-          <a:bodyPr/>
-          <a:lstStyle/>
-          <a:p>
-            <a:fld id="{C389EDC9-19E3-47AC-9C57-C6A24DEA81AD}" type="datetime1">
-              <a:rPr lang="zh-TW" altLang="en-US" smtClean="0"/>
-              <a:pPr/>
-              <a:t>2020/5/26</a:t>
-            </a:fld>
-            <a:endParaRPr lang="zh-TW" altLang="en-US"/>
-          </a:p>
-        </p:txBody>
-      </p:sp>
-      <p:sp>
-        <p:nvSpPr>
-          <p:cNvPr id="6" name="投影片編號版面配置區 5"/>
-          <p:cNvSpPr>
-            <a:spLocks noGrp="1"/>
-          </p:cNvSpPr>
-          <p:nvPr>
-            <p:ph type="sldNum" sz="quarter" idx="12"/>
-          </p:nvPr>
-        </p:nvSpPr>
-        <p:spPr/>
-        <p:txBody>
-          <a:bodyPr/>
-          <a:lstStyle/>
-          <a:p>
-            <a:fld id="{E4D7E63D-91F2-4366-A2C4-1B00C9E2590E}" type="slidenum">
-              <a:rPr lang="zh-TW" altLang="en-US" smtClean="0"/>
-              <a:pPr/>
-              <a:t>11</a:t>
-            </a:fld>
-            <a:endParaRPr lang="zh-TW" altLang="en-US"/>
-          </a:p>
-        </p:txBody>
-      </p:sp>
-      <p:pic>
-        <p:nvPicPr>
-          <p:cNvPr id="2050" name="Picture 2"/>
-          <p:cNvPicPr>
-            <a:picLocks noChangeAspect="1" noChangeArrowheads="1"/>
-          </p:cNvPicPr>
-          <p:nvPr/>
-        </p:nvPicPr>
-        <p:blipFill>
-          <a:blip r:embed="rId2" cstate="print"/>
-          <a:srcRect/>
-          <a:stretch>
-            <a:fillRect/>
-          </a:stretch>
-        </p:blipFill>
-        <p:spPr bwMode="auto">
-          <a:xfrm>
-            <a:off x="4283968" y="3717032"/>
-            <a:ext cx="713805" cy="644588"/>
-          </a:xfrm>
-          <a:prstGeom prst="rect">
-            <a:avLst/>
-          </a:prstGeom>
-          <a:noFill/>
-          <a:ln w="9525">
-            <a:noFill/>
-            <a:miter lim="800000"/>
-            <a:headEnd/>
-            <a:tailEnd/>
-          </a:ln>
-        </p:spPr>
-      </p:pic>
-    </p:spTree>
-    <p:extLst>
-      <p:ext uri="{BB962C8B-B14F-4D97-AF65-F5344CB8AC3E}">
-        <p14:creationId xmlns:p14="http://schemas.microsoft.com/office/powerpoint/2010/main" val="2677846340"/>
+        <p14:creationId xmlns:p14="http://schemas.microsoft.com/office/powerpoint/2010/main" val="4287147919"/>
       </p:ext>
     </p:extLst>
   </p:cSld>
@@ -4292,6 +4149,157 @@
         </p:nvSpPr>
         <p:spPr>
           <a:xfrm>
+            <a:off x="0" y="2130425"/>
+            <a:ext cx="9144000" cy="1470025"/>
+          </a:xfrm>
+          <a:solidFill>
+            <a:srgbClr val="00B0F0"/>
+          </a:solidFill>
+        </p:spPr>
+        <p:txBody>
+          <a:bodyPr>
+            <a:normAutofit/>
+          </a:bodyPr>
+          <a:lstStyle/>
+          <a:p>
+            <a:r>
+              <a:rPr lang="en-US" altLang="zh-TW" sz="4800" b="1" dirty="0">
+                <a:solidFill>
+                  <a:srgbClr val="FFFF00"/>
+                </a:solidFill>
+              </a:rPr>
+              <a:t>28.3 Create Ref Variable</a:t>
+            </a:r>
+            <a:endParaRPr lang="zh-TW" altLang="en-US" sz="4800" b="1" dirty="0">
+              <a:solidFill>
+                <a:srgbClr val="FFFF00"/>
+              </a:solidFill>
+            </a:endParaRPr>
+          </a:p>
+        </p:txBody>
+      </p:sp>
+      <p:sp>
+        <p:nvSpPr>
+          <p:cNvPr id="5" name="日期版面配置區 4"/>
+          <p:cNvSpPr>
+            <a:spLocks noGrp="1"/>
+          </p:cNvSpPr>
+          <p:nvPr>
+            <p:ph type="dt" sz="half" idx="10"/>
+          </p:nvPr>
+        </p:nvSpPr>
+        <p:spPr/>
+        <p:txBody>
+          <a:bodyPr/>
+          <a:lstStyle/>
+          <a:p>
+            <a:fld id="{C389EDC9-19E3-47AC-9C57-C6A24DEA81AD}" type="datetime1">
+              <a:rPr lang="zh-TW" altLang="en-US" smtClean="0"/>
+              <a:pPr/>
+              <a:t>2020/6/29</a:t>
+            </a:fld>
+            <a:endParaRPr lang="zh-TW" altLang="en-US"/>
+          </a:p>
+        </p:txBody>
+      </p:sp>
+      <p:sp>
+        <p:nvSpPr>
+          <p:cNvPr id="6" name="投影片編號版面配置區 5"/>
+          <p:cNvSpPr>
+            <a:spLocks noGrp="1"/>
+          </p:cNvSpPr>
+          <p:nvPr>
+            <p:ph type="sldNum" sz="quarter" idx="12"/>
+          </p:nvPr>
+        </p:nvSpPr>
+        <p:spPr/>
+        <p:txBody>
+          <a:bodyPr/>
+          <a:lstStyle/>
+          <a:p>
+            <a:fld id="{E4D7E63D-91F2-4366-A2C4-1B00C9E2590E}" type="slidenum">
+              <a:rPr lang="zh-TW" altLang="en-US" smtClean="0"/>
+              <a:pPr/>
+              <a:t>12</a:t>
+            </a:fld>
+            <a:endParaRPr lang="zh-TW" altLang="en-US"/>
+          </a:p>
+        </p:txBody>
+      </p:sp>
+      <p:pic>
+        <p:nvPicPr>
+          <p:cNvPr id="2050" name="Picture 2"/>
+          <p:cNvPicPr>
+            <a:picLocks noChangeAspect="1" noChangeArrowheads="1"/>
+          </p:cNvPicPr>
+          <p:nvPr/>
+        </p:nvPicPr>
+        <p:blipFill>
+          <a:blip r:embed="rId2" cstate="print"/>
+          <a:srcRect/>
+          <a:stretch>
+            <a:fillRect/>
+          </a:stretch>
+        </p:blipFill>
+        <p:spPr bwMode="auto">
+          <a:xfrm>
+            <a:off x="4283968" y="3717032"/>
+            <a:ext cx="713805" cy="644588"/>
+          </a:xfrm>
+          <a:prstGeom prst="rect">
+            <a:avLst/>
+          </a:prstGeom>
+          <a:noFill/>
+          <a:ln w="9525">
+            <a:noFill/>
+            <a:miter lim="800000"/>
+            <a:headEnd/>
+            <a:tailEnd/>
+          </a:ln>
+        </p:spPr>
+      </p:pic>
+    </p:spTree>
+    <p:extLst>
+      <p:ext uri="{BB962C8B-B14F-4D97-AF65-F5344CB8AC3E}">
+        <p14:creationId xmlns:p14="http://schemas.microsoft.com/office/powerpoint/2010/main" val="3249333929"/>
+      </p:ext>
+    </p:extLst>
+  </p:cSld>
+  <p:clrMapOvr>
+    <a:masterClrMapping/>
+  </p:clrMapOvr>
+</p:sld>
+</file>
+
+<file path=ppt/slides/slide13.xml><?xml version="1.0" encoding="utf-8"?>
+<p:sld xmlns:a="http://schemas.openxmlformats.org/drawingml/2006/main" xmlns:r="http://schemas.openxmlformats.org/officeDocument/2006/relationships" xmlns:p="http://schemas.openxmlformats.org/presentationml/2006/main">
+  <p:cSld>
+    <p:spTree>
+      <p:nvGrpSpPr>
+        <p:cNvPr id="1" name=""/>
+        <p:cNvGrpSpPr/>
+        <p:nvPr/>
+      </p:nvGrpSpPr>
+      <p:grpSpPr>
+        <a:xfrm>
+          <a:off x="0" y="0"/>
+          <a:ext cx="0" cy="0"/>
+          <a:chOff x="0" y="0"/>
+          <a:chExt cx="0" cy="0"/>
+        </a:xfrm>
+      </p:grpSpPr>
+      <p:sp>
+        <p:nvSpPr>
+          <p:cNvPr id="2" name="標題 1"/>
+          <p:cNvSpPr>
+            <a:spLocks noGrp="1"/>
+          </p:cNvSpPr>
+          <p:nvPr>
+            <p:ph type="ctrTitle"/>
+          </p:nvPr>
+        </p:nvSpPr>
+        <p:spPr>
+          <a:xfrm>
             <a:off x="0" y="1"/>
             <a:ext cx="9144000" cy="764704"/>
           </a:xfrm>
@@ -4335,7 +4343,7 @@
                   <a:srgbClr val="FFFF00"/>
                 </a:solidFill>
               </a:rPr>
-              <a:t>28.4 Second Step</a:t>
+              <a:t>28.3 Create Ref Variable</a:t>
             </a:r>
             <a:endParaRPr lang="zh-TW" altLang="en-US" b="1" dirty="0">
               <a:solidFill>
@@ -4358,7 +4366,7 @@
         <p:spPr>
           <a:xfrm>
             <a:off x="467544" y="1340768"/>
-            <a:ext cx="3379542" cy="3888432"/>
+            <a:ext cx="8352928" cy="2088232"/>
           </a:xfrm>
           <a:ln>
             <a:solidFill>
@@ -4381,17 +4389,35 @@
               <a:buChar char="u"/>
             </a:pPr>
             <a:r>
-              <a:rPr lang="en-US" altLang="zh-TW" sz="1600" b="1" dirty="0">
-                <a:solidFill>
-                  <a:srgbClr val="C00000"/>
-                </a:solidFill>
-                <a:latin typeface="+mj-lt"/>
-              </a:rPr>
-              <a:t>Second step: Attach Input Ref</a:t>
-            </a:r>
-          </a:p>
-          <a:p>
-            <a:pPr marL="800100" lvl="1" indent="-342900" algn="l">
+              <a:rPr lang="en-US" altLang="zh-TW" sz="1800" dirty="0">
+                <a:solidFill>
+                  <a:schemeClr val="tx1"/>
+                </a:solidFill>
+                <a:latin typeface="+mj-lt"/>
+              </a:rPr>
+              <a:t>Second step: Create a ref variable by calling </a:t>
+            </a:r>
+            <a:r>
+              <a:rPr lang="en-US" altLang="zh-TW" sz="1800" dirty="0" err="1">
+                <a:solidFill>
+                  <a:schemeClr val="tx1"/>
+                </a:solidFill>
+                <a:latin typeface="+mj-lt"/>
+              </a:rPr>
+              <a:t>useRef</a:t>
+            </a:r>
+            <a:r>
+              <a:rPr lang="en-US" altLang="zh-TW" sz="1800" dirty="0">
+                <a:solidFill>
+                  <a:schemeClr val="tx1"/>
+                </a:solidFill>
+                <a:latin typeface="+mj-lt"/>
+              </a:rPr>
+              <a:t> and passing the initial value.</a:t>
+            </a:r>
+          </a:p>
+          <a:p>
+            <a:pPr marL="342900" indent="-342900" algn="l">
               <a:buClr>
                 <a:srgbClr val="0070C0"/>
               </a:buClr>
@@ -4406,29 +4432,11 @@
                 </a:solidFill>
                 <a:latin typeface="+mj-lt"/>
               </a:rPr>
-              <a:t>Attach </a:t>
-            </a:r>
-            <a:r>
-              <a:rPr lang="en-US" altLang="zh-TW" sz="1800" dirty="0" err="1">
-                <a:solidFill>
-                  <a:schemeClr val="tx1"/>
-                </a:solidFill>
-                <a:latin typeface="+mj-lt"/>
-              </a:rPr>
-              <a:t>this.inputRef</a:t>
-            </a:r>
-            <a:r>
-              <a:rPr lang="en-US" altLang="zh-TW" sz="1800" dirty="0">
-                <a:solidFill>
-                  <a:schemeClr val="tx1"/>
-                </a:solidFill>
-                <a:latin typeface="+mj-lt"/>
-              </a:rPr>
-              <a:t> to our input element in the render method.</a:t>
-            </a:r>
-          </a:p>
-          <a:p>
-            <a:pPr marL="800100" lvl="1" indent="-342900" algn="l">
+              <a:t>Initially, the ref will hold the null value. </a:t>
+            </a:r>
+          </a:p>
+          <a:p>
+            <a:pPr marL="342900" indent="-342900" algn="l">
               <a:buClr>
                 <a:srgbClr val="0070C0"/>
               </a:buClr>
@@ -4443,11 +4451,47 @@
                 </a:solidFill>
                 <a:latin typeface="+mj-lt"/>
               </a:rPr>
-              <a:t>To attach a ref, we make use of the reserved ref attribute.</a:t>
-            </a:r>
-          </a:p>
-          <a:p>
-            <a:pPr marL="800100" lvl="1" indent="-342900" algn="l">
+              <a:t>&gt; const </a:t>
+            </a:r>
+            <a:r>
+              <a:rPr lang="en-US" altLang="zh-TW" sz="1800" dirty="0" err="1">
+                <a:solidFill>
+                  <a:schemeClr val="tx1"/>
+                </a:solidFill>
+                <a:latin typeface="+mj-lt"/>
+              </a:rPr>
+              <a:t>inputRef</a:t>
+            </a:r>
+            <a:r>
+              <a:rPr lang="en-US" altLang="zh-TW" sz="1800" dirty="0">
+                <a:solidFill>
+                  <a:schemeClr val="tx1"/>
+                </a:solidFill>
+                <a:latin typeface="+mj-lt"/>
+              </a:rPr>
+              <a:t> = </a:t>
+            </a:r>
+            <a:r>
+              <a:rPr lang="en-US" altLang="zh-TW" sz="1800" dirty="0" err="1">
+                <a:solidFill>
+                  <a:schemeClr val="tx1"/>
+                </a:solidFill>
+                <a:latin typeface="+mj-lt"/>
+              </a:rPr>
+              <a:t>useRef</a:t>
+            </a:r>
+            <a:r>
+              <a:rPr lang="en-US" altLang="zh-TW" sz="1800" dirty="0">
+                <a:solidFill>
+                  <a:schemeClr val="tx1"/>
+                </a:solidFill>
+                <a:latin typeface="+mj-lt"/>
+              </a:rPr>
+              <a:t> (null)</a:t>
+            </a:r>
+          </a:p>
+          <a:p>
+            <a:pPr marL="342900" indent="-342900" algn="l">
               <a:buClr>
                 <a:srgbClr val="0070C0"/>
               </a:buClr>
@@ -4462,29 +4506,11 @@
                 </a:solidFill>
                 <a:latin typeface="+mj-lt"/>
               </a:rPr>
-              <a:t>So on the input element, ref = { </a:t>
-            </a:r>
-            <a:r>
-              <a:rPr lang="en-US" altLang="zh-TW" sz="1800" dirty="0" err="1">
-                <a:solidFill>
-                  <a:schemeClr val="tx1"/>
-                </a:solidFill>
-                <a:latin typeface="+mj-lt"/>
-              </a:rPr>
-              <a:t>this.inputRef</a:t>
-            </a:r>
-            <a:r>
-              <a:rPr lang="en-US" altLang="zh-TW" sz="1800" dirty="0">
-                <a:solidFill>
-                  <a:schemeClr val="tx1"/>
-                </a:solidFill>
-                <a:latin typeface="+mj-lt"/>
-              </a:rPr>
-              <a:t> }</a:t>
-            </a:r>
-          </a:p>
-          <a:p>
-            <a:pPr marL="800100" lvl="1" indent="-342900" algn="l">
+              <a:t>Once we create the ref, we need to attach it to the input element and to attach a ref, we need to make use of the reserve ref attribute. </a:t>
+            </a:r>
+          </a:p>
+          <a:p>
+            <a:pPr marL="342900" indent="-342900" algn="l">
               <a:buClr>
                 <a:srgbClr val="0070C0"/>
               </a:buClr>
@@ -4499,7 +4525,7 @@
                 </a:solidFill>
                 <a:latin typeface="+mj-lt"/>
               </a:rPr>
-              <a:t>The </a:t>
+              <a:t>&gt; &lt;input ref = { </a:t>
             </a:r>
             <a:r>
               <a:rPr lang="en-US" altLang="zh-TW" sz="1800" dirty="0" err="1">
@@ -4508,7 +4534,7 @@
                 </a:solidFill>
                 <a:latin typeface="+mj-lt"/>
               </a:rPr>
-              <a:t>this.inputRef</a:t>
+              <a:t>inputRef</a:t>
             </a:r>
             <a:r>
               <a:rPr lang="en-US" altLang="zh-TW" sz="1800" dirty="0">
@@ -4517,27 +4543,13 @@
                 </a:solidFill>
                 <a:latin typeface="+mj-lt"/>
               </a:rPr>
-              <a:t> is we just created.</a:t>
-            </a:r>
-          </a:p>
-          <a:p>
-            <a:pPr marL="800100" lvl="1" indent="-342900" algn="l">
-              <a:buClr>
-                <a:srgbClr val="0070C0"/>
-              </a:buClr>
-              <a:buSzPct val="80000"/>
-              <a:buFont typeface="Wingdings" pitchFamily="2" charset="2"/>
-              <a:buChar char="u"/>
-            </a:pPr>
-            <a:r>
-              <a:rPr lang="en-US" altLang="zh-TW" sz="1800" dirty="0">
-                <a:solidFill>
-                  <a:schemeClr val="tx1"/>
-                </a:solidFill>
-                <a:latin typeface="+mj-lt"/>
-              </a:rPr>
-              <a:t>We now have a reference to the input element.</a:t>
-            </a:r>
+              <a:t> } …&gt;</a:t>
+            </a:r>
+            <a:endParaRPr lang="en-US" altLang="zh-TW" sz="1800" dirty="0">
+              <a:solidFill>
+                <a:schemeClr val="tx1"/>
+              </a:solidFill>
+            </a:endParaRPr>
           </a:p>
         </p:txBody>
       </p:sp>
@@ -4592,7 +4604,7 @@
           <a:p>
             <a:r>
               <a:rPr lang="en-US" altLang="zh-TW" sz="1600" b="1" i="1" dirty="0"/>
-              <a:t>https://www.youtube.com/watch?v=FXa9mMTKOu8&amp;list=PLC3y8-rFHvwgg3vaYJgHGnModB54rxOk3&amp;index=28</a:t>
+              <a:t>https://www.youtube.com/watch?v=yCS2m01bQ6w&amp;list=PLC3y8-rFHvwgg3vaYJgHGnModB54rxOk3&amp;index=71</a:t>
             </a:r>
           </a:p>
         </p:txBody>
@@ -4620,7 +4632,7 @@
             <a:fld id="{A4F910E6-8D00-4BAF-8C48-9688E0B449D3}" type="datetime1">
               <a:rPr lang="zh-TW" altLang="en-US" smtClean="0"/>
               <a:pPr/>
-              <a:t>2020/5/26</a:t>
+              <a:t>2020/6/29</a:t>
             </a:fld>
             <a:endParaRPr lang="zh-TW" altLang="en-US"/>
           </a:p>
@@ -4649,7 +4661,7 @@
             <a:fld id="{E4D7E63D-91F2-4366-A2C4-1B00C9E2590E}" type="slidenum">
               <a:rPr lang="zh-TW" altLang="en-US" smtClean="0"/>
               <a:pPr/>
-              <a:t>12</a:t>
+              <a:t>13</a:t>
             </a:fld>
             <a:endParaRPr lang="zh-TW" altLang="en-US"/>
           </a:p>
@@ -4660,7 +4672,7 @@
           <p:cNvPr id="7" name="Picture 6">
             <a:extLst>
               <a:ext uri="{FF2B5EF4-FFF2-40B4-BE49-F238E27FC236}">
-                <a16:creationId xmlns:a16="http://schemas.microsoft.com/office/drawing/2014/main" id="{3AED2DCC-A03F-4626-9606-6E6F7A4023D0}"/>
+                <a16:creationId xmlns:a16="http://schemas.microsoft.com/office/drawing/2014/main" id="{AB9082DC-9DE3-4097-B51F-1FBF06A0215F}"/>
               </a:ext>
             </a:extLst>
           </p:cNvPr>
@@ -4677,8 +4689,8 @@
         </p:blipFill>
         <p:spPr>
           <a:xfrm>
-            <a:off x="3923928" y="1318781"/>
-            <a:ext cx="4974806" cy="4882108"/>
+            <a:off x="2411760" y="3610516"/>
+            <a:ext cx="3971553" cy="2947957"/>
           </a:xfrm>
           <a:prstGeom prst="rect">
             <a:avLst/>
@@ -4690,213 +4702,10 @@
           </a:ln>
         </p:spPr>
       </p:pic>
-      <p:sp>
-        <p:nvSpPr>
-          <p:cNvPr id="8" name="Rectangle 7">
-            <a:extLst>
-              <a:ext uri="{FF2B5EF4-FFF2-40B4-BE49-F238E27FC236}">
-                <a16:creationId xmlns:a16="http://schemas.microsoft.com/office/drawing/2014/main" id="{1DA56649-33B2-49FD-B694-8AC2D349A854}"/>
-              </a:ext>
-            </a:extLst>
-          </p:cNvPr>
-          <p:cNvSpPr/>
-          <p:nvPr/>
-        </p:nvSpPr>
-        <p:spPr>
-          <a:xfrm>
-            <a:off x="4811688" y="4653136"/>
-            <a:ext cx="4008784" cy="360040"/>
-          </a:xfrm>
-          <a:prstGeom prst="rect">
-            <a:avLst/>
-          </a:prstGeom>
-          <a:noFill/>
-          <a:ln>
-            <a:solidFill>
-              <a:srgbClr val="C00000"/>
-            </a:solidFill>
-          </a:ln>
-        </p:spPr>
-        <p:style>
-          <a:lnRef idx="2">
-            <a:schemeClr val="accent1">
-              <a:shade val="50000"/>
-            </a:schemeClr>
-          </a:lnRef>
-          <a:fillRef idx="1">
-            <a:schemeClr val="accent1"/>
-          </a:fillRef>
-          <a:effectRef idx="0">
-            <a:schemeClr val="accent1"/>
-          </a:effectRef>
-          <a:fontRef idx="minor">
-            <a:schemeClr val="lt1"/>
-          </a:fontRef>
-        </p:style>
-        <p:txBody>
-          <a:bodyPr rtlCol="0" anchor="ctr"/>
-          <a:lstStyle/>
-          <a:p>
-            <a:pPr algn="ctr"/>
-            <a:endParaRPr lang="en-US"/>
-          </a:p>
-        </p:txBody>
-      </p:sp>
     </p:spTree>
     <p:extLst>
       <p:ext uri="{BB962C8B-B14F-4D97-AF65-F5344CB8AC3E}">
-        <p14:creationId xmlns:p14="http://schemas.microsoft.com/office/powerpoint/2010/main" val="3573152136"/>
-      </p:ext>
-    </p:extLst>
-  </p:cSld>
-  <p:clrMapOvr>
-    <a:masterClrMapping/>
-  </p:clrMapOvr>
-</p:sld>
-</file>
-
-<file path=ppt/slides/slide13.xml><?xml version="1.0" encoding="utf-8"?>
-<p:sld xmlns:a="http://schemas.openxmlformats.org/drawingml/2006/main" xmlns:r="http://schemas.openxmlformats.org/officeDocument/2006/relationships" xmlns:p="http://schemas.openxmlformats.org/presentationml/2006/main">
-  <p:cSld>
-    <p:spTree>
-      <p:nvGrpSpPr>
-        <p:cNvPr id="1" name=""/>
-        <p:cNvGrpSpPr/>
-        <p:nvPr/>
-      </p:nvGrpSpPr>
-      <p:grpSpPr>
-        <a:xfrm>
-          <a:off x="0" y="0"/>
-          <a:ext cx="0" cy="0"/>
-          <a:chOff x="0" y="0"/>
-          <a:chExt cx="0" cy="0"/>
-        </a:xfrm>
-      </p:grpSpPr>
-      <p:sp>
-        <p:nvSpPr>
-          <p:cNvPr id="2" name="標題 1"/>
-          <p:cNvSpPr>
-            <a:spLocks noGrp="1"/>
-          </p:cNvSpPr>
-          <p:nvPr>
-            <p:ph type="ctrTitle"/>
-          </p:nvPr>
-        </p:nvSpPr>
-        <p:spPr>
-          <a:xfrm>
-            <a:off x="0" y="2130425"/>
-            <a:ext cx="9144000" cy="1470025"/>
-          </a:xfrm>
-          <a:solidFill>
-            <a:srgbClr val="00B0F0"/>
-          </a:solidFill>
-        </p:spPr>
-        <p:txBody>
-          <a:bodyPr>
-            <a:normAutofit/>
-          </a:bodyPr>
-          <a:lstStyle/>
-          <a:p>
-            <a:r>
-              <a:rPr lang="en-US" altLang="zh-TW" sz="4800" b="1" dirty="0">
-                <a:solidFill>
-                  <a:srgbClr val="FFFF00"/>
-                </a:solidFill>
-              </a:rPr>
-              <a:t>28.5 Third Step: 1) Focus</a:t>
-            </a:r>
-            <a:endParaRPr lang="zh-TW" altLang="en-US" sz="4800" b="1" dirty="0">
-              <a:solidFill>
-                <a:srgbClr val="FFFF00"/>
-              </a:solidFill>
-            </a:endParaRPr>
-          </a:p>
-        </p:txBody>
-      </p:sp>
-      <p:sp>
-        <p:nvSpPr>
-          <p:cNvPr id="5" name="日期版面配置區 4"/>
-          <p:cNvSpPr>
-            <a:spLocks noGrp="1"/>
-          </p:cNvSpPr>
-          <p:nvPr>
-            <p:ph type="dt" sz="half" idx="10"/>
-          </p:nvPr>
-        </p:nvSpPr>
-        <p:spPr/>
-        <p:txBody>
-          <a:bodyPr/>
-          <a:lstStyle/>
-          <a:p>
-            <a:fld id="{C389EDC9-19E3-47AC-9C57-C6A24DEA81AD}" type="datetime1">
-              <a:rPr lang="zh-TW" altLang="en-US" smtClean="0"/>
-              <a:pPr/>
-              <a:t>2020/5/26</a:t>
-            </a:fld>
-            <a:endParaRPr lang="zh-TW" altLang="en-US"/>
-          </a:p>
-        </p:txBody>
-      </p:sp>
-      <p:sp>
-        <p:nvSpPr>
-          <p:cNvPr id="6" name="投影片編號版面配置區 5"/>
-          <p:cNvSpPr>
-            <a:spLocks noGrp="1"/>
-          </p:cNvSpPr>
-          <p:nvPr>
-            <p:ph type="sldNum" sz="quarter" idx="12"/>
-          </p:nvPr>
-        </p:nvSpPr>
-        <p:spPr/>
-        <p:txBody>
-          <a:bodyPr/>
-          <a:lstStyle/>
-          <a:p>
-            <a:fld id="{E4D7E63D-91F2-4366-A2C4-1B00C9E2590E}" type="slidenum">
-              <a:rPr lang="zh-TW" altLang="en-US" smtClean="0"/>
-              <a:pPr/>
-              <a:t>13</a:t>
-            </a:fld>
-            <a:endParaRPr lang="zh-TW" altLang="en-US"/>
-          </a:p>
-        </p:txBody>
-      </p:sp>
-      <p:pic>
-        <p:nvPicPr>
-          <p:cNvPr id="2050" name="Picture 2"/>
-          <p:cNvPicPr>
-            <a:picLocks noChangeAspect="1" noChangeArrowheads="1"/>
-          </p:cNvPicPr>
-          <p:nvPr/>
-        </p:nvPicPr>
-        <p:blipFill>
-          <a:blip r:embed="rId2" cstate="print"/>
-          <a:srcRect/>
-          <a:stretch>
-            <a:fillRect/>
-          </a:stretch>
-        </p:blipFill>
-        <p:spPr bwMode="auto">
-          <a:xfrm>
-            <a:off x="4283968" y="3717032"/>
-            <a:ext cx="713805" cy="644588"/>
-          </a:xfrm>
-          <a:prstGeom prst="rect">
-            <a:avLst/>
-          </a:prstGeom>
-          <a:noFill/>
-          <a:ln w="9525">
-            <a:noFill/>
-            <a:miter lim="800000"/>
-            <a:headEnd/>
-            <a:tailEnd/>
-          </a:ln>
-        </p:spPr>
-      </p:pic>
-    </p:spTree>
-    <p:extLst>
-      <p:ext uri="{BB962C8B-B14F-4D97-AF65-F5344CB8AC3E}">
-        <p14:creationId xmlns:p14="http://schemas.microsoft.com/office/powerpoint/2010/main" val="4050336667"/>
+        <p14:creationId xmlns:p14="http://schemas.microsoft.com/office/powerpoint/2010/main" val="992296699"/>
       </p:ext>
     </p:extLst>
   </p:cSld>
@@ -4935,6 +4744,157 @@
         </p:nvSpPr>
         <p:spPr>
           <a:xfrm>
+            <a:off x="0" y="2130425"/>
+            <a:ext cx="9144000" cy="1470025"/>
+          </a:xfrm>
+          <a:solidFill>
+            <a:srgbClr val="00B0F0"/>
+          </a:solidFill>
+        </p:spPr>
+        <p:txBody>
+          <a:bodyPr>
+            <a:normAutofit/>
+          </a:bodyPr>
+          <a:lstStyle/>
+          <a:p>
+            <a:r>
+              <a:rPr lang="en-US" altLang="zh-TW" sz="4800" b="1" dirty="0">
+                <a:solidFill>
+                  <a:srgbClr val="FFFF00"/>
+                </a:solidFill>
+              </a:rPr>
+              <a:t>28.4 Call Focus Method</a:t>
+            </a:r>
+            <a:endParaRPr lang="zh-TW" altLang="en-US" sz="4800" b="1" dirty="0">
+              <a:solidFill>
+                <a:srgbClr val="FFFF00"/>
+              </a:solidFill>
+            </a:endParaRPr>
+          </a:p>
+        </p:txBody>
+      </p:sp>
+      <p:sp>
+        <p:nvSpPr>
+          <p:cNvPr id="5" name="日期版面配置區 4"/>
+          <p:cNvSpPr>
+            <a:spLocks noGrp="1"/>
+          </p:cNvSpPr>
+          <p:nvPr>
+            <p:ph type="dt" sz="half" idx="10"/>
+          </p:nvPr>
+        </p:nvSpPr>
+        <p:spPr/>
+        <p:txBody>
+          <a:bodyPr/>
+          <a:lstStyle/>
+          <a:p>
+            <a:fld id="{C389EDC9-19E3-47AC-9C57-C6A24DEA81AD}" type="datetime1">
+              <a:rPr lang="zh-TW" altLang="en-US" smtClean="0"/>
+              <a:pPr/>
+              <a:t>2020/6/29</a:t>
+            </a:fld>
+            <a:endParaRPr lang="zh-TW" altLang="en-US"/>
+          </a:p>
+        </p:txBody>
+      </p:sp>
+      <p:sp>
+        <p:nvSpPr>
+          <p:cNvPr id="6" name="投影片編號版面配置區 5"/>
+          <p:cNvSpPr>
+            <a:spLocks noGrp="1"/>
+          </p:cNvSpPr>
+          <p:nvPr>
+            <p:ph type="sldNum" sz="quarter" idx="12"/>
+          </p:nvPr>
+        </p:nvSpPr>
+        <p:spPr/>
+        <p:txBody>
+          <a:bodyPr/>
+          <a:lstStyle/>
+          <a:p>
+            <a:fld id="{E4D7E63D-91F2-4366-A2C4-1B00C9E2590E}" type="slidenum">
+              <a:rPr lang="zh-TW" altLang="en-US" smtClean="0"/>
+              <a:pPr/>
+              <a:t>14</a:t>
+            </a:fld>
+            <a:endParaRPr lang="zh-TW" altLang="en-US"/>
+          </a:p>
+        </p:txBody>
+      </p:sp>
+      <p:pic>
+        <p:nvPicPr>
+          <p:cNvPr id="2050" name="Picture 2"/>
+          <p:cNvPicPr>
+            <a:picLocks noChangeAspect="1" noChangeArrowheads="1"/>
+          </p:cNvPicPr>
+          <p:nvPr/>
+        </p:nvPicPr>
+        <p:blipFill>
+          <a:blip r:embed="rId2" cstate="print"/>
+          <a:srcRect/>
+          <a:stretch>
+            <a:fillRect/>
+          </a:stretch>
+        </p:blipFill>
+        <p:spPr bwMode="auto">
+          <a:xfrm>
+            <a:off x="4283968" y="3717032"/>
+            <a:ext cx="713805" cy="644588"/>
+          </a:xfrm>
+          <a:prstGeom prst="rect">
+            <a:avLst/>
+          </a:prstGeom>
+          <a:noFill/>
+          <a:ln w="9525">
+            <a:noFill/>
+            <a:miter lim="800000"/>
+            <a:headEnd/>
+            <a:tailEnd/>
+          </a:ln>
+        </p:spPr>
+      </p:pic>
+    </p:spTree>
+    <p:extLst>
+      <p:ext uri="{BB962C8B-B14F-4D97-AF65-F5344CB8AC3E}">
+        <p14:creationId xmlns:p14="http://schemas.microsoft.com/office/powerpoint/2010/main" val="1490034992"/>
+      </p:ext>
+    </p:extLst>
+  </p:cSld>
+  <p:clrMapOvr>
+    <a:masterClrMapping/>
+  </p:clrMapOvr>
+</p:sld>
+</file>
+
+<file path=ppt/slides/slide15.xml><?xml version="1.0" encoding="utf-8"?>
+<p:sld xmlns:a="http://schemas.openxmlformats.org/drawingml/2006/main" xmlns:r="http://schemas.openxmlformats.org/officeDocument/2006/relationships" xmlns:p="http://schemas.openxmlformats.org/presentationml/2006/main">
+  <p:cSld>
+    <p:spTree>
+      <p:nvGrpSpPr>
+        <p:cNvPr id="1" name=""/>
+        <p:cNvGrpSpPr/>
+        <p:nvPr/>
+      </p:nvGrpSpPr>
+      <p:grpSpPr>
+        <a:xfrm>
+          <a:off x="0" y="0"/>
+          <a:ext cx="0" cy="0"/>
+          <a:chOff x="0" y="0"/>
+          <a:chExt cx="0" cy="0"/>
+        </a:xfrm>
+      </p:grpSpPr>
+      <p:sp>
+        <p:nvSpPr>
+          <p:cNvPr id="2" name="標題 1"/>
+          <p:cNvSpPr>
+            <a:spLocks noGrp="1"/>
+          </p:cNvSpPr>
+          <p:nvPr>
+            <p:ph type="ctrTitle"/>
+          </p:nvPr>
+        </p:nvSpPr>
+        <p:spPr>
+          <a:xfrm>
             <a:off x="0" y="1"/>
             <a:ext cx="9144000" cy="764704"/>
           </a:xfrm>
@@ -4973,12 +4933,12 @@
           <a:p>
             <a:pPr algn="l"/>
             <a:r>
-              <a:rPr lang="en-US" altLang="zh-TW" b="1" dirty="0">
+              <a:rPr lang="en-US" altLang="zh-TW" sz="4400" b="1" dirty="0">
                 <a:solidFill>
                   <a:srgbClr val="FFFF00"/>
                 </a:solidFill>
               </a:rPr>
-              <a:t>28.5 Third Step: 1) Focus</a:t>
+              <a:t>28.4 Call Focus Method</a:t>
             </a:r>
             <a:endParaRPr lang="zh-TW" altLang="en-US" b="1" dirty="0">
               <a:solidFill>
@@ -5000,8 +4960,8 @@
         </p:nvSpPr>
         <p:spPr>
           <a:xfrm>
-            <a:off x="457200" y="1318985"/>
-            <a:ext cx="3600400" cy="3622184"/>
+            <a:off x="467544" y="1340768"/>
+            <a:ext cx="8352928" cy="3960440"/>
           </a:xfrm>
           <a:ln>
             <a:solidFill>
@@ -5024,17 +4984,17 @@
               <a:buChar char="u"/>
             </a:pPr>
             <a:r>
-              <a:rPr lang="en-US" altLang="zh-TW" sz="1600" b="1" dirty="0">
-                <a:solidFill>
-                  <a:srgbClr val="C00000"/>
-                </a:solidFill>
-                <a:latin typeface="+mj-lt"/>
-              </a:rPr>
-              <a:t>Third step: 1) Call the focus method on input Element</a:t>
-            </a:r>
-          </a:p>
-          <a:p>
-            <a:pPr marL="800100" lvl="1" indent="-342900" algn="l">
+              <a:rPr lang="en-US" altLang="zh-TW" sz="1800" dirty="0">
+                <a:solidFill>
+                  <a:schemeClr val="tx1"/>
+                </a:solidFill>
+                <a:latin typeface="+mj-lt"/>
+              </a:rPr>
+              <a:t>The final step: to call the focus method on the input element.</a:t>
+            </a:r>
+          </a:p>
+          <a:p>
+            <a:pPr marL="342900" indent="-342900" algn="l">
               <a:buClr>
                 <a:srgbClr val="0070C0"/>
               </a:buClr>
@@ -5049,7 +5009,7 @@
                 </a:solidFill>
                 <a:latin typeface="+mj-lt"/>
               </a:rPr>
-              <a:t>Let’s find out what exactly does the property </a:t>
+              <a:t>Note: Put the focus method inside the </a:t>
             </a:r>
             <a:r>
               <a:rPr lang="en-US" altLang="zh-TW" sz="1800" dirty="0" err="1">
@@ -5058,7 +5018,7 @@
                 </a:solidFill>
                 <a:latin typeface="+mj-lt"/>
               </a:rPr>
-              <a:t>this.inputRef</a:t>
+              <a:t>useEffect</a:t>
             </a:r>
             <a:r>
               <a:rPr lang="en-US" altLang="zh-TW" sz="1800" dirty="0">
@@ -5067,11 +5027,47 @@
                 </a:solidFill>
                 <a:latin typeface="+mj-lt"/>
               </a:rPr>
-              <a:t> hold after the reference is created.</a:t>
-            </a:r>
-          </a:p>
-          <a:p>
-            <a:pPr marL="800100" lvl="1" indent="-342900" algn="l">
+              <a:t> (). </a:t>
+            </a:r>
+            <a:r>
+              <a:rPr lang="en-US" altLang="zh-TW" sz="1800" dirty="0" err="1">
+                <a:solidFill>
+                  <a:schemeClr val="tx1"/>
+                </a:solidFill>
+                <a:latin typeface="+mj-lt"/>
+              </a:rPr>
+              <a:t>UseEffect</a:t>
+            </a:r>
+            <a:r>
+              <a:rPr lang="en-US" altLang="zh-TW" sz="1800" dirty="0">
+                <a:solidFill>
+                  <a:schemeClr val="tx1"/>
+                </a:solidFill>
+                <a:latin typeface="+mj-lt"/>
+              </a:rPr>
+              <a:t>() is for all the page is loaded, i.e., </a:t>
+            </a:r>
+            <a:r>
+              <a:rPr lang="en-US" altLang="zh-TW" sz="1800" dirty="0" err="1">
+                <a:solidFill>
+                  <a:schemeClr val="tx1"/>
+                </a:solidFill>
+                <a:latin typeface="+mj-lt"/>
+              </a:rPr>
+              <a:t>componentDidMount</a:t>
+            </a:r>
+            <a:r>
+              <a:rPr lang="en-US" altLang="zh-TW" sz="1800" dirty="0">
+                <a:solidFill>
+                  <a:schemeClr val="tx1"/>
+                </a:solidFill>
+                <a:latin typeface="+mj-lt"/>
+              </a:rPr>
+              <a:t>() in the class component. </a:t>
+            </a:r>
+          </a:p>
+          <a:p>
+            <a:pPr marL="342900" indent="-342900" algn="l">
               <a:buClr>
                 <a:srgbClr val="0070C0"/>
               </a:buClr>
@@ -5086,29 +5082,11 @@
                 </a:solidFill>
                 <a:latin typeface="+mj-lt"/>
               </a:rPr>
-              <a:t>We add </a:t>
-            </a:r>
-            <a:r>
-              <a:rPr lang="en-US" altLang="zh-TW" sz="1800" dirty="0" err="1">
-                <a:solidFill>
-                  <a:schemeClr val="tx1"/>
-                </a:solidFill>
-                <a:latin typeface="+mj-lt"/>
-              </a:rPr>
-              <a:t>componentDidMount</a:t>
-            </a:r>
-            <a:r>
-              <a:rPr lang="en-US" altLang="zh-TW" sz="1800" dirty="0">
-                <a:solidFill>
-                  <a:schemeClr val="tx1"/>
-                </a:solidFill>
-                <a:latin typeface="+mj-lt"/>
-              </a:rPr>
-              <a:t>()</a:t>
-            </a:r>
-          </a:p>
-          <a:p>
-            <a:pPr marL="800100" lvl="1" indent="-342900" algn="l">
+              <a:t>Within the arrow function, we specify </a:t>
+            </a:r>
+          </a:p>
+          <a:p>
+            <a:pPr marL="342900" indent="-342900" algn="l">
               <a:buClr>
                 <a:srgbClr val="0070C0"/>
               </a:buClr>
@@ -5117,13 +5095,60 @@
               <a:buChar char="u"/>
             </a:pPr>
             <a:r>
+              <a:rPr lang="en-US" altLang="zh-TW" sz="1800" dirty="0" err="1">
+                <a:solidFill>
+                  <a:schemeClr val="tx1"/>
+                </a:solidFill>
+                <a:latin typeface="+mj-lt"/>
+              </a:rPr>
+              <a:t>useEffect</a:t>
+            </a:r>
+            <a:r>
               <a:rPr lang="en-US" altLang="zh-TW" sz="1800" dirty="0">
                 <a:solidFill>
                   <a:schemeClr val="tx1"/>
                 </a:solidFill>
                 <a:latin typeface="+mj-lt"/>
               </a:rPr>
-              <a:t>Lifecycle hood and within the hood, we simply log to the console.log (</a:t>
+              <a:t> (() =&gt; {</a:t>
+            </a:r>
+          </a:p>
+          <a:p>
+            <a:pPr marL="342900" indent="-342900" algn="l">
+              <a:buClr>
+                <a:srgbClr val="0070C0"/>
+              </a:buClr>
+              <a:buSzPct val="80000"/>
+              <a:buFont typeface="Wingdings" pitchFamily="2" charset="2"/>
+              <a:buChar char="u"/>
+            </a:pPr>
+            <a:r>
+              <a:rPr lang="en-US" altLang="zh-TW" sz="1800" dirty="0">
+                <a:solidFill>
+                  <a:schemeClr val="tx1"/>
+                </a:solidFill>
+                <a:latin typeface="+mj-lt"/>
+              </a:rPr>
+              <a:t>    // focus the input element</a:t>
+            </a:r>
+          </a:p>
+          <a:p>
+            <a:pPr marL="342900" indent="-342900" algn="l">
+              <a:buClr>
+                <a:srgbClr val="0070C0"/>
+              </a:buClr>
+              <a:buSzPct val="80000"/>
+              <a:buFont typeface="Wingdings" pitchFamily="2" charset="2"/>
+              <a:buChar char="u"/>
+            </a:pPr>
+            <a:r>
+              <a:rPr lang="en-US" altLang="zh-TW" sz="1800" dirty="0">
+                <a:solidFill>
+                  <a:schemeClr val="tx1"/>
+                </a:solidFill>
+                <a:latin typeface="+mj-lt"/>
+              </a:rPr>
+              <a:t>    </a:t>
             </a:r>
             <a:r>
               <a:rPr lang="en-US" altLang="zh-TW" sz="1800" dirty="0" err="1">
@@ -5132,7 +5157,7 @@
                 </a:solidFill>
                 <a:latin typeface="+mj-lt"/>
               </a:rPr>
-              <a:t>this.inputRef</a:t>
+              <a:t>inputRef.current.focus</a:t>
             </a:r>
             <a:r>
               <a:rPr lang="en-US" altLang="zh-TW" sz="1800" dirty="0">
@@ -5141,8 +5166,126 @@
                 </a:solidFill>
                 <a:latin typeface="+mj-lt"/>
               </a:rPr>
-              <a:t>).</a:t>
-            </a:r>
+              <a:t>()</a:t>
+            </a:r>
+          </a:p>
+          <a:p>
+            <a:pPr marL="342900" indent="-342900" algn="l">
+              <a:buClr>
+                <a:srgbClr val="0070C0"/>
+              </a:buClr>
+              <a:buSzPct val="80000"/>
+              <a:buFont typeface="Wingdings" pitchFamily="2" charset="2"/>
+              <a:buChar char="u"/>
+            </a:pPr>
+            <a:r>
+              <a:rPr lang="en-US" altLang="zh-TW" sz="1800" dirty="0">
+                <a:solidFill>
+                  <a:schemeClr val="tx1"/>
+                </a:solidFill>
+                <a:latin typeface="+mj-lt"/>
+              </a:rPr>
+              <a:t>}, [])</a:t>
+            </a:r>
+          </a:p>
+          <a:p>
+            <a:pPr marL="342900" indent="-342900" algn="l">
+              <a:buClr>
+                <a:srgbClr val="0070C0"/>
+              </a:buClr>
+              <a:buSzPct val="80000"/>
+              <a:buFont typeface="Wingdings" pitchFamily="2" charset="2"/>
+              <a:buChar char="u"/>
+            </a:pPr>
+            <a:r>
+              <a:rPr lang="en-US" altLang="zh-TW" sz="1800" dirty="0">
+                <a:solidFill>
+                  <a:schemeClr val="tx1"/>
+                </a:solidFill>
+                <a:latin typeface="+mj-lt"/>
+              </a:rPr>
+              <a:t>Where is the current property come from? That is something React does.</a:t>
+            </a:r>
+          </a:p>
+          <a:p>
+            <a:pPr marL="342900" indent="-342900" algn="l">
+              <a:buClr>
+                <a:srgbClr val="0070C0"/>
+              </a:buClr>
+              <a:buSzPct val="80000"/>
+              <a:buFont typeface="Wingdings" pitchFamily="2" charset="2"/>
+              <a:buChar char="u"/>
+            </a:pPr>
+            <a:r>
+              <a:rPr lang="en-US" altLang="zh-TW" sz="1800" dirty="0">
+                <a:solidFill>
+                  <a:schemeClr val="tx1"/>
+                </a:solidFill>
+                <a:latin typeface="+mj-lt"/>
+              </a:rPr>
+              <a:t>React will set the current property to the corresponding DOM node.</a:t>
+            </a:r>
+          </a:p>
+          <a:p>
+            <a:pPr marL="342900" indent="-342900" algn="l">
+              <a:buClr>
+                <a:srgbClr val="0070C0"/>
+              </a:buClr>
+              <a:buSzPct val="80000"/>
+              <a:buFont typeface="Wingdings" pitchFamily="2" charset="2"/>
+              <a:buChar char="u"/>
+            </a:pPr>
+            <a:r>
+              <a:rPr lang="en-US" altLang="zh-TW" sz="1800" dirty="0">
+                <a:solidFill>
+                  <a:schemeClr val="tx1"/>
+                </a:solidFill>
+                <a:latin typeface="+mj-lt"/>
+              </a:rPr>
+              <a:t>This is how we actually access the input element, </a:t>
+            </a:r>
+            <a:r>
+              <a:rPr lang="en-US" altLang="zh-TW" sz="1800" dirty="0" err="1">
+                <a:solidFill>
+                  <a:schemeClr val="tx1"/>
+                </a:solidFill>
+                <a:latin typeface="+mj-lt"/>
+              </a:rPr>
+              <a:t>inputRef.current</a:t>
+            </a:r>
+            <a:r>
+              <a:rPr lang="en-US" altLang="zh-TW" sz="1800" dirty="0">
+                <a:solidFill>
+                  <a:schemeClr val="tx1"/>
+                </a:solidFill>
+                <a:latin typeface="+mj-lt"/>
+              </a:rPr>
+              <a:t>.</a:t>
+            </a:r>
+          </a:p>
+          <a:p>
+            <a:pPr marL="342900" indent="-342900" algn="l">
+              <a:buClr>
+                <a:srgbClr val="0070C0"/>
+              </a:buClr>
+              <a:buSzPct val="80000"/>
+              <a:buFont typeface="Wingdings" pitchFamily="2" charset="2"/>
+              <a:buChar char="u"/>
+            </a:pPr>
+            <a:r>
+              <a:rPr lang="en-US" altLang="zh-TW" sz="1800" dirty="0">
+                <a:solidFill>
+                  <a:schemeClr val="tx1"/>
+                </a:solidFill>
+                <a:latin typeface="+mj-lt"/>
+              </a:rPr>
+              <a:t>Let’s save this and look at the browser.</a:t>
+            </a:r>
+            <a:endParaRPr lang="en-US" altLang="zh-TW" sz="1800" dirty="0">
+              <a:solidFill>
+                <a:schemeClr val="tx1"/>
+              </a:solidFill>
+            </a:endParaRPr>
           </a:p>
         </p:txBody>
       </p:sp>
@@ -5197,7 +5340,7 @@
           <a:p>
             <a:r>
               <a:rPr lang="en-US" altLang="zh-TW" sz="1600" b="1" i="1" dirty="0"/>
-              <a:t>https://www.youtube.com/watch?v=FXa9mMTKOu8&amp;list=PLC3y8-rFHvwgg3vaYJgHGnModB54rxOk3&amp;index=28</a:t>
+              <a:t>https://www.youtube.com/watch?v=yCS2m01bQ6w&amp;list=PLC3y8-rFHvwgg3vaYJgHGnModB54rxOk3&amp;index=71</a:t>
             </a:r>
           </a:p>
         </p:txBody>
@@ -5225,7 +5368,7 @@
             <a:fld id="{A4F910E6-8D00-4BAF-8C48-9688E0B449D3}" type="datetime1">
               <a:rPr lang="zh-TW" altLang="en-US" smtClean="0"/>
               <a:pPr/>
-              <a:t>2020/5/26</a:t>
+              <a:t>2020/6/29</a:t>
             </a:fld>
             <a:endParaRPr lang="zh-TW" altLang="en-US"/>
           </a:p>
@@ -5254,103 +5397,16 @@
             <a:fld id="{E4D7E63D-91F2-4366-A2C4-1B00C9E2590E}" type="slidenum">
               <a:rPr lang="zh-TW" altLang="en-US" smtClean="0"/>
               <a:pPr/>
-              <a:t>14</a:t>
+              <a:t>15</a:t>
             </a:fld>
             <a:endParaRPr lang="zh-TW" altLang="en-US"/>
-          </a:p>
-        </p:txBody>
-      </p:sp>
-      <p:pic>
-        <p:nvPicPr>
-          <p:cNvPr id="7" name="Picture 6">
-            <a:extLst>
-              <a:ext uri="{FF2B5EF4-FFF2-40B4-BE49-F238E27FC236}">
-                <a16:creationId xmlns:a16="http://schemas.microsoft.com/office/drawing/2014/main" id="{3AED2DCC-A03F-4626-9606-6E6F7A4023D0}"/>
-              </a:ext>
-            </a:extLst>
-          </p:cNvPr>
-          <p:cNvPicPr>
-            <a:picLocks noChangeAspect="1"/>
-          </p:cNvPicPr>
-          <p:nvPr/>
-        </p:nvPicPr>
-        <p:blipFill>
-          <a:blip r:embed="rId2"/>
-          <a:stretch>
-            <a:fillRect/>
-          </a:stretch>
-        </p:blipFill>
-        <p:spPr>
-          <a:xfrm>
-            <a:off x="4169194" y="1318781"/>
-            <a:ext cx="4727035" cy="4638954"/>
-          </a:xfrm>
-          <a:prstGeom prst="rect">
-            <a:avLst/>
-          </a:prstGeom>
-          <a:ln>
-            <a:solidFill>
-              <a:srgbClr val="C00000"/>
-            </a:solidFill>
-          </a:ln>
-        </p:spPr>
-      </p:pic>
-      <p:sp>
-        <p:nvSpPr>
-          <p:cNvPr id="9" name="Rectangle 8">
-            <a:extLst>
-              <a:ext uri="{FF2B5EF4-FFF2-40B4-BE49-F238E27FC236}">
-                <a16:creationId xmlns:a16="http://schemas.microsoft.com/office/drawing/2014/main" id="{B91E3721-5A13-4E8D-A16B-F5981D667D90}"/>
-              </a:ext>
-            </a:extLst>
-          </p:cNvPr>
-          <p:cNvSpPr/>
-          <p:nvPr/>
-        </p:nvSpPr>
-        <p:spPr>
-          <a:xfrm>
-            <a:off x="4860032" y="2852936"/>
-            <a:ext cx="2160240" cy="720080"/>
-          </a:xfrm>
-          <a:prstGeom prst="rect">
-            <a:avLst/>
-          </a:prstGeom>
-          <a:noFill/>
-          <a:ln>
-            <a:solidFill>
-              <a:srgbClr val="C00000"/>
-            </a:solidFill>
-          </a:ln>
-        </p:spPr>
-        <p:style>
-          <a:lnRef idx="2">
-            <a:schemeClr val="accent1">
-              <a:shade val="50000"/>
-            </a:schemeClr>
-          </a:lnRef>
-          <a:fillRef idx="1">
-            <a:schemeClr val="accent1"/>
-          </a:fillRef>
-          <a:effectRef idx="0">
-            <a:schemeClr val="accent1"/>
-          </a:effectRef>
-          <a:fontRef idx="minor">
-            <a:schemeClr val="lt1"/>
-          </a:fontRef>
-        </p:style>
-        <p:txBody>
-          <a:bodyPr rtlCol="0" anchor="ctr"/>
-          <a:lstStyle/>
-          <a:p>
-            <a:pPr algn="ctr"/>
-            <a:endParaRPr lang="en-US"/>
           </a:p>
         </p:txBody>
       </p:sp>
     </p:spTree>
     <p:extLst>
       <p:ext uri="{BB962C8B-B14F-4D97-AF65-F5344CB8AC3E}">
-        <p14:creationId xmlns:p14="http://schemas.microsoft.com/office/powerpoint/2010/main" val="1169747802"/>
+        <p14:creationId xmlns:p14="http://schemas.microsoft.com/office/powerpoint/2010/main" val="4286041468"/>
       </p:ext>
     </p:extLst>
   </p:cSld>
@@ -5360,7 +5416,158 @@
 </p:sld>
 </file>
 
-<file path=ppt/slides/slide15.xml><?xml version="1.0" encoding="utf-8"?>
+<file path=ppt/slides/slide16.xml><?xml version="1.0" encoding="utf-8"?>
+<p:sld xmlns:a="http://schemas.openxmlformats.org/drawingml/2006/main" xmlns:r="http://schemas.openxmlformats.org/officeDocument/2006/relationships" xmlns:p="http://schemas.openxmlformats.org/presentationml/2006/main">
+  <p:cSld>
+    <p:spTree>
+      <p:nvGrpSpPr>
+        <p:cNvPr id="1" name=""/>
+        <p:cNvGrpSpPr/>
+        <p:nvPr/>
+      </p:nvGrpSpPr>
+      <p:grpSpPr>
+        <a:xfrm>
+          <a:off x="0" y="0"/>
+          <a:ext cx="0" cy="0"/>
+          <a:chOff x="0" y="0"/>
+          <a:chExt cx="0" cy="0"/>
+        </a:xfrm>
+      </p:grpSpPr>
+      <p:sp>
+        <p:nvSpPr>
+          <p:cNvPr id="2" name="標題 1"/>
+          <p:cNvSpPr>
+            <a:spLocks noGrp="1"/>
+          </p:cNvSpPr>
+          <p:nvPr>
+            <p:ph type="ctrTitle"/>
+          </p:nvPr>
+        </p:nvSpPr>
+        <p:spPr>
+          <a:xfrm>
+            <a:off x="0" y="2130425"/>
+            <a:ext cx="9144000" cy="1470025"/>
+          </a:xfrm>
+          <a:solidFill>
+            <a:srgbClr val="00B0F0"/>
+          </a:solidFill>
+        </p:spPr>
+        <p:txBody>
+          <a:bodyPr>
+            <a:normAutofit/>
+          </a:bodyPr>
+          <a:lstStyle/>
+          <a:p>
+            <a:r>
+              <a:rPr lang="en-US" altLang="zh-TW" sz="4800" b="1" dirty="0">
+                <a:solidFill>
+                  <a:srgbClr val="FFFF00"/>
+                </a:solidFill>
+              </a:rPr>
+              <a:t>28.5 Verify Input Focus</a:t>
+            </a:r>
+            <a:endParaRPr lang="zh-TW" altLang="en-US" sz="4800" b="1" dirty="0">
+              <a:solidFill>
+                <a:srgbClr val="FFFF00"/>
+              </a:solidFill>
+            </a:endParaRPr>
+          </a:p>
+        </p:txBody>
+      </p:sp>
+      <p:sp>
+        <p:nvSpPr>
+          <p:cNvPr id="5" name="日期版面配置區 4"/>
+          <p:cNvSpPr>
+            <a:spLocks noGrp="1"/>
+          </p:cNvSpPr>
+          <p:nvPr>
+            <p:ph type="dt" sz="half" idx="10"/>
+          </p:nvPr>
+        </p:nvSpPr>
+        <p:spPr/>
+        <p:txBody>
+          <a:bodyPr/>
+          <a:lstStyle/>
+          <a:p>
+            <a:fld id="{C389EDC9-19E3-47AC-9C57-C6A24DEA81AD}" type="datetime1">
+              <a:rPr lang="zh-TW" altLang="en-US" smtClean="0"/>
+              <a:pPr/>
+              <a:t>2020/6/29</a:t>
+            </a:fld>
+            <a:endParaRPr lang="zh-TW" altLang="en-US"/>
+          </a:p>
+        </p:txBody>
+      </p:sp>
+      <p:sp>
+        <p:nvSpPr>
+          <p:cNvPr id="6" name="投影片編號版面配置區 5"/>
+          <p:cNvSpPr>
+            <a:spLocks noGrp="1"/>
+          </p:cNvSpPr>
+          <p:nvPr>
+            <p:ph type="sldNum" sz="quarter" idx="12"/>
+          </p:nvPr>
+        </p:nvSpPr>
+        <p:spPr/>
+        <p:txBody>
+          <a:bodyPr/>
+          <a:lstStyle/>
+          <a:p>
+            <a:fld id="{E4D7E63D-91F2-4366-A2C4-1B00C9E2590E}" type="slidenum">
+              <a:rPr lang="zh-TW" altLang="en-US" smtClean="0"/>
+              <a:pPr/>
+              <a:t>16</a:t>
+            </a:fld>
+            <a:endParaRPr lang="zh-TW" altLang="en-US"/>
+          </a:p>
+        </p:txBody>
+      </p:sp>
+      <p:pic>
+        <p:nvPicPr>
+          <p:cNvPr id="2050" name="Picture 2"/>
+          <p:cNvPicPr>
+            <a:picLocks noChangeAspect="1" noChangeArrowheads="1"/>
+          </p:cNvPicPr>
+          <p:nvPr/>
+        </p:nvPicPr>
+        <p:blipFill>
+          <a:blip r:embed="rId2" cstate="print"/>
+          <a:srcRect/>
+          <a:stretch>
+            <a:fillRect/>
+          </a:stretch>
+        </p:blipFill>
+        <p:spPr bwMode="auto">
+          <a:xfrm>
+            <a:off x="4283968" y="3717032"/>
+            <a:ext cx="713805" cy="644588"/>
+          </a:xfrm>
+          <a:prstGeom prst="rect">
+            <a:avLst/>
+          </a:prstGeom>
+          <a:noFill/>
+          <a:ln w="9525">
+            <a:noFill/>
+            <a:miter lim="800000"/>
+            <a:headEnd/>
+            <a:tailEnd/>
+          </a:ln>
+        </p:spPr>
+      </p:pic>
+    </p:spTree>
+    <p:extLst>
+      <p:ext uri="{BB962C8B-B14F-4D97-AF65-F5344CB8AC3E}">
+        <p14:creationId xmlns:p14="http://schemas.microsoft.com/office/powerpoint/2010/main" val="2380890263"/>
+      </p:ext>
+    </p:extLst>
+  </p:cSld>
+  <p:clrMapOvr>
+    <a:masterClrMapping/>
+  </p:clrMapOvr>
+</p:sld>
+</file>
+
+<file path=ppt/slides/slide17.xml><?xml version="1.0" encoding="utf-8"?>
 <p:sld xmlns:a="http://schemas.openxmlformats.org/drawingml/2006/main" xmlns:r="http://schemas.openxmlformats.org/officeDocument/2006/relationships" xmlns:p="http://schemas.openxmlformats.org/presentationml/2006/main">
   <p:cSld>
     <p:spTree>
@@ -5427,12 +5634,12 @@
           <a:p>
             <a:pPr algn="l"/>
             <a:r>
-              <a:rPr lang="en-US" altLang="zh-TW" b="1" dirty="0">
+              <a:rPr lang="en-US" altLang="zh-TW" sz="4400" b="1" dirty="0">
                 <a:solidFill>
                   <a:srgbClr val="FFFF00"/>
                 </a:solidFill>
               </a:rPr>
-              <a:t>28.5 Third Step: 1) Focus</a:t>
+              <a:t>28.5 Verify Input Focus</a:t>
             </a:r>
             <a:endParaRPr lang="zh-TW" altLang="en-US" b="1" dirty="0">
               <a:solidFill>
@@ -5454,8 +5661,8 @@
         </p:nvSpPr>
         <p:spPr>
           <a:xfrm>
-            <a:off x="457200" y="1318985"/>
-            <a:ext cx="8229600" cy="1169730"/>
+            <a:off x="467544" y="1340768"/>
+            <a:ext cx="8352928" cy="1008112"/>
           </a:xfrm>
           <a:ln>
             <a:solidFill>
@@ -5478,13 +5685,13 @@
               <a:buChar char="u"/>
             </a:pPr>
             <a:r>
-              <a:rPr lang="en-US" altLang="zh-TW" sz="1600" b="1" dirty="0">
-                <a:solidFill>
-                  <a:srgbClr val="C00000"/>
-                </a:solidFill>
-                <a:latin typeface="+mj-lt"/>
-              </a:rPr>
-              <a:t>Third step: 1) Call the focus method on input Element</a:t>
+              <a:rPr lang="en-US" altLang="zh-TW" sz="1800" dirty="0">
+                <a:solidFill>
+                  <a:schemeClr val="tx1"/>
+                </a:solidFill>
+                <a:latin typeface="+mj-lt"/>
+              </a:rPr>
+              <a:t>Open browser</a:t>
             </a:r>
           </a:p>
           <a:p>
@@ -5497,13 +5704,31 @@
               <a:buChar char="u"/>
             </a:pPr>
             <a:r>
-              <a:rPr lang="en-US" altLang="zh-TW" sz="1600" dirty="0">
-                <a:solidFill>
-                  <a:schemeClr val="tx1"/>
-                </a:solidFill>
-                <a:latin typeface="+mj-lt"/>
-              </a:rPr>
-              <a:t>Open the browser and Fn+F12 to open the console.</a:t>
+              <a:rPr lang="en-US" altLang="zh-TW" sz="1800" dirty="0">
+                <a:solidFill>
+                  <a:schemeClr val="tx1"/>
+                </a:solidFill>
+                <a:latin typeface="+mj-lt"/>
+              </a:rPr>
+              <a:t>&gt; </a:t>
+            </a:r>
+            <a:r>
+              <a:rPr lang="en-US" altLang="zh-TW" sz="1800" dirty="0" err="1">
+                <a:solidFill>
+                  <a:schemeClr val="tx1"/>
+                </a:solidFill>
+                <a:latin typeface="+mj-lt"/>
+              </a:rPr>
+              <a:t>npm</a:t>
+            </a:r>
+            <a:r>
+              <a:rPr lang="en-US" altLang="zh-TW" sz="1800" dirty="0">
+                <a:solidFill>
+                  <a:schemeClr val="tx1"/>
+                </a:solidFill>
+                <a:latin typeface="+mj-lt"/>
+              </a:rPr>
+              <a:t> start</a:t>
             </a:r>
           </a:p>
           <a:p>
@@ -5516,13 +5741,13 @@
               <a:buChar char="u"/>
             </a:pPr>
             <a:r>
-              <a:rPr lang="en-US" altLang="zh-TW" sz="1600" dirty="0">
-                <a:solidFill>
-                  <a:schemeClr val="tx1"/>
-                </a:solidFill>
-                <a:latin typeface="+mj-lt"/>
-              </a:rPr>
-              <a:t>We can see the Object is display. If we expand the Object, we can see a property called “current” of type “input”.</a:t>
+              <a:rPr lang="en-US" altLang="zh-TW" sz="1800" dirty="0">
+                <a:solidFill>
+                  <a:schemeClr val="tx1"/>
+                </a:solidFill>
+                <a:latin typeface="+mj-lt"/>
+              </a:rPr>
+              <a:t>The input is focus.</a:t>
             </a:r>
           </a:p>
         </p:txBody>
@@ -5578,7 +5803,7 @@
           <a:p>
             <a:r>
               <a:rPr lang="en-US" altLang="zh-TW" sz="1600" b="1" i="1" dirty="0"/>
-              <a:t>https://www.youtube.com/watch?v=FXa9mMTKOu8&amp;list=PLC3y8-rFHvwgg3vaYJgHGnModB54rxOk3&amp;index=28</a:t>
+              <a:t>https://www.youtube.com/watch?v=yCS2m01bQ6w&amp;list=PLC3y8-rFHvwgg3vaYJgHGnModB54rxOk3&amp;index=71</a:t>
             </a:r>
           </a:p>
         </p:txBody>
@@ -5606,7 +5831,7 @@
             <a:fld id="{A4F910E6-8D00-4BAF-8C48-9688E0B449D3}" type="datetime1">
               <a:rPr lang="zh-TW" altLang="en-US" smtClean="0"/>
               <a:pPr/>
-              <a:t>2020/5/26</a:t>
+              <a:t>2020/6/29</a:t>
             </a:fld>
             <a:endParaRPr lang="zh-TW" altLang="en-US"/>
           </a:p>
@@ -5635,7 +5860,7 @@
             <a:fld id="{E4D7E63D-91F2-4366-A2C4-1B00C9E2590E}" type="slidenum">
               <a:rPr lang="zh-TW" altLang="en-US" smtClean="0"/>
               <a:pPr/>
-              <a:t>15</a:t>
+              <a:t>17</a:t>
             </a:fld>
             <a:endParaRPr lang="zh-TW" altLang="en-US"/>
           </a:p>
@@ -5643,10 +5868,10 @@
       </p:sp>
       <p:pic>
         <p:nvPicPr>
-          <p:cNvPr id="10" name="Picture 9">
+          <p:cNvPr id="7" name="Picture 6">
             <a:extLst>
               <a:ext uri="{FF2B5EF4-FFF2-40B4-BE49-F238E27FC236}">
-                <a16:creationId xmlns:a16="http://schemas.microsoft.com/office/drawing/2014/main" id="{C7F1BE33-C9F7-4C0E-96A3-616F9C93EE54}"/>
+                <a16:creationId xmlns:a16="http://schemas.microsoft.com/office/drawing/2014/main" id="{D1BFF058-6540-4357-874A-9D6116FFD42E}"/>
               </a:ext>
             </a:extLst>
           </p:cNvPr>
@@ -5663,8 +5888,8 @@
         </p:blipFill>
         <p:spPr>
           <a:xfrm>
-            <a:off x="494606" y="2641502"/>
-            <a:ext cx="7092280" cy="2161334"/>
+            <a:off x="2190750" y="2636912"/>
+            <a:ext cx="4762500" cy="1362075"/>
           </a:xfrm>
           <a:prstGeom prst="rect">
             <a:avLst/>
@@ -5676,388 +5901,10 @@
           </a:ln>
         </p:spPr>
       </p:pic>
-      <p:sp>
-        <p:nvSpPr>
-          <p:cNvPr id="11" name="Rectangle 10">
-            <a:extLst>
-              <a:ext uri="{FF2B5EF4-FFF2-40B4-BE49-F238E27FC236}">
-                <a16:creationId xmlns:a16="http://schemas.microsoft.com/office/drawing/2014/main" id="{5EEE5F3C-D6E8-447F-815C-7936D6A84FF7}"/>
-              </a:ext>
-            </a:extLst>
-          </p:cNvPr>
-          <p:cNvSpPr/>
-          <p:nvPr/>
-        </p:nvSpPr>
-        <p:spPr>
-          <a:xfrm>
-            <a:off x="2915816" y="4514006"/>
-            <a:ext cx="720080" cy="216024"/>
-          </a:xfrm>
-          <a:prstGeom prst="rect">
-            <a:avLst/>
-          </a:prstGeom>
-          <a:noFill/>
-          <a:ln>
-            <a:solidFill>
-              <a:srgbClr val="C00000"/>
-            </a:solidFill>
-          </a:ln>
-        </p:spPr>
-        <p:style>
-          <a:lnRef idx="2">
-            <a:schemeClr val="accent1">
-              <a:shade val="50000"/>
-            </a:schemeClr>
-          </a:lnRef>
-          <a:fillRef idx="1">
-            <a:schemeClr val="accent1"/>
-          </a:fillRef>
-          <a:effectRef idx="0">
-            <a:schemeClr val="accent1"/>
-          </a:effectRef>
-          <a:fontRef idx="minor">
-            <a:schemeClr val="lt1"/>
-          </a:fontRef>
-        </p:style>
-        <p:txBody>
-          <a:bodyPr rtlCol="0" anchor="ctr"/>
-          <a:lstStyle/>
-          <a:p>
-            <a:pPr algn="ctr"/>
-            <a:endParaRPr lang="en-US"/>
-          </a:p>
-        </p:txBody>
-      </p:sp>
-      <p:pic>
-        <p:nvPicPr>
-          <p:cNvPr id="12" name="Picture 11">
-            <a:extLst>
-              <a:ext uri="{FF2B5EF4-FFF2-40B4-BE49-F238E27FC236}">
-                <a16:creationId xmlns:a16="http://schemas.microsoft.com/office/drawing/2014/main" id="{918A3533-1E74-4F6E-803E-63DBF3A4D279}"/>
-              </a:ext>
-            </a:extLst>
-          </p:cNvPr>
-          <p:cNvPicPr>
-            <a:picLocks noChangeAspect="1"/>
-          </p:cNvPicPr>
-          <p:nvPr/>
-        </p:nvPicPr>
-        <p:blipFill>
-          <a:blip r:embed="rId3"/>
-          <a:stretch>
-            <a:fillRect/>
-          </a:stretch>
-        </p:blipFill>
-        <p:spPr>
-          <a:xfrm>
-            <a:off x="6660232" y="2486077"/>
-            <a:ext cx="1654695" cy="4271882"/>
-          </a:xfrm>
-          <a:prstGeom prst="rect">
-            <a:avLst/>
-          </a:prstGeom>
-          <a:ln>
-            <a:solidFill>
-              <a:srgbClr val="C00000"/>
-            </a:solidFill>
-          </a:ln>
-        </p:spPr>
-      </p:pic>
-      <p:cxnSp>
-        <p:nvCxnSpPr>
-          <p:cNvPr id="14" name="Straight Arrow Connector 13">
-            <a:extLst>
-              <a:ext uri="{FF2B5EF4-FFF2-40B4-BE49-F238E27FC236}">
-                <a16:creationId xmlns:a16="http://schemas.microsoft.com/office/drawing/2014/main" id="{36CA130D-C2F0-4842-9E05-DA3CCC0C6B49}"/>
-              </a:ext>
-            </a:extLst>
-          </p:cNvPr>
-          <p:cNvCxnSpPr>
-            <a:cxnSpLocks/>
-            <a:stCxn id="11" idx="3"/>
-            <a:endCxn id="12" idx="1"/>
-          </p:cNvCxnSpPr>
-          <p:nvPr/>
-        </p:nvCxnSpPr>
-        <p:spPr>
-          <a:xfrm>
-            <a:off x="3635896" y="4622018"/>
-            <a:ext cx="3024336" cy="0"/>
-          </a:xfrm>
-          <a:prstGeom prst="straightConnector1">
-            <a:avLst/>
-          </a:prstGeom>
-          <a:ln>
-            <a:solidFill>
-              <a:srgbClr val="C00000"/>
-            </a:solidFill>
-            <a:tailEnd type="triangle"/>
-          </a:ln>
-        </p:spPr>
-        <p:style>
-          <a:lnRef idx="1">
-            <a:schemeClr val="accent1"/>
-          </a:lnRef>
-          <a:fillRef idx="0">
-            <a:schemeClr val="accent1"/>
-          </a:fillRef>
-          <a:effectRef idx="0">
-            <a:schemeClr val="accent1"/>
-          </a:effectRef>
-          <a:fontRef idx="minor">
-            <a:schemeClr val="tx1"/>
-          </a:fontRef>
-        </p:style>
-      </p:cxnSp>
-      <p:sp>
-        <p:nvSpPr>
-          <p:cNvPr id="20" name="副標題 2">
-            <a:extLst>
-              <a:ext uri="{FF2B5EF4-FFF2-40B4-BE49-F238E27FC236}">
-                <a16:creationId xmlns:a16="http://schemas.microsoft.com/office/drawing/2014/main" id="{0C28D13F-4596-409B-A01C-E53FF08623B6}"/>
-              </a:ext>
-            </a:extLst>
-          </p:cNvPr>
-          <p:cNvSpPr txBox="1">
-            <a:spLocks/>
-          </p:cNvSpPr>
-          <p:nvPr/>
-        </p:nvSpPr>
-        <p:spPr>
-          <a:xfrm>
-            <a:off x="494606" y="4872323"/>
-            <a:ext cx="6058594" cy="932942"/>
-          </a:xfrm>
-          <a:prstGeom prst="rect">
-            <a:avLst/>
-          </a:prstGeom>
-          <a:ln>
-            <a:solidFill>
-              <a:srgbClr val="C00000"/>
-            </a:solidFill>
-          </a:ln>
-        </p:spPr>
-        <p:txBody>
-          <a:bodyPr vert="horz" lIns="91440" tIns="45720" rIns="91440" bIns="45720" rtlCol="0">
-            <a:noAutofit/>
-          </a:bodyPr>
-          <a:lstStyle>
-            <a:lvl1pPr marL="0" indent="0" algn="ctr" defTabSz="914400" rtl="0" eaLnBrk="1" latinLnBrk="0" hangingPunct="1">
-              <a:spcBef>
-                <a:spcPct val="20000"/>
-              </a:spcBef>
-              <a:buFont typeface="Arial" pitchFamily="34" charset="0"/>
-              <a:buNone/>
-              <a:defRPr sz="3200" kern="1200">
-                <a:solidFill>
-                  <a:schemeClr val="tx1">
-                    <a:tint val="75000"/>
-                  </a:schemeClr>
-                </a:solidFill>
-                <a:latin typeface="+mn-lt"/>
-                <a:ea typeface="+mn-ea"/>
-                <a:cs typeface="+mn-cs"/>
-              </a:defRPr>
-            </a:lvl1pPr>
-            <a:lvl2pPr marL="457200" indent="0" algn="ctr" defTabSz="914400" rtl="0" eaLnBrk="1" latinLnBrk="0" hangingPunct="1">
-              <a:spcBef>
-                <a:spcPct val="20000"/>
-              </a:spcBef>
-              <a:buFont typeface="Arial" pitchFamily="34" charset="0"/>
-              <a:buNone/>
-              <a:defRPr sz="2800" kern="1200">
-                <a:solidFill>
-                  <a:schemeClr val="tx1">
-                    <a:tint val="75000"/>
-                  </a:schemeClr>
-                </a:solidFill>
-                <a:latin typeface="+mn-lt"/>
-                <a:ea typeface="+mn-ea"/>
-                <a:cs typeface="+mn-cs"/>
-              </a:defRPr>
-            </a:lvl2pPr>
-            <a:lvl3pPr marL="914400" indent="0" algn="ctr" defTabSz="914400" rtl="0" eaLnBrk="1" latinLnBrk="0" hangingPunct="1">
-              <a:spcBef>
-                <a:spcPct val="20000"/>
-              </a:spcBef>
-              <a:buFont typeface="Arial" pitchFamily="34" charset="0"/>
-              <a:buNone/>
-              <a:defRPr sz="2400" kern="1200">
-                <a:solidFill>
-                  <a:schemeClr val="tx1">
-                    <a:tint val="75000"/>
-                  </a:schemeClr>
-                </a:solidFill>
-                <a:latin typeface="+mn-lt"/>
-                <a:ea typeface="+mn-ea"/>
-                <a:cs typeface="+mn-cs"/>
-              </a:defRPr>
-            </a:lvl3pPr>
-            <a:lvl4pPr marL="1371600" indent="0" algn="ctr" defTabSz="914400" rtl="0" eaLnBrk="1" latinLnBrk="0" hangingPunct="1">
-              <a:spcBef>
-                <a:spcPct val="20000"/>
-              </a:spcBef>
-              <a:buFont typeface="Arial" pitchFamily="34" charset="0"/>
-              <a:buNone/>
-              <a:defRPr sz="2000" kern="1200">
-                <a:solidFill>
-                  <a:schemeClr val="tx1">
-                    <a:tint val="75000"/>
-                  </a:schemeClr>
-                </a:solidFill>
-                <a:latin typeface="+mn-lt"/>
-                <a:ea typeface="+mn-ea"/>
-                <a:cs typeface="+mn-cs"/>
-              </a:defRPr>
-            </a:lvl4pPr>
-            <a:lvl5pPr marL="1828800" indent="0" algn="ctr" defTabSz="914400" rtl="0" eaLnBrk="1" latinLnBrk="0" hangingPunct="1">
-              <a:spcBef>
-                <a:spcPct val="20000"/>
-              </a:spcBef>
-              <a:buFont typeface="Arial" pitchFamily="34" charset="0"/>
-              <a:buNone/>
-              <a:defRPr sz="2000" kern="1200">
-                <a:solidFill>
-                  <a:schemeClr val="tx1">
-                    <a:tint val="75000"/>
-                  </a:schemeClr>
-                </a:solidFill>
-                <a:latin typeface="+mn-lt"/>
-                <a:ea typeface="+mn-ea"/>
-                <a:cs typeface="+mn-cs"/>
-              </a:defRPr>
-            </a:lvl5pPr>
-            <a:lvl6pPr marL="2286000" indent="0" algn="ctr" defTabSz="914400" rtl="0" eaLnBrk="1" latinLnBrk="0" hangingPunct="1">
-              <a:spcBef>
-                <a:spcPct val="20000"/>
-              </a:spcBef>
-              <a:buFont typeface="Arial" pitchFamily="34" charset="0"/>
-              <a:buNone/>
-              <a:defRPr sz="2000" kern="1200">
-                <a:solidFill>
-                  <a:schemeClr val="tx1">
-                    <a:tint val="75000"/>
-                  </a:schemeClr>
-                </a:solidFill>
-                <a:latin typeface="+mn-lt"/>
-                <a:ea typeface="+mn-ea"/>
-                <a:cs typeface="+mn-cs"/>
-              </a:defRPr>
-            </a:lvl6pPr>
-            <a:lvl7pPr marL="2743200" indent="0" algn="ctr" defTabSz="914400" rtl="0" eaLnBrk="1" latinLnBrk="0" hangingPunct="1">
-              <a:spcBef>
-                <a:spcPct val="20000"/>
-              </a:spcBef>
-              <a:buFont typeface="Arial" pitchFamily="34" charset="0"/>
-              <a:buNone/>
-              <a:defRPr sz="2000" kern="1200">
-                <a:solidFill>
-                  <a:schemeClr val="tx1">
-                    <a:tint val="75000"/>
-                  </a:schemeClr>
-                </a:solidFill>
-                <a:latin typeface="+mn-lt"/>
-                <a:ea typeface="+mn-ea"/>
-                <a:cs typeface="+mn-cs"/>
-              </a:defRPr>
-            </a:lvl7pPr>
-            <a:lvl8pPr marL="3200400" indent="0" algn="ctr" defTabSz="914400" rtl="0" eaLnBrk="1" latinLnBrk="0" hangingPunct="1">
-              <a:spcBef>
-                <a:spcPct val="20000"/>
-              </a:spcBef>
-              <a:buFont typeface="Arial" pitchFamily="34" charset="0"/>
-              <a:buNone/>
-              <a:defRPr sz="2000" kern="1200">
-                <a:solidFill>
-                  <a:schemeClr val="tx1">
-                    <a:tint val="75000"/>
-                  </a:schemeClr>
-                </a:solidFill>
-                <a:latin typeface="+mn-lt"/>
-                <a:ea typeface="+mn-ea"/>
-                <a:cs typeface="+mn-cs"/>
-              </a:defRPr>
-            </a:lvl8pPr>
-            <a:lvl9pPr marL="3657600" indent="0" algn="ctr" defTabSz="914400" rtl="0" eaLnBrk="1" latinLnBrk="0" hangingPunct="1">
-              <a:spcBef>
-                <a:spcPct val="20000"/>
-              </a:spcBef>
-              <a:buFont typeface="Arial" pitchFamily="34" charset="0"/>
-              <a:buNone/>
-              <a:defRPr sz="2000" kern="1200">
-                <a:solidFill>
-                  <a:schemeClr val="tx1">
-                    <a:tint val="75000"/>
-                  </a:schemeClr>
-                </a:solidFill>
-                <a:latin typeface="+mn-lt"/>
-                <a:ea typeface="+mn-ea"/>
-                <a:cs typeface="+mn-cs"/>
-              </a:defRPr>
-            </a:lvl9pPr>
-          </a:lstStyle>
-          <a:p>
-            <a:pPr marL="342900" indent="-342900" algn="l">
-              <a:buClr>
-                <a:srgbClr val="0070C0"/>
-              </a:buClr>
-              <a:buSzPct val="80000"/>
-              <a:buFont typeface="Wingdings" pitchFamily="2" charset="2"/>
-              <a:buChar char="u"/>
-            </a:pPr>
-            <a:r>
-              <a:rPr lang="en-US" altLang="zh-TW" sz="1600" dirty="0">
-                <a:solidFill>
-                  <a:schemeClr val="tx1"/>
-                </a:solidFill>
-                <a:latin typeface="+mj-lt"/>
-              </a:rPr>
-              <a:t>This current property point the actual DOM node.</a:t>
-            </a:r>
-          </a:p>
-          <a:p>
-            <a:pPr marL="342900" indent="-342900" algn="l">
-              <a:buClr>
-                <a:srgbClr val="0070C0"/>
-              </a:buClr>
-              <a:buSzPct val="80000"/>
-              <a:buFont typeface="Wingdings" pitchFamily="2" charset="2"/>
-              <a:buChar char="u"/>
-            </a:pPr>
-            <a:r>
-              <a:rPr lang="en-US" altLang="zh-TW" sz="1600" dirty="0">
-                <a:solidFill>
-                  <a:schemeClr val="tx1"/>
-                </a:solidFill>
-                <a:latin typeface="+mj-lt"/>
-              </a:rPr>
-              <a:t>To focus on the input element in </a:t>
-            </a:r>
-            <a:r>
-              <a:rPr lang="en-US" altLang="zh-TW" sz="1600" dirty="0" err="1">
-                <a:solidFill>
-                  <a:schemeClr val="tx1"/>
-                </a:solidFill>
-                <a:latin typeface="+mj-lt"/>
-              </a:rPr>
-              <a:t>componentDidMount</a:t>
-            </a:r>
-            <a:r>
-              <a:rPr lang="en-US" altLang="zh-TW" sz="1600" dirty="0">
-                <a:solidFill>
-                  <a:schemeClr val="tx1"/>
-                </a:solidFill>
-                <a:latin typeface="+mj-lt"/>
-              </a:rPr>
-              <a:t>(), we simply call the focus method on the current property.</a:t>
-            </a:r>
-          </a:p>
-        </p:txBody>
-      </p:sp>
     </p:spTree>
     <p:extLst>
       <p:ext uri="{BB962C8B-B14F-4D97-AF65-F5344CB8AC3E}">
-        <p14:creationId xmlns:p14="http://schemas.microsoft.com/office/powerpoint/2010/main" val="827588671"/>
+        <p14:creationId xmlns:p14="http://schemas.microsoft.com/office/powerpoint/2010/main" val="645907840"/>
       </p:ext>
     </p:extLst>
   </p:cSld>
@@ -6067,7 +5914,7 @@
 </p:sld>
 </file>
 
-<file path=ppt/slides/slide16.xml><?xml version="1.0" encoding="utf-8"?>
+<file path=ppt/slides/slide18.xml><?xml version="1.0" encoding="utf-8"?>
 <p:sld xmlns:a="http://schemas.openxmlformats.org/drawingml/2006/main" xmlns:r="http://schemas.openxmlformats.org/officeDocument/2006/relationships" xmlns:p="http://schemas.openxmlformats.org/presentationml/2006/main">
   <p:cSld>
     <p:spTree>
@@ -6134,12 +5981,12 @@
           <a:p>
             <a:pPr algn="l"/>
             <a:r>
-              <a:rPr lang="en-US" altLang="zh-TW" b="1" dirty="0">
+              <a:rPr lang="en-US" altLang="zh-TW" sz="4400" b="1" dirty="0">
                 <a:solidFill>
                   <a:srgbClr val="FFFF00"/>
                 </a:solidFill>
               </a:rPr>
-              <a:t>28.5 Third Step: 1) Focus</a:t>
+              <a:t>28.5 Verify Input Focus</a:t>
             </a:r>
             <a:endParaRPr lang="zh-TW" altLang="en-US" b="1" dirty="0">
               <a:solidFill>
@@ -6161,8 +6008,8 @@
         </p:nvSpPr>
         <p:spPr>
           <a:xfrm>
-            <a:off x="457200" y="1318985"/>
-            <a:ext cx="3600400" cy="885879"/>
+            <a:off x="467544" y="1340768"/>
+            <a:ext cx="8352928" cy="1080120"/>
           </a:xfrm>
           <a:ln>
             <a:solidFill>
@@ -6185,31 +6032,13 @@
               <a:buChar char="u"/>
             </a:pPr>
             <a:r>
-              <a:rPr lang="en-US" altLang="zh-TW" sz="1600" dirty="0">
-                <a:solidFill>
-                  <a:schemeClr val="tx1"/>
-                </a:solidFill>
-                <a:latin typeface="+mj-lt"/>
-              </a:rPr>
-              <a:t>Back in </a:t>
-            </a:r>
-            <a:r>
-              <a:rPr lang="en-US" altLang="zh-TW" sz="1600" dirty="0" err="1">
-                <a:solidFill>
-                  <a:schemeClr val="tx1"/>
-                </a:solidFill>
-                <a:latin typeface="+mj-lt"/>
-              </a:rPr>
-              <a:t>componentDidMount</a:t>
-            </a:r>
-            <a:r>
-              <a:rPr lang="en-US" altLang="zh-TW" sz="1600" dirty="0">
-                <a:solidFill>
-                  <a:schemeClr val="tx1"/>
-                </a:solidFill>
-                <a:latin typeface="+mj-lt"/>
-              </a:rPr>
-              <a:t>(), add the following code:</a:t>
+              <a:rPr lang="en-US" altLang="zh-TW" sz="1800" dirty="0">
+                <a:solidFill>
+                  <a:schemeClr val="tx1"/>
+                </a:solidFill>
+                <a:latin typeface="+mj-lt"/>
+              </a:rPr>
+              <a:t>This is how to use ref Hook to access the DOM Node in react functional component.</a:t>
             </a:r>
           </a:p>
           <a:p>
@@ -6222,22 +6051,13 @@
               <a:buChar char="u"/>
             </a:pPr>
             <a:r>
-              <a:rPr lang="en-US" altLang="zh-TW" sz="1600" b="1" dirty="0" err="1">
-                <a:solidFill>
-                  <a:srgbClr val="C00000"/>
-                </a:solidFill>
-                <a:latin typeface="+mj-lt"/>
-              </a:rPr>
-              <a:t>this.inputRef.current.focus</a:t>
-            </a:r>
-            <a:r>
-              <a:rPr lang="en-US" altLang="zh-TW" sz="1600" b="1" dirty="0">
-                <a:solidFill>
-                  <a:srgbClr val="C00000"/>
-                </a:solidFill>
-                <a:latin typeface="+mj-lt"/>
-              </a:rPr>
-              <a:t>(). </a:t>
+              <a:rPr lang="en-US" altLang="zh-TW" sz="1800" dirty="0">
+                <a:solidFill>
+                  <a:schemeClr val="tx1"/>
+                </a:solidFill>
+                <a:latin typeface="+mj-lt"/>
+              </a:rPr>
+              <a:t>However, this is not the only use of the ref Hook.</a:t>
             </a:r>
           </a:p>
           <a:p>
@@ -6249,12 +6069,15 @@
               <a:buFont typeface="Wingdings" pitchFamily="2" charset="2"/>
               <a:buChar char="u"/>
             </a:pPr>
-            <a:endParaRPr lang="en-US" altLang="zh-TW" sz="1800" dirty="0">
-              <a:solidFill>
-                <a:schemeClr val="tx1"/>
-              </a:solidFill>
-              <a:latin typeface="+mj-lt"/>
-            </a:endParaRPr>
+            <a:r>
+              <a:rPr lang="en-US" altLang="zh-TW" sz="1800" dirty="0">
+                <a:solidFill>
+                  <a:schemeClr val="tx1"/>
+                </a:solidFill>
+                <a:latin typeface="+mj-lt"/>
+              </a:rPr>
+              <a:t>We will take a look another one in the next discussion.</a:t>
+            </a:r>
           </a:p>
         </p:txBody>
       </p:sp>
@@ -6309,7 +6132,7 @@
           <a:p>
             <a:r>
               <a:rPr lang="en-US" altLang="zh-TW" sz="1600" b="1" i="1" dirty="0"/>
-              <a:t>https://www.youtube.com/watch?v=FXa9mMTKOu8&amp;list=PLC3y8-rFHvwgg3vaYJgHGnModB54rxOk3&amp;index=28</a:t>
+              <a:t>https://www.youtube.com/watch?v=yCS2m01bQ6w&amp;list=PLC3y8-rFHvwgg3vaYJgHGnModB54rxOk3&amp;index=71</a:t>
             </a:r>
           </a:p>
         </p:txBody>
@@ -6337,7 +6160,7 @@
             <a:fld id="{A4F910E6-8D00-4BAF-8C48-9688E0B449D3}" type="datetime1">
               <a:rPr lang="zh-TW" altLang="en-US" smtClean="0"/>
               <a:pPr/>
-              <a:t>2020/5/26</a:t>
+              <a:t>2020/6/29</a:t>
             </a:fld>
             <a:endParaRPr lang="zh-TW" altLang="en-US"/>
           </a:p>
@@ -6366,138 +6189,16 @@
             <a:fld id="{E4D7E63D-91F2-4366-A2C4-1B00C9E2590E}" type="slidenum">
               <a:rPr lang="zh-TW" altLang="en-US" smtClean="0"/>
               <a:pPr/>
-              <a:t>16</a:t>
+              <a:t>18</a:t>
             </a:fld>
             <a:endParaRPr lang="zh-TW" altLang="en-US"/>
           </a:p>
         </p:txBody>
       </p:sp>
-      <p:pic>
-        <p:nvPicPr>
-          <p:cNvPr id="7" name="Picture 6">
-            <a:extLst>
-              <a:ext uri="{FF2B5EF4-FFF2-40B4-BE49-F238E27FC236}">
-                <a16:creationId xmlns:a16="http://schemas.microsoft.com/office/drawing/2014/main" id="{3AED2DCC-A03F-4626-9606-6E6F7A4023D0}"/>
-              </a:ext>
-            </a:extLst>
-          </p:cNvPr>
-          <p:cNvPicPr>
-            <a:picLocks noChangeAspect="1"/>
-          </p:cNvPicPr>
-          <p:nvPr/>
-        </p:nvPicPr>
-        <p:blipFill>
-          <a:blip r:embed="rId2"/>
-          <a:stretch>
-            <a:fillRect/>
-          </a:stretch>
-        </p:blipFill>
-        <p:spPr>
-          <a:xfrm>
-            <a:off x="4169194" y="1318781"/>
-            <a:ext cx="4727035" cy="4638954"/>
-          </a:xfrm>
-          <a:prstGeom prst="rect">
-            <a:avLst/>
-          </a:prstGeom>
-          <a:ln>
-            <a:solidFill>
-              <a:srgbClr val="C00000"/>
-            </a:solidFill>
-          </a:ln>
-        </p:spPr>
-      </p:pic>
-      <p:sp>
-        <p:nvSpPr>
-          <p:cNvPr id="9" name="Rectangle 8">
-            <a:extLst>
-              <a:ext uri="{FF2B5EF4-FFF2-40B4-BE49-F238E27FC236}">
-                <a16:creationId xmlns:a16="http://schemas.microsoft.com/office/drawing/2014/main" id="{B91E3721-5A13-4E8D-A16B-F5981D667D90}"/>
-              </a:ext>
-            </a:extLst>
-          </p:cNvPr>
-          <p:cNvSpPr/>
-          <p:nvPr/>
-        </p:nvSpPr>
-        <p:spPr>
-          <a:xfrm>
-            <a:off x="4860032" y="2852936"/>
-            <a:ext cx="2160240" cy="720080"/>
-          </a:xfrm>
-          <a:prstGeom prst="rect">
-            <a:avLst/>
-          </a:prstGeom>
-          <a:noFill/>
-          <a:ln>
-            <a:solidFill>
-              <a:srgbClr val="C00000"/>
-            </a:solidFill>
-          </a:ln>
-        </p:spPr>
-        <p:style>
-          <a:lnRef idx="2">
-            <a:schemeClr val="accent1">
-              <a:shade val="50000"/>
-            </a:schemeClr>
-          </a:lnRef>
-          <a:fillRef idx="1">
-            <a:schemeClr val="accent1"/>
-          </a:fillRef>
-          <a:effectRef idx="0">
-            <a:schemeClr val="accent1"/>
-          </a:effectRef>
-          <a:fontRef idx="minor">
-            <a:schemeClr val="lt1"/>
-          </a:fontRef>
-        </p:style>
-        <p:txBody>
-          <a:bodyPr rtlCol="0" anchor="ctr"/>
-          <a:lstStyle/>
-          <a:p>
-            <a:pPr algn="ctr"/>
-            <a:endParaRPr lang="en-US"/>
-          </a:p>
-        </p:txBody>
-      </p:sp>
-      <p:pic>
-        <p:nvPicPr>
-          <p:cNvPr id="10" name="Picture 9">
-            <a:extLst>
-              <a:ext uri="{FF2B5EF4-FFF2-40B4-BE49-F238E27FC236}">
-                <a16:creationId xmlns:a16="http://schemas.microsoft.com/office/drawing/2014/main" id="{45C6F40F-2263-4544-AB30-3EEC12A5D7EC}"/>
-              </a:ext>
-            </a:extLst>
-          </p:cNvPr>
-          <p:cNvPicPr>
-            <a:picLocks noChangeAspect="1"/>
-          </p:cNvPicPr>
-          <p:nvPr/>
-        </p:nvPicPr>
-        <p:blipFill>
-          <a:blip r:embed="rId3"/>
-          <a:stretch>
-            <a:fillRect/>
-          </a:stretch>
-        </p:blipFill>
-        <p:spPr>
-          <a:xfrm>
-            <a:off x="7241534" y="1675711"/>
-            <a:ext cx="1654695" cy="4271882"/>
-          </a:xfrm>
-          <a:prstGeom prst="rect">
-            <a:avLst/>
-          </a:prstGeom>
-          <a:ln>
-            <a:solidFill>
-              <a:srgbClr val="C00000"/>
-            </a:solidFill>
-          </a:ln>
-        </p:spPr>
-      </p:pic>
     </p:spTree>
     <p:extLst>
       <p:ext uri="{BB962C8B-B14F-4D97-AF65-F5344CB8AC3E}">
-        <p14:creationId xmlns:p14="http://schemas.microsoft.com/office/powerpoint/2010/main" val="2486601803"/>
+        <p14:creationId xmlns:p14="http://schemas.microsoft.com/office/powerpoint/2010/main" val="632895025"/>
       </p:ext>
     </p:extLst>
   </p:cSld>
@@ -6507,7 +6208,7 @@
 </p:sld>
 </file>
 
-<file path=ppt/slides/slide17.xml><?xml version="1.0" encoding="utf-8"?>
+<file path=ppt/slides/slide19.xml><?xml version="1.0" encoding="utf-8"?>
 <p:sld xmlns:a="http://schemas.openxmlformats.org/drawingml/2006/main" xmlns:r="http://schemas.openxmlformats.org/officeDocument/2006/relationships" xmlns:p="http://schemas.openxmlformats.org/presentationml/2006/main">
   <p:cSld>
     <p:spTree>
@@ -6524,41 +6225,187 @@
           <a:chExt cx="0" cy="0"/>
         </a:xfrm>
       </p:grpSpPr>
+      <p:sp>
+        <p:nvSpPr>
+          <p:cNvPr id="2" name="標題 1"/>
+          <p:cNvSpPr>
+            <a:spLocks noGrp="1"/>
+          </p:cNvSpPr>
+          <p:nvPr>
+            <p:ph type="ctrTitle"/>
+          </p:nvPr>
+        </p:nvSpPr>
+        <p:spPr>
+          <a:xfrm>
+            <a:off x="0" y="2130425"/>
+            <a:ext cx="9144000" cy="1470025"/>
+          </a:xfrm>
+          <a:solidFill>
+            <a:srgbClr val="00B0F0"/>
+          </a:solidFill>
+        </p:spPr>
+        <p:txBody>
+          <a:bodyPr>
+            <a:normAutofit/>
+          </a:bodyPr>
+          <a:lstStyle/>
+          <a:p>
+            <a:r>
+              <a:rPr lang="en-US" altLang="zh-TW" sz="4800" b="1" dirty="0">
+                <a:solidFill>
+                  <a:srgbClr val="FFFF00"/>
+                </a:solidFill>
+              </a:rPr>
+              <a:t>28.6 Quiz</a:t>
+            </a:r>
+            <a:endParaRPr lang="zh-TW" altLang="en-US" sz="4800" b="1" dirty="0">
+              <a:solidFill>
+                <a:srgbClr val="FFFF00"/>
+              </a:solidFill>
+            </a:endParaRPr>
+          </a:p>
+        </p:txBody>
+      </p:sp>
+      <p:sp>
+        <p:nvSpPr>
+          <p:cNvPr id="3" name="副標題 2"/>
+          <p:cNvSpPr>
+            <a:spLocks noGrp="1"/>
+          </p:cNvSpPr>
+          <p:nvPr>
+            <p:ph type="subTitle" idx="1"/>
+          </p:nvPr>
+        </p:nvSpPr>
+        <p:spPr>
+          <a:xfrm>
+            <a:off x="1259632" y="4581128"/>
+            <a:ext cx="6400800" cy="694928"/>
+          </a:xfrm>
+        </p:spPr>
+        <p:txBody>
+          <a:bodyPr>
+            <a:normAutofit/>
+          </a:bodyPr>
+          <a:lstStyle/>
+          <a:p>
+            <a:r>
+              <a:rPr lang="en-US" altLang="zh-TW" dirty="0"/>
+              <a:t>Peter H. Chen</a:t>
+            </a:r>
+            <a:endParaRPr lang="zh-TW" altLang="en-US" dirty="0"/>
+          </a:p>
+        </p:txBody>
+      </p:sp>
+      <p:sp>
+        <p:nvSpPr>
+          <p:cNvPr id="5" name="日期版面配置區 4"/>
+          <p:cNvSpPr>
+            <a:spLocks noGrp="1"/>
+          </p:cNvSpPr>
+          <p:nvPr>
+            <p:ph type="dt" sz="half" idx="10"/>
+          </p:nvPr>
+        </p:nvSpPr>
+        <p:spPr/>
+        <p:txBody>
+          <a:bodyPr/>
+          <a:lstStyle/>
+          <a:p>
+            <a:fld id="{C389EDC9-19E3-47AC-9C57-C6A24DEA81AD}" type="datetime1">
+              <a:rPr lang="zh-TW" altLang="en-US" smtClean="0"/>
+              <a:pPr/>
+              <a:t>2020/6/29</a:t>
+            </a:fld>
+            <a:endParaRPr lang="zh-TW" altLang="en-US"/>
+          </a:p>
+        </p:txBody>
+      </p:sp>
+      <p:sp>
+        <p:nvSpPr>
+          <p:cNvPr id="6" name="投影片編號版面配置區 5"/>
+          <p:cNvSpPr>
+            <a:spLocks noGrp="1"/>
+          </p:cNvSpPr>
+          <p:nvPr>
+            <p:ph type="sldNum" sz="quarter" idx="12"/>
+          </p:nvPr>
+        </p:nvSpPr>
+        <p:spPr/>
+        <p:txBody>
+          <a:bodyPr/>
+          <a:lstStyle/>
+          <a:p>
+            <a:fld id="{E4D7E63D-91F2-4366-A2C4-1B00C9E2590E}" type="slidenum">
+              <a:rPr lang="zh-TW" altLang="en-US" smtClean="0"/>
+              <a:pPr/>
+              <a:t>19</a:t>
+            </a:fld>
+            <a:endParaRPr lang="zh-TW" altLang="en-US"/>
+          </a:p>
+        </p:txBody>
+      </p:sp>
       <p:pic>
         <p:nvPicPr>
-          <p:cNvPr id="9" name="Picture 8">
-            <a:extLst>
-              <a:ext uri="{FF2B5EF4-FFF2-40B4-BE49-F238E27FC236}">
-                <a16:creationId xmlns:a16="http://schemas.microsoft.com/office/drawing/2014/main" id="{F7E91FE1-FD85-4EB0-A1D3-98764DD2E799}"/>
-              </a:ext>
-            </a:extLst>
-          </p:cNvPr>
+          <p:cNvPr id="2050" name="Picture 2"/>
           <p:cNvPicPr>
-            <a:picLocks noChangeAspect="1"/>
+            <a:picLocks noChangeAspect="1" noChangeArrowheads="1"/>
           </p:cNvPicPr>
           <p:nvPr/>
         </p:nvPicPr>
         <p:blipFill>
-          <a:blip r:embed="rId2"/>
+          <a:blip r:embed="rId2" cstate="print"/>
+          <a:srcRect/>
           <a:stretch>
             <a:fillRect/>
           </a:stretch>
         </p:blipFill>
-        <p:spPr>
-          <a:xfrm>
-            <a:off x="532022" y="3248781"/>
-            <a:ext cx="3149674" cy="1583538"/>
+        <p:spPr bwMode="auto">
+          <a:xfrm>
+            <a:off x="4283968" y="3717032"/>
+            <a:ext cx="713805" cy="644588"/>
           </a:xfrm>
           <a:prstGeom prst="rect">
             <a:avLst/>
           </a:prstGeom>
-          <a:ln>
-            <a:solidFill>
-              <a:srgbClr val="C00000"/>
-            </a:solidFill>
+          <a:noFill/>
+          <a:ln w="9525">
+            <a:noFill/>
+            <a:miter lim="800000"/>
+            <a:headEnd/>
+            <a:tailEnd/>
           </a:ln>
         </p:spPr>
       </p:pic>
+    </p:spTree>
+    <p:extLst>
+      <p:ext uri="{BB962C8B-B14F-4D97-AF65-F5344CB8AC3E}">
+        <p14:creationId xmlns:p14="http://schemas.microsoft.com/office/powerpoint/2010/main" val="3547409040"/>
+      </p:ext>
+    </p:extLst>
+  </p:cSld>
+  <p:clrMapOvr>
+    <a:masterClrMapping/>
+  </p:clrMapOvr>
+</p:sld>
+</file>
+
+<file path=ppt/slides/slide2.xml><?xml version="1.0" encoding="utf-8"?>
+<p:sld xmlns:a="http://schemas.openxmlformats.org/drawingml/2006/main" xmlns:r="http://schemas.openxmlformats.org/officeDocument/2006/relationships" xmlns:p="http://schemas.openxmlformats.org/presentationml/2006/main">
+  <p:cSld>
+    <p:spTree>
+      <p:nvGrpSpPr>
+        <p:cNvPr id="1" name=""/>
+        <p:cNvGrpSpPr/>
+        <p:nvPr/>
+      </p:nvGrpSpPr>
+      <p:grpSpPr>
+        <a:xfrm>
+          <a:off x="0" y="0"/>
+          <a:ext cx="0" cy="0"/>
+          <a:chOff x="0" y="0"/>
+          <a:chExt cx="0" cy="0"/>
+        </a:xfrm>
+      </p:grpSpPr>
       <p:sp>
         <p:nvSpPr>
           <p:cNvPr id="2" name="標題 1"/>
@@ -6614,7 +6461,7 @@
                   <a:srgbClr val="FFFF00"/>
                 </a:solidFill>
               </a:rPr>
-              <a:t>28.5 Third Step: 1) Focus</a:t>
+              <a:t>28 Refs</a:t>
             </a:r>
             <a:endParaRPr lang="zh-TW" altLang="en-US" b="1" dirty="0">
               <a:solidFill>
@@ -6636,8 +6483,8 @@
         </p:nvSpPr>
         <p:spPr>
           <a:xfrm>
-            <a:off x="457200" y="1318985"/>
-            <a:ext cx="8229600" cy="669855"/>
+            <a:off x="467544" y="1340768"/>
+            <a:ext cx="8352928" cy="3024336"/>
           </a:xfrm>
           <a:ln>
             <a:solidFill>
@@ -6660,31 +6507,13 @@
               <a:buChar char="u"/>
             </a:pPr>
             <a:r>
-              <a:rPr lang="en-US" altLang="zh-TW" sz="1600" dirty="0">
-                <a:solidFill>
-                  <a:schemeClr val="tx1"/>
-                </a:solidFill>
-                <a:latin typeface="+mj-lt"/>
-              </a:rPr>
-              <a:t>&gt; </a:t>
-            </a:r>
-            <a:r>
-              <a:rPr lang="en-US" altLang="zh-TW" sz="1600" dirty="0" err="1">
-                <a:solidFill>
-                  <a:schemeClr val="tx1"/>
-                </a:solidFill>
-                <a:latin typeface="+mj-lt"/>
-              </a:rPr>
-              <a:t>npm</a:t>
-            </a:r>
-            <a:r>
-              <a:rPr lang="en-US" altLang="zh-TW" sz="1600" dirty="0">
-                <a:solidFill>
-                  <a:schemeClr val="tx1"/>
-                </a:solidFill>
-                <a:latin typeface="+mj-lt"/>
-              </a:rPr>
-              <a:t> start</a:t>
+              <a:rPr lang="en-US" altLang="zh-TW" sz="1800" b="1" dirty="0">
+                <a:solidFill>
+                  <a:schemeClr val="tx1"/>
+                </a:solidFill>
+                <a:latin typeface="+mj-lt"/>
+              </a:rPr>
+              <a:t>This section discussed the concepts of Refs in React.</a:t>
             </a:r>
           </a:p>
           <a:p>
@@ -6697,13 +6526,108 @@
               <a:buChar char="u"/>
             </a:pPr>
             <a:r>
-              <a:rPr lang="en-US" altLang="zh-TW" sz="1600" dirty="0">
-                <a:solidFill>
-                  <a:schemeClr val="tx1"/>
-                </a:solidFill>
-                <a:latin typeface="+mj-lt"/>
-              </a:rPr>
-              <a:t>Refresh the browser again. The focus is displayed.</a:t>
+              <a:rPr lang="en-US" altLang="zh-TW" sz="1800" dirty="0">
+                <a:solidFill>
+                  <a:schemeClr val="tx1"/>
+                </a:solidFill>
+                <a:latin typeface="+mj-lt"/>
+              </a:rPr>
+              <a:t>Refs make it possible to access the DOM node directly within Functional Components.</a:t>
+            </a:r>
+          </a:p>
+          <a:p>
+            <a:pPr marL="342900" indent="-342900" algn="l">
+              <a:buClr>
+                <a:srgbClr val="0070C0"/>
+              </a:buClr>
+              <a:buSzPct val="80000"/>
+              <a:buFont typeface="Wingdings" pitchFamily="2" charset="2"/>
+              <a:buChar char="u"/>
+            </a:pPr>
+            <a:r>
+              <a:rPr lang="en-US" altLang="zh-TW" sz="1800" dirty="0">
+                <a:solidFill>
+                  <a:schemeClr val="tx1"/>
+                </a:solidFill>
+                <a:latin typeface="+mj-lt"/>
+              </a:rPr>
+              <a:t>For our understanding, we take a look at one of common use cases which is focusing a text input.</a:t>
+            </a:r>
+          </a:p>
+          <a:p>
+            <a:pPr marL="342900" indent="-342900" algn="l">
+              <a:buClr>
+                <a:srgbClr val="0070C0"/>
+              </a:buClr>
+              <a:buSzPct val="80000"/>
+              <a:buFont typeface="Wingdings" pitchFamily="2" charset="2"/>
+              <a:buChar char="u"/>
+            </a:pPr>
+            <a:r>
+              <a:rPr lang="en-US" altLang="zh-TW" sz="1800" dirty="0">
+                <a:solidFill>
+                  <a:schemeClr val="tx1"/>
+                </a:solidFill>
+                <a:latin typeface="+mj-lt"/>
+              </a:rPr>
+              <a:t>For example, we have a login form. </a:t>
+            </a:r>
+          </a:p>
+          <a:p>
+            <a:pPr marL="342900" indent="-342900" algn="l">
+              <a:buClr>
+                <a:srgbClr val="0070C0"/>
+              </a:buClr>
+              <a:buSzPct val="80000"/>
+              <a:buFont typeface="Wingdings" pitchFamily="2" charset="2"/>
+              <a:buChar char="u"/>
+            </a:pPr>
+            <a:r>
+              <a:rPr lang="en-US" altLang="zh-TW" sz="1800" dirty="0">
+                <a:solidFill>
+                  <a:schemeClr val="tx1"/>
+                </a:solidFill>
+                <a:latin typeface="+mj-lt"/>
+              </a:rPr>
+              <a:t>As soon as the page is loaded. </a:t>
+            </a:r>
+          </a:p>
+          <a:p>
+            <a:pPr marL="342900" indent="-342900" algn="l">
+              <a:buClr>
+                <a:srgbClr val="0070C0"/>
+              </a:buClr>
+              <a:buSzPct val="80000"/>
+              <a:buFont typeface="Wingdings" pitchFamily="2" charset="2"/>
+              <a:buChar char="u"/>
+            </a:pPr>
+            <a:r>
+              <a:rPr lang="en-US" altLang="zh-TW" sz="1800" dirty="0">
+                <a:solidFill>
+                  <a:schemeClr val="tx1"/>
+                </a:solidFill>
+                <a:latin typeface="+mj-lt"/>
+              </a:rPr>
+              <a:t>Let’s say, by default, we want the user name input field to be focused.</a:t>
+            </a:r>
+          </a:p>
+          <a:p>
+            <a:pPr marL="342900" indent="-342900" algn="l">
+              <a:buClr>
+                <a:srgbClr val="0070C0"/>
+              </a:buClr>
+              <a:buSzPct val="80000"/>
+              <a:buFont typeface="Wingdings" pitchFamily="2" charset="2"/>
+              <a:buChar char="u"/>
+            </a:pPr>
+            <a:r>
+              <a:rPr lang="en-US" altLang="zh-TW" sz="1800" dirty="0">
+                <a:solidFill>
+                  <a:schemeClr val="tx1"/>
+                </a:solidFill>
+                <a:latin typeface="+mj-lt"/>
+              </a:rPr>
+              <a:t>Let’s see how to achieve that with refs Hook.</a:t>
             </a:r>
           </a:p>
         </p:txBody>
@@ -6758,9 +6682,12 @@
           <a:lstStyle/>
           <a:p>
             <a:r>
-              <a:rPr lang="en-US" altLang="zh-TW" sz="1600" b="1" i="1" dirty="0"/>
-              <a:t>https://www.youtube.com/watch?v=FXa9mMTKOu8&amp;list=PLC3y8-rFHvwgg3vaYJgHGnModB54rxOk3&amp;index=28</a:t>
-            </a:r>
+              <a:rPr lang="en-US" sz="1600" dirty="0">
+                <a:hlinkClick r:id="rId2"/>
+              </a:rPr>
+              <a:t>https://www.youtube.com/watch?v=yCS2m01bQ6w&amp;list=PLC3y8-rFHvwgg3vaYJgHGnModB54rxOk3&amp;index=71</a:t>
+            </a:r>
+            <a:endParaRPr lang="en-US" altLang="zh-TW" sz="1600" b="1" i="1" dirty="0"/>
           </a:p>
         </p:txBody>
       </p:sp>
@@ -6787,7 +6714,7 @@
             <a:fld id="{A4F910E6-8D00-4BAF-8C48-9688E0B449D3}" type="datetime1">
               <a:rPr lang="zh-TW" altLang="en-US" smtClean="0"/>
               <a:pPr/>
-              <a:t>2020/5/26</a:t>
+              <a:t>2020/6/29</a:t>
             </a:fld>
             <a:endParaRPr lang="zh-TW" altLang="en-US"/>
           </a:p>
@@ -6816,273 +6743,13 @@
             <a:fld id="{E4D7E63D-91F2-4366-A2C4-1B00C9E2590E}" type="slidenum">
               <a:rPr lang="zh-TW" altLang="en-US" smtClean="0"/>
               <a:pPr/>
-              <a:t>17</a:t>
+              <a:t>2</a:t>
             </a:fld>
             <a:endParaRPr lang="zh-TW" altLang="en-US"/>
           </a:p>
         </p:txBody>
       </p:sp>
-      <p:sp>
-        <p:nvSpPr>
-          <p:cNvPr id="11" name="Rectangle 10">
-            <a:extLst>
-              <a:ext uri="{FF2B5EF4-FFF2-40B4-BE49-F238E27FC236}">
-                <a16:creationId xmlns:a16="http://schemas.microsoft.com/office/drawing/2014/main" id="{5EEE5F3C-D6E8-447F-815C-7936D6A84FF7}"/>
-              </a:ext>
-            </a:extLst>
-          </p:cNvPr>
-          <p:cNvSpPr/>
-          <p:nvPr/>
-        </p:nvSpPr>
-        <p:spPr>
-          <a:xfrm>
-            <a:off x="1024930" y="4081260"/>
-            <a:ext cx="1800200" cy="493892"/>
-          </a:xfrm>
-          <a:prstGeom prst="rect">
-            <a:avLst/>
-          </a:prstGeom>
-          <a:noFill/>
-          <a:ln>
-            <a:solidFill>
-              <a:srgbClr val="C00000"/>
-            </a:solidFill>
-          </a:ln>
-        </p:spPr>
-        <p:style>
-          <a:lnRef idx="2">
-            <a:schemeClr val="accent1">
-              <a:shade val="50000"/>
-            </a:schemeClr>
-          </a:lnRef>
-          <a:fillRef idx="1">
-            <a:schemeClr val="accent1"/>
-          </a:fillRef>
-          <a:effectRef idx="0">
-            <a:schemeClr val="accent1"/>
-          </a:effectRef>
-          <a:fontRef idx="minor">
-            <a:schemeClr val="lt1"/>
-          </a:fontRef>
-        </p:style>
-        <p:txBody>
-          <a:bodyPr rtlCol="0" anchor="ctr"/>
-          <a:lstStyle/>
-          <a:p>
-            <a:pPr algn="ctr"/>
-            <a:endParaRPr lang="en-US"/>
-          </a:p>
-        </p:txBody>
-      </p:sp>
-      <p:pic>
-        <p:nvPicPr>
-          <p:cNvPr id="8" name="Picture 7">
-            <a:extLst>
-              <a:ext uri="{FF2B5EF4-FFF2-40B4-BE49-F238E27FC236}">
-                <a16:creationId xmlns:a16="http://schemas.microsoft.com/office/drawing/2014/main" id="{5B0D9A41-121D-422B-9AF5-01F650B6F286}"/>
-              </a:ext>
-            </a:extLst>
-          </p:cNvPr>
-          <p:cNvPicPr>
-            <a:picLocks noChangeAspect="1"/>
-          </p:cNvPicPr>
-          <p:nvPr/>
-        </p:nvPicPr>
-        <p:blipFill>
-          <a:blip r:embed="rId3"/>
-          <a:stretch>
-            <a:fillRect/>
-          </a:stretch>
-        </p:blipFill>
-        <p:spPr>
-          <a:xfrm>
-            <a:off x="4788024" y="3212976"/>
-            <a:ext cx="3381375" cy="1381125"/>
-          </a:xfrm>
-          <a:prstGeom prst="rect">
-            <a:avLst/>
-          </a:prstGeom>
-          <a:ln>
-            <a:solidFill>
-              <a:srgbClr val="C00000"/>
-            </a:solidFill>
-          </a:ln>
-        </p:spPr>
-      </p:pic>
-      <p:sp>
-        <p:nvSpPr>
-          <p:cNvPr id="16" name="Rectangle 15">
-            <a:extLst>
-              <a:ext uri="{FF2B5EF4-FFF2-40B4-BE49-F238E27FC236}">
-                <a16:creationId xmlns:a16="http://schemas.microsoft.com/office/drawing/2014/main" id="{EBCCC55D-3C9E-423F-8CE6-D805970A9D74}"/>
-              </a:ext>
-            </a:extLst>
-          </p:cNvPr>
-          <p:cNvSpPr/>
-          <p:nvPr/>
-        </p:nvSpPr>
-        <p:spPr>
-          <a:xfrm>
-            <a:off x="5292080" y="4105192"/>
-            <a:ext cx="1800200" cy="493892"/>
-          </a:xfrm>
-          <a:prstGeom prst="rect">
-            <a:avLst/>
-          </a:prstGeom>
-          <a:noFill/>
-          <a:ln>
-            <a:solidFill>
-              <a:srgbClr val="C00000"/>
-            </a:solidFill>
-          </a:ln>
-        </p:spPr>
-        <p:style>
-          <a:lnRef idx="2">
-            <a:schemeClr val="accent1">
-              <a:shade val="50000"/>
-            </a:schemeClr>
-          </a:lnRef>
-          <a:fillRef idx="1">
-            <a:schemeClr val="accent1"/>
-          </a:fillRef>
-          <a:effectRef idx="0">
-            <a:schemeClr val="accent1"/>
-          </a:effectRef>
-          <a:fontRef idx="minor">
-            <a:schemeClr val="lt1"/>
-          </a:fontRef>
-        </p:style>
-        <p:txBody>
-          <a:bodyPr rtlCol="0" anchor="ctr"/>
-          <a:lstStyle/>
-          <a:p>
-            <a:pPr algn="ctr"/>
-            <a:endParaRPr lang="en-US"/>
-          </a:p>
-        </p:txBody>
-      </p:sp>
-      <p:cxnSp>
-        <p:nvCxnSpPr>
-          <p:cNvPr id="18" name="Straight Arrow Connector 17">
-            <a:extLst>
-              <a:ext uri="{FF2B5EF4-FFF2-40B4-BE49-F238E27FC236}">
-                <a16:creationId xmlns:a16="http://schemas.microsoft.com/office/drawing/2014/main" id="{A7C8C651-2B32-4AE7-ADE1-BDB973EF42C9}"/>
-              </a:ext>
-            </a:extLst>
-          </p:cNvPr>
-          <p:cNvCxnSpPr>
-            <a:cxnSpLocks/>
-            <a:stCxn id="11" idx="3"/>
-            <a:endCxn id="16" idx="1"/>
-          </p:cNvCxnSpPr>
-          <p:nvPr/>
-        </p:nvCxnSpPr>
-        <p:spPr>
-          <a:xfrm>
-            <a:off x="2825130" y="4328206"/>
-            <a:ext cx="2466950" cy="23932"/>
-          </a:xfrm>
-          <a:prstGeom prst="straightConnector1">
-            <a:avLst/>
-          </a:prstGeom>
-          <a:ln>
-            <a:solidFill>
-              <a:srgbClr val="C00000"/>
-            </a:solidFill>
-            <a:tailEnd type="triangle"/>
-          </a:ln>
-        </p:spPr>
-        <p:style>
-          <a:lnRef idx="1">
-            <a:schemeClr val="accent1"/>
-          </a:lnRef>
-          <a:fillRef idx="0">
-            <a:schemeClr val="accent1"/>
-          </a:fillRef>
-          <a:effectRef idx="0">
-            <a:schemeClr val="accent1"/>
-          </a:effectRef>
-          <a:fontRef idx="minor">
-            <a:schemeClr val="tx1"/>
-          </a:fontRef>
-        </p:style>
-      </p:cxnSp>
-      <p:pic>
-        <p:nvPicPr>
-          <p:cNvPr id="21" name="Picture 20">
-            <a:extLst>
-              <a:ext uri="{FF2B5EF4-FFF2-40B4-BE49-F238E27FC236}">
-                <a16:creationId xmlns:a16="http://schemas.microsoft.com/office/drawing/2014/main" id="{D205E047-94BE-4513-B8F2-06053A9516D8}"/>
-              </a:ext>
-            </a:extLst>
-          </p:cNvPr>
-          <p:cNvPicPr>
-            <a:picLocks noChangeAspect="1"/>
-          </p:cNvPicPr>
-          <p:nvPr/>
-        </p:nvPicPr>
-        <p:blipFill>
-          <a:blip r:embed="rId4"/>
-          <a:stretch>
-            <a:fillRect/>
-          </a:stretch>
-        </p:blipFill>
-        <p:spPr>
-          <a:xfrm>
-            <a:off x="457200" y="2079679"/>
-            <a:ext cx="3190013" cy="824573"/>
-          </a:xfrm>
-          <a:prstGeom prst="rect">
-            <a:avLst/>
-          </a:prstGeom>
-          <a:ln>
-            <a:solidFill>
-              <a:srgbClr val="C00000"/>
-            </a:solidFill>
-          </a:ln>
-        </p:spPr>
-      </p:pic>
-      <p:pic>
-        <p:nvPicPr>
-          <p:cNvPr id="22" name="Picture 21">
-            <a:extLst>
-              <a:ext uri="{FF2B5EF4-FFF2-40B4-BE49-F238E27FC236}">
-                <a16:creationId xmlns:a16="http://schemas.microsoft.com/office/drawing/2014/main" id="{63641E26-F861-4DFF-9703-1DA165F5FB02}"/>
-              </a:ext>
-            </a:extLst>
-          </p:cNvPr>
-          <p:cNvPicPr>
-            <a:picLocks noChangeAspect="1"/>
-          </p:cNvPicPr>
-          <p:nvPr/>
-        </p:nvPicPr>
-        <p:blipFill>
-          <a:blip r:embed="rId5"/>
-          <a:stretch>
-            <a:fillRect/>
-          </a:stretch>
-        </p:blipFill>
-        <p:spPr>
-          <a:xfrm>
-            <a:off x="4753541" y="2034612"/>
-            <a:ext cx="2609850" cy="981075"/>
-          </a:xfrm>
-          <a:prstGeom prst="rect">
-            <a:avLst/>
-          </a:prstGeom>
-          <a:ln>
-            <a:solidFill>
-              <a:srgbClr val="C00000"/>
-            </a:solidFill>
-          </a:ln>
-        </p:spPr>
-      </p:pic>
     </p:spTree>
-    <p:extLst>
-      <p:ext uri="{BB962C8B-B14F-4D97-AF65-F5344CB8AC3E}">
-        <p14:creationId xmlns:p14="http://schemas.microsoft.com/office/powerpoint/2010/main" val="4021819350"/>
-      </p:ext>
-    </p:extLst>
   </p:cSld>
   <p:clrMapOvr>
     <a:masterClrMapping/>
@@ -7090,158 +6757,7 @@
 </p:sld>
 </file>
 
-<file path=ppt/slides/slide18.xml><?xml version="1.0" encoding="utf-8"?>
-<p:sld xmlns:a="http://schemas.openxmlformats.org/drawingml/2006/main" xmlns:r="http://schemas.openxmlformats.org/officeDocument/2006/relationships" xmlns:p="http://schemas.openxmlformats.org/presentationml/2006/main">
-  <p:cSld>
-    <p:spTree>
-      <p:nvGrpSpPr>
-        <p:cNvPr id="1" name=""/>
-        <p:cNvGrpSpPr/>
-        <p:nvPr/>
-      </p:nvGrpSpPr>
-      <p:grpSpPr>
-        <a:xfrm>
-          <a:off x="0" y="0"/>
-          <a:ext cx="0" cy="0"/>
-          <a:chOff x="0" y="0"/>
-          <a:chExt cx="0" cy="0"/>
-        </a:xfrm>
-      </p:grpSpPr>
-      <p:sp>
-        <p:nvSpPr>
-          <p:cNvPr id="2" name="標題 1"/>
-          <p:cNvSpPr>
-            <a:spLocks noGrp="1"/>
-          </p:cNvSpPr>
-          <p:nvPr>
-            <p:ph type="ctrTitle"/>
-          </p:nvPr>
-        </p:nvSpPr>
-        <p:spPr>
-          <a:xfrm>
-            <a:off x="0" y="2130425"/>
-            <a:ext cx="9144000" cy="1470025"/>
-          </a:xfrm>
-          <a:solidFill>
-            <a:srgbClr val="00B0F0"/>
-          </a:solidFill>
-        </p:spPr>
-        <p:txBody>
-          <a:bodyPr>
-            <a:normAutofit fontScale="90000"/>
-          </a:bodyPr>
-          <a:lstStyle/>
-          <a:p>
-            <a:r>
-              <a:rPr lang="en-US" altLang="zh-TW" sz="4800" b="1" dirty="0">
-                <a:solidFill>
-                  <a:srgbClr val="FFFF00"/>
-                </a:solidFill>
-              </a:rPr>
-              <a:t>28.6 Third Step: 2) Fetch Input Value</a:t>
-            </a:r>
-            <a:endParaRPr lang="zh-TW" altLang="en-US" sz="4800" b="1" dirty="0">
-              <a:solidFill>
-                <a:srgbClr val="FFFF00"/>
-              </a:solidFill>
-            </a:endParaRPr>
-          </a:p>
-        </p:txBody>
-      </p:sp>
-      <p:sp>
-        <p:nvSpPr>
-          <p:cNvPr id="5" name="日期版面配置區 4"/>
-          <p:cNvSpPr>
-            <a:spLocks noGrp="1"/>
-          </p:cNvSpPr>
-          <p:nvPr>
-            <p:ph type="dt" sz="half" idx="10"/>
-          </p:nvPr>
-        </p:nvSpPr>
-        <p:spPr/>
-        <p:txBody>
-          <a:bodyPr/>
-          <a:lstStyle/>
-          <a:p>
-            <a:fld id="{C389EDC9-19E3-47AC-9C57-C6A24DEA81AD}" type="datetime1">
-              <a:rPr lang="zh-TW" altLang="en-US" smtClean="0"/>
-              <a:pPr/>
-              <a:t>2020/5/26</a:t>
-            </a:fld>
-            <a:endParaRPr lang="zh-TW" altLang="en-US"/>
-          </a:p>
-        </p:txBody>
-      </p:sp>
-      <p:sp>
-        <p:nvSpPr>
-          <p:cNvPr id="6" name="投影片編號版面配置區 5"/>
-          <p:cNvSpPr>
-            <a:spLocks noGrp="1"/>
-          </p:cNvSpPr>
-          <p:nvPr>
-            <p:ph type="sldNum" sz="quarter" idx="12"/>
-          </p:nvPr>
-        </p:nvSpPr>
-        <p:spPr/>
-        <p:txBody>
-          <a:bodyPr/>
-          <a:lstStyle/>
-          <a:p>
-            <a:fld id="{E4D7E63D-91F2-4366-A2C4-1B00C9E2590E}" type="slidenum">
-              <a:rPr lang="zh-TW" altLang="en-US" smtClean="0"/>
-              <a:pPr/>
-              <a:t>18</a:t>
-            </a:fld>
-            <a:endParaRPr lang="zh-TW" altLang="en-US"/>
-          </a:p>
-        </p:txBody>
-      </p:sp>
-      <p:pic>
-        <p:nvPicPr>
-          <p:cNvPr id="2050" name="Picture 2"/>
-          <p:cNvPicPr>
-            <a:picLocks noChangeAspect="1" noChangeArrowheads="1"/>
-          </p:cNvPicPr>
-          <p:nvPr/>
-        </p:nvPicPr>
-        <p:blipFill>
-          <a:blip r:embed="rId2" cstate="print"/>
-          <a:srcRect/>
-          <a:stretch>
-            <a:fillRect/>
-          </a:stretch>
-        </p:blipFill>
-        <p:spPr bwMode="auto">
-          <a:xfrm>
-            <a:off x="4283968" y="3717032"/>
-            <a:ext cx="713805" cy="644588"/>
-          </a:xfrm>
-          <a:prstGeom prst="rect">
-            <a:avLst/>
-          </a:prstGeom>
-          <a:noFill/>
-          <a:ln w="9525">
-            <a:noFill/>
-            <a:miter lim="800000"/>
-            <a:headEnd/>
-            <a:tailEnd/>
-          </a:ln>
-        </p:spPr>
-      </p:pic>
-    </p:spTree>
-    <p:extLst>
-      <p:ext uri="{BB962C8B-B14F-4D97-AF65-F5344CB8AC3E}">
-        <p14:creationId xmlns:p14="http://schemas.microsoft.com/office/powerpoint/2010/main" val="1003679064"/>
-      </p:ext>
-    </p:extLst>
-  </p:cSld>
-  <p:clrMapOvr>
-    <a:masterClrMapping/>
-  </p:clrMapOvr>
-</p:sld>
-</file>
-
-<file path=ppt/slides/slide19.xml><?xml version="1.0" encoding="utf-8"?>
+<file path=ppt/slides/slide20.xml><?xml version="1.0" encoding="utf-8"?>
 <p:sld xmlns:a="http://schemas.openxmlformats.org/drawingml/2006/main" xmlns:r="http://schemas.openxmlformats.org/officeDocument/2006/relationships" xmlns:p="http://schemas.openxmlformats.org/presentationml/2006/main">
   <p:cSld>
     <p:spTree>
@@ -7313,7 +6829,7 @@
                   <a:srgbClr val="FFFF00"/>
                 </a:solidFill>
               </a:rPr>
-              <a:t>28.6 Third Step: 2) Fetch Input Value</a:t>
+              <a:t>28.6 Quiz</a:t>
             </a:r>
             <a:endParaRPr lang="zh-TW" altLang="en-US" b="1" dirty="0">
               <a:solidFill>
@@ -7335,8 +6851,8 @@
         </p:nvSpPr>
         <p:spPr>
           <a:xfrm>
-            <a:off x="467544" y="1340767"/>
-            <a:ext cx="8352928" cy="1676588"/>
+            <a:off x="395536" y="1329615"/>
+            <a:ext cx="8352928" cy="4871566"/>
           </a:xfrm>
           <a:ln>
             <a:solidFill>
@@ -7359,13 +6875,13 @@
               <a:buChar char="u"/>
             </a:pPr>
             <a:r>
-              <a:rPr lang="en-US" altLang="zh-TW" sz="1600" b="1" dirty="0">
-                <a:solidFill>
-                  <a:schemeClr val="tx1"/>
-                </a:solidFill>
-                <a:latin typeface="+mj-lt"/>
-              </a:rPr>
-              <a:t>The second part of Step 3: </a:t>
+              <a:rPr lang="en-US" altLang="zh-TW" sz="1800" b="1" dirty="0">
+                <a:solidFill>
+                  <a:schemeClr val="tx1"/>
+                </a:solidFill>
+                <a:latin typeface="+mj-lt"/>
+              </a:rPr>
+              <a:t>Quiz</a:t>
             </a:r>
           </a:p>
           <a:p>
@@ -7378,13 +6894,13 @@
               <a:buChar char="u"/>
             </a:pPr>
             <a:r>
-              <a:rPr lang="en-US" altLang="zh-TW" sz="1600" dirty="0">
-                <a:solidFill>
-                  <a:schemeClr val="tx1"/>
-                </a:solidFill>
-                <a:latin typeface="+mj-lt"/>
-              </a:rPr>
-              <a:t>This is the refs used in the input field.</a:t>
+              <a:rPr lang="en-US" altLang="zh-TW" sz="1800" dirty="0">
+                <a:solidFill>
+                  <a:schemeClr val="tx1"/>
+                </a:solidFill>
+                <a:latin typeface="+mj-lt"/>
+              </a:rPr>
+              <a:t>1. What is ref Hook?</a:t>
             </a:r>
           </a:p>
           <a:p>
@@ -7397,13 +6913,13 @@
               <a:buChar char="u"/>
             </a:pPr>
             <a:r>
-              <a:rPr lang="en-US" altLang="zh-TW" sz="1600" dirty="0">
-                <a:solidFill>
-                  <a:schemeClr val="tx1"/>
-                </a:solidFill>
-                <a:latin typeface="+mj-lt"/>
-              </a:rPr>
-              <a:t>The refs is to fetch the input value.</a:t>
+              <a:rPr lang="en-US" altLang="zh-TW" sz="1800" dirty="0">
+                <a:solidFill>
+                  <a:schemeClr val="tx1"/>
+                </a:solidFill>
+                <a:latin typeface="+mj-lt"/>
+              </a:rPr>
+              <a:t>Ans: To add the focus for the input text.</a:t>
             </a:r>
           </a:p>
           <a:p>
@@ -7416,31 +6932,13 @@
               <a:buChar char="u"/>
             </a:pPr>
             <a:r>
-              <a:rPr lang="en-US" altLang="zh-TW" sz="1600" dirty="0">
-                <a:solidFill>
-                  <a:schemeClr val="tx1"/>
-                </a:solidFill>
-                <a:latin typeface="+mj-lt"/>
-              </a:rPr>
-              <a:t>Go back the input text and create a button with a text click and a click event handler with arrow </a:t>
-            </a:r>
-            <a:r>
-              <a:rPr lang="en-US" altLang="zh-TW" sz="1600" dirty="0" err="1">
-                <a:solidFill>
-                  <a:schemeClr val="tx1"/>
-                </a:solidFill>
-                <a:latin typeface="+mj-lt"/>
-              </a:rPr>
-              <a:t>funciton</a:t>
-            </a:r>
-            <a:r>
-              <a:rPr lang="en-US" altLang="zh-TW" sz="1600" dirty="0">
-                <a:solidFill>
-                  <a:schemeClr val="tx1"/>
-                </a:solidFill>
-                <a:latin typeface="+mj-lt"/>
-              </a:rPr>
-              <a:t> on click.</a:t>
+              <a:rPr lang="en-US" altLang="zh-TW" sz="1800" dirty="0">
+                <a:solidFill>
+                  <a:schemeClr val="tx1"/>
+                </a:solidFill>
+                <a:latin typeface="+mj-lt"/>
+              </a:rPr>
+              <a:t>2. How many steps and how to add the ref Hook?</a:t>
             </a:r>
           </a:p>
           <a:p>
@@ -7453,32 +6951,359 @@
               <a:buChar char="u"/>
             </a:pPr>
             <a:r>
-              <a:rPr lang="en-US" altLang="zh-TW" sz="1600" dirty="0">
-                <a:solidFill>
-                  <a:schemeClr val="tx1"/>
-                </a:solidFill>
-                <a:latin typeface="+mj-lt"/>
-              </a:rPr>
-              <a:t>It is equal to </a:t>
-            </a:r>
-            <a:r>
-              <a:rPr lang="en-US" altLang="zh-TW" sz="1600" dirty="0" err="1">
-                <a:solidFill>
-                  <a:schemeClr val="tx1"/>
-                </a:solidFill>
-                <a:latin typeface="+mj-lt"/>
-              </a:rPr>
-              <a:t>this.clickhandler</a:t>
-            </a:r>
-            <a:r>
-              <a:rPr lang="en-US" altLang="zh-TW" sz="1600" dirty="0">
-                <a:solidFill>
-                  <a:schemeClr val="tx1"/>
-                </a:solidFill>
-                <a:latin typeface="+mj-lt"/>
-              </a:rPr>
-              <a:t>.</a:t>
-            </a:r>
+              <a:rPr lang="en-US" altLang="zh-TW" sz="1800" dirty="0">
+                <a:solidFill>
+                  <a:schemeClr val="tx1"/>
+                </a:solidFill>
+                <a:latin typeface="+mj-lt"/>
+              </a:rPr>
+              <a:t>Ans: Three steps.</a:t>
+            </a:r>
+          </a:p>
+          <a:p>
+            <a:pPr marL="342900" indent="-342900" algn="l">
+              <a:buClr>
+                <a:srgbClr val="0070C0"/>
+              </a:buClr>
+              <a:buSzPct val="80000"/>
+              <a:buFont typeface="Wingdings" pitchFamily="2" charset="2"/>
+              <a:buChar char="u"/>
+            </a:pPr>
+            <a:r>
+              <a:rPr lang="en-US" altLang="zh-TW" sz="1800" dirty="0">
+                <a:solidFill>
+                  <a:schemeClr val="tx1"/>
+                </a:solidFill>
+                <a:latin typeface="+mj-lt"/>
+              </a:rPr>
+              <a:t>a) First step: import </a:t>
+            </a:r>
+            <a:r>
+              <a:rPr lang="en-US" altLang="zh-TW" sz="1800" dirty="0" err="1">
+                <a:solidFill>
+                  <a:schemeClr val="tx1"/>
+                </a:solidFill>
+                <a:latin typeface="+mj-lt"/>
+              </a:rPr>
+              <a:t>useEffect</a:t>
+            </a:r>
+            <a:r>
+              <a:rPr lang="en-US" altLang="zh-TW" sz="1800" dirty="0">
+                <a:solidFill>
+                  <a:schemeClr val="tx1"/>
+                </a:solidFill>
+                <a:latin typeface="+mj-lt"/>
+              </a:rPr>
+              <a:t> and </a:t>
+            </a:r>
+            <a:r>
+              <a:rPr lang="en-US" altLang="zh-TW" sz="1800" dirty="0" err="1">
+                <a:solidFill>
+                  <a:schemeClr val="tx1"/>
+                </a:solidFill>
+                <a:latin typeface="+mj-lt"/>
+              </a:rPr>
+              <a:t>useRef</a:t>
+            </a:r>
+            <a:endParaRPr lang="en-US" altLang="zh-TW" sz="1800" dirty="0">
+              <a:solidFill>
+                <a:schemeClr val="tx1"/>
+              </a:solidFill>
+              <a:latin typeface="+mj-lt"/>
+            </a:endParaRPr>
+          </a:p>
+          <a:p>
+            <a:pPr marL="342900" indent="-342900" algn="l">
+              <a:buClr>
+                <a:srgbClr val="0070C0"/>
+              </a:buClr>
+              <a:buSzPct val="80000"/>
+              <a:buFont typeface="Wingdings" pitchFamily="2" charset="2"/>
+              <a:buChar char="u"/>
+            </a:pPr>
+            <a:r>
+              <a:rPr lang="en-US" altLang="zh-TW" sz="1800" dirty="0">
+                <a:solidFill>
+                  <a:schemeClr val="tx1"/>
+                </a:solidFill>
+                <a:latin typeface="+mj-lt"/>
+              </a:rPr>
+              <a:t>b) Second Step: Create variable </a:t>
+            </a:r>
+            <a:r>
+              <a:rPr lang="en-US" altLang="zh-TW" sz="1800" dirty="0" err="1">
+                <a:solidFill>
+                  <a:schemeClr val="tx1"/>
+                </a:solidFill>
+                <a:latin typeface="+mj-lt"/>
+              </a:rPr>
+              <a:t>inputRef</a:t>
+            </a:r>
+            <a:r>
+              <a:rPr lang="en-US" altLang="zh-TW" sz="1800" dirty="0">
+                <a:solidFill>
+                  <a:schemeClr val="tx1"/>
+                </a:solidFill>
+                <a:latin typeface="+mj-lt"/>
+              </a:rPr>
+              <a:t> by </a:t>
+            </a:r>
+            <a:r>
+              <a:rPr lang="en-US" altLang="zh-TW" sz="1800" dirty="0" err="1">
+                <a:solidFill>
+                  <a:schemeClr val="tx1"/>
+                </a:solidFill>
+                <a:latin typeface="+mj-lt"/>
+              </a:rPr>
+              <a:t>useRef</a:t>
+            </a:r>
+            <a:r>
+              <a:rPr lang="en-US" altLang="zh-TW" sz="1800" dirty="0">
+                <a:solidFill>
+                  <a:schemeClr val="tx1"/>
+                </a:solidFill>
+                <a:latin typeface="+mj-lt"/>
+              </a:rPr>
+              <a:t> (), initialized to null, ant then attach to the input element.</a:t>
+            </a:r>
+          </a:p>
+          <a:p>
+            <a:pPr marL="342900" indent="-342900" algn="l">
+              <a:buClr>
+                <a:srgbClr val="0070C0"/>
+              </a:buClr>
+              <a:buSzPct val="80000"/>
+              <a:buFont typeface="Wingdings" pitchFamily="2" charset="2"/>
+              <a:buChar char="u"/>
+            </a:pPr>
+            <a:r>
+              <a:rPr lang="en-US" altLang="zh-TW" sz="1800" dirty="0">
+                <a:solidFill>
+                  <a:schemeClr val="tx1"/>
+                </a:solidFill>
+                <a:latin typeface="+mj-lt"/>
+              </a:rPr>
+              <a:t>&gt; const </a:t>
+            </a:r>
+            <a:r>
+              <a:rPr lang="en-US" altLang="zh-TW" sz="1800" dirty="0" err="1">
+                <a:solidFill>
+                  <a:schemeClr val="tx1"/>
+                </a:solidFill>
+                <a:latin typeface="+mj-lt"/>
+              </a:rPr>
+              <a:t>inputRef</a:t>
+            </a:r>
+            <a:r>
+              <a:rPr lang="en-US" altLang="zh-TW" sz="1800" dirty="0">
+                <a:solidFill>
+                  <a:schemeClr val="tx1"/>
+                </a:solidFill>
+                <a:latin typeface="+mj-lt"/>
+              </a:rPr>
+              <a:t> = </a:t>
+            </a:r>
+            <a:r>
+              <a:rPr lang="en-US" altLang="zh-TW" sz="1800" dirty="0" err="1">
+                <a:solidFill>
+                  <a:schemeClr val="tx1"/>
+                </a:solidFill>
+                <a:latin typeface="+mj-lt"/>
+              </a:rPr>
+              <a:t>useRef</a:t>
+            </a:r>
+            <a:r>
+              <a:rPr lang="en-US" altLang="zh-TW" sz="1800" dirty="0">
+                <a:solidFill>
+                  <a:schemeClr val="tx1"/>
+                </a:solidFill>
+                <a:latin typeface="+mj-lt"/>
+              </a:rPr>
+              <a:t> (null)</a:t>
+            </a:r>
+          </a:p>
+          <a:p>
+            <a:pPr marL="342900" indent="-342900" algn="l">
+              <a:buClr>
+                <a:srgbClr val="0070C0"/>
+              </a:buClr>
+              <a:buSzPct val="80000"/>
+              <a:buFont typeface="Wingdings" pitchFamily="2" charset="2"/>
+              <a:buChar char="u"/>
+            </a:pPr>
+            <a:r>
+              <a:rPr lang="en-US" altLang="zh-TW" sz="1800" dirty="0">
+                <a:solidFill>
+                  <a:schemeClr val="tx1"/>
+                </a:solidFill>
+                <a:latin typeface="+mj-lt"/>
+              </a:rPr>
+              <a:t>&gt; &lt;input ref = { </a:t>
+            </a:r>
+            <a:r>
+              <a:rPr lang="en-US" altLang="zh-TW" sz="1800" dirty="0" err="1">
+                <a:solidFill>
+                  <a:schemeClr val="tx1"/>
+                </a:solidFill>
+                <a:latin typeface="+mj-lt"/>
+              </a:rPr>
+              <a:t>inputRef</a:t>
+            </a:r>
+            <a:r>
+              <a:rPr lang="en-US" altLang="zh-TW" sz="1800" dirty="0">
+                <a:solidFill>
+                  <a:schemeClr val="tx1"/>
+                </a:solidFill>
+                <a:latin typeface="+mj-lt"/>
+              </a:rPr>
+              <a:t>} type = “text” /&gt;</a:t>
+            </a:r>
+          </a:p>
+          <a:p>
+            <a:pPr marL="342900" indent="-342900" algn="l">
+              <a:buClr>
+                <a:srgbClr val="0070C0"/>
+              </a:buClr>
+              <a:buSzPct val="80000"/>
+              <a:buFont typeface="Wingdings" pitchFamily="2" charset="2"/>
+              <a:buChar char="u"/>
+            </a:pPr>
+            <a:r>
+              <a:rPr lang="en-US" altLang="zh-TW" sz="1800" dirty="0">
+                <a:solidFill>
+                  <a:schemeClr val="tx1"/>
+                </a:solidFill>
+                <a:latin typeface="+mj-lt"/>
+              </a:rPr>
+              <a:t>c) Third Step: put the focus() method after the page loaded.</a:t>
+            </a:r>
+          </a:p>
+          <a:p>
+            <a:pPr marL="342900" indent="-342900" algn="l">
+              <a:buClr>
+                <a:srgbClr val="0070C0"/>
+              </a:buClr>
+              <a:buSzPct val="80000"/>
+              <a:buFont typeface="Wingdings" pitchFamily="2" charset="2"/>
+              <a:buChar char="u"/>
+            </a:pPr>
+            <a:r>
+              <a:rPr lang="en-US" altLang="zh-TW" sz="1800" dirty="0">
+                <a:solidFill>
+                  <a:schemeClr val="tx1"/>
+                </a:solidFill>
+                <a:latin typeface="+mj-lt"/>
+              </a:rPr>
+              <a:t>&gt; </a:t>
+            </a:r>
+            <a:r>
+              <a:rPr lang="en-US" altLang="zh-TW" sz="1800" dirty="0" err="1">
+                <a:solidFill>
+                  <a:schemeClr val="tx1"/>
+                </a:solidFill>
+                <a:latin typeface="+mj-lt"/>
+              </a:rPr>
+              <a:t>useEffect</a:t>
+            </a:r>
+            <a:r>
+              <a:rPr lang="en-US" altLang="zh-TW" sz="1800" dirty="0">
+                <a:solidFill>
+                  <a:schemeClr val="tx1"/>
+                </a:solidFill>
+                <a:latin typeface="+mj-lt"/>
+              </a:rPr>
+              <a:t> (() =&gt; {</a:t>
+            </a:r>
+          </a:p>
+          <a:p>
+            <a:pPr marL="342900" indent="-342900" algn="l">
+              <a:buClr>
+                <a:srgbClr val="0070C0"/>
+              </a:buClr>
+              <a:buSzPct val="80000"/>
+              <a:buFont typeface="Wingdings" pitchFamily="2" charset="2"/>
+              <a:buChar char="u"/>
+            </a:pPr>
+            <a:r>
+              <a:rPr lang="en-US" altLang="zh-TW" sz="1800" dirty="0">
+                <a:solidFill>
+                  <a:schemeClr val="tx1"/>
+                </a:solidFill>
+                <a:latin typeface="+mj-lt"/>
+              </a:rPr>
+              <a:t>&gt;   # focus the input element</a:t>
+            </a:r>
+          </a:p>
+          <a:p>
+            <a:pPr marL="342900" indent="-342900" algn="l">
+              <a:buClr>
+                <a:srgbClr val="0070C0"/>
+              </a:buClr>
+              <a:buSzPct val="80000"/>
+              <a:buFont typeface="Wingdings" pitchFamily="2" charset="2"/>
+              <a:buChar char="u"/>
+            </a:pPr>
+            <a:r>
+              <a:rPr lang="en-US" altLang="zh-TW" sz="1800" dirty="0">
+                <a:solidFill>
+                  <a:schemeClr val="tx1"/>
+                </a:solidFill>
+                <a:latin typeface="+mj-lt"/>
+              </a:rPr>
+              <a:t>&gt;   </a:t>
+            </a:r>
+            <a:r>
+              <a:rPr lang="en-US" altLang="zh-TW" sz="1800" dirty="0" err="1">
+                <a:solidFill>
+                  <a:schemeClr val="tx1"/>
+                </a:solidFill>
+                <a:latin typeface="+mj-lt"/>
+              </a:rPr>
+              <a:t>inputRef.current.focus</a:t>
+            </a:r>
+            <a:r>
+              <a:rPr lang="en-US" altLang="zh-TW" sz="1800" dirty="0">
+                <a:solidFill>
+                  <a:schemeClr val="tx1"/>
+                </a:solidFill>
+                <a:latin typeface="+mj-lt"/>
+              </a:rPr>
+              <a:t>()</a:t>
+            </a:r>
+          </a:p>
+          <a:p>
+            <a:pPr marL="342900" indent="-342900" algn="l">
+              <a:buClr>
+                <a:srgbClr val="0070C0"/>
+              </a:buClr>
+              <a:buSzPct val="80000"/>
+              <a:buFont typeface="Wingdings" pitchFamily="2" charset="2"/>
+              <a:buChar char="u"/>
+            </a:pPr>
+            <a:r>
+              <a:rPr lang="en-US" altLang="zh-TW" sz="1800" dirty="0">
+                <a:solidFill>
+                  <a:schemeClr val="tx1"/>
+                </a:solidFill>
+                <a:latin typeface="+mj-lt"/>
+              </a:rPr>
+              <a:t>&gt; }, [])</a:t>
+            </a:r>
+          </a:p>
+          <a:p>
+            <a:pPr marL="342900" indent="-342900" algn="l">
+              <a:buClr>
+                <a:srgbClr val="0070C0"/>
+              </a:buClr>
+              <a:buSzPct val="80000"/>
+              <a:buFont typeface="Wingdings" pitchFamily="2" charset="2"/>
+              <a:buChar char="u"/>
+            </a:pPr>
+            <a:endParaRPr lang="en-US" altLang="zh-TW" sz="1800" dirty="0">
+              <a:solidFill>
+                <a:schemeClr val="tx1"/>
+              </a:solidFill>
+            </a:endParaRPr>
           </a:p>
         </p:txBody>
       </p:sp>
@@ -7533,7 +7358,7 @@
           <a:p>
             <a:r>
               <a:rPr lang="en-US" altLang="zh-TW" sz="1600" b="1" i="1" dirty="0"/>
-              <a:t>https://www.youtube.com/watch?v=FXa9mMTKOu8&amp;list=PLC3y8-rFHvwgg3vaYJgHGnModB54rxOk3&amp;index=28</a:t>
+              <a:t>https://www.youtube.com/watch?v=yCS2m01bQ6w&amp;list=PLC3y8-rFHvwgg3vaYJgHGnModB54rxOk3&amp;index=71</a:t>
             </a:r>
           </a:p>
         </p:txBody>
@@ -7561,7 +7386,7 @@
             <a:fld id="{A4F910E6-8D00-4BAF-8C48-9688E0B449D3}" type="datetime1">
               <a:rPr lang="zh-TW" altLang="en-US" smtClean="0"/>
               <a:pPr/>
-              <a:t>2020/5/26</a:t>
+              <a:t>2020/6/29</a:t>
             </a:fld>
             <a:endParaRPr lang="zh-TW" altLang="en-US"/>
           </a:p>
@@ -7590,207 +7415,16 @@
             <a:fld id="{E4D7E63D-91F2-4366-A2C4-1B00C9E2590E}" type="slidenum">
               <a:rPr lang="zh-TW" altLang="en-US" smtClean="0"/>
               <a:pPr/>
-              <a:t>19</a:t>
+              <a:t>20</a:t>
             </a:fld>
             <a:endParaRPr lang="zh-TW" altLang="en-US"/>
-          </a:p>
-        </p:txBody>
-      </p:sp>
-      <p:pic>
-        <p:nvPicPr>
-          <p:cNvPr id="19" name="Picture 18">
-            <a:extLst>
-              <a:ext uri="{FF2B5EF4-FFF2-40B4-BE49-F238E27FC236}">
-                <a16:creationId xmlns:a16="http://schemas.microsoft.com/office/drawing/2014/main" id="{F7144308-972D-4D17-A37B-A7424FE24FC0}"/>
-              </a:ext>
-            </a:extLst>
-          </p:cNvPr>
-          <p:cNvPicPr>
-            <a:picLocks noChangeAspect="1"/>
-          </p:cNvPicPr>
-          <p:nvPr/>
-        </p:nvPicPr>
-        <p:blipFill>
-          <a:blip r:embed="rId2"/>
-          <a:stretch>
-            <a:fillRect/>
-          </a:stretch>
-        </p:blipFill>
-        <p:spPr>
-          <a:xfrm>
-            <a:off x="2590800" y="3145244"/>
-            <a:ext cx="4078080" cy="3607036"/>
-          </a:xfrm>
-          <a:prstGeom prst="rect">
-            <a:avLst/>
-          </a:prstGeom>
-          <a:ln>
-            <a:solidFill>
-              <a:srgbClr val="C00000"/>
-            </a:solidFill>
-          </a:ln>
-        </p:spPr>
-      </p:pic>
-      <p:sp>
-        <p:nvSpPr>
-          <p:cNvPr id="20" name="Rectangle 19">
-            <a:extLst>
-              <a:ext uri="{FF2B5EF4-FFF2-40B4-BE49-F238E27FC236}">
-                <a16:creationId xmlns:a16="http://schemas.microsoft.com/office/drawing/2014/main" id="{E8B74103-3FF2-40CE-85A8-BD5C242FF591}"/>
-              </a:ext>
-            </a:extLst>
-          </p:cNvPr>
-          <p:cNvSpPr/>
-          <p:nvPr/>
-        </p:nvSpPr>
-        <p:spPr>
-          <a:xfrm>
-            <a:off x="3310880" y="4228499"/>
-            <a:ext cx="1800200" cy="279020"/>
-          </a:xfrm>
-          <a:prstGeom prst="rect">
-            <a:avLst/>
-          </a:prstGeom>
-          <a:noFill/>
-          <a:ln>
-            <a:solidFill>
-              <a:srgbClr val="C00000"/>
-            </a:solidFill>
-          </a:ln>
-        </p:spPr>
-        <p:style>
-          <a:lnRef idx="2">
-            <a:schemeClr val="accent1">
-              <a:shade val="50000"/>
-            </a:schemeClr>
-          </a:lnRef>
-          <a:fillRef idx="1">
-            <a:schemeClr val="accent1"/>
-          </a:fillRef>
-          <a:effectRef idx="0">
-            <a:schemeClr val="accent1"/>
-          </a:effectRef>
-          <a:fontRef idx="minor">
-            <a:schemeClr val="lt1"/>
-          </a:fontRef>
-        </p:style>
-        <p:txBody>
-          <a:bodyPr rtlCol="0" anchor="ctr"/>
-          <a:lstStyle/>
-          <a:p>
-            <a:pPr algn="ctr"/>
-            <a:endParaRPr lang="en-US"/>
-          </a:p>
-        </p:txBody>
-      </p:sp>
-      <p:sp>
-        <p:nvSpPr>
-          <p:cNvPr id="21" name="Rectangle 20">
-            <a:extLst>
-              <a:ext uri="{FF2B5EF4-FFF2-40B4-BE49-F238E27FC236}">
-                <a16:creationId xmlns:a16="http://schemas.microsoft.com/office/drawing/2014/main" id="{4278BAC3-8C67-47F9-B3BF-C1A4E1074AFD}"/>
-              </a:ext>
-            </a:extLst>
-          </p:cNvPr>
-          <p:cNvSpPr/>
-          <p:nvPr/>
-        </p:nvSpPr>
-        <p:spPr>
-          <a:xfrm>
-            <a:off x="3310880" y="5687192"/>
-            <a:ext cx="3096344" cy="411276"/>
-          </a:xfrm>
-          <a:prstGeom prst="rect">
-            <a:avLst/>
-          </a:prstGeom>
-          <a:noFill/>
-          <a:ln>
-            <a:solidFill>
-              <a:srgbClr val="C00000"/>
-            </a:solidFill>
-          </a:ln>
-        </p:spPr>
-        <p:style>
-          <a:lnRef idx="2">
-            <a:schemeClr val="accent1">
-              <a:shade val="50000"/>
-            </a:schemeClr>
-          </a:lnRef>
-          <a:fillRef idx="1">
-            <a:schemeClr val="accent1"/>
-          </a:fillRef>
-          <a:effectRef idx="0">
-            <a:schemeClr val="accent1"/>
-          </a:effectRef>
-          <a:fontRef idx="minor">
-            <a:schemeClr val="lt1"/>
-          </a:fontRef>
-        </p:style>
-        <p:txBody>
-          <a:bodyPr rtlCol="0" anchor="ctr"/>
-          <a:lstStyle/>
-          <a:p>
-            <a:pPr algn="ctr"/>
-            <a:endParaRPr lang="en-US"/>
-          </a:p>
-        </p:txBody>
-      </p:sp>
-      <p:sp>
-        <p:nvSpPr>
-          <p:cNvPr id="22" name="Rectangle 21">
-            <a:extLst>
-              <a:ext uri="{FF2B5EF4-FFF2-40B4-BE49-F238E27FC236}">
-                <a16:creationId xmlns:a16="http://schemas.microsoft.com/office/drawing/2014/main" id="{48EF1E15-F247-4604-A2BC-8A16BEB868D5}"/>
-              </a:ext>
-            </a:extLst>
-          </p:cNvPr>
-          <p:cNvSpPr/>
-          <p:nvPr/>
-        </p:nvSpPr>
-        <p:spPr>
-          <a:xfrm>
-            <a:off x="3153676" y="4753325"/>
-            <a:ext cx="2952328" cy="411277"/>
-          </a:xfrm>
-          <a:prstGeom prst="rect">
-            <a:avLst/>
-          </a:prstGeom>
-          <a:noFill/>
-          <a:ln>
-            <a:solidFill>
-              <a:srgbClr val="C00000"/>
-            </a:solidFill>
-          </a:ln>
-        </p:spPr>
-        <p:style>
-          <a:lnRef idx="2">
-            <a:schemeClr val="accent1">
-              <a:shade val="50000"/>
-            </a:schemeClr>
-          </a:lnRef>
-          <a:fillRef idx="1">
-            <a:schemeClr val="accent1"/>
-          </a:fillRef>
-          <a:effectRef idx="0">
-            <a:schemeClr val="accent1"/>
-          </a:effectRef>
-          <a:fontRef idx="minor">
-            <a:schemeClr val="lt1"/>
-          </a:fontRef>
-        </p:style>
-        <p:txBody>
-          <a:bodyPr rtlCol="0" anchor="ctr"/>
-          <a:lstStyle/>
-          <a:p>
-            <a:pPr algn="ctr"/>
-            <a:endParaRPr lang="en-US"/>
           </a:p>
         </p:txBody>
       </p:sp>
     </p:spTree>
     <p:extLst>
       <p:ext uri="{BB962C8B-B14F-4D97-AF65-F5344CB8AC3E}">
-        <p14:creationId xmlns:p14="http://schemas.microsoft.com/office/powerpoint/2010/main" val="3082240224"/>
+        <p14:creationId xmlns:p14="http://schemas.microsoft.com/office/powerpoint/2010/main" val="131410385"/>
       </p:ext>
     </p:extLst>
   </p:cSld>
@@ -7800,7 +7434,144 @@
 </p:sld>
 </file>
 
-<file path=ppt/slides/slide2.xml><?xml version="1.0" encoding="utf-8"?>
+<file path=ppt/slides/slide21.xml><?xml version="1.0" encoding="utf-8"?>
+<p:sld xmlns:a="http://schemas.openxmlformats.org/drawingml/2006/main" xmlns:r="http://schemas.openxmlformats.org/officeDocument/2006/relationships" xmlns:p="http://schemas.openxmlformats.org/presentationml/2006/main">
+  <p:cSld>
+    <p:spTree>
+      <p:nvGrpSpPr>
+        <p:cNvPr id="1" name=""/>
+        <p:cNvGrpSpPr/>
+        <p:nvPr/>
+      </p:nvGrpSpPr>
+      <p:grpSpPr>
+        <a:xfrm>
+          <a:off x="0" y="0"/>
+          <a:ext cx="0" cy="0"/>
+          <a:chOff x="0" y="0"/>
+          <a:chExt cx="0" cy="0"/>
+        </a:xfrm>
+      </p:grpSpPr>
+      <p:sp>
+        <p:nvSpPr>
+          <p:cNvPr id="2" name="標題 1"/>
+          <p:cNvSpPr>
+            <a:spLocks noGrp="1"/>
+          </p:cNvSpPr>
+          <p:nvPr>
+            <p:ph type="ctrTitle"/>
+          </p:nvPr>
+        </p:nvSpPr>
+        <p:spPr>
+          <a:xfrm>
+            <a:off x="0" y="2130425"/>
+            <a:ext cx="9144000" cy="1470025"/>
+          </a:xfrm>
+          <a:gradFill flip="none" rotWithShape="1">
+            <a:gsLst>
+              <a:gs pos="0">
+                <a:srgbClr val="00B0F0">
+                  <a:shade val="30000"/>
+                  <a:satMod val="115000"/>
+                </a:srgbClr>
+              </a:gs>
+              <a:gs pos="50000">
+                <a:srgbClr val="00B0F0">
+                  <a:shade val="67500"/>
+                  <a:satMod val="115000"/>
+                </a:srgbClr>
+              </a:gs>
+              <a:gs pos="100000">
+                <a:srgbClr val="00B0F0">
+                  <a:shade val="100000"/>
+                  <a:satMod val="115000"/>
+                </a:srgbClr>
+              </a:gs>
+            </a:gsLst>
+            <a:path path="circle">
+              <a:fillToRect t="100000" r="100000"/>
+            </a:path>
+            <a:tileRect l="-100000" b="-100000"/>
+          </a:gradFill>
+        </p:spPr>
+        <p:txBody>
+          <a:bodyPr>
+            <a:normAutofit/>
+          </a:bodyPr>
+          <a:lstStyle/>
+          <a:p>
+            <a:r>
+              <a:rPr lang="en-US" altLang="zh-TW" sz="6000" b="1" dirty="0">
+                <a:solidFill>
+                  <a:srgbClr val="FFFF00"/>
+                </a:solidFill>
+              </a:rPr>
+              <a:t>End of Chapter</a:t>
+            </a:r>
+            <a:endParaRPr lang="zh-TW" altLang="en-US" sz="6000" b="1" dirty="0">
+              <a:solidFill>
+                <a:srgbClr val="FFFF00"/>
+              </a:solidFill>
+            </a:endParaRPr>
+          </a:p>
+        </p:txBody>
+      </p:sp>
+      <p:sp>
+        <p:nvSpPr>
+          <p:cNvPr id="5" name="日期版面配置區 4"/>
+          <p:cNvSpPr>
+            <a:spLocks noGrp="1"/>
+          </p:cNvSpPr>
+          <p:nvPr>
+            <p:ph type="dt" sz="half" idx="10"/>
+          </p:nvPr>
+        </p:nvSpPr>
+        <p:spPr/>
+        <p:txBody>
+          <a:bodyPr/>
+          <a:lstStyle/>
+          <a:p>
+            <a:fld id="{4E46BE27-E923-4EC2-B046-3272AE2A3E5C}" type="datetime1">
+              <a:rPr lang="zh-TW" altLang="en-US" smtClean="0"/>
+              <a:pPr/>
+              <a:t>2020/6/29</a:t>
+            </a:fld>
+            <a:endParaRPr lang="zh-TW" altLang="en-US"/>
+          </a:p>
+        </p:txBody>
+      </p:sp>
+      <p:sp>
+        <p:nvSpPr>
+          <p:cNvPr id="6" name="投影片編號版面配置區 5"/>
+          <p:cNvSpPr>
+            <a:spLocks noGrp="1"/>
+          </p:cNvSpPr>
+          <p:nvPr>
+            <p:ph type="sldNum" sz="quarter" idx="12"/>
+          </p:nvPr>
+        </p:nvSpPr>
+        <p:spPr/>
+        <p:txBody>
+          <a:bodyPr/>
+          <a:lstStyle/>
+          <a:p>
+            <a:fld id="{E4D7E63D-91F2-4366-A2C4-1B00C9E2590E}" type="slidenum">
+              <a:rPr lang="zh-TW" altLang="en-US" smtClean="0"/>
+              <a:pPr/>
+              <a:t>21</a:t>
+            </a:fld>
+            <a:endParaRPr lang="zh-TW" altLang="en-US"/>
+          </a:p>
+        </p:txBody>
+      </p:sp>
+    </p:spTree>
+  </p:cSld>
+  <p:clrMapOvr>
+    <a:masterClrMapping/>
+  </p:clrMapOvr>
+</p:sld>
+</file>
+
+<file path=ppt/slides/slide3.xml><?xml version="1.0" encoding="utf-8"?>
 <p:sld xmlns:a="http://schemas.openxmlformats.org/drawingml/2006/main" xmlns:r="http://schemas.openxmlformats.org/officeDocument/2006/relationships" xmlns:p="http://schemas.openxmlformats.org/presentationml/2006/main">
   <p:cSld>
     <p:spTree>
@@ -7872,7 +7643,7 @@
                   <a:srgbClr val="FFFF00"/>
                 </a:solidFill>
               </a:rPr>
-              <a:t>28 Refs</a:t>
+              <a:t>28.1 Add Input Text Field</a:t>
             </a:r>
             <a:endParaRPr lang="zh-TW" altLang="en-US" b="1" dirty="0">
               <a:solidFill>
@@ -7895,7 +7666,7 @@
         <p:spPr>
           <a:xfrm>
             <a:off x="467544" y="1340768"/>
-            <a:ext cx="8352928" cy="2448272"/>
+            <a:ext cx="8352928" cy="825520"/>
           </a:xfrm>
           <a:ln>
             <a:solidFill>
@@ -7918,13 +7689,13 @@
               <a:buChar char="u"/>
             </a:pPr>
             <a:r>
-              <a:rPr lang="en-US" altLang="zh-TW" sz="1600" b="1" dirty="0">
-                <a:solidFill>
-                  <a:schemeClr val="tx1"/>
-                </a:solidFill>
-                <a:latin typeface="+mj-lt"/>
-              </a:rPr>
-              <a:t>This section discussed the concepts of Refs in React.</a:t>
+              <a:rPr lang="en-US" altLang="zh-TW" sz="1800" dirty="0">
+                <a:solidFill>
+                  <a:schemeClr val="tx1"/>
+                </a:solidFill>
+                <a:latin typeface="+mj-lt"/>
+              </a:rPr>
+              <a:t>We create a new file called Components/FocusInput.js.</a:t>
             </a:r>
           </a:p>
           <a:p>
@@ -7937,108 +7708,28 @@
               <a:buChar char="u"/>
             </a:pPr>
             <a:r>
-              <a:rPr lang="en-US" altLang="zh-TW" sz="1600" dirty="0">
-                <a:solidFill>
-                  <a:schemeClr val="tx1"/>
-                </a:solidFill>
-                <a:latin typeface="+mj-lt"/>
-              </a:rPr>
-              <a:t>Refs make it possible to access the DOM node directly within React.</a:t>
-            </a:r>
-          </a:p>
-          <a:p>
-            <a:pPr marL="342900" indent="-342900" algn="l">
-              <a:buClr>
-                <a:srgbClr val="0070C0"/>
-              </a:buClr>
-              <a:buSzPct val="80000"/>
-              <a:buFont typeface="Wingdings" pitchFamily="2" charset="2"/>
-              <a:buChar char="u"/>
-            </a:pPr>
-            <a:r>
-              <a:rPr lang="en-US" altLang="zh-TW" sz="1600" dirty="0">
-                <a:solidFill>
-                  <a:schemeClr val="tx1"/>
-                </a:solidFill>
-                <a:latin typeface="+mj-lt"/>
-              </a:rPr>
-              <a:t>For our understanding, we take a look at one of common use cases which is focusing a text input.</a:t>
-            </a:r>
-          </a:p>
-          <a:p>
-            <a:pPr marL="342900" indent="-342900" algn="l">
-              <a:buClr>
-                <a:srgbClr val="0070C0"/>
-              </a:buClr>
-              <a:buSzPct val="80000"/>
-              <a:buFont typeface="Wingdings" pitchFamily="2" charset="2"/>
-              <a:buChar char="u"/>
-            </a:pPr>
-            <a:r>
-              <a:rPr lang="en-US" altLang="zh-TW" sz="1600" dirty="0">
-                <a:solidFill>
-                  <a:schemeClr val="tx1"/>
-                </a:solidFill>
-                <a:latin typeface="+mj-lt"/>
-              </a:rPr>
-              <a:t>For example, we have a login form. </a:t>
-            </a:r>
-          </a:p>
-          <a:p>
-            <a:pPr marL="342900" indent="-342900" algn="l">
-              <a:buClr>
-                <a:srgbClr val="0070C0"/>
-              </a:buClr>
-              <a:buSzPct val="80000"/>
-              <a:buFont typeface="Wingdings" pitchFamily="2" charset="2"/>
-              <a:buChar char="u"/>
-            </a:pPr>
-            <a:r>
-              <a:rPr lang="en-US" altLang="zh-TW" sz="1600" dirty="0">
-                <a:solidFill>
-                  <a:schemeClr val="tx1"/>
-                </a:solidFill>
-                <a:latin typeface="+mj-lt"/>
-              </a:rPr>
-              <a:t>As soon as the page is loaded. </a:t>
-            </a:r>
-          </a:p>
-          <a:p>
-            <a:pPr marL="342900" indent="-342900" algn="l">
-              <a:buClr>
-                <a:srgbClr val="0070C0"/>
-              </a:buClr>
-              <a:buSzPct val="80000"/>
-              <a:buFont typeface="Wingdings" pitchFamily="2" charset="2"/>
-              <a:buChar char="u"/>
-            </a:pPr>
-            <a:r>
-              <a:rPr lang="en-US" altLang="zh-TW" sz="1600" dirty="0">
-                <a:solidFill>
-                  <a:schemeClr val="tx1"/>
-                </a:solidFill>
-                <a:latin typeface="+mj-lt"/>
-              </a:rPr>
-              <a:t>Let’s say, by default, we want the user name input field to be focused.</a:t>
-            </a:r>
-          </a:p>
-          <a:p>
-            <a:pPr marL="342900" indent="-342900" algn="l">
-              <a:buClr>
-                <a:srgbClr val="0070C0"/>
-              </a:buClr>
-              <a:buSzPct val="80000"/>
-              <a:buFont typeface="Wingdings" pitchFamily="2" charset="2"/>
-              <a:buChar char="u"/>
-            </a:pPr>
-            <a:r>
-              <a:rPr lang="en-US" altLang="zh-TW" sz="1600" dirty="0">
-                <a:solidFill>
-                  <a:schemeClr val="tx1"/>
-                </a:solidFill>
-                <a:latin typeface="+mj-lt"/>
-              </a:rPr>
-              <a:t>Let’s see how to achieve that with refs.</a:t>
+              <a:rPr lang="en-US" altLang="zh-TW" sz="1800" dirty="0">
+                <a:solidFill>
+                  <a:schemeClr val="tx1"/>
+                </a:solidFill>
+              </a:rPr>
+              <a:t>Type ‘</a:t>
+            </a:r>
+            <a:r>
+              <a:rPr lang="en-US" altLang="zh-TW" sz="1800" dirty="0" err="1">
+                <a:solidFill>
+                  <a:schemeClr val="tx1"/>
+                </a:solidFill>
+              </a:rPr>
+              <a:t>rfce</a:t>
+            </a:r>
+            <a:r>
+              <a:rPr lang="en-US" altLang="zh-TW" sz="1800" dirty="0">
+                <a:solidFill>
+                  <a:schemeClr val="tx1"/>
+                </a:solidFill>
+              </a:rPr>
+              <a:t>’ (React Functional Component ES7)</a:t>
             </a:r>
           </a:p>
         </p:txBody>
@@ -8093,9 +7784,12 @@
           <a:lstStyle/>
           <a:p>
             <a:r>
-              <a:rPr lang="en-US" altLang="zh-TW" sz="1600" b="1" i="1" dirty="0"/>
-              <a:t>https://www.youtube.com/watch?v=FXa9mMTKOu8&amp;list=PLC3y8-rFHvwgg3vaYJgHGnModB54rxOk3&amp;index=28</a:t>
-            </a:r>
+              <a:rPr lang="en-US" sz="1600" dirty="0">
+                <a:hlinkClick r:id="rId2"/>
+              </a:rPr>
+              <a:t>https://www.youtube.com/watch?v=yCS2m01bQ6w&amp;list=PLC3y8-rFHvwgg3vaYJgHGnModB54rxOk3&amp;index=71</a:t>
+            </a:r>
+            <a:endParaRPr lang="en-US" altLang="zh-TW" sz="1600" b="1" i="1" dirty="0"/>
           </a:p>
         </p:txBody>
       </p:sp>
@@ -8122,7 +7816,7 @@
             <a:fld id="{A4F910E6-8D00-4BAF-8C48-9688E0B449D3}" type="datetime1">
               <a:rPr lang="zh-TW" altLang="en-US" smtClean="0"/>
               <a:pPr/>
-              <a:t>2020/5/26</a:t>
+              <a:t>2020/6/29</a:t>
             </a:fld>
             <a:endParaRPr lang="zh-TW" altLang="en-US"/>
           </a:p>
@@ -8151,13 +7845,53 @@
             <a:fld id="{E4D7E63D-91F2-4366-A2C4-1B00C9E2590E}" type="slidenum">
               <a:rPr lang="zh-TW" altLang="en-US" smtClean="0"/>
               <a:pPr/>
-              <a:t>2</a:t>
+              <a:t>3</a:t>
             </a:fld>
             <a:endParaRPr lang="zh-TW" altLang="en-US"/>
           </a:p>
         </p:txBody>
       </p:sp>
+      <p:pic>
+        <p:nvPicPr>
+          <p:cNvPr id="7" name="Picture 6">
+            <a:extLst>
+              <a:ext uri="{FF2B5EF4-FFF2-40B4-BE49-F238E27FC236}">
+                <a16:creationId xmlns:a16="http://schemas.microsoft.com/office/drawing/2014/main" id="{B1D8CE84-4844-4C9D-8C42-BC9112A23C3A}"/>
+              </a:ext>
+            </a:extLst>
+          </p:cNvPr>
+          <p:cNvPicPr>
+            <a:picLocks noChangeAspect="1"/>
+          </p:cNvPicPr>
+          <p:nvPr/>
+        </p:nvPicPr>
+        <p:blipFill>
+          <a:blip r:embed="rId3"/>
+          <a:stretch>
+            <a:fillRect/>
+          </a:stretch>
+        </p:blipFill>
+        <p:spPr>
+          <a:xfrm>
+            <a:off x="2483768" y="2166288"/>
+            <a:ext cx="2695575" cy="2752725"/>
+          </a:xfrm>
+          <a:prstGeom prst="rect">
+            <a:avLst/>
+          </a:prstGeom>
+          <a:ln>
+            <a:solidFill>
+              <a:srgbClr val="C00000"/>
+            </a:solidFill>
+          </a:ln>
+        </p:spPr>
+      </p:pic>
     </p:spTree>
+    <p:extLst>
+      <p:ext uri="{BB962C8B-B14F-4D97-AF65-F5344CB8AC3E}">
+        <p14:creationId xmlns:p14="http://schemas.microsoft.com/office/powerpoint/2010/main" val="940153050"/>
+      </p:ext>
+    </p:extLst>
   </p:cSld>
   <p:clrMapOvr>
     <a:masterClrMapping/>
@@ -8165,7 +7899,158 @@
 </p:sld>
 </file>
 
-<file path=ppt/slides/slide20.xml><?xml version="1.0" encoding="utf-8"?>
+<file path=ppt/slides/slide4.xml><?xml version="1.0" encoding="utf-8"?>
+<p:sld xmlns:a="http://schemas.openxmlformats.org/drawingml/2006/main" xmlns:r="http://schemas.openxmlformats.org/officeDocument/2006/relationships" xmlns:p="http://schemas.openxmlformats.org/presentationml/2006/main">
+  <p:cSld>
+    <p:spTree>
+      <p:nvGrpSpPr>
+        <p:cNvPr id="1" name=""/>
+        <p:cNvGrpSpPr/>
+        <p:nvPr/>
+      </p:nvGrpSpPr>
+      <p:grpSpPr>
+        <a:xfrm>
+          <a:off x="0" y="0"/>
+          <a:ext cx="0" cy="0"/>
+          <a:chOff x="0" y="0"/>
+          <a:chExt cx="0" cy="0"/>
+        </a:xfrm>
+      </p:grpSpPr>
+      <p:sp>
+        <p:nvSpPr>
+          <p:cNvPr id="2" name="標題 1"/>
+          <p:cNvSpPr>
+            <a:spLocks noGrp="1"/>
+          </p:cNvSpPr>
+          <p:nvPr>
+            <p:ph type="ctrTitle"/>
+          </p:nvPr>
+        </p:nvSpPr>
+        <p:spPr>
+          <a:xfrm>
+            <a:off x="0" y="2130425"/>
+            <a:ext cx="9144000" cy="1470025"/>
+          </a:xfrm>
+          <a:solidFill>
+            <a:srgbClr val="00B0F0"/>
+          </a:solidFill>
+        </p:spPr>
+        <p:txBody>
+          <a:bodyPr>
+            <a:normAutofit/>
+          </a:bodyPr>
+          <a:lstStyle/>
+          <a:p>
+            <a:r>
+              <a:rPr lang="en-US" altLang="zh-TW" sz="4800" b="1" dirty="0">
+                <a:solidFill>
+                  <a:srgbClr val="FFFF00"/>
+                </a:solidFill>
+              </a:rPr>
+              <a:t>28.1 Add Input Text Field</a:t>
+            </a:r>
+            <a:endParaRPr lang="zh-TW" altLang="en-US" sz="4800" b="1" dirty="0">
+              <a:solidFill>
+                <a:srgbClr val="FFFF00"/>
+              </a:solidFill>
+            </a:endParaRPr>
+          </a:p>
+        </p:txBody>
+      </p:sp>
+      <p:sp>
+        <p:nvSpPr>
+          <p:cNvPr id="5" name="日期版面配置區 4"/>
+          <p:cNvSpPr>
+            <a:spLocks noGrp="1"/>
+          </p:cNvSpPr>
+          <p:nvPr>
+            <p:ph type="dt" sz="half" idx="10"/>
+          </p:nvPr>
+        </p:nvSpPr>
+        <p:spPr/>
+        <p:txBody>
+          <a:bodyPr/>
+          <a:lstStyle/>
+          <a:p>
+            <a:fld id="{C389EDC9-19E3-47AC-9C57-C6A24DEA81AD}" type="datetime1">
+              <a:rPr lang="zh-TW" altLang="en-US" smtClean="0"/>
+              <a:pPr/>
+              <a:t>2020/6/29</a:t>
+            </a:fld>
+            <a:endParaRPr lang="zh-TW" altLang="en-US"/>
+          </a:p>
+        </p:txBody>
+      </p:sp>
+      <p:sp>
+        <p:nvSpPr>
+          <p:cNvPr id="6" name="投影片編號版面配置區 5"/>
+          <p:cNvSpPr>
+            <a:spLocks noGrp="1"/>
+          </p:cNvSpPr>
+          <p:nvPr>
+            <p:ph type="sldNum" sz="quarter" idx="12"/>
+          </p:nvPr>
+        </p:nvSpPr>
+        <p:spPr/>
+        <p:txBody>
+          <a:bodyPr/>
+          <a:lstStyle/>
+          <a:p>
+            <a:fld id="{E4D7E63D-91F2-4366-A2C4-1B00C9E2590E}" type="slidenum">
+              <a:rPr lang="zh-TW" altLang="en-US" smtClean="0"/>
+              <a:pPr/>
+              <a:t>4</a:t>
+            </a:fld>
+            <a:endParaRPr lang="zh-TW" altLang="en-US"/>
+          </a:p>
+        </p:txBody>
+      </p:sp>
+      <p:pic>
+        <p:nvPicPr>
+          <p:cNvPr id="2050" name="Picture 2"/>
+          <p:cNvPicPr>
+            <a:picLocks noChangeAspect="1" noChangeArrowheads="1"/>
+          </p:cNvPicPr>
+          <p:nvPr/>
+        </p:nvPicPr>
+        <p:blipFill>
+          <a:blip r:embed="rId2" cstate="print"/>
+          <a:srcRect/>
+          <a:stretch>
+            <a:fillRect/>
+          </a:stretch>
+        </p:blipFill>
+        <p:spPr bwMode="auto">
+          <a:xfrm>
+            <a:off x="4283968" y="3717032"/>
+            <a:ext cx="713805" cy="644588"/>
+          </a:xfrm>
+          <a:prstGeom prst="rect">
+            <a:avLst/>
+          </a:prstGeom>
+          <a:noFill/>
+          <a:ln w="9525">
+            <a:noFill/>
+            <a:miter lim="800000"/>
+            <a:headEnd/>
+            <a:tailEnd/>
+          </a:ln>
+        </p:spPr>
+      </p:pic>
+    </p:spTree>
+    <p:extLst>
+      <p:ext uri="{BB962C8B-B14F-4D97-AF65-F5344CB8AC3E}">
+        <p14:creationId xmlns:p14="http://schemas.microsoft.com/office/powerpoint/2010/main" val="247372158"/>
+      </p:ext>
+    </p:extLst>
+  </p:cSld>
+  <p:clrMapOvr>
+    <a:masterClrMapping/>
+  </p:clrMapOvr>
+</p:sld>
+</file>
+
+<file path=ppt/slides/slide5.xml><?xml version="1.0" encoding="utf-8"?>
 <p:sld xmlns:a="http://schemas.openxmlformats.org/drawingml/2006/main" xmlns:r="http://schemas.openxmlformats.org/officeDocument/2006/relationships" xmlns:p="http://schemas.openxmlformats.org/presentationml/2006/main">
   <p:cSld>
     <p:spTree>
@@ -8237,7 +8122,7 @@
                   <a:srgbClr val="FFFF00"/>
                 </a:solidFill>
               </a:rPr>
-              <a:t>28.6 Third Step: 2) Fetch Input Value</a:t>
+              <a:t>28.1 Add Input Text Field</a:t>
             </a:r>
             <a:endParaRPr lang="zh-TW" altLang="en-US" b="1" dirty="0">
               <a:solidFill>
@@ -8259,8 +8144,8 @@
         </p:nvSpPr>
         <p:spPr>
           <a:xfrm>
-            <a:off x="467544" y="1340767"/>
-            <a:ext cx="8352928" cy="720081"/>
+            <a:off x="467544" y="1340768"/>
+            <a:ext cx="8352928" cy="398616"/>
           </a:xfrm>
           <a:ln>
             <a:solidFill>
@@ -8283,33 +8168,19 @@
               <a:buChar char="u"/>
             </a:pPr>
             <a:r>
-              <a:rPr lang="en-US" altLang="zh-TW" sz="1600" b="1" dirty="0">
-                <a:solidFill>
-                  <a:schemeClr val="tx1"/>
-                </a:solidFill>
-                <a:latin typeface="+mj-lt"/>
-              </a:rPr>
-              <a:t>Refresh the browser</a:t>
-            </a:r>
-          </a:p>
-          <a:p>
-            <a:pPr marL="342900" indent="-342900" algn="l">
-              <a:buClr>
-                <a:srgbClr val="0070C0"/>
-              </a:buClr>
-              <a:buSzPct val="80000"/>
-              <a:buFont typeface="Wingdings" pitchFamily="2" charset="2"/>
-              <a:buChar char="u"/>
-            </a:pPr>
-            <a:r>
-              <a:rPr lang="en-US" altLang="zh-TW" sz="1600" dirty="0">
-                <a:solidFill>
-                  <a:schemeClr val="tx1"/>
-                </a:solidFill>
-                <a:latin typeface="+mj-lt"/>
-              </a:rPr>
-              <a:t>Enter text and click OK.</a:t>
-            </a:r>
+              <a:rPr lang="en-US" altLang="zh-TW" sz="1800" dirty="0">
+                <a:solidFill>
+                  <a:schemeClr val="tx1"/>
+                </a:solidFill>
+                <a:latin typeface="+mj-lt"/>
+              </a:rPr>
+              <a:t>Add the input element input type = “text”</a:t>
+            </a:r>
+            <a:endParaRPr lang="en-US" altLang="zh-TW" sz="1800" dirty="0">
+              <a:solidFill>
+                <a:schemeClr val="tx1"/>
+              </a:solidFill>
+            </a:endParaRPr>
           </a:p>
         </p:txBody>
       </p:sp>
@@ -8364,7 +8235,7 @@
           <a:p>
             <a:r>
               <a:rPr lang="en-US" altLang="zh-TW" sz="1600" b="1" i="1" dirty="0"/>
-              <a:t>https://www.youtube.com/watch?v=FXa9mMTKOu8&amp;list=PLC3y8-rFHvwgg3vaYJgHGnModB54rxOk3&amp;index=28</a:t>
+              <a:t>https://www.youtube.com/watch?v=yCS2m01bQ6w&amp;list=PLC3y8-rFHvwgg3vaYJgHGnModB54rxOk3&amp;index=71</a:t>
             </a:r>
           </a:p>
         </p:txBody>
@@ -8392,7 +8263,7 @@
             <a:fld id="{A4F910E6-8D00-4BAF-8C48-9688E0B449D3}" type="datetime1">
               <a:rPr lang="zh-TW" altLang="en-US" smtClean="0"/>
               <a:pPr/>
-              <a:t>2020/5/26</a:t>
+              <a:t>2020/6/29</a:t>
             </a:fld>
             <a:endParaRPr lang="zh-TW" altLang="en-US"/>
           </a:p>
@@ -8421,7 +8292,7 @@
             <a:fld id="{E4D7E63D-91F2-4366-A2C4-1B00C9E2590E}" type="slidenum">
               <a:rPr lang="zh-TW" altLang="en-US" smtClean="0"/>
               <a:pPr/>
-              <a:t>20</a:t>
+              <a:t>5</a:t>
             </a:fld>
             <a:endParaRPr lang="zh-TW" altLang="en-US"/>
           </a:p>
@@ -8429,10 +8300,10 @@
       </p:sp>
       <p:pic>
         <p:nvPicPr>
-          <p:cNvPr id="7" name="Picture 6">
+          <p:cNvPr id="8" name="Picture 7">
             <a:extLst>
               <a:ext uri="{FF2B5EF4-FFF2-40B4-BE49-F238E27FC236}">
-                <a16:creationId xmlns:a16="http://schemas.microsoft.com/office/drawing/2014/main" id="{841042BD-F4DF-405C-BCD9-B1E8C824F224}"/>
+                <a16:creationId xmlns:a16="http://schemas.microsoft.com/office/drawing/2014/main" id="{3B3D7E93-E3EB-4CC7-B58E-8C494AD3FED4}"/>
               </a:ext>
             </a:extLst>
           </p:cNvPr>
@@ -8449,8 +8320,8 @@
         </p:blipFill>
         <p:spPr>
           <a:xfrm>
-            <a:off x="1133872" y="3689350"/>
-            <a:ext cx="6876256" cy="1615228"/>
+            <a:off x="2195736" y="1916832"/>
+            <a:ext cx="3371850" cy="2771775"/>
           </a:xfrm>
           <a:prstGeom prst="rect">
             <a:avLst/>
@@ -8462,194 +8333,10 @@
           </a:ln>
         </p:spPr>
       </p:pic>
-      <p:pic>
-        <p:nvPicPr>
-          <p:cNvPr id="8" name="Picture 7">
-            <a:extLst>
-              <a:ext uri="{FF2B5EF4-FFF2-40B4-BE49-F238E27FC236}">
-                <a16:creationId xmlns:a16="http://schemas.microsoft.com/office/drawing/2014/main" id="{B39473B0-DD87-4C20-9DF5-706AF964F3D1}"/>
-              </a:ext>
-            </a:extLst>
-          </p:cNvPr>
-          <p:cNvPicPr>
-            <a:picLocks noChangeAspect="1"/>
-          </p:cNvPicPr>
-          <p:nvPr/>
-        </p:nvPicPr>
-        <p:blipFill>
-          <a:blip r:embed="rId3"/>
-          <a:stretch>
-            <a:fillRect/>
-          </a:stretch>
-        </p:blipFill>
-        <p:spPr>
-          <a:xfrm>
-            <a:off x="1133872" y="2208349"/>
-            <a:ext cx="5019675" cy="1333500"/>
-          </a:xfrm>
-          <a:prstGeom prst="rect">
-            <a:avLst/>
-          </a:prstGeom>
-          <a:ln>
-            <a:solidFill>
-              <a:srgbClr val="C00000"/>
-            </a:solidFill>
-          </a:ln>
-        </p:spPr>
-      </p:pic>
-      <p:sp>
-        <p:nvSpPr>
-          <p:cNvPr id="9" name="Rectangle 8">
-            <a:extLst>
-              <a:ext uri="{FF2B5EF4-FFF2-40B4-BE49-F238E27FC236}">
-                <a16:creationId xmlns:a16="http://schemas.microsoft.com/office/drawing/2014/main" id="{9E37650A-CEC1-47F0-B657-9DFACBD7A82B}"/>
-              </a:ext>
-            </a:extLst>
-          </p:cNvPr>
-          <p:cNvSpPr/>
-          <p:nvPr/>
-        </p:nvSpPr>
-        <p:spPr>
-          <a:xfrm>
-            <a:off x="5364088" y="3212976"/>
-            <a:ext cx="576064" cy="328873"/>
-          </a:xfrm>
-          <a:prstGeom prst="rect">
-            <a:avLst/>
-          </a:prstGeom>
-          <a:noFill/>
-          <a:ln>
-            <a:solidFill>
-              <a:srgbClr val="C00000"/>
-            </a:solidFill>
-          </a:ln>
-        </p:spPr>
-        <p:style>
-          <a:lnRef idx="2">
-            <a:schemeClr val="accent1">
-              <a:shade val="50000"/>
-            </a:schemeClr>
-          </a:lnRef>
-          <a:fillRef idx="1">
-            <a:schemeClr val="accent1"/>
-          </a:fillRef>
-          <a:effectRef idx="0">
-            <a:schemeClr val="accent1"/>
-          </a:effectRef>
-          <a:fontRef idx="minor">
-            <a:schemeClr val="lt1"/>
-          </a:fontRef>
-        </p:style>
-        <p:txBody>
-          <a:bodyPr rtlCol="0" anchor="ctr"/>
-          <a:lstStyle/>
-          <a:p>
-            <a:pPr algn="ctr"/>
-            <a:endParaRPr lang="en-US"/>
-          </a:p>
-        </p:txBody>
-      </p:sp>
-      <p:sp>
-        <p:nvSpPr>
-          <p:cNvPr id="14" name="Rectangle 13">
-            <a:extLst>
-              <a:ext uri="{FF2B5EF4-FFF2-40B4-BE49-F238E27FC236}">
-                <a16:creationId xmlns:a16="http://schemas.microsoft.com/office/drawing/2014/main" id="{38E05EF8-1EBD-4E12-A33E-DC97E7502734}"/>
-              </a:ext>
-            </a:extLst>
-          </p:cNvPr>
-          <p:cNvSpPr/>
-          <p:nvPr/>
-        </p:nvSpPr>
-        <p:spPr>
-          <a:xfrm>
-            <a:off x="4511402" y="4581128"/>
-            <a:ext cx="576064" cy="328873"/>
-          </a:xfrm>
-          <a:prstGeom prst="rect">
-            <a:avLst/>
-          </a:prstGeom>
-          <a:noFill/>
-          <a:ln>
-            <a:solidFill>
-              <a:srgbClr val="C00000"/>
-            </a:solidFill>
-          </a:ln>
-        </p:spPr>
-        <p:style>
-          <a:lnRef idx="2">
-            <a:schemeClr val="accent1">
-              <a:shade val="50000"/>
-            </a:schemeClr>
-          </a:lnRef>
-          <a:fillRef idx="1">
-            <a:schemeClr val="accent1"/>
-          </a:fillRef>
-          <a:effectRef idx="0">
-            <a:schemeClr val="accent1"/>
-          </a:effectRef>
-          <a:fontRef idx="minor">
-            <a:schemeClr val="lt1"/>
-          </a:fontRef>
-        </p:style>
-        <p:txBody>
-          <a:bodyPr rtlCol="0" anchor="ctr"/>
-          <a:lstStyle/>
-          <a:p>
-            <a:pPr algn="ctr"/>
-            <a:endParaRPr lang="en-US"/>
-          </a:p>
-        </p:txBody>
-      </p:sp>
-      <p:cxnSp>
-        <p:nvCxnSpPr>
-          <p:cNvPr id="11" name="Straight Arrow Connector 10">
-            <a:extLst>
-              <a:ext uri="{FF2B5EF4-FFF2-40B4-BE49-F238E27FC236}">
-                <a16:creationId xmlns:a16="http://schemas.microsoft.com/office/drawing/2014/main" id="{961D844D-4522-4FEF-87E5-932C60E17D3D}"/>
-              </a:ext>
-            </a:extLst>
-          </p:cNvPr>
-          <p:cNvCxnSpPr>
-            <a:stCxn id="9" idx="2"/>
-            <a:endCxn id="14" idx="0"/>
-          </p:cNvCxnSpPr>
-          <p:nvPr/>
-        </p:nvCxnSpPr>
-        <p:spPr>
-          <a:xfrm flipH="1">
-            <a:off x="4799434" y="3541849"/>
-            <a:ext cx="852686" cy="1039279"/>
-          </a:xfrm>
-          <a:prstGeom prst="straightConnector1">
-            <a:avLst/>
-          </a:prstGeom>
-          <a:ln>
-            <a:solidFill>
-              <a:srgbClr val="C00000"/>
-            </a:solidFill>
-            <a:tailEnd type="triangle"/>
-          </a:ln>
-        </p:spPr>
-        <p:style>
-          <a:lnRef idx="1">
-            <a:schemeClr val="accent1"/>
-          </a:lnRef>
-          <a:fillRef idx="0">
-            <a:schemeClr val="accent1"/>
-          </a:fillRef>
-          <a:effectRef idx="0">
-            <a:schemeClr val="accent1"/>
-          </a:effectRef>
-          <a:fontRef idx="minor">
-            <a:schemeClr val="tx1"/>
-          </a:fontRef>
-        </p:style>
-      </p:cxnSp>
     </p:spTree>
     <p:extLst>
       <p:ext uri="{BB962C8B-B14F-4D97-AF65-F5344CB8AC3E}">
-        <p14:creationId xmlns:p14="http://schemas.microsoft.com/office/powerpoint/2010/main" val="1587641259"/>
+        <p14:creationId xmlns:p14="http://schemas.microsoft.com/office/powerpoint/2010/main" val="2017736959"/>
       </p:ext>
     </p:extLst>
   </p:cSld>
@@ -8659,7 +8346,7 @@
 </p:sld>
 </file>
 
-<file path=ppt/slides/slide21.xml><?xml version="1.0" encoding="utf-8"?>
+<file path=ppt/slides/slide6.xml><?xml version="1.0" encoding="utf-8"?>
 <p:sld xmlns:a="http://schemas.openxmlformats.org/drawingml/2006/main" xmlns:r="http://schemas.openxmlformats.org/officeDocument/2006/relationships" xmlns:p="http://schemas.openxmlformats.org/presentationml/2006/main">
   <p:cSld>
     <p:spTree>
@@ -8726,12 +8413,12 @@
           <a:p>
             <a:pPr algn="l"/>
             <a:r>
-              <a:rPr lang="en-US" altLang="zh-TW" b="1">
+              <a:rPr lang="en-US" altLang="zh-TW" b="1" dirty="0">
                 <a:solidFill>
                   <a:srgbClr val="FFFF00"/>
                 </a:solidFill>
               </a:rPr>
-              <a:t>28.6 Third Step: 2) Fetch Input Value</a:t>
+              <a:t>28.1 Add Input Text Field</a:t>
             </a:r>
             <a:endParaRPr lang="zh-TW" altLang="en-US" b="1" dirty="0">
               <a:solidFill>
@@ -8753,8 +8440,8 @@
         </p:nvSpPr>
         <p:spPr>
           <a:xfrm>
-            <a:off x="467544" y="1340767"/>
-            <a:ext cx="8352928" cy="720081"/>
+            <a:off x="467544" y="1340768"/>
+            <a:ext cx="8352928" cy="398616"/>
           </a:xfrm>
           <a:ln>
             <a:solidFill>
@@ -8777,65 +8464,18 @@
               <a:buChar char="u"/>
             </a:pPr>
             <a:r>
-              <a:rPr lang="en-US" altLang="zh-TW" sz="1600" dirty="0">
-                <a:solidFill>
-                  <a:schemeClr val="tx1"/>
-                </a:solidFill>
-                <a:latin typeface="+mj-lt"/>
-              </a:rPr>
-              <a:t>This is to use </a:t>
-            </a:r>
-            <a:r>
-              <a:rPr lang="en-US" altLang="zh-TW" sz="1600" dirty="0" err="1">
-                <a:solidFill>
-                  <a:schemeClr val="tx1"/>
-                </a:solidFill>
-                <a:latin typeface="+mj-lt"/>
-              </a:rPr>
-              <a:t>createRef</a:t>
-            </a:r>
-            <a:r>
-              <a:rPr lang="en-US" altLang="zh-TW" sz="1600" dirty="0">
-                <a:solidFill>
-                  <a:schemeClr val="tx1"/>
-                </a:solidFill>
-                <a:latin typeface="+mj-lt"/>
-              </a:rPr>
-              <a:t> () to create Refs.</a:t>
-            </a:r>
-          </a:p>
-          <a:p>
-            <a:pPr marL="342900" indent="-342900" algn="l">
-              <a:buClr>
-                <a:srgbClr val="0070C0"/>
-              </a:buClr>
-              <a:buSzPct val="80000"/>
-              <a:buFont typeface="Wingdings" pitchFamily="2" charset="2"/>
-              <a:buChar char="u"/>
-            </a:pPr>
-            <a:r>
-              <a:rPr lang="en-US" altLang="zh-TW" sz="1600" dirty="0">
-                <a:solidFill>
-                  <a:schemeClr val="tx1"/>
-                </a:solidFill>
-                <a:latin typeface="+mj-lt"/>
-              </a:rPr>
-              <a:t>React also support  the second way to set refs which is called </a:t>
-            </a:r>
-            <a:r>
-              <a:rPr lang="en-US" altLang="zh-TW" sz="1600">
-                <a:solidFill>
-                  <a:schemeClr val="tx1"/>
-                </a:solidFill>
-                <a:latin typeface="+mj-lt"/>
-              </a:rPr>
-              <a:t>the callback refs.</a:t>
-            </a:r>
-            <a:endParaRPr lang="en-US" altLang="zh-TW" sz="1600" dirty="0">
+              <a:rPr lang="en-US" altLang="zh-TW" sz="1800" dirty="0">
+                <a:solidFill>
+                  <a:schemeClr val="tx1"/>
+                </a:solidFill>
+                <a:latin typeface="+mj-lt"/>
+              </a:rPr>
+              <a:t>Add the input element input type = “text”</a:t>
+            </a:r>
+            <a:endParaRPr lang="en-US" altLang="zh-TW" sz="1800" dirty="0">
               <a:solidFill>
                 <a:schemeClr val="tx1"/>
               </a:solidFill>
-              <a:latin typeface="+mj-lt"/>
             </a:endParaRPr>
           </a:p>
         </p:txBody>
@@ -8890,9 +8530,10 @@
           <a:lstStyle/>
           <a:p>
             <a:r>
-              <a:rPr lang="en-US" altLang="zh-TW" sz="1600" b="1" i="1" dirty="0"/>
-              <a:t>https://www.youtube.com/watch?v=FXa9mMTKOu8&amp;list=PLC3y8-rFHvwgg3vaYJgHGnModB54rxOk3&amp;index=28</a:t>
-            </a:r>
+              <a:rPr lang="en-US" altLang="zh-TW" sz="1600" b="1" i="1"/>
+              <a:t>https://www.youtube.com/watch?v=yCS2m01bQ6w&amp;list=PLC3y8-rFHvwgg3vaYJgHGnModB54rxOk3&amp;index=71</a:t>
+            </a:r>
+            <a:endParaRPr lang="en-US" altLang="zh-TW" sz="1600" b="1" i="1" dirty="0"/>
           </a:p>
         </p:txBody>
       </p:sp>
@@ -8919,7 +8560,7 @@
             <a:fld id="{A4F910E6-8D00-4BAF-8C48-9688E0B449D3}" type="datetime1">
               <a:rPr lang="zh-TW" altLang="en-US" smtClean="0"/>
               <a:pPr/>
-              <a:t>2020/5/26</a:t>
+              <a:t>2020/6/29</a:t>
             </a:fld>
             <a:endParaRPr lang="zh-TW" altLang="en-US"/>
           </a:p>
@@ -8948,16 +8589,51 @@
             <a:fld id="{E4D7E63D-91F2-4366-A2C4-1B00C9E2590E}" type="slidenum">
               <a:rPr lang="zh-TW" altLang="en-US" smtClean="0"/>
               <a:pPr/>
-              <a:t>21</a:t>
+              <a:t>6</a:t>
             </a:fld>
             <a:endParaRPr lang="zh-TW" altLang="en-US"/>
           </a:p>
         </p:txBody>
       </p:sp>
+      <p:pic>
+        <p:nvPicPr>
+          <p:cNvPr id="7" name="Picture 6">
+            <a:extLst>
+              <a:ext uri="{FF2B5EF4-FFF2-40B4-BE49-F238E27FC236}">
+                <a16:creationId xmlns:a16="http://schemas.microsoft.com/office/drawing/2014/main" id="{A1337C7C-1CDD-44E4-BD9C-0992C7D2A6CD}"/>
+              </a:ext>
+            </a:extLst>
+          </p:cNvPr>
+          <p:cNvPicPr>
+            <a:picLocks noChangeAspect="1"/>
+          </p:cNvPicPr>
+          <p:nvPr/>
+        </p:nvPicPr>
+        <p:blipFill>
+          <a:blip r:embed="rId2"/>
+          <a:stretch>
+            <a:fillRect/>
+          </a:stretch>
+        </p:blipFill>
+        <p:spPr>
+          <a:xfrm>
+            <a:off x="2409825" y="1916832"/>
+            <a:ext cx="4324350" cy="3314700"/>
+          </a:xfrm>
+          <a:prstGeom prst="rect">
+            <a:avLst/>
+          </a:prstGeom>
+          <a:ln>
+            <a:solidFill>
+              <a:srgbClr val="C00000"/>
+            </a:solidFill>
+          </a:ln>
+        </p:spPr>
+      </p:pic>
     </p:spTree>
     <p:extLst>
       <p:ext uri="{BB962C8B-B14F-4D97-AF65-F5344CB8AC3E}">
-        <p14:creationId xmlns:p14="http://schemas.microsoft.com/office/powerpoint/2010/main" val="2029823315"/>
+        <p14:creationId xmlns:p14="http://schemas.microsoft.com/office/powerpoint/2010/main" val="2454509995"/>
       </p:ext>
     </p:extLst>
   </p:cSld>
@@ -8967,325 +8643,7 @@
 </p:sld>
 </file>
 
-<file path=ppt/slides/slide22.xml><?xml version="1.0" encoding="utf-8"?>
-<p:sld xmlns:a="http://schemas.openxmlformats.org/drawingml/2006/main" xmlns:r="http://schemas.openxmlformats.org/officeDocument/2006/relationships" xmlns:p="http://schemas.openxmlformats.org/presentationml/2006/main">
-  <p:cSld>
-    <p:spTree>
-      <p:nvGrpSpPr>
-        <p:cNvPr id="1" name=""/>
-        <p:cNvGrpSpPr/>
-        <p:nvPr/>
-      </p:nvGrpSpPr>
-      <p:grpSpPr>
-        <a:xfrm>
-          <a:off x="0" y="0"/>
-          <a:ext cx="0" cy="0"/>
-          <a:chOff x="0" y="0"/>
-          <a:chExt cx="0" cy="0"/>
-        </a:xfrm>
-      </p:grpSpPr>
-      <p:sp>
-        <p:nvSpPr>
-          <p:cNvPr id="2" name="標題 1"/>
-          <p:cNvSpPr>
-            <a:spLocks noGrp="1"/>
-          </p:cNvSpPr>
-          <p:nvPr>
-            <p:ph type="ctrTitle"/>
-          </p:nvPr>
-        </p:nvSpPr>
-        <p:spPr>
-          <a:xfrm>
-            <a:off x="0" y="2130425"/>
-            <a:ext cx="9144000" cy="1470025"/>
-          </a:xfrm>
-          <a:gradFill flip="none" rotWithShape="1">
-            <a:gsLst>
-              <a:gs pos="0">
-                <a:srgbClr val="00B0F0">
-                  <a:shade val="30000"/>
-                  <a:satMod val="115000"/>
-                </a:srgbClr>
-              </a:gs>
-              <a:gs pos="50000">
-                <a:srgbClr val="00B0F0">
-                  <a:shade val="67500"/>
-                  <a:satMod val="115000"/>
-                </a:srgbClr>
-              </a:gs>
-              <a:gs pos="100000">
-                <a:srgbClr val="00B0F0">
-                  <a:shade val="100000"/>
-                  <a:satMod val="115000"/>
-                </a:srgbClr>
-              </a:gs>
-            </a:gsLst>
-            <a:path path="circle">
-              <a:fillToRect t="100000" r="100000"/>
-            </a:path>
-            <a:tileRect l="-100000" b="-100000"/>
-          </a:gradFill>
-        </p:spPr>
-        <p:txBody>
-          <a:bodyPr>
-            <a:normAutofit/>
-          </a:bodyPr>
-          <a:lstStyle/>
-          <a:p>
-            <a:r>
-              <a:rPr lang="en-US" altLang="zh-TW" sz="6000" b="1" dirty="0">
-                <a:solidFill>
-                  <a:srgbClr val="FFFF00"/>
-                </a:solidFill>
-              </a:rPr>
-              <a:t>End of Chapter</a:t>
-            </a:r>
-            <a:endParaRPr lang="zh-TW" altLang="en-US" sz="6000" b="1" dirty="0">
-              <a:solidFill>
-                <a:srgbClr val="FFFF00"/>
-              </a:solidFill>
-            </a:endParaRPr>
-          </a:p>
-        </p:txBody>
-      </p:sp>
-      <p:sp>
-        <p:nvSpPr>
-          <p:cNvPr id="5" name="日期版面配置區 4"/>
-          <p:cNvSpPr>
-            <a:spLocks noGrp="1"/>
-          </p:cNvSpPr>
-          <p:nvPr>
-            <p:ph type="dt" sz="half" idx="10"/>
-          </p:nvPr>
-        </p:nvSpPr>
-        <p:spPr/>
-        <p:txBody>
-          <a:bodyPr/>
-          <a:lstStyle/>
-          <a:p>
-            <a:fld id="{4E46BE27-E923-4EC2-B046-3272AE2A3E5C}" type="datetime1">
-              <a:rPr lang="zh-TW" altLang="en-US" smtClean="0"/>
-              <a:pPr/>
-              <a:t>2020/5/26</a:t>
-            </a:fld>
-            <a:endParaRPr lang="zh-TW" altLang="en-US"/>
-          </a:p>
-        </p:txBody>
-      </p:sp>
-      <p:sp>
-        <p:nvSpPr>
-          <p:cNvPr id="6" name="投影片編號版面配置區 5"/>
-          <p:cNvSpPr>
-            <a:spLocks noGrp="1"/>
-          </p:cNvSpPr>
-          <p:nvPr>
-            <p:ph type="sldNum" sz="quarter" idx="12"/>
-          </p:nvPr>
-        </p:nvSpPr>
-        <p:spPr/>
-        <p:txBody>
-          <a:bodyPr/>
-          <a:lstStyle/>
-          <a:p>
-            <a:fld id="{E4D7E63D-91F2-4366-A2C4-1B00C9E2590E}" type="slidenum">
-              <a:rPr lang="zh-TW" altLang="en-US" smtClean="0"/>
-              <a:pPr/>
-              <a:t>22</a:t>
-            </a:fld>
-            <a:endParaRPr lang="zh-TW" altLang="en-US"/>
-          </a:p>
-        </p:txBody>
-      </p:sp>
-    </p:spTree>
-  </p:cSld>
-  <p:clrMapOvr>
-    <a:masterClrMapping/>
-  </p:clrMapOvr>
-</p:sld>
-</file>
-
-<file path=ppt/slides/slide3.xml><?xml version="1.0" encoding="utf-8"?>
-<p:sld xmlns:a="http://schemas.openxmlformats.org/drawingml/2006/main" xmlns:r="http://schemas.openxmlformats.org/officeDocument/2006/relationships" xmlns:p="http://schemas.openxmlformats.org/presentationml/2006/main">
-  <p:cSld>
-    <p:spTree>
-      <p:nvGrpSpPr>
-        <p:cNvPr id="1" name=""/>
-        <p:cNvGrpSpPr/>
-        <p:nvPr/>
-      </p:nvGrpSpPr>
-      <p:grpSpPr>
-        <a:xfrm>
-          <a:off x="0" y="0"/>
-          <a:ext cx="0" cy="0"/>
-          <a:chOff x="0" y="0"/>
-          <a:chExt cx="0" cy="0"/>
-        </a:xfrm>
-      </p:grpSpPr>
-      <p:sp>
-        <p:nvSpPr>
-          <p:cNvPr id="2" name="標題 1"/>
-          <p:cNvSpPr>
-            <a:spLocks noGrp="1"/>
-          </p:cNvSpPr>
-          <p:nvPr>
-            <p:ph type="ctrTitle"/>
-          </p:nvPr>
-        </p:nvSpPr>
-        <p:spPr>
-          <a:xfrm>
-            <a:off x="0" y="2130425"/>
-            <a:ext cx="9144000" cy="1470025"/>
-          </a:xfrm>
-          <a:solidFill>
-            <a:srgbClr val="00B0F0"/>
-          </a:solidFill>
-        </p:spPr>
-        <p:txBody>
-          <a:bodyPr>
-            <a:normAutofit/>
-          </a:bodyPr>
-          <a:lstStyle/>
-          <a:p>
-            <a:r>
-              <a:rPr lang="en-US" altLang="zh-TW" sz="4800" b="1" dirty="0">
-                <a:solidFill>
-                  <a:srgbClr val="FFFF00"/>
-                </a:solidFill>
-              </a:rPr>
-              <a:t>28.1 Add Input Text Field</a:t>
-            </a:r>
-            <a:endParaRPr lang="zh-TW" altLang="en-US" sz="4800" b="1" dirty="0">
-              <a:solidFill>
-                <a:srgbClr val="FFFF00"/>
-              </a:solidFill>
-            </a:endParaRPr>
-          </a:p>
-        </p:txBody>
-      </p:sp>
-      <p:sp>
-        <p:nvSpPr>
-          <p:cNvPr id="3" name="副標題 2"/>
-          <p:cNvSpPr>
-            <a:spLocks noGrp="1"/>
-          </p:cNvSpPr>
-          <p:nvPr>
-            <p:ph type="subTitle" idx="1"/>
-          </p:nvPr>
-        </p:nvSpPr>
-        <p:spPr>
-          <a:xfrm>
-            <a:off x="1259632" y="4581128"/>
-            <a:ext cx="6400800" cy="694928"/>
-          </a:xfrm>
-        </p:spPr>
-        <p:txBody>
-          <a:bodyPr>
-            <a:normAutofit/>
-          </a:bodyPr>
-          <a:lstStyle/>
-          <a:p>
-            <a:r>
-              <a:rPr lang="en-US" altLang="zh-TW" dirty="0"/>
-              <a:t>Peter H. Chen</a:t>
-            </a:r>
-            <a:endParaRPr lang="zh-TW" altLang="en-US" dirty="0"/>
-          </a:p>
-        </p:txBody>
-      </p:sp>
-      <p:sp>
-        <p:nvSpPr>
-          <p:cNvPr id="5" name="日期版面配置區 4"/>
-          <p:cNvSpPr>
-            <a:spLocks noGrp="1"/>
-          </p:cNvSpPr>
-          <p:nvPr>
-            <p:ph type="dt" sz="half" idx="10"/>
-          </p:nvPr>
-        </p:nvSpPr>
-        <p:spPr/>
-        <p:txBody>
-          <a:bodyPr/>
-          <a:lstStyle/>
-          <a:p>
-            <a:fld id="{C389EDC9-19E3-47AC-9C57-C6A24DEA81AD}" type="datetime1">
-              <a:rPr lang="zh-TW" altLang="en-US" smtClean="0"/>
-              <a:pPr/>
-              <a:t>2020/5/26</a:t>
-            </a:fld>
-            <a:endParaRPr lang="zh-TW" altLang="en-US"/>
-          </a:p>
-        </p:txBody>
-      </p:sp>
-      <p:sp>
-        <p:nvSpPr>
-          <p:cNvPr id="6" name="投影片編號版面配置區 5"/>
-          <p:cNvSpPr>
-            <a:spLocks noGrp="1"/>
-          </p:cNvSpPr>
-          <p:nvPr>
-            <p:ph type="sldNum" sz="quarter" idx="12"/>
-          </p:nvPr>
-        </p:nvSpPr>
-        <p:spPr/>
-        <p:txBody>
-          <a:bodyPr/>
-          <a:lstStyle/>
-          <a:p>
-            <a:fld id="{E4D7E63D-91F2-4366-A2C4-1B00C9E2590E}" type="slidenum">
-              <a:rPr lang="zh-TW" altLang="en-US" smtClean="0"/>
-              <a:pPr/>
-              <a:t>3</a:t>
-            </a:fld>
-            <a:endParaRPr lang="zh-TW" altLang="en-US"/>
-          </a:p>
-        </p:txBody>
-      </p:sp>
-      <p:pic>
-        <p:nvPicPr>
-          <p:cNvPr id="2050" name="Picture 2"/>
-          <p:cNvPicPr>
-            <a:picLocks noChangeAspect="1" noChangeArrowheads="1"/>
-          </p:cNvPicPr>
-          <p:nvPr/>
-        </p:nvPicPr>
-        <p:blipFill>
-          <a:blip r:embed="rId2" cstate="print"/>
-          <a:srcRect/>
-          <a:stretch>
-            <a:fillRect/>
-          </a:stretch>
-        </p:blipFill>
-        <p:spPr bwMode="auto">
-          <a:xfrm>
-            <a:off x="4283968" y="3717032"/>
-            <a:ext cx="713805" cy="644588"/>
-          </a:xfrm>
-          <a:prstGeom prst="rect">
-            <a:avLst/>
-          </a:prstGeom>
-          <a:noFill/>
-          <a:ln w="9525">
-            <a:noFill/>
-            <a:miter lim="800000"/>
-            <a:headEnd/>
-            <a:tailEnd/>
-          </a:ln>
-        </p:spPr>
-      </p:pic>
-    </p:spTree>
-    <p:extLst>
-      <p:ext uri="{BB962C8B-B14F-4D97-AF65-F5344CB8AC3E}">
-        <p14:creationId xmlns:p14="http://schemas.microsoft.com/office/powerpoint/2010/main" val="247372158"/>
-      </p:ext>
-    </p:extLst>
-  </p:cSld>
-  <p:clrMapOvr>
-    <a:masterClrMapping/>
-  </p:clrMapOvr>
-</p:sld>
-</file>
-
-<file path=ppt/slides/slide4.xml><?xml version="1.0" encoding="utf-8"?>
+<file path=ppt/slides/slide7.xml><?xml version="1.0" encoding="utf-8"?>
 <p:sld xmlns:a="http://schemas.openxmlformats.org/drawingml/2006/main" xmlns:r="http://schemas.openxmlformats.org/officeDocument/2006/relationships" xmlns:p="http://schemas.openxmlformats.org/presentationml/2006/main">
   <p:cSld>
     <p:spTree>
@@ -9379,8 +8737,8 @@
         </p:nvSpPr>
         <p:spPr>
           <a:xfrm>
-            <a:off x="467544" y="1340768"/>
-            <a:ext cx="8352928" cy="648072"/>
+            <a:off x="466694" y="1420945"/>
+            <a:ext cx="8352928" cy="1308330"/>
           </a:xfrm>
           <a:ln>
             <a:solidFill>
@@ -9403,13 +8761,31 @@
               <a:buChar char="u"/>
             </a:pPr>
             <a:r>
-              <a:rPr lang="en-US" altLang="zh-TW" sz="1600" dirty="0">
-                <a:solidFill>
-                  <a:schemeClr val="tx1"/>
-                </a:solidFill>
-                <a:latin typeface="+mj-lt"/>
-              </a:rPr>
-              <a:t>We create a new file called Components/RefsDemo.js.</a:t>
+              <a:rPr lang="en-US" altLang="zh-TW" sz="1800" dirty="0">
+                <a:solidFill>
+                  <a:schemeClr val="tx1"/>
+                </a:solidFill>
+                <a:latin typeface="+mj-lt"/>
+              </a:rPr>
+              <a:t>&gt; </a:t>
+            </a:r>
+            <a:r>
+              <a:rPr lang="en-US" altLang="zh-TW" sz="1800" dirty="0" err="1">
+                <a:solidFill>
+                  <a:schemeClr val="tx1"/>
+                </a:solidFill>
+                <a:latin typeface="+mj-lt"/>
+              </a:rPr>
+              <a:t>npm</a:t>
+            </a:r>
+            <a:r>
+              <a:rPr lang="en-US" altLang="zh-TW" sz="1800" dirty="0">
+                <a:solidFill>
+                  <a:schemeClr val="tx1"/>
+                </a:solidFill>
+                <a:latin typeface="+mj-lt"/>
+              </a:rPr>
+              <a:t> start</a:t>
             </a:r>
           </a:p>
           <a:p>
@@ -9422,28 +8798,51 @@
               <a:buChar char="u"/>
             </a:pPr>
             <a:r>
-              <a:rPr lang="en-US" altLang="zh-TW" sz="1600" dirty="0">
-                <a:solidFill>
-                  <a:schemeClr val="tx1"/>
-                </a:solidFill>
-              </a:rPr>
-              <a:t>Within the RefsDemo.js, type </a:t>
-            </a:r>
-            <a:r>
-              <a:rPr lang="en-US" altLang="zh-TW" sz="1600" dirty="0" err="1">
-                <a:solidFill>
-                  <a:schemeClr val="tx1"/>
-                </a:solidFill>
-              </a:rPr>
-              <a:t>rce</a:t>
-            </a:r>
-            <a:r>
-              <a:rPr lang="en-US" altLang="zh-TW" sz="1600" dirty="0">
-                <a:solidFill>
-                  <a:schemeClr val="tx1"/>
-                </a:solidFill>
-              </a:rPr>
-              <a:t> (React Create component with ES7)</a:t>
+              <a:rPr lang="en-US" altLang="zh-TW" sz="1800" dirty="0">
+                <a:solidFill>
+                  <a:schemeClr val="tx1"/>
+                </a:solidFill>
+                <a:latin typeface="+mj-lt"/>
+              </a:rPr>
+              <a:t>Open Browser</a:t>
+            </a:r>
+          </a:p>
+          <a:p>
+            <a:pPr marL="342900" indent="-342900" algn="l">
+              <a:buClr>
+                <a:srgbClr val="0070C0"/>
+              </a:buClr>
+              <a:buSzPct val="80000"/>
+              <a:buFont typeface="Wingdings" pitchFamily="2" charset="2"/>
+              <a:buChar char="u"/>
+            </a:pPr>
+            <a:r>
+              <a:rPr lang="en-US" altLang="zh-TW" sz="1800" dirty="0">
+                <a:solidFill>
+                  <a:schemeClr val="tx1"/>
+                </a:solidFill>
+                <a:latin typeface="+mj-lt"/>
+              </a:rPr>
+              <a:t>We can see the input field on the browser.</a:t>
+            </a:r>
+          </a:p>
+          <a:p>
+            <a:pPr marL="342900" indent="-342900" algn="l">
+              <a:buClr>
+                <a:srgbClr val="0070C0"/>
+              </a:buClr>
+              <a:buSzPct val="80000"/>
+              <a:buFont typeface="Wingdings" pitchFamily="2" charset="2"/>
+              <a:buChar char="u"/>
+            </a:pPr>
+            <a:r>
+              <a:rPr lang="en-US" altLang="zh-TW" sz="1800" dirty="0">
+                <a:solidFill>
+                  <a:schemeClr val="tx1"/>
+                </a:solidFill>
+                <a:latin typeface="+mj-lt"/>
+              </a:rPr>
+              <a:t>What we want here is add the focus when the input page loaded.</a:t>
             </a:r>
           </a:p>
         </p:txBody>
@@ -9498,9 +8897,10 @@
           <a:lstStyle/>
           <a:p>
             <a:r>
-              <a:rPr lang="en-US" altLang="zh-TW" sz="1600" b="1" i="1" dirty="0"/>
-              <a:t>https://www.youtube.com/watch?v=FXa9mMTKOu8&amp;list=PLC3y8-rFHvwgg3vaYJgHGnModB54rxOk3&amp;index=28</a:t>
-            </a:r>
+              <a:rPr lang="en-US" altLang="zh-TW" sz="1600" b="1" i="1"/>
+              <a:t>https://www.youtube.com/watch?v=yCS2m01bQ6w&amp;list=PLC3y8-rFHvwgg3vaYJgHGnModB54rxOk3&amp;index=71</a:t>
+            </a:r>
+            <a:endParaRPr lang="en-US" altLang="zh-TW" sz="1600" b="1" i="1" dirty="0"/>
           </a:p>
         </p:txBody>
       </p:sp>
@@ -9527,7 +8927,7 @@
             <a:fld id="{A4F910E6-8D00-4BAF-8C48-9688E0B449D3}" type="datetime1">
               <a:rPr lang="zh-TW" altLang="en-US" smtClean="0"/>
               <a:pPr/>
-              <a:t>2020/5/26</a:t>
+              <a:t>2020/6/29</a:t>
             </a:fld>
             <a:endParaRPr lang="zh-TW" altLang="en-US"/>
           </a:p>
@@ -9556,7 +8956,7 @@
             <a:fld id="{E4D7E63D-91F2-4366-A2C4-1B00C9E2590E}" type="slidenum">
               <a:rPr lang="zh-TW" altLang="en-US" smtClean="0"/>
               <a:pPr/>
-              <a:t>4</a:t>
+              <a:t>7</a:t>
             </a:fld>
             <a:endParaRPr lang="zh-TW" altLang="en-US"/>
           </a:p>
@@ -9564,10 +8964,10 @@
       </p:sp>
       <p:pic>
         <p:nvPicPr>
-          <p:cNvPr id="10" name="Picture 9">
+          <p:cNvPr id="8" name="Picture 7">
             <a:extLst>
               <a:ext uri="{FF2B5EF4-FFF2-40B4-BE49-F238E27FC236}">
-                <a16:creationId xmlns:a16="http://schemas.microsoft.com/office/drawing/2014/main" id="{007D138B-D8F0-4E1F-9235-E42CF8F70715}"/>
+                <a16:creationId xmlns:a16="http://schemas.microsoft.com/office/drawing/2014/main" id="{54709168-EB43-4E8F-88E9-93C533AA1534}"/>
               </a:ext>
             </a:extLst>
           </p:cNvPr>
@@ -9584,8 +8984,8 @@
         </p:blipFill>
         <p:spPr>
           <a:xfrm>
-            <a:off x="2195736" y="2138905"/>
-            <a:ext cx="3800475" cy="3057525"/>
+            <a:off x="1907704" y="2986900"/>
+            <a:ext cx="4781550" cy="1381125"/>
           </a:xfrm>
           <a:prstGeom prst="rect">
             <a:avLst/>
@@ -9600,7 +9000,7 @@
     </p:spTree>
     <p:extLst>
       <p:ext uri="{BB962C8B-B14F-4D97-AF65-F5344CB8AC3E}">
-        <p14:creationId xmlns:p14="http://schemas.microsoft.com/office/powerpoint/2010/main" val="940153050"/>
+        <p14:creationId xmlns:p14="http://schemas.microsoft.com/office/powerpoint/2010/main" val="4290652299"/>
       </p:ext>
     </p:extLst>
   </p:cSld>
@@ -9610,7 +9010,158 @@
 </p:sld>
 </file>
 
-<file path=ppt/slides/slide5.xml><?xml version="1.0" encoding="utf-8"?>
+<file path=ppt/slides/slide8.xml><?xml version="1.0" encoding="utf-8"?>
+<p:sld xmlns:a="http://schemas.openxmlformats.org/drawingml/2006/main" xmlns:r="http://schemas.openxmlformats.org/officeDocument/2006/relationships" xmlns:p="http://schemas.openxmlformats.org/presentationml/2006/main">
+  <p:cSld>
+    <p:spTree>
+      <p:nvGrpSpPr>
+        <p:cNvPr id="1" name=""/>
+        <p:cNvGrpSpPr/>
+        <p:nvPr/>
+      </p:nvGrpSpPr>
+      <p:grpSpPr>
+        <a:xfrm>
+          <a:off x="0" y="0"/>
+          <a:ext cx="0" cy="0"/>
+          <a:chOff x="0" y="0"/>
+          <a:chExt cx="0" cy="0"/>
+        </a:xfrm>
+      </p:grpSpPr>
+      <p:sp>
+        <p:nvSpPr>
+          <p:cNvPr id="2" name="標題 1"/>
+          <p:cNvSpPr>
+            <a:spLocks noGrp="1"/>
+          </p:cNvSpPr>
+          <p:nvPr>
+            <p:ph type="ctrTitle"/>
+          </p:nvPr>
+        </p:nvSpPr>
+        <p:spPr>
+          <a:xfrm>
+            <a:off x="0" y="2130425"/>
+            <a:ext cx="9144000" cy="1470025"/>
+          </a:xfrm>
+          <a:solidFill>
+            <a:srgbClr val="00B0F0"/>
+          </a:solidFill>
+        </p:spPr>
+        <p:txBody>
+          <a:bodyPr>
+            <a:normAutofit/>
+          </a:bodyPr>
+          <a:lstStyle/>
+          <a:p>
+            <a:r>
+              <a:rPr lang="en-US" altLang="zh-TW" sz="4800" b="1" dirty="0">
+                <a:solidFill>
+                  <a:srgbClr val="FFFF00"/>
+                </a:solidFill>
+              </a:rPr>
+              <a:t>28.2 Add Input Focus</a:t>
+            </a:r>
+            <a:endParaRPr lang="zh-TW" altLang="en-US" sz="4800" b="1" dirty="0">
+              <a:solidFill>
+                <a:srgbClr val="FFFF00"/>
+              </a:solidFill>
+            </a:endParaRPr>
+          </a:p>
+        </p:txBody>
+      </p:sp>
+      <p:sp>
+        <p:nvSpPr>
+          <p:cNvPr id="5" name="日期版面配置區 4"/>
+          <p:cNvSpPr>
+            <a:spLocks noGrp="1"/>
+          </p:cNvSpPr>
+          <p:nvPr>
+            <p:ph type="dt" sz="half" idx="10"/>
+          </p:nvPr>
+        </p:nvSpPr>
+        <p:spPr/>
+        <p:txBody>
+          <a:bodyPr/>
+          <a:lstStyle/>
+          <a:p>
+            <a:fld id="{C389EDC9-19E3-47AC-9C57-C6A24DEA81AD}" type="datetime1">
+              <a:rPr lang="zh-TW" altLang="en-US" smtClean="0"/>
+              <a:pPr/>
+              <a:t>2020/6/29</a:t>
+            </a:fld>
+            <a:endParaRPr lang="zh-TW" altLang="en-US"/>
+          </a:p>
+        </p:txBody>
+      </p:sp>
+      <p:sp>
+        <p:nvSpPr>
+          <p:cNvPr id="6" name="投影片編號版面配置區 5"/>
+          <p:cNvSpPr>
+            <a:spLocks noGrp="1"/>
+          </p:cNvSpPr>
+          <p:nvPr>
+            <p:ph type="sldNum" sz="quarter" idx="12"/>
+          </p:nvPr>
+        </p:nvSpPr>
+        <p:spPr/>
+        <p:txBody>
+          <a:bodyPr/>
+          <a:lstStyle/>
+          <a:p>
+            <a:fld id="{E4D7E63D-91F2-4366-A2C4-1B00C9E2590E}" type="slidenum">
+              <a:rPr lang="zh-TW" altLang="en-US" smtClean="0"/>
+              <a:pPr/>
+              <a:t>8</a:t>
+            </a:fld>
+            <a:endParaRPr lang="zh-TW" altLang="en-US"/>
+          </a:p>
+        </p:txBody>
+      </p:sp>
+      <p:pic>
+        <p:nvPicPr>
+          <p:cNvPr id="2050" name="Picture 2"/>
+          <p:cNvPicPr>
+            <a:picLocks noChangeAspect="1" noChangeArrowheads="1"/>
+          </p:cNvPicPr>
+          <p:nvPr/>
+        </p:nvPicPr>
+        <p:blipFill>
+          <a:blip r:embed="rId2" cstate="print"/>
+          <a:srcRect/>
+          <a:stretch>
+            <a:fillRect/>
+          </a:stretch>
+        </p:blipFill>
+        <p:spPr bwMode="auto">
+          <a:xfrm>
+            <a:off x="4283968" y="3717032"/>
+            <a:ext cx="713805" cy="644588"/>
+          </a:xfrm>
+          <a:prstGeom prst="rect">
+            <a:avLst/>
+          </a:prstGeom>
+          <a:noFill/>
+          <a:ln w="9525">
+            <a:noFill/>
+            <a:miter lim="800000"/>
+            <a:headEnd/>
+            <a:tailEnd/>
+          </a:ln>
+        </p:spPr>
+      </p:pic>
+    </p:spTree>
+    <p:extLst>
+      <p:ext uri="{BB962C8B-B14F-4D97-AF65-F5344CB8AC3E}">
+        <p14:creationId xmlns:p14="http://schemas.microsoft.com/office/powerpoint/2010/main" val="240072965"/>
+      </p:ext>
+    </p:extLst>
+  </p:cSld>
+  <p:clrMapOvr>
+    <a:masterClrMapping/>
+  </p:clrMapOvr>
+</p:sld>
+</file>
+
+<file path=ppt/slides/slide9.xml><?xml version="1.0" encoding="utf-8"?>
 <p:sld xmlns:a="http://schemas.openxmlformats.org/drawingml/2006/main" xmlns:r="http://schemas.openxmlformats.org/officeDocument/2006/relationships" xmlns:p="http://schemas.openxmlformats.org/presentationml/2006/main">
   <p:cSld>
     <p:spTree>
@@ -9682,7 +9233,7 @@
                   <a:srgbClr val="FFFF00"/>
                 </a:solidFill>
               </a:rPr>
-              <a:t>28.1 Add Input Text Field</a:t>
+              <a:t>28.2 Add Input Focus</a:t>
             </a:r>
             <a:endParaRPr lang="zh-TW" altLang="en-US" b="1" dirty="0">
               <a:solidFill>
@@ -9705,7 +9256,7 @@
         <p:spPr>
           <a:xfrm>
             <a:off x="467544" y="1340768"/>
-            <a:ext cx="8352928" cy="360040"/>
+            <a:ext cx="8352928" cy="2088232"/>
           </a:xfrm>
           <a:ln>
             <a:solidFill>
@@ -9728,13 +9279,131 @@
               <a:buChar char="u"/>
             </a:pPr>
             <a:r>
-              <a:rPr lang="en-US" altLang="zh-TW" sz="1600" dirty="0">
-                <a:solidFill>
-                  <a:schemeClr val="tx1"/>
-                </a:solidFill>
-                <a:latin typeface="+mj-lt"/>
-              </a:rPr>
-              <a:t>In the JAX, we add the input element and remove ‘export”</a:t>
+              <a:rPr lang="en-US" altLang="zh-TW" sz="1800" dirty="0">
+                <a:solidFill>
+                  <a:schemeClr val="tx1"/>
+                </a:solidFill>
+                <a:latin typeface="+mj-lt"/>
+              </a:rPr>
+              <a:t>First, we need to implement the </a:t>
+            </a:r>
+            <a:r>
+              <a:rPr lang="en-US" altLang="zh-TW" sz="1800" dirty="0" err="1">
+                <a:solidFill>
+                  <a:schemeClr val="tx1"/>
+                </a:solidFill>
+                <a:latin typeface="+mj-lt"/>
+              </a:rPr>
+              <a:t>componentDidMount</a:t>
+            </a:r>
+            <a:r>
+              <a:rPr lang="en-US" altLang="zh-TW" sz="1800" dirty="0">
+                <a:solidFill>
+                  <a:schemeClr val="tx1"/>
+                </a:solidFill>
+                <a:latin typeface="+mj-lt"/>
+              </a:rPr>
+              <a:t>() Behavior as we only focus the element only once and that is after component has mounted.</a:t>
+            </a:r>
+          </a:p>
+          <a:p>
+            <a:pPr marL="342900" indent="-342900" algn="l">
+              <a:buClr>
+                <a:srgbClr val="0070C0"/>
+              </a:buClr>
+              <a:buSzPct val="80000"/>
+              <a:buFont typeface="Wingdings" pitchFamily="2" charset="2"/>
+              <a:buChar char="u"/>
+            </a:pPr>
+            <a:r>
+              <a:rPr lang="en-US" altLang="zh-TW" sz="1800" dirty="0">
+                <a:solidFill>
+                  <a:schemeClr val="tx1"/>
+                </a:solidFill>
+                <a:latin typeface="+mj-lt"/>
+              </a:rPr>
+              <a:t>We import the </a:t>
+            </a:r>
+            <a:r>
+              <a:rPr lang="en-US" altLang="zh-TW" sz="1800" dirty="0" err="1">
+                <a:solidFill>
+                  <a:schemeClr val="tx1"/>
+                </a:solidFill>
+                <a:latin typeface="+mj-lt"/>
+              </a:rPr>
+              <a:t>useEffect</a:t>
+            </a:r>
+            <a:endParaRPr lang="en-US" altLang="zh-TW" sz="1800" dirty="0">
+              <a:solidFill>
+                <a:schemeClr val="tx1"/>
+              </a:solidFill>
+              <a:latin typeface="+mj-lt"/>
+            </a:endParaRPr>
+          </a:p>
+          <a:p>
+            <a:pPr marL="342900" indent="-342900" algn="l">
+              <a:buClr>
+                <a:srgbClr val="0070C0"/>
+              </a:buClr>
+              <a:buSzPct val="80000"/>
+              <a:buFont typeface="Wingdings" pitchFamily="2" charset="2"/>
+              <a:buChar char="u"/>
+            </a:pPr>
+            <a:r>
+              <a:rPr lang="en-US" altLang="zh-TW" sz="1800" dirty="0" err="1">
+                <a:solidFill>
+                  <a:schemeClr val="tx1"/>
+                </a:solidFill>
+                <a:latin typeface="+mj-lt"/>
+              </a:rPr>
+              <a:t>useEffect</a:t>
+            </a:r>
+            <a:r>
+              <a:rPr lang="en-US" altLang="zh-TW" sz="1800" dirty="0">
+                <a:solidFill>
+                  <a:schemeClr val="tx1"/>
+                </a:solidFill>
+                <a:latin typeface="+mj-lt"/>
+              </a:rPr>
+              <a:t> (() =&gt; {</a:t>
+            </a:r>
+          </a:p>
+          <a:p>
+            <a:pPr marL="342900" indent="-342900" algn="l">
+              <a:buClr>
+                <a:srgbClr val="0070C0"/>
+              </a:buClr>
+              <a:buSzPct val="80000"/>
+              <a:buFont typeface="Wingdings" pitchFamily="2" charset="2"/>
+              <a:buChar char="u"/>
+            </a:pPr>
+            <a:r>
+              <a:rPr lang="en-US" altLang="zh-TW" sz="1800" dirty="0">
+                <a:solidFill>
+                  <a:schemeClr val="tx1"/>
+                </a:solidFill>
+                <a:latin typeface="+mj-lt"/>
+              </a:rPr>
+              <a:t>     // Focus on the input element.</a:t>
+            </a:r>
+          </a:p>
+          <a:p>
+            <a:pPr marL="342900" indent="-342900" algn="l">
+              <a:buClr>
+                <a:srgbClr val="0070C0"/>
+              </a:buClr>
+              <a:buSzPct val="80000"/>
+              <a:buFont typeface="Wingdings" pitchFamily="2" charset="2"/>
+              <a:buChar char="u"/>
+            </a:pPr>
+            <a:r>
+              <a:rPr lang="en-US" altLang="zh-TW" sz="1800" dirty="0">
+                <a:solidFill>
+                  <a:schemeClr val="tx1"/>
+                </a:solidFill>
+                <a:latin typeface="+mj-lt"/>
+              </a:rPr>
+              <a:t>}, [])</a:t>
             </a:r>
           </a:p>
         </p:txBody>
@@ -9789,12 +9458,9 @@
           <a:lstStyle/>
           <a:p>
             <a:r>
-              <a:rPr lang="en-US" sz="1600" dirty="0">
-                <a:hlinkClick r:id="rId2"/>
-              </a:rPr>
-              <a:t>https://www.youtube.com/watch?v=FXa9mMTKOu8&amp;list=PLC3y8-rFHvwgg3vaYJgHGnModB54rxOk3&amp;index=28</a:t>
-            </a:r>
-            <a:endParaRPr lang="en-US" altLang="zh-TW" sz="1600" b="1" i="1" dirty="0"/>
+              <a:rPr lang="en-US" altLang="zh-TW" sz="1600" b="1" i="1" dirty="0"/>
+              <a:t>https://www.youtube.com/watch?v=yCS2m01bQ6w&amp;list=PLC3y8-rFHvwgg3vaYJgHGnModB54rxOk3&amp;index=71</a:t>
+            </a:r>
           </a:p>
         </p:txBody>
       </p:sp>
@@ -9821,7 +9487,7 @@
             <a:fld id="{A4F910E6-8D00-4BAF-8C48-9688E0B449D3}" type="datetime1">
               <a:rPr lang="zh-TW" altLang="en-US" smtClean="0"/>
               <a:pPr/>
-              <a:t>2020/5/26</a:t>
+              <a:t>2020/6/29</a:t>
             </a:fld>
             <a:endParaRPr lang="zh-TW" altLang="en-US"/>
           </a:p>
@@ -9843,967 +9509,6 @@
             <a:ext cx="2133600" cy="404246"/>
           </a:xfrm>
         </p:spPr>
-        <p:txBody>
-          <a:bodyPr/>
-          <a:lstStyle/>
-          <a:p>
-            <a:fld id="{E4D7E63D-91F2-4366-A2C4-1B00C9E2590E}" type="slidenum">
-              <a:rPr lang="zh-TW" altLang="en-US" smtClean="0"/>
-              <a:pPr/>
-              <a:t>5</a:t>
-            </a:fld>
-            <a:endParaRPr lang="zh-TW" altLang="en-US"/>
-          </a:p>
-        </p:txBody>
-      </p:sp>
-      <p:pic>
-        <p:nvPicPr>
-          <p:cNvPr id="10" name="Picture 9">
-            <a:extLst>
-              <a:ext uri="{FF2B5EF4-FFF2-40B4-BE49-F238E27FC236}">
-                <a16:creationId xmlns:a16="http://schemas.microsoft.com/office/drawing/2014/main" id="{D5BD9CF0-8E77-40DC-8159-F54CE221B50C}"/>
-              </a:ext>
-            </a:extLst>
-          </p:cNvPr>
-          <p:cNvPicPr>
-            <a:picLocks noChangeAspect="1"/>
-          </p:cNvPicPr>
-          <p:nvPr/>
-        </p:nvPicPr>
-        <p:blipFill>
-          <a:blip r:embed="rId3"/>
-          <a:stretch>
-            <a:fillRect/>
-          </a:stretch>
-        </p:blipFill>
-        <p:spPr>
-          <a:xfrm>
-            <a:off x="2267744" y="1899960"/>
-            <a:ext cx="3771900" cy="2743200"/>
-          </a:xfrm>
-          <a:prstGeom prst="rect">
-            <a:avLst/>
-          </a:prstGeom>
-          <a:ln>
-            <a:solidFill>
-              <a:srgbClr val="C00000"/>
-            </a:solidFill>
-          </a:ln>
-        </p:spPr>
-      </p:pic>
-    </p:spTree>
-    <p:extLst>
-      <p:ext uri="{BB962C8B-B14F-4D97-AF65-F5344CB8AC3E}">
-        <p14:creationId xmlns:p14="http://schemas.microsoft.com/office/powerpoint/2010/main" val="1273950228"/>
-      </p:ext>
-    </p:extLst>
-  </p:cSld>
-  <p:clrMapOvr>
-    <a:masterClrMapping/>
-  </p:clrMapOvr>
-</p:sld>
-</file>
-
-<file path=ppt/slides/slide6.xml><?xml version="1.0" encoding="utf-8"?>
-<p:sld xmlns:a="http://schemas.openxmlformats.org/drawingml/2006/main" xmlns:r="http://schemas.openxmlformats.org/officeDocument/2006/relationships" xmlns:p="http://schemas.openxmlformats.org/presentationml/2006/main">
-  <p:cSld>
-    <p:spTree>
-      <p:nvGrpSpPr>
-        <p:cNvPr id="1" name=""/>
-        <p:cNvGrpSpPr/>
-        <p:nvPr/>
-      </p:nvGrpSpPr>
-      <p:grpSpPr>
-        <a:xfrm>
-          <a:off x="0" y="0"/>
-          <a:ext cx="0" cy="0"/>
-          <a:chOff x="0" y="0"/>
-          <a:chExt cx="0" cy="0"/>
-        </a:xfrm>
-      </p:grpSpPr>
-      <p:sp>
-        <p:nvSpPr>
-          <p:cNvPr id="2" name="標題 1"/>
-          <p:cNvSpPr>
-            <a:spLocks noGrp="1"/>
-          </p:cNvSpPr>
-          <p:nvPr>
-            <p:ph type="ctrTitle"/>
-          </p:nvPr>
-        </p:nvSpPr>
-        <p:spPr>
-          <a:xfrm>
-            <a:off x="0" y="1"/>
-            <a:ext cx="9144000" cy="764704"/>
-          </a:xfrm>
-          <a:gradFill flip="none" rotWithShape="1">
-            <a:gsLst>
-              <a:gs pos="0">
-                <a:srgbClr val="C00000">
-                  <a:shade val="30000"/>
-                  <a:satMod val="115000"/>
-                </a:srgbClr>
-              </a:gs>
-              <a:gs pos="50000">
-                <a:srgbClr val="C00000">
-                  <a:shade val="67500"/>
-                  <a:satMod val="115000"/>
-                </a:srgbClr>
-              </a:gs>
-              <a:gs pos="100000">
-                <a:srgbClr val="C00000">
-                  <a:shade val="100000"/>
-                  <a:satMod val="115000"/>
-                </a:srgbClr>
-              </a:gs>
-            </a:gsLst>
-            <a:path path="circle">
-              <a:fillToRect t="100000" r="100000"/>
-            </a:path>
-            <a:tileRect l="-100000" b="-100000"/>
-          </a:gradFill>
-        </p:spPr>
-        <p:txBody>
-          <a:bodyPr>
-            <a:normAutofit/>
-          </a:bodyPr>
-          <a:lstStyle/>
-          <a:p>
-            <a:pPr algn="l"/>
-            <a:r>
-              <a:rPr lang="en-US" altLang="zh-TW" b="1" dirty="0">
-                <a:solidFill>
-                  <a:srgbClr val="FFFF00"/>
-                </a:solidFill>
-              </a:rPr>
-              <a:t>28.1 Add Input Text Field</a:t>
-            </a:r>
-            <a:endParaRPr lang="zh-TW" altLang="en-US" b="1" dirty="0">
-              <a:solidFill>
-                <a:srgbClr val="FFFF00"/>
-              </a:solidFill>
-            </a:endParaRPr>
-          </a:p>
-        </p:txBody>
-      </p:sp>
-      <p:sp>
-        <p:nvSpPr>
-          <p:cNvPr id="3" name="副標題 2"/>
-          <p:cNvSpPr>
-            <a:spLocks noGrp="1"/>
-          </p:cNvSpPr>
-          <p:nvPr>
-            <p:ph type="subTitle" idx="1"/>
-          </p:nvPr>
-        </p:nvSpPr>
-        <p:spPr>
-          <a:xfrm>
-            <a:off x="467544" y="1340768"/>
-            <a:ext cx="8352928" cy="864096"/>
-          </a:xfrm>
-          <a:ln>
-            <a:solidFill>
-              <a:srgbClr val="C00000"/>
-            </a:solidFill>
-          </a:ln>
-        </p:spPr>
-        <p:txBody>
-          <a:bodyPr>
-            <a:noAutofit/>
-          </a:bodyPr>
-          <a:lstStyle/>
-          <a:p>
-            <a:pPr marL="342900" indent="-342900" algn="l">
-              <a:buClr>
-                <a:srgbClr val="0070C0"/>
-              </a:buClr>
-              <a:buSzPct val="80000"/>
-              <a:buFont typeface="Wingdings" pitchFamily="2" charset="2"/>
-              <a:buChar char="u"/>
-            </a:pPr>
-            <a:r>
-              <a:rPr lang="en-US" altLang="zh-TW" sz="1600" dirty="0">
-                <a:solidFill>
-                  <a:schemeClr val="tx1"/>
-                </a:solidFill>
-                <a:latin typeface="+mj-lt"/>
-              </a:rPr>
-              <a:t>Install the </a:t>
-            </a:r>
-            <a:r>
-              <a:rPr lang="en-US" altLang="zh-TW" sz="1600" dirty="0" err="1">
-                <a:solidFill>
-                  <a:schemeClr val="tx1"/>
-                </a:solidFill>
-                <a:latin typeface="+mj-lt"/>
-              </a:rPr>
-              <a:t>node_modules</a:t>
-            </a:r>
-            <a:r>
-              <a:rPr lang="en-US" altLang="zh-TW" sz="1600" dirty="0">
-                <a:solidFill>
-                  <a:schemeClr val="tx1"/>
-                </a:solidFill>
-                <a:latin typeface="+mj-lt"/>
-              </a:rPr>
-              <a:t>:</a:t>
-            </a:r>
-          </a:p>
-          <a:p>
-            <a:pPr marL="342900" indent="-342900" algn="l">
-              <a:buClr>
-                <a:srgbClr val="0070C0"/>
-              </a:buClr>
-              <a:buSzPct val="80000"/>
-              <a:buFont typeface="Wingdings" pitchFamily="2" charset="2"/>
-              <a:buChar char="u"/>
-            </a:pPr>
-            <a:r>
-              <a:rPr lang="en-US" altLang="zh-TW" sz="1600" dirty="0">
-                <a:solidFill>
-                  <a:schemeClr val="tx1"/>
-                </a:solidFill>
-                <a:latin typeface="+mj-lt"/>
-              </a:rPr>
-              <a:t>&gt; </a:t>
-            </a:r>
-            <a:r>
-              <a:rPr lang="en-US" altLang="zh-TW" sz="1600" dirty="0" err="1">
-                <a:solidFill>
-                  <a:schemeClr val="tx1"/>
-                </a:solidFill>
-                <a:latin typeface="+mj-lt"/>
-              </a:rPr>
-              <a:t>npm</a:t>
-            </a:r>
-            <a:r>
-              <a:rPr lang="en-US" altLang="zh-TW" sz="1600" dirty="0">
-                <a:solidFill>
-                  <a:schemeClr val="tx1"/>
-                </a:solidFill>
-                <a:latin typeface="+mj-lt"/>
-              </a:rPr>
-              <a:t> install</a:t>
-            </a:r>
-          </a:p>
-          <a:p>
-            <a:pPr marL="342900" indent="-342900" algn="l">
-              <a:buClr>
-                <a:srgbClr val="0070C0"/>
-              </a:buClr>
-              <a:buSzPct val="80000"/>
-              <a:buFont typeface="Wingdings" pitchFamily="2" charset="2"/>
-              <a:buChar char="u"/>
-            </a:pPr>
-            <a:r>
-              <a:rPr lang="en-US" altLang="zh-TW" sz="1600" dirty="0">
-                <a:solidFill>
-                  <a:schemeClr val="tx1"/>
-                </a:solidFill>
-                <a:latin typeface="+mj-lt"/>
-              </a:rPr>
-              <a:t>Take a loot at the browser.</a:t>
-            </a:r>
-          </a:p>
-          <a:p>
-            <a:pPr marL="342900" indent="-342900" algn="l">
-              <a:buClr>
-                <a:srgbClr val="0070C0"/>
-              </a:buClr>
-              <a:buSzPct val="80000"/>
-              <a:buFont typeface="Wingdings" pitchFamily="2" charset="2"/>
-              <a:buChar char="u"/>
-            </a:pPr>
-            <a:endParaRPr lang="en-US" altLang="zh-TW" sz="1600" dirty="0">
-              <a:solidFill>
-                <a:schemeClr val="tx1"/>
-              </a:solidFill>
-              <a:latin typeface="+mj-lt"/>
-            </a:endParaRPr>
-          </a:p>
-        </p:txBody>
-      </p:sp>
-      <p:sp>
-        <p:nvSpPr>
-          <p:cNvPr id="4" name="標題 1"/>
-          <p:cNvSpPr txBox="1">
-            <a:spLocks/>
-          </p:cNvSpPr>
-          <p:nvPr/>
-        </p:nvSpPr>
-        <p:spPr>
-          <a:xfrm>
-            <a:off x="0" y="764704"/>
-            <a:ext cx="9144000" cy="398616"/>
-          </a:xfrm>
-          <a:prstGeom prst="rect">
-            <a:avLst/>
-          </a:prstGeom>
-          <a:gradFill flip="none" rotWithShape="1">
-            <a:gsLst>
-              <a:gs pos="0">
-                <a:srgbClr val="00B0F0">
-                  <a:shade val="30000"/>
-                  <a:satMod val="115000"/>
-                </a:srgbClr>
-              </a:gs>
-              <a:gs pos="50000">
-                <a:srgbClr val="00B0F0">
-                  <a:shade val="67500"/>
-                  <a:satMod val="115000"/>
-                </a:srgbClr>
-              </a:gs>
-              <a:gs pos="100000">
-                <a:srgbClr val="00B0F0">
-                  <a:shade val="100000"/>
-                  <a:satMod val="115000"/>
-                </a:srgbClr>
-              </a:gs>
-            </a:gsLst>
-            <a:path path="circle">
-              <a:fillToRect t="100000" r="100000"/>
-            </a:path>
-            <a:tileRect l="-100000" b="-100000"/>
-          </a:gradFill>
-        </p:spPr>
-        <p:txBody>
-          <a:bodyPr vert="horz" lIns="91440" tIns="45720" rIns="91440" bIns="45720" rtlCol="0" anchor="ctr">
-            <a:normAutofit fontScale="92500"/>
-          </a:bodyPr>
-          <a:lstStyle/>
-          <a:p>
-            <a:r>
-              <a:rPr lang="en-US" altLang="zh-TW" sz="1600" b="1" i="1" dirty="0"/>
-              <a:t>https://www.youtube.com/watch?v=FXa9mMTKOu8&amp;list=PLC3y8-rFHvwgg3vaYJgHGnModB54rxOk3&amp;index=28</a:t>
-            </a:r>
-          </a:p>
-        </p:txBody>
-      </p:sp>
-      <p:sp>
-        <p:nvSpPr>
-          <p:cNvPr id="5" name="日期版面配置區 4"/>
-          <p:cNvSpPr>
-            <a:spLocks noGrp="1"/>
-          </p:cNvSpPr>
-          <p:nvPr>
-            <p:ph type="dt" sz="half" idx="10"/>
-          </p:nvPr>
-        </p:nvSpPr>
-        <p:spPr>
-          <a:xfrm>
-            <a:off x="457200" y="6356350"/>
-            <a:ext cx="2133600" cy="404246"/>
-          </a:xfrm>
-        </p:spPr>
-        <p:txBody>
-          <a:bodyPr/>
-          <a:lstStyle/>
-          <a:p>
-            <a:fld id="{A4F910E6-8D00-4BAF-8C48-9688E0B449D3}" type="datetime1">
-              <a:rPr lang="zh-TW" altLang="en-US" smtClean="0"/>
-              <a:pPr/>
-              <a:t>2020/5/26</a:t>
-            </a:fld>
-            <a:endParaRPr lang="zh-TW" altLang="en-US"/>
-          </a:p>
-        </p:txBody>
-      </p:sp>
-      <p:sp>
-        <p:nvSpPr>
-          <p:cNvPr id="6" name="投影片編號版面配置區 5"/>
-          <p:cNvSpPr>
-            <a:spLocks noGrp="1"/>
-          </p:cNvSpPr>
-          <p:nvPr>
-            <p:ph type="sldNum" sz="quarter" idx="12"/>
-          </p:nvPr>
-        </p:nvSpPr>
-        <p:spPr>
-          <a:xfrm>
-            <a:off x="6553200" y="6356350"/>
-            <a:ext cx="2133600" cy="404246"/>
-          </a:xfrm>
-        </p:spPr>
-        <p:txBody>
-          <a:bodyPr/>
-          <a:lstStyle/>
-          <a:p>
-            <a:fld id="{E4D7E63D-91F2-4366-A2C4-1B00C9E2590E}" type="slidenum">
-              <a:rPr lang="zh-TW" altLang="en-US" smtClean="0"/>
-              <a:pPr/>
-              <a:t>6</a:t>
-            </a:fld>
-            <a:endParaRPr lang="zh-TW" altLang="en-US"/>
-          </a:p>
-        </p:txBody>
-      </p:sp>
-      <p:pic>
-        <p:nvPicPr>
-          <p:cNvPr id="7" name="Picture 6">
-            <a:extLst>
-              <a:ext uri="{FF2B5EF4-FFF2-40B4-BE49-F238E27FC236}">
-                <a16:creationId xmlns:a16="http://schemas.microsoft.com/office/drawing/2014/main" id="{FC73A007-C1F4-4069-93BE-09EAC29E1CD3}"/>
-              </a:ext>
-            </a:extLst>
-          </p:cNvPr>
-          <p:cNvPicPr>
-            <a:picLocks noChangeAspect="1"/>
-          </p:cNvPicPr>
-          <p:nvPr/>
-        </p:nvPicPr>
-        <p:blipFill>
-          <a:blip r:embed="rId2"/>
-          <a:stretch>
-            <a:fillRect/>
-          </a:stretch>
-        </p:blipFill>
-        <p:spPr>
-          <a:xfrm>
-            <a:off x="2051720" y="2382312"/>
-            <a:ext cx="4772025" cy="1400175"/>
-          </a:xfrm>
-          <a:prstGeom prst="rect">
-            <a:avLst/>
-          </a:prstGeom>
-          <a:ln>
-            <a:solidFill>
-              <a:srgbClr val="C00000"/>
-            </a:solidFill>
-          </a:ln>
-        </p:spPr>
-      </p:pic>
-    </p:spTree>
-    <p:extLst>
-      <p:ext uri="{BB962C8B-B14F-4D97-AF65-F5344CB8AC3E}">
-        <p14:creationId xmlns:p14="http://schemas.microsoft.com/office/powerpoint/2010/main" val="2997349064"/>
-      </p:ext>
-    </p:extLst>
-  </p:cSld>
-  <p:clrMapOvr>
-    <a:masterClrMapping/>
-  </p:clrMapOvr>
-</p:sld>
-</file>
-
-<file path=ppt/slides/slide7.xml><?xml version="1.0" encoding="utf-8"?>
-<p:sld xmlns:a="http://schemas.openxmlformats.org/drawingml/2006/main" xmlns:r="http://schemas.openxmlformats.org/officeDocument/2006/relationships" xmlns:p="http://schemas.openxmlformats.org/presentationml/2006/main">
-  <p:cSld>
-    <p:spTree>
-      <p:nvGrpSpPr>
-        <p:cNvPr id="1" name=""/>
-        <p:cNvGrpSpPr/>
-        <p:nvPr/>
-      </p:nvGrpSpPr>
-      <p:grpSpPr>
-        <a:xfrm>
-          <a:off x="0" y="0"/>
-          <a:ext cx="0" cy="0"/>
-          <a:chOff x="0" y="0"/>
-          <a:chExt cx="0" cy="0"/>
-        </a:xfrm>
-      </p:grpSpPr>
-      <p:sp>
-        <p:nvSpPr>
-          <p:cNvPr id="2" name="標題 1"/>
-          <p:cNvSpPr>
-            <a:spLocks noGrp="1"/>
-          </p:cNvSpPr>
-          <p:nvPr>
-            <p:ph type="ctrTitle"/>
-          </p:nvPr>
-        </p:nvSpPr>
-        <p:spPr>
-          <a:xfrm>
-            <a:off x="0" y="2130425"/>
-            <a:ext cx="9144000" cy="1470025"/>
-          </a:xfrm>
-          <a:solidFill>
-            <a:srgbClr val="00B0F0"/>
-          </a:solidFill>
-        </p:spPr>
-        <p:txBody>
-          <a:bodyPr>
-            <a:normAutofit/>
-          </a:bodyPr>
-          <a:lstStyle/>
-          <a:p>
-            <a:r>
-              <a:rPr lang="en-US" altLang="zh-TW" sz="4800" b="1" dirty="0">
-                <a:solidFill>
-                  <a:srgbClr val="FFFF00"/>
-                </a:solidFill>
-              </a:rPr>
-              <a:t>28.2 Focus Input Text Field</a:t>
-            </a:r>
-            <a:endParaRPr lang="zh-TW" altLang="en-US" sz="4800" b="1" dirty="0">
-              <a:solidFill>
-                <a:srgbClr val="FFFF00"/>
-              </a:solidFill>
-            </a:endParaRPr>
-          </a:p>
-        </p:txBody>
-      </p:sp>
-      <p:sp>
-        <p:nvSpPr>
-          <p:cNvPr id="5" name="日期版面配置區 4"/>
-          <p:cNvSpPr>
-            <a:spLocks noGrp="1"/>
-          </p:cNvSpPr>
-          <p:nvPr>
-            <p:ph type="dt" sz="half" idx="10"/>
-          </p:nvPr>
-        </p:nvSpPr>
-        <p:spPr/>
-        <p:txBody>
-          <a:bodyPr/>
-          <a:lstStyle/>
-          <a:p>
-            <a:fld id="{C389EDC9-19E3-47AC-9C57-C6A24DEA81AD}" type="datetime1">
-              <a:rPr lang="zh-TW" altLang="en-US" smtClean="0"/>
-              <a:pPr/>
-              <a:t>2020/5/26</a:t>
-            </a:fld>
-            <a:endParaRPr lang="zh-TW" altLang="en-US"/>
-          </a:p>
-        </p:txBody>
-      </p:sp>
-      <p:sp>
-        <p:nvSpPr>
-          <p:cNvPr id="6" name="投影片編號版面配置區 5"/>
-          <p:cNvSpPr>
-            <a:spLocks noGrp="1"/>
-          </p:cNvSpPr>
-          <p:nvPr>
-            <p:ph type="sldNum" sz="quarter" idx="12"/>
-          </p:nvPr>
-        </p:nvSpPr>
-        <p:spPr/>
-        <p:txBody>
-          <a:bodyPr/>
-          <a:lstStyle/>
-          <a:p>
-            <a:fld id="{E4D7E63D-91F2-4366-A2C4-1B00C9E2590E}" type="slidenum">
-              <a:rPr lang="zh-TW" altLang="en-US" smtClean="0"/>
-              <a:pPr/>
-              <a:t>7</a:t>
-            </a:fld>
-            <a:endParaRPr lang="zh-TW" altLang="en-US"/>
-          </a:p>
-        </p:txBody>
-      </p:sp>
-      <p:pic>
-        <p:nvPicPr>
-          <p:cNvPr id="2050" name="Picture 2"/>
-          <p:cNvPicPr>
-            <a:picLocks noChangeAspect="1" noChangeArrowheads="1"/>
-          </p:cNvPicPr>
-          <p:nvPr/>
-        </p:nvPicPr>
-        <p:blipFill>
-          <a:blip r:embed="rId2" cstate="print"/>
-          <a:srcRect/>
-          <a:stretch>
-            <a:fillRect/>
-          </a:stretch>
-        </p:blipFill>
-        <p:spPr bwMode="auto">
-          <a:xfrm>
-            <a:off x="4283968" y="3717032"/>
-            <a:ext cx="713805" cy="644588"/>
-          </a:xfrm>
-          <a:prstGeom prst="rect">
-            <a:avLst/>
-          </a:prstGeom>
-          <a:noFill/>
-          <a:ln w="9525">
-            <a:noFill/>
-            <a:miter lim="800000"/>
-            <a:headEnd/>
-            <a:tailEnd/>
-          </a:ln>
-        </p:spPr>
-      </p:pic>
-    </p:spTree>
-    <p:extLst>
-      <p:ext uri="{BB962C8B-B14F-4D97-AF65-F5344CB8AC3E}">
-        <p14:creationId xmlns:p14="http://schemas.microsoft.com/office/powerpoint/2010/main" val="2622943343"/>
-      </p:ext>
-    </p:extLst>
-  </p:cSld>
-  <p:clrMapOvr>
-    <a:masterClrMapping/>
-  </p:clrMapOvr>
-</p:sld>
-</file>
-
-<file path=ppt/slides/slide8.xml><?xml version="1.0" encoding="utf-8"?>
-<p:sld xmlns:a="http://schemas.openxmlformats.org/drawingml/2006/main" xmlns:r="http://schemas.openxmlformats.org/officeDocument/2006/relationships" xmlns:p="http://schemas.openxmlformats.org/presentationml/2006/main">
-  <p:cSld>
-    <p:spTree>
-      <p:nvGrpSpPr>
-        <p:cNvPr id="1" name=""/>
-        <p:cNvGrpSpPr/>
-        <p:nvPr/>
-      </p:nvGrpSpPr>
-      <p:grpSpPr>
-        <a:xfrm>
-          <a:off x="0" y="0"/>
-          <a:ext cx="0" cy="0"/>
-          <a:chOff x="0" y="0"/>
-          <a:chExt cx="0" cy="0"/>
-        </a:xfrm>
-      </p:grpSpPr>
-      <p:sp>
-        <p:nvSpPr>
-          <p:cNvPr id="2" name="標題 1"/>
-          <p:cNvSpPr>
-            <a:spLocks noGrp="1"/>
-          </p:cNvSpPr>
-          <p:nvPr>
-            <p:ph type="ctrTitle"/>
-          </p:nvPr>
-        </p:nvSpPr>
-        <p:spPr>
-          <a:xfrm>
-            <a:off x="0" y="1"/>
-            <a:ext cx="9144000" cy="764704"/>
-          </a:xfrm>
-          <a:gradFill flip="none" rotWithShape="1">
-            <a:gsLst>
-              <a:gs pos="0">
-                <a:srgbClr val="C00000">
-                  <a:shade val="30000"/>
-                  <a:satMod val="115000"/>
-                </a:srgbClr>
-              </a:gs>
-              <a:gs pos="50000">
-                <a:srgbClr val="C00000">
-                  <a:shade val="67500"/>
-                  <a:satMod val="115000"/>
-                </a:srgbClr>
-              </a:gs>
-              <a:gs pos="100000">
-                <a:srgbClr val="C00000">
-                  <a:shade val="100000"/>
-                  <a:satMod val="115000"/>
-                </a:srgbClr>
-              </a:gs>
-            </a:gsLst>
-            <a:path path="circle">
-              <a:fillToRect t="100000" r="100000"/>
-            </a:path>
-            <a:tileRect l="-100000" b="-100000"/>
-          </a:gradFill>
-        </p:spPr>
-        <p:txBody>
-          <a:bodyPr>
-            <a:normAutofit/>
-          </a:bodyPr>
-          <a:lstStyle/>
-          <a:p>
-            <a:pPr algn="l"/>
-            <a:r>
-              <a:rPr lang="en-US" altLang="zh-TW" b="1" dirty="0">
-                <a:solidFill>
-                  <a:srgbClr val="FFFF00"/>
-                </a:solidFill>
-              </a:rPr>
-              <a:t>28.2 Focus Input Text Field</a:t>
-            </a:r>
-            <a:endParaRPr lang="zh-TW" altLang="en-US" b="1" dirty="0">
-              <a:solidFill>
-                <a:srgbClr val="FFFF00"/>
-              </a:solidFill>
-            </a:endParaRPr>
-          </a:p>
-        </p:txBody>
-      </p:sp>
-      <p:sp>
-        <p:nvSpPr>
-          <p:cNvPr id="3" name="副標題 2"/>
-          <p:cNvSpPr>
-            <a:spLocks noGrp="1"/>
-          </p:cNvSpPr>
-          <p:nvPr>
-            <p:ph type="subTitle" idx="1"/>
-          </p:nvPr>
-        </p:nvSpPr>
-        <p:spPr>
-          <a:xfrm>
-            <a:off x="467544" y="1340768"/>
-            <a:ext cx="8219256" cy="648072"/>
-          </a:xfrm>
-          <a:ln>
-            <a:solidFill>
-              <a:srgbClr val="C00000"/>
-            </a:solidFill>
-          </a:ln>
-        </p:spPr>
-        <p:txBody>
-          <a:bodyPr>
-            <a:noAutofit/>
-          </a:bodyPr>
-          <a:lstStyle/>
-          <a:p>
-            <a:pPr marL="342900" indent="-342900" algn="l">
-              <a:buClr>
-                <a:srgbClr val="0070C0"/>
-              </a:buClr>
-              <a:buSzPct val="80000"/>
-              <a:buFont typeface="Wingdings" pitchFamily="2" charset="2"/>
-              <a:buChar char="u"/>
-            </a:pPr>
-            <a:r>
-              <a:rPr lang="en-US" altLang="zh-TW" sz="1600" dirty="0">
-                <a:solidFill>
-                  <a:schemeClr val="tx1"/>
-                </a:solidFill>
-                <a:latin typeface="+mj-lt"/>
-              </a:rPr>
-              <a:t>As soon as the page is loaded, we want the input text field to be focused.</a:t>
-            </a:r>
-          </a:p>
-          <a:p>
-            <a:pPr marL="342900" indent="-342900" algn="l">
-              <a:buClr>
-                <a:srgbClr val="0070C0"/>
-              </a:buClr>
-              <a:buSzPct val="80000"/>
-              <a:buFont typeface="Wingdings" pitchFamily="2" charset="2"/>
-              <a:buChar char="u"/>
-            </a:pPr>
-            <a:r>
-              <a:rPr lang="en-US" altLang="zh-TW" sz="1600" dirty="0">
-                <a:solidFill>
-                  <a:schemeClr val="tx1"/>
-                </a:solidFill>
-                <a:latin typeface="+mj-lt"/>
-              </a:rPr>
-              <a:t>Using refs, we can do this in three input steps.</a:t>
-            </a:r>
-          </a:p>
-        </p:txBody>
-      </p:sp>
-      <p:sp>
-        <p:nvSpPr>
-          <p:cNvPr id="4" name="標題 1"/>
-          <p:cNvSpPr txBox="1">
-            <a:spLocks/>
-          </p:cNvSpPr>
-          <p:nvPr/>
-        </p:nvSpPr>
-        <p:spPr>
-          <a:xfrm>
-            <a:off x="0" y="764704"/>
-            <a:ext cx="9144000" cy="398616"/>
-          </a:xfrm>
-          <a:prstGeom prst="rect">
-            <a:avLst/>
-          </a:prstGeom>
-          <a:gradFill flip="none" rotWithShape="1">
-            <a:gsLst>
-              <a:gs pos="0">
-                <a:srgbClr val="00B0F0">
-                  <a:shade val="30000"/>
-                  <a:satMod val="115000"/>
-                </a:srgbClr>
-              </a:gs>
-              <a:gs pos="50000">
-                <a:srgbClr val="00B0F0">
-                  <a:shade val="67500"/>
-                  <a:satMod val="115000"/>
-                </a:srgbClr>
-              </a:gs>
-              <a:gs pos="100000">
-                <a:srgbClr val="00B0F0">
-                  <a:shade val="100000"/>
-                  <a:satMod val="115000"/>
-                </a:srgbClr>
-              </a:gs>
-            </a:gsLst>
-            <a:path path="circle">
-              <a:fillToRect t="100000" r="100000"/>
-            </a:path>
-            <a:tileRect l="-100000" b="-100000"/>
-          </a:gradFill>
-        </p:spPr>
-        <p:txBody>
-          <a:bodyPr vert="horz" lIns="91440" tIns="45720" rIns="91440" bIns="45720" rtlCol="0" anchor="ctr">
-            <a:normAutofit fontScale="92500"/>
-          </a:bodyPr>
-          <a:lstStyle/>
-          <a:p>
-            <a:r>
-              <a:rPr lang="en-US" altLang="zh-TW" sz="1600" b="1" i="1" dirty="0"/>
-              <a:t>https://www.youtube.com/watch?v=FXa9mMTKOu8&amp;list=PLC3y8-rFHvwgg3vaYJgHGnModB54rxOk3&amp;index=28</a:t>
-            </a:r>
-          </a:p>
-        </p:txBody>
-      </p:sp>
-      <p:sp>
-        <p:nvSpPr>
-          <p:cNvPr id="5" name="日期版面配置區 4"/>
-          <p:cNvSpPr>
-            <a:spLocks noGrp="1"/>
-          </p:cNvSpPr>
-          <p:nvPr>
-            <p:ph type="dt" sz="half" idx="10"/>
-          </p:nvPr>
-        </p:nvSpPr>
-        <p:spPr>
-          <a:xfrm>
-            <a:off x="457200" y="6356350"/>
-            <a:ext cx="2133600" cy="404246"/>
-          </a:xfrm>
-        </p:spPr>
-        <p:txBody>
-          <a:bodyPr/>
-          <a:lstStyle/>
-          <a:p>
-            <a:fld id="{A4F910E6-8D00-4BAF-8C48-9688E0B449D3}" type="datetime1">
-              <a:rPr lang="zh-TW" altLang="en-US" smtClean="0"/>
-              <a:pPr/>
-              <a:t>2020/5/26</a:t>
-            </a:fld>
-            <a:endParaRPr lang="zh-TW" altLang="en-US"/>
-          </a:p>
-        </p:txBody>
-      </p:sp>
-      <p:sp>
-        <p:nvSpPr>
-          <p:cNvPr id="6" name="投影片編號版面配置區 5"/>
-          <p:cNvSpPr>
-            <a:spLocks noGrp="1"/>
-          </p:cNvSpPr>
-          <p:nvPr>
-            <p:ph type="sldNum" sz="quarter" idx="12"/>
-          </p:nvPr>
-        </p:nvSpPr>
-        <p:spPr>
-          <a:xfrm>
-            <a:off x="6553200" y="6356350"/>
-            <a:ext cx="2133600" cy="404246"/>
-          </a:xfrm>
-        </p:spPr>
-        <p:txBody>
-          <a:bodyPr/>
-          <a:lstStyle/>
-          <a:p>
-            <a:fld id="{E4D7E63D-91F2-4366-A2C4-1B00C9E2590E}" type="slidenum">
-              <a:rPr lang="zh-TW" altLang="en-US" smtClean="0"/>
-              <a:pPr/>
-              <a:t>8</a:t>
-            </a:fld>
-            <a:endParaRPr lang="zh-TW" altLang="en-US"/>
-          </a:p>
-        </p:txBody>
-      </p:sp>
-    </p:spTree>
-    <p:extLst>
-      <p:ext uri="{BB962C8B-B14F-4D97-AF65-F5344CB8AC3E}">
-        <p14:creationId xmlns:p14="http://schemas.microsoft.com/office/powerpoint/2010/main" val="2874762469"/>
-      </p:ext>
-    </p:extLst>
-  </p:cSld>
-  <p:clrMapOvr>
-    <a:masterClrMapping/>
-  </p:clrMapOvr>
-</p:sld>
-</file>
-
-<file path=ppt/slides/slide9.xml><?xml version="1.0" encoding="utf-8"?>
-<p:sld xmlns:a="http://schemas.openxmlformats.org/drawingml/2006/main" xmlns:r="http://schemas.openxmlformats.org/officeDocument/2006/relationships" xmlns:p="http://schemas.openxmlformats.org/presentationml/2006/main">
-  <p:cSld>
-    <p:spTree>
-      <p:nvGrpSpPr>
-        <p:cNvPr id="1" name=""/>
-        <p:cNvGrpSpPr/>
-        <p:nvPr/>
-      </p:nvGrpSpPr>
-      <p:grpSpPr>
-        <a:xfrm>
-          <a:off x="0" y="0"/>
-          <a:ext cx="0" cy="0"/>
-          <a:chOff x="0" y="0"/>
-          <a:chExt cx="0" cy="0"/>
-        </a:xfrm>
-      </p:grpSpPr>
-      <p:sp>
-        <p:nvSpPr>
-          <p:cNvPr id="2" name="標題 1"/>
-          <p:cNvSpPr>
-            <a:spLocks noGrp="1"/>
-          </p:cNvSpPr>
-          <p:nvPr>
-            <p:ph type="ctrTitle"/>
-          </p:nvPr>
-        </p:nvSpPr>
-        <p:spPr>
-          <a:xfrm>
-            <a:off x="0" y="2130425"/>
-            <a:ext cx="9144000" cy="1470025"/>
-          </a:xfrm>
-          <a:solidFill>
-            <a:srgbClr val="00B0F0"/>
-          </a:solidFill>
-        </p:spPr>
-        <p:txBody>
-          <a:bodyPr>
-            <a:normAutofit/>
-          </a:bodyPr>
-          <a:lstStyle/>
-          <a:p>
-            <a:r>
-              <a:rPr lang="en-US" altLang="zh-TW" sz="4800" b="1" dirty="0">
-                <a:solidFill>
-                  <a:srgbClr val="FFFF00"/>
-                </a:solidFill>
-              </a:rPr>
-              <a:t>28.3 First Step</a:t>
-            </a:r>
-            <a:endParaRPr lang="zh-TW" altLang="en-US" sz="4800" b="1" dirty="0">
-              <a:solidFill>
-                <a:srgbClr val="FFFF00"/>
-              </a:solidFill>
-            </a:endParaRPr>
-          </a:p>
-        </p:txBody>
-      </p:sp>
-      <p:sp>
-        <p:nvSpPr>
-          <p:cNvPr id="5" name="日期版面配置區 4"/>
-          <p:cNvSpPr>
-            <a:spLocks noGrp="1"/>
-          </p:cNvSpPr>
-          <p:nvPr>
-            <p:ph type="dt" sz="half" idx="10"/>
-          </p:nvPr>
-        </p:nvSpPr>
-        <p:spPr/>
-        <p:txBody>
-          <a:bodyPr/>
-          <a:lstStyle/>
-          <a:p>
-            <a:fld id="{C389EDC9-19E3-47AC-9C57-C6A24DEA81AD}" type="datetime1">
-              <a:rPr lang="zh-TW" altLang="en-US" smtClean="0"/>
-              <a:pPr/>
-              <a:t>2020/5/26</a:t>
-            </a:fld>
-            <a:endParaRPr lang="zh-TW" altLang="en-US"/>
-          </a:p>
-        </p:txBody>
-      </p:sp>
-      <p:sp>
-        <p:nvSpPr>
-          <p:cNvPr id="6" name="投影片編號版面配置區 5"/>
-          <p:cNvSpPr>
-            <a:spLocks noGrp="1"/>
-          </p:cNvSpPr>
-          <p:nvPr>
-            <p:ph type="sldNum" sz="quarter" idx="12"/>
-          </p:nvPr>
-        </p:nvSpPr>
-        <p:spPr/>
         <p:txBody>
           <a:bodyPr/>
           <a:lstStyle/>
@@ -10817,42 +9522,10 @@
           </a:p>
         </p:txBody>
       </p:sp>
-      <p:pic>
-        <p:nvPicPr>
-          <p:cNvPr id="2050" name="Picture 2"/>
-          <p:cNvPicPr>
-            <a:picLocks noChangeAspect="1" noChangeArrowheads="1"/>
-          </p:cNvPicPr>
-          <p:nvPr/>
-        </p:nvPicPr>
-        <p:blipFill>
-          <a:blip r:embed="rId2" cstate="print"/>
-          <a:srcRect/>
-          <a:stretch>
-            <a:fillRect/>
-          </a:stretch>
-        </p:blipFill>
-        <p:spPr bwMode="auto">
-          <a:xfrm>
-            <a:off x="4283968" y="3717032"/>
-            <a:ext cx="713805" cy="644588"/>
-          </a:xfrm>
-          <a:prstGeom prst="rect">
-            <a:avLst/>
-          </a:prstGeom>
-          <a:noFill/>
-          <a:ln w="9525">
-            <a:noFill/>
-            <a:miter lim="800000"/>
-            <a:headEnd/>
-            <a:tailEnd/>
-          </a:ln>
-        </p:spPr>
-      </p:pic>
     </p:spTree>
     <p:extLst>
       <p:ext uri="{BB962C8B-B14F-4D97-AF65-F5344CB8AC3E}">
-        <p14:creationId xmlns:p14="http://schemas.microsoft.com/office/powerpoint/2010/main" val="2978574777"/>
+        <p14:creationId xmlns:p14="http://schemas.microsoft.com/office/powerpoint/2010/main" val="3635047208"/>
       </p:ext>
     </p:extLst>
   </p:cSld>

--- a/28_Refs.pptx
+++ b/28_Refs.pptx
@@ -4008,9 +4008,12 @@
           <a:lstStyle/>
           <a:p>
             <a:r>
-              <a:rPr lang="en-US" altLang="zh-TW" sz="1600" b="1" i="1" dirty="0"/>
-              <a:t>https://www.youtube.com/watch?v=yCS2m01bQ6w&amp;list=PLC3y8-rFHvwgg3vaYJgHGnModB54rxOk3&amp;index=71</a:t>
-            </a:r>
+              <a:rPr lang="en-US" sz="1600" dirty="0">
+                <a:hlinkClick r:id="rId2"/>
+              </a:rPr>
+              <a:t>https://www.youtube.com/watch?v=FXa9mMTKOu8&amp;list=PLC3y8-rFHvwgg3vaYJgHGnModB54rxOk3&amp;index=28</a:t>
+            </a:r>
+            <a:endParaRPr lang="en-US" altLang="zh-TW" sz="1600" b="1" i="1" dirty="0"/>
           </a:p>
         </p:txBody>
       </p:sp>
@@ -4087,7 +4090,7 @@
           <p:nvPr/>
         </p:nvPicPr>
         <p:blipFill>
-          <a:blip r:embed="rId2"/>
+          <a:blip r:embed="rId3"/>
           <a:stretch>
             <a:fillRect/>
           </a:stretch>
@@ -4603,9 +4606,12 @@
           <a:lstStyle/>
           <a:p>
             <a:r>
-              <a:rPr lang="en-US" altLang="zh-TW" sz="1600" b="1" i="1" dirty="0"/>
-              <a:t>https://www.youtube.com/watch?v=yCS2m01bQ6w&amp;list=PLC3y8-rFHvwgg3vaYJgHGnModB54rxOk3&amp;index=71</a:t>
-            </a:r>
+              <a:rPr lang="en-US" sz="1600" dirty="0">
+                <a:hlinkClick r:id="rId2"/>
+              </a:rPr>
+              <a:t>https://www.youtube.com/watch?v=FXa9mMTKOu8&amp;list=PLC3y8-rFHvwgg3vaYJgHGnModB54rxOk3&amp;index=28</a:t>
+            </a:r>
+            <a:endParaRPr lang="en-US" altLang="zh-TW" sz="1600" b="1" i="1" dirty="0"/>
           </a:p>
         </p:txBody>
       </p:sp>
@@ -4682,7 +4688,7 @@
           <p:nvPr/>
         </p:nvPicPr>
         <p:blipFill>
-          <a:blip r:embed="rId2"/>
+          <a:blip r:embed="rId3"/>
           <a:stretch>
             <a:fillRect/>
           </a:stretch>
@@ -5339,9 +5345,12 @@
           <a:lstStyle/>
           <a:p>
             <a:r>
-              <a:rPr lang="en-US" altLang="zh-TW" sz="1600" b="1" i="1" dirty="0"/>
-              <a:t>https://www.youtube.com/watch?v=yCS2m01bQ6w&amp;list=PLC3y8-rFHvwgg3vaYJgHGnModB54rxOk3&amp;index=71</a:t>
-            </a:r>
+              <a:rPr lang="en-US" sz="1600" dirty="0">
+                <a:hlinkClick r:id="rId2"/>
+              </a:rPr>
+              <a:t>https://www.youtube.com/watch?v=FXa9mMTKOu8&amp;list=PLC3y8-rFHvwgg3vaYJgHGnModB54rxOk3&amp;index=28</a:t>
+            </a:r>
+            <a:endParaRPr lang="en-US" altLang="zh-TW" sz="1600" b="1" i="1" dirty="0"/>
           </a:p>
         </p:txBody>
       </p:sp>
@@ -5802,9 +5811,12 @@
           <a:lstStyle/>
           <a:p>
             <a:r>
-              <a:rPr lang="en-US" altLang="zh-TW" sz="1600" b="1" i="1" dirty="0"/>
-              <a:t>https://www.youtube.com/watch?v=yCS2m01bQ6w&amp;list=PLC3y8-rFHvwgg3vaYJgHGnModB54rxOk3&amp;index=71</a:t>
-            </a:r>
+              <a:rPr lang="en-US" sz="1600" dirty="0">
+                <a:hlinkClick r:id="rId2"/>
+              </a:rPr>
+              <a:t>https://www.youtube.com/watch?v=FXa9mMTKOu8&amp;list=PLC3y8-rFHvwgg3vaYJgHGnModB54rxOk3&amp;index=28</a:t>
+            </a:r>
+            <a:endParaRPr lang="en-US" altLang="zh-TW" sz="1600" b="1" i="1" dirty="0"/>
           </a:p>
         </p:txBody>
       </p:sp>
@@ -5881,7 +5893,7 @@
           <p:nvPr/>
         </p:nvPicPr>
         <p:blipFill>
-          <a:blip r:embed="rId2"/>
+          <a:blip r:embed="rId3"/>
           <a:stretch>
             <a:fillRect/>
           </a:stretch>
@@ -6131,9 +6143,12 @@
           <a:lstStyle/>
           <a:p>
             <a:r>
-              <a:rPr lang="en-US" altLang="zh-TW" sz="1600" b="1" i="1" dirty="0"/>
-              <a:t>https://www.youtube.com/watch?v=yCS2m01bQ6w&amp;list=PLC3y8-rFHvwgg3vaYJgHGnModB54rxOk3&amp;index=71</a:t>
-            </a:r>
+              <a:rPr lang="en-US" sz="1600" dirty="0">
+                <a:hlinkClick r:id="rId2"/>
+              </a:rPr>
+              <a:t>https://www.youtube.com/watch?v=FXa9mMTKOu8&amp;list=PLC3y8-rFHvwgg3vaYJgHGnModB54rxOk3&amp;index=28</a:t>
+            </a:r>
+            <a:endParaRPr lang="en-US" altLang="zh-TW" sz="1600" b="1" i="1" dirty="0"/>
           </a:p>
         </p:txBody>
       </p:sp>
@@ -6685,7 +6700,7 @@
               <a:rPr lang="en-US" sz="1600" dirty="0">
                 <a:hlinkClick r:id="rId2"/>
               </a:rPr>
-              <a:t>https://www.youtube.com/watch?v=yCS2m01bQ6w&amp;list=PLC3y8-rFHvwgg3vaYJgHGnModB54rxOk3&amp;index=71</a:t>
+              <a:t>https://www.youtube.com/watch?v=FXa9mMTKOu8&amp;list=PLC3y8-rFHvwgg3vaYJgHGnModB54rxOk3&amp;index=28</a:t>
             </a:r>
             <a:endParaRPr lang="en-US" altLang="zh-TW" sz="1600" b="1" i="1" dirty="0"/>
           </a:p>
@@ -7357,9 +7372,12 @@
           <a:lstStyle/>
           <a:p>
             <a:r>
-              <a:rPr lang="en-US" altLang="zh-TW" sz="1600" b="1" i="1" dirty="0"/>
-              <a:t>https://www.youtube.com/watch?v=yCS2m01bQ6w&amp;list=PLC3y8-rFHvwgg3vaYJgHGnModB54rxOk3&amp;index=71</a:t>
-            </a:r>
+              <a:rPr lang="en-US" sz="1600" dirty="0">
+                <a:hlinkClick r:id="rId2"/>
+              </a:rPr>
+              <a:t>https://www.youtube.com/watch?v=FXa9mMTKOu8&amp;list=PLC3y8-rFHvwgg3vaYJgHGnModB54rxOk3&amp;index=28</a:t>
+            </a:r>
+            <a:endParaRPr lang="en-US" altLang="zh-TW" sz="1600" b="1" i="1" dirty="0"/>
           </a:p>
         </p:txBody>
       </p:sp>
@@ -7787,7 +7805,7 @@
               <a:rPr lang="en-US" sz="1600" dirty="0">
                 <a:hlinkClick r:id="rId2"/>
               </a:rPr>
-              <a:t>https://www.youtube.com/watch?v=yCS2m01bQ6w&amp;list=PLC3y8-rFHvwgg3vaYJgHGnModB54rxOk3&amp;index=71</a:t>
+              <a:t>https://www.youtube.com/watch?v=FXa9mMTKOu8&amp;list=PLC3y8-rFHvwgg3vaYJgHGnModB54rxOk3&amp;index=28</a:t>
             </a:r>
             <a:endParaRPr lang="en-US" altLang="zh-TW" sz="1600" b="1" i="1" dirty="0"/>
           </a:p>
@@ -8234,9 +8252,12 @@
           <a:lstStyle/>
           <a:p>
             <a:r>
-              <a:rPr lang="en-US" altLang="zh-TW" sz="1600" b="1" i="1" dirty="0"/>
-              <a:t>https://www.youtube.com/watch?v=yCS2m01bQ6w&amp;list=PLC3y8-rFHvwgg3vaYJgHGnModB54rxOk3&amp;index=71</a:t>
-            </a:r>
+              <a:rPr lang="en-US" sz="1600" dirty="0">
+                <a:hlinkClick r:id="rId2"/>
+              </a:rPr>
+              <a:t>https://www.youtube.com/watch?v=FXa9mMTKOu8&amp;list=PLC3y8-rFHvwgg3vaYJgHGnModB54rxOk3&amp;index=28</a:t>
+            </a:r>
+            <a:endParaRPr lang="en-US" altLang="zh-TW" sz="1600" b="1" i="1" dirty="0"/>
           </a:p>
         </p:txBody>
       </p:sp>
@@ -8313,7 +8334,7 @@
           <p:nvPr/>
         </p:nvPicPr>
         <p:blipFill>
-          <a:blip r:embed="rId2"/>
+          <a:blip r:embed="rId3"/>
           <a:stretch>
             <a:fillRect/>
           </a:stretch>
@@ -8530,8 +8551,10 @@
           <a:lstStyle/>
           <a:p>
             <a:r>
-              <a:rPr lang="en-US" altLang="zh-TW" sz="1600" b="1" i="1"/>
-              <a:t>https://www.youtube.com/watch?v=yCS2m01bQ6w&amp;list=PLC3y8-rFHvwgg3vaYJgHGnModB54rxOk3&amp;index=71</a:t>
+              <a:rPr lang="en-US" sz="1600" dirty="0">
+                <a:hlinkClick r:id="rId2"/>
+              </a:rPr>
+              <a:t>https://www.youtube.com/watch?v=FXa9mMTKOu8&amp;list=PLC3y8-rFHvwgg3vaYJgHGnModB54rxOk3&amp;index=28</a:t>
             </a:r>
             <a:endParaRPr lang="en-US" altLang="zh-TW" sz="1600" b="1" i="1" dirty="0"/>
           </a:p>
@@ -8610,7 +8633,7 @@
           <p:nvPr/>
         </p:nvPicPr>
         <p:blipFill>
-          <a:blip r:embed="rId2"/>
+          <a:blip r:embed="rId3"/>
           <a:stretch>
             <a:fillRect/>
           </a:stretch>
@@ -8897,8 +8920,10 @@
           <a:lstStyle/>
           <a:p>
             <a:r>
-              <a:rPr lang="en-US" altLang="zh-TW" sz="1600" b="1" i="1"/>
-              <a:t>https://www.youtube.com/watch?v=yCS2m01bQ6w&amp;list=PLC3y8-rFHvwgg3vaYJgHGnModB54rxOk3&amp;index=71</a:t>
+              <a:rPr lang="en-US" sz="1600" dirty="0">
+                <a:hlinkClick r:id="rId2"/>
+              </a:rPr>
+              <a:t>https://www.youtube.com/watch?v=FXa9mMTKOu8&amp;list=PLC3y8-rFHvwgg3vaYJgHGnModB54rxOk3&amp;index=28</a:t>
             </a:r>
             <a:endParaRPr lang="en-US" altLang="zh-TW" sz="1600" b="1" i="1" dirty="0"/>
           </a:p>
@@ -8977,7 +9002,7 @@
           <p:nvPr/>
         </p:nvPicPr>
         <p:blipFill>
-          <a:blip r:embed="rId2"/>
+          <a:blip r:embed="rId3"/>
           <a:stretch>
             <a:fillRect/>
           </a:stretch>
@@ -9458,9 +9483,12 @@
           <a:lstStyle/>
           <a:p>
             <a:r>
-              <a:rPr lang="en-US" altLang="zh-TW" sz="1600" b="1" i="1" dirty="0"/>
-              <a:t>https://www.youtube.com/watch?v=yCS2m01bQ6w&amp;list=PLC3y8-rFHvwgg3vaYJgHGnModB54rxOk3&amp;index=71</a:t>
-            </a:r>
+              <a:rPr lang="en-US" sz="1600" dirty="0">
+                <a:hlinkClick r:id="rId2"/>
+              </a:rPr>
+              <a:t>https://www.youtube.com/watch?v=FXa9mMTKOu8&amp;list=PLC3y8-rFHvwgg3vaYJgHGnModB54rxOk3&amp;index=28</a:t>
+            </a:r>
+            <a:endParaRPr lang="en-US" altLang="zh-TW" sz="1600" b="1" i="1" dirty="0"/>
           </a:p>
         </p:txBody>
       </p:sp>
